--- a/CRM PROJECT.pptx
+++ b/CRM PROJECT.pptx
@@ -3885,7 +3885,7 @@
               <a:buFont typeface="Arial" panose="020B0604020202020204" pitchFamily="34" charset="0"/>
               <a:buChar char="•"/>
             </a:pPr>
-            <a:endParaRPr lang="en-US"/>
+            <a:endParaRPr lang="en-US" dirty="0"/>
           </a:p>
         </p:txBody>
       </p:sp>

--- a/CRM PROJECT.pptx
+++ b/CRM PROJECT.pptx
@@ -2,7 +2,7 @@
 <file path=ppt/presentation.xml><?xml version="1.0" encoding="utf-8"?>
 <p:presentation xmlns:a="http://schemas.openxmlformats.org/drawingml/2006/main" xmlns:r="http://schemas.openxmlformats.org/officeDocument/2006/relationships" xmlns:p="http://schemas.openxmlformats.org/presentationml/2006/main" saveSubsetFonts="1">
   <p:sldMasterIdLst>
-    <p:sldMasterId id="2147483648" r:id="rId1"/>
+    <p:sldMasterId id="2147483767" r:id="rId1"/>
   </p:sldMasterIdLst>
   <p:sldIdLst>
     <p:sldId id="256" r:id="rId2"/>
@@ -110,11 +110,16 @@
       </a:defRPr>
     </a:lvl9pPr>
   </p:defaultTextStyle>
+  <p:extLst>
+    <p:ext uri="{EFAFB233-063F-42B5-8137-9DF3F51BA10A}">
+      <p15:sldGuideLst xmlns:p15="http://schemas.microsoft.com/office/powerpoint/2012/main"/>
+    </p:ext>
+  </p:extLst>
 </p:presentation>
 </file>
 
 <file path=ppt/slideLayouts/slideLayout1.xml><?xml version="1.0" encoding="utf-8"?>
-<p:sldLayout xmlns:a="http://schemas.openxmlformats.org/drawingml/2006/main" xmlns:r="http://schemas.openxmlformats.org/officeDocument/2006/relationships" xmlns:p="http://schemas.openxmlformats.org/presentationml/2006/main" type="title" preserve="1">
+<p:sldLayout xmlns:a="http://schemas.openxmlformats.org/drawingml/2006/main" xmlns:r="http://schemas.openxmlformats.org/officeDocument/2006/relationships" xmlns:p="http://schemas.openxmlformats.org/presentationml/2006/main" showMasterSp="0" type="title" preserve="1">
   <p:cSld name="Title Slide">
     <p:spTree>
       <p:nvGrpSpPr>
@@ -132,6 +137,84 @@
       </p:grpSpPr>
       <p:sp>
         <p:nvSpPr>
+          <p:cNvPr id="7" name="Rectangle 6"/>
+          <p:cNvSpPr/>
+          <p:nvPr/>
+        </p:nvSpPr>
+        <p:spPr>
+          <a:xfrm>
+            <a:off x="3175" y="6400800"/>
+            <a:ext cx="12188825" cy="457200"/>
+          </a:xfrm>
+          <a:prstGeom prst="rect">
+            <a:avLst/>
+          </a:prstGeom>
+          <a:solidFill>
+            <a:schemeClr val="accent4">
+              <a:lumMod val="75000"/>
+            </a:schemeClr>
+          </a:solidFill>
+          <a:ln>
+            <a:noFill/>
+          </a:ln>
+        </p:spPr>
+        <p:style>
+          <a:lnRef idx="2">
+            <a:schemeClr val="accent1">
+              <a:shade val="50000"/>
+            </a:schemeClr>
+          </a:lnRef>
+          <a:fillRef idx="1">
+            <a:schemeClr val="accent1"/>
+          </a:fillRef>
+          <a:effectRef idx="0">
+            <a:schemeClr val="accent1"/>
+          </a:effectRef>
+          <a:fontRef idx="minor">
+            <a:schemeClr val="lt1"/>
+          </a:fontRef>
+        </p:style>
+      </p:sp>
+      <p:sp>
+        <p:nvSpPr>
+          <p:cNvPr id="8" name="Rectangle 7"/>
+          <p:cNvSpPr/>
+          <p:nvPr/>
+        </p:nvSpPr>
+        <p:spPr>
+          <a:xfrm>
+            <a:off x="15" y="6334316"/>
+            <a:ext cx="12188825" cy="64008"/>
+          </a:xfrm>
+          <a:prstGeom prst="rect">
+            <a:avLst/>
+          </a:prstGeom>
+          <a:solidFill>
+            <a:schemeClr val="accent4"/>
+          </a:solidFill>
+          <a:ln>
+            <a:noFill/>
+          </a:ln>
+        </p:spPr>
+        <p:style>
+          <a:lnRef idx="2">
+            <a:schemeClr val="accent1">
+              <a:shade val="50000"/>
+            </a:schemeClr>
+          </a:lnRef>
+          <a:fillRef idx="1">
+            <a:schemeClr val="accent1"/>
+          </a:fillRef>
+          <a:effectRef idx="0">
+            <a:schemeClr val="accent1"/>
+          </a:effectRef>
+          <a:fontRef idx="minor">
+            <a:schemeClr val="lt1"/>
+          </a:fontRef>
+        </p:style>
+      </p:sp>
+      <p:sp>
+        <p:nvSpPr>
           <p:cNvPr id="2" name="Title 1"/>
           <p:cNvSpPr>
             <a:spLocks noGrp="1"/>
@@ -142,15 +225,27 @@
         </p:nvSpPr>
         <p:spPr>
           <a:xfrm>
-            <a:off x="1524000" y="1122363"/>
-            <a:ext cx="9144000" cy="2387600"/>
-          </a:xfrm>
-        </p:spPr>
-        <p:txBody>
-          <a:bodyPr anchor="b"/>
+            <a:off x="1097280" y="758952"/>
+            <a:ext cx="10058400" cy="3566160"/>
+          </a:xfrm>
+        </p:spPr>
+        <p:txBody>
+          <a:bodyPr anchor="b">
+            <a:normAutofit/>
+          </a:bodyPr>
           <a:lstStyle>
-            <a:lvl1pPr algn="ctr">
-              <a:defRPr sz="6000"/>
+            <a:lvl1pPr algn="l">
+              <a:lnSpc>
+                <a:spcPct val="85000"/>
+              </a:lnSpc>
+              <a:defRPr sz="8000" spc="-50" baseline="0">
+                <a:solidFill>
+                  <a:schemeClr val="tx1">
+                    <a:lumMod val="85000"/>
+                    <a:lumOff val="15000"/>
+                  </a:schemeClr>
+                </a:solidFill>
+              </a:defRPr>
             </a:lvl1pPr>
           </a:lstStyle>
           <a:p>
@@ -158,7 +253,7 @@
               <a:rPr lang="en-US" smtClean="0"/>
               <a:t>Click to edit Master title style</a:t>
             </a:r>
-            <a:endParaRPr lang="en-US"/>
+            <a:endParaRPr lang="en-US" dirty="0"/>
           </a:p>
         </p:txBody>
       </p:sp>
@@ -174,48 +269,55 @@
         </p:nvSpPr>
         <p:spPr>
           <a:xfrm>
-            <a:off x="1524000" y="3602038"/>
-            <a:ext cx="9144000" cy="1655762"/>
-          </a:xfrm>
-        </p:spPr>
-        <p:txBody>
-          <a:bodyPr/>
+            <a:off x="1100051" y="4455621"/>
+            <a:ext cx="10058400" cy="1143000"/>
+          </a:xfrm>
+        </p:spPr>
+        <p:txBody>
+          <a:bodyPr lIns="91440" rIns="91440">
+            <a:normAutofit/>
+          </a:bodyPr>
           <a:lstStyle>
-            <a:lvl1pPr marL="0" indent="0" algn="ctr">
-              <a:buNone/>
-              <a:defRPr sz="2400"/>
+            <a:lvl1pPr marL="0" indent="0" algn="l">
+              <a:buNone/>
+              <a:defRPr sz="2400" cap="all" spc="200" baseline="0">
+                <a:solidFill>
+                  <a:schemeClr val="tx2"/>
+                </a:solidFill>
+                <a:latin typeface="+mj-lt"/>
+              </a:defRPr>
             </a:lvl1pPr>
             <a:lvl2pPr marL="457200" indent="0" algn="ctr">
               <a:buNone/>
-              <a:defRPr sz="2000"/>
+              <a:defRPr sz="2400"/>
             </a:lvl2pPr>
             <a:lvl3pPr marL="914400" indent="0" algn="ctr">
               <a:buNone/>
-              <a:defRPr sz="1800"/>
+              <a:defRPr sz="2400"/>
             </a:lvl3pPr>
             <a:lvl4pPr marL="1371600" indent="0" algn="ctr">
               <a:buNone/>
-              <a:defRPr sz="1600"/>
+              <a:defRPr sz="2000"/>
             </a:lvl4pPr>
             <a:lvl5pPr marL="1828800" indent="0" algn="ctr">
               <a:buNone/>
-              <a:defRPr sz="1600"/>
+              <a:defRPr sz="2000"/>
             </a:lvl5pPr>
             <a:lvl6pPr marL="2286000" indent="0" algn="ctr">
               <a:buNone/>
-              <a:defRPr sz="1600"/>
+              <a:defRPr sz="2000"/>
             </a:lvl6pPr>
             <a:lvl7pPr marL="2743200" indent="0" algn="ctr">
               <a:buNone/>
-              <a:defRPr sz="1600"/>
+              <a:defRPr sz="2000"/>
             </a:lvl7pPr>
             <a:lvl8pPr marL="3200400" indent="0" algn="ctr">
               <a:buNone/>
-              <a:defRPr sz="1600"/>
+              <a:defRPr sz="2000"/>
             </a:lvl8pPr>
             <a:lvl9pPr marL="3657600" indent="0" algn="ctr">
               <a:buNone/>
-              <a:defRPr sz="1600"/>
+              <a:defRPr sz="2000"/>
             </a:lvl9pPr>
           </a:lstStyle>
           <a:p>
@@ -223,7 +325,7 @@
               <a:rPr lang="en-US" smtClean="0"/>
               <a:t>Click to edit Master subtitle style</a:t>
             </a:r>
-            <a:endParaRPr lang="en-US"/>
+            <a:endParaRPr lang="en-US" dirty="0"/>
           </a:p>
         </p:txBody>
       </p:sp>
@@ -292,10 +394,48 @@
           </a:p>
         </p:txBody>
       </p:sp>
+      <p:cxnSp>
+        <p:nvCxnSpPr>
+          <p:cNvPr id="9" name="Straight Connector 8"/>
+          <p:cNvCxnSpPr/>
+          <p:nvPr/>
+        </p:nvCxnSpPr>
+        <p:spPr>
+          <a:xfrm>
+            <a:off x="1207658" y="4343400"/>
+            <a:ext cx="9875520" cy="0"/>
+          </a:xfrm>
+          <a:prstGeom prst="line">
+            <a:avLst/>
+          </a:prstGeom>
+          <a:ln w="6350">
+            <a:solidFill>
+              <a:schemeClr val="tx1">
+                <a:lumMod val="50000"/>
+                <a:lumOff val="50000"/>
+              </a:schemeClr>
+            </a:solidFill>
+          </a:ln>
+        </p:spPr>
+        <p:style>
+          <a:lnRef idx="1">
+            <a:schemeClr val="accent1"/>
+          </a:lnRef>
+          <a:fillRef idx="0">
+            <a:schemeClr val="accent1"/>
+          </a:fillRef>
+          <a:effectRef idx="0">
+            <a:schemeClr val="accent1"/>
+          </a:effectRef>
+          <a:fontRef idx="minor">
+            <a:schemeClr val="tx1"/>
+          </a:fontRef>
+        </p:style>
+      </p:cxnSp>
     </p:spTree>
     <p:extLst>
       <p:ext uri="{BB962C8B-B14F-4D97-AF65-F5344CB8AC3E}">
-        <p14:creationId xmlns:p14="http://schemas.microsoft.com/office/powerpoint/2010/main" val="4148029295"/>
+        <p14:creationId xmlns:p14="http://schemas.microsoft.com/office/powerpoint/2010/main" val="2861209793"/>
       </p:ext>
     </p:extLst>
   </p:cSld>
@@ -341,7 +481,7 @@
               <a:rPr lang="en-US" smtClean="0"/>
               <a:t>Click to edit Master title style</a:t>
             </a:r>
-            <a:endParaRPr lang="en-US"/>
+            <a:endParaRPr lang="en-US" dirty="0"/>
           </a:p>
         </p:txBody>
       </p:sp>
@@ -357,7 +497,7 @@
         </p:nvSpPr>
         <p:spPr/>
         <p:txBody>
-          <a:bodyPr vert="eaVert"/>
+          <a:bodyPr vert="eaVert" lIns="45720" tIns="0" rIns="45720" bIns="0"/>
           <a:lstStyle/>
           <a:p>
             <a:pPr lvl="0"/>
@@ -393,7 +533,7 @@
               <a:rPr lang="en-US" smtClean="0"/>
               <a:t>Fifth level</a:t>
             </a:r>
-            <a:endParaRPr lang="en-US"/>
+            <a:endParaRPr lang="en-US" dirty="0"/>
           </a:p>
         </p:txBody>
       </p:sp>
@@ -465,7 +605,7 @@
     </p:spTree>
     <p:extLst>
       <p:ext uri="{BB962C8B-B14F-4D97-AF65-F5344CB8AC3E}">
-        <p14:creationId xmlns:p14="http://schemas.microsoft.com/office/powerpoint/2010/main" val="2994095942"/>
+        <p14:creationId xmlns:p14="http://schemas.microsoft.com/office/powerpoint/2010/main" val="306548440"/>
       </p:ext>
     </p:extLst>
   </p:cSld>
@@ -476,7 +616,7 @@
 </file>
 
 <file path=ppt/slideLayouts/slideLayout11.xml><?xml version="1.0" encoding="utf-8"?>
-<p:sldLayout xmlns:a="http://schemas.openxmlformats.org/drawingml/2006/main" xmlns:r="http://schemas.openxmlformats.org/officeDocument/2006/relationships" xmlns:p="http://schemas.openxmlformats.org/presentationml/2006/main" type="vertTitleAndTx" preserve="1">
+<p:sldLayout xmlns:a="http://schemas.openxmlformats.org/drawingml/2006/main" xmlns:r="http://schemas.openxmlformats.org/officeDocument/2006/relationships" xmlns:p="http://schemas.openxmlformats.org/presentationml/2006/main" showMasterSp="0" type="vertTitleAndTx" preserve="1">
   <p:cSld name="Vertical Title and Text">
     <p:spTree>
       <p:nvGrpSpPr>
@@ -494,6 +634,84 @@
       </p:grpSpPr>
       <p:sp>
         <p:nvSpPr>
+          <p:cNvPr id="7" name="Rectangle 6"/>
+          <p:cNvSpPr/>
+          <p:nvPr/>
+        </p:nvSpPr>
+        <p:spPr>
+          <a:xfrm>
+            <a:off x="3175" y="6400800"/>
+            <a:ext cx="12188825" cy="457200"/>
+          </a:xfrm>
+          <a:prstGeom prst="rect">
+            <a:avLst/>
+          </a:prstGeom>
+          <a:solidFill>
+            <a:schemeClr val="accent4">
+              <a:lumMod val="75000"/>
+            </a:schemeClr>
+          </a:solidFill>
+          <a:ln>
+            <a:noFill/>
+          </a:ln>
+        </p:spPr>
+        <p:style>
+          <a:lnRef idx="2">
+            <a:schemeClr val="accent1">
+              <a:shade val="50000"/>
+            </a:schemeClr>
+          </a:lnRef>
+          <a:fillRef idx="1">
+            <a:schemeClr val="accent1"/>
+          </a:fillRef>
+          <a:effectRef idx="0">
+            <a:schemeClr val="accent1"/>
+          </a:effectRef>
+          <a:fontRef idx="minor">
+            <a:schemeClr val="lt1"/>
+          </a:fontRef>
+        </p:style>
+      </p:sp>
+      <p:sp>
+        <p:nvSpPr>
+          <p:cNvPr id="8" name="Rectangle 7"/>
+          <p:cNvSpPr/>
+          <p:nvPr/>
+        </p:nvSpPr>
+        <p:spPr>
+          <a:xfrm>
+            <a:off x="15" y="6334316"/>
+            <a:ext cx="12188825" cy="64008"/>
+          </a:xfrm>
+          <a:prstGeom prst="rect">
+            <a:avLst/>
+          </a:prstGeom>
+          <a:solidFill>
+            <a:schemeClr val="accent4"/>
+          </a:solidFill>
+          <a:ln>
+            <a:noFill/>
+          </a:ln>
+        </p:spPr>
+        <p:style>
+          <a:lnRef idx="2">
+            <a:schemeClr val="accent1">
+              <a:shade val="50000"/>
+            </a:schemeClr>
+          </a:lnRef>
+          <a:fillRef idx="1">
+            <a:schemeClr val="accent1"/>
+          </a:fillRef>
+          <a:effectRef idx="0">
+            <a:schemeClr val="accent1"/>
+          </a:effectRef>
+          <a:fontRef idx="minor">
+            <a:schemeClr val="lt1"/>
+          </a:fontRef>
+        </p:style>
+      </p:sp>
+      <p:sp>
+        <p:nvSpPr>
           <p:cNvPr id="2" name="Vertical Title 1"/>
           <p:cNvSpPr>
             <a:spLocks noGrp="1"/>
@@ -504,8 +722,8 @@
         </p:nvSpPr>
         <p:spPr>
           <a:xfrm>
-            <a:off x="8724900" y="365125"/>
-            <a:ext cx="2628900" cy="5811838"/>
+            <a:off x="8724900" y="412302"/>
+            <a:ext cx="2628900" cy="5759898"/>
           </a:xfrm>
         </p:spPr>
         <p:txBody>
@@ -516,7 +734,7 @@
               <a:rPr lang="en-US" smtClean="0"/>
               <a:t>Click to edit Master title style</a:t>
             </a:r>
-            <a:endParaRPr lang="en-US"/>
+            <a:endParaRPr lang="en-US" dirty="0"/>
           </a:p>
         </p:txBody>
       </p:sp>
@@ -532,12 +750,12 @@
         </p:nvSpPr>
         <p:spPr>
           <a:xfrm>
-            <a:off x="838200" y="365125"/>
-            <a:ext cx="7734300" cy="5811838"/>
-          </a:xfrm>
-        </p:spPr>
-        <p:txBody>
-          <a:bodyPr vert="eaVert"/>
+            <a:off x="838200" y="412302"/>
+            <a:ext cx="7734300" cy="5759898"/>
+          </a:xfrm>
+        </p:spPr>
+        <p:txBody>
+          <a:bodyPr vert="eaVert" lIns="45720" tIns="0" rIns="45720" bIns="0"/>
           <a:lstStyle/>
           <a:p>
             <a:pPr lvl="0"/>
@@ -573,7 +791,7 @@
               <a:rPr lang="en-US" smtClean="0"/>
               <a:t>Fifth level</a:t>
             </a:r>
-            <a:endParaRPr lang="en-US"/>
+            <a:endParaRPr lang="en-US" dirty="0"/>
           </a:p>
         </p:txBody>
       </p:sp>
@@ -645,7 +863,7 @@
     </p:spTree>
     <p:extLst>
       <p:ext uri="{BB962C8B-B14F-4D97-AF65-F5344CB8AC3E}">
-        <p14:creationId xmlns:p14="http://schemas.microsoft.com/office/powerpoint/2010/main" val="2484311281"/>
+        <p14:creationId xmlns:p14="http://schemas.microsoft.com/office/powerpoint/2010/main" val="1059839865"/>
       </p:ext>
     </p:extLst>
   </p:cSld>
@@ -691,7 +909,7 @@
               <a:rPr lang="en-US" smtClean="0"/>
               <a:t>Click to edit Master title style</a:t>
             </a:r>
-            <a:endParaRPr lang="en-US"/>
+            <a:endParaRPr lang="en-US" dirty="0"/>
           </a:p>
         </p:txBody>
       </p:sp>
@@ -743,7 +961,7 @@
               <a:rPr lang="en-US" smtClean="0"/>
               <a:t>Fifth level</a:t>
             </a:r>
-            <a:endParaRPr lang="en-US"/>
+            <a:endParaRPr lang="en-US" dirty="0"/>
           </a:p>
         </p:txBody>
       </p:sp>
@@ -815,7 +1033,7 @@
     </p:spTree>
     <p:extLst>
       <p:ext uri="{BB962C8B-B14F-4D97-AF65-F5344CB8AC3E}">
-        <p14:creationId xmlns:p14="http://schemas.microsoft.com/office/powerpoint/2010/main" val="4156011808"/>
+        <p14:creationId xmlns:p14="http://schemas.microsoft.com/office/powerpoint/2010/main" val="4232301259"/>
       </p:ext>
     </p:extLst>
   </p:cSld>
@@ -826,7 +1044,7 @@
 </file>
 
 <file path=ppt/slideLayouts/slideLayout3.xml><?xml version="1.0" encoding="utf-8"?>
-<p:sldLayout xmlns:a="http://schemas.openxmlformats.org/drawingml/2006/main" xmlns:r="http://schemas.openxmlformats.org/officeDocument/2006/relationships" xmlns:p="http://schemas.openxmlformats.org/presentationml/2006/main" type="secHead" preserve="1">
+<p:sldLayout xmlns:a="http://schemas.openxmlformats.org/drawingml/2006/main" xmlns:r="http://schemas.openxmlformats.org/officeDocument/2006/relationships" xmlns:p="http://schemas.openxmlformats.org/presentationml/2006/main" showMasterSp="0" type="secHead" preserve="1">
   <p:cSld name="Section Header">
     <p:spTree>
       <p:nvGrpSpPr>
@@ -844,6 +1062,84 @@
       </p:grpSpPr>
       <p:sp>
         <p:nvSpPr>
+          <p:cNvPr id="7" name="Rectangle 6"/>
+          <p:cNvSpPr/>
+          <p:nvPr/>
+        </p:nvSpPr>
+        <p:spPr>
+          <a:xfrm>
+            <a:off x="3175" y="6400800"/>
+            <a:ext cx="12188825" cy="457200"/>
+          </a:xfrm>
+          <a:prstGeom prst="rect">
+            <a:avLst/>
+          </a:prstGeom>
+          <a:solidFill>
+            <a:schemeClr val="accent4">
+              <a:lumMod val="75000"/>
+            </a:schemeClr>
+          </a:solidFill>
+          <a:ln>
+            <a:noFill/>
+          </a:ln>
+        </p:spPr>
+        <p:style>
+          <a:lnRef idx="2">
+            <a:schemeClr val="accent1">
+              <a:shade val="50000"/>
+            </a:schemeClr>
+          </a:lnRef>
+          <a:fillRef idx="1">
+            <a:schemeClr val="accent1"/>
+          </a:fillRef>
+          <a:effectRef idx="0">
+            <a:schemeClr val="accent1"/>
+          </a:effectRef>
+          <a:fontRef idx="minor">
+            <a:schemeClr val="lt1"/>
+          </a:fontRef>
+        </p:style>
+      </p:sp>
+      <p:sp>
+        <p:nvSpPr>
+          <p:cNvPr id="8" name="Rectangle 7"/>
+          <p:cNvSpPr/>
+          <p:nvPr/>
+        </p:nvSpPr>
+        <p:spPr>
+          <a:xfrm>
+            <a:off x="15" y="6334316"/>
+            <a:ext cx="12188825" cy="64008"/>
+          </a:xfrm>
+          <a:prstGeom prst="rect">
+            <a:avLst/>
+          </a:prstGeom>
+          <a:solidFill>
+            <a:schemeClr val="accent4"/>
+          </a:solidFill>
+          <a:ln>
+            <a:noFill/>
+          </a:ln>
+        </p:spPr>
+        <p:style>
+          <a:lnRef idx="2">
+            <a:schemeClr val="accent1">
+              <a:shade val="50000"/>
+            </a:schemeClr>
+          </a:lnRef>
+          <a:fillRef idx="1">
+            <a:schemeClr val="accent1"/>
+          </a:fillRef>
+          <a:effectRef idx="0">
+            <a:schemeClr val="accent1"/>
+          </a:effectRef>
+          <a:fontRef idx="minor">
+            <a:schemeClr val="lt1"/>
+          </a:fontRef>
+        </p:style>
+      </p:sp>
+      <p:sp>
+        <p:nvSpPr>
           <p:cNvPr id="2" name="Title 1"/>
           <p:cNvSpPr>
             <a:spLocks noGrp="1"/>
@@ -854,58 +1150,71 @@
         </p:nvSpPr>
         <p:spPr>
           <a:xfrm>
-            <a:off x="831850" y="1709738"/>
-            <a:ext cx="10515600" cy="2852737"/>
-          </a:xfrm>
-        </p:spPr>
-        <p:txBody>
-          <a:bodyPr anchor="b"/>
+            <a:off x="1097280" y="758952"/>
+            <a:ext cx="10058400" cy="3566160"/>
+          </a:xfrm>
+        </p:spPr>
+        <p:txBody>
+          <a:bodyPr anchor="b" anchorCtr="0">
+            <a:normAutofit/>
+          </a:bodyPr>
           <a:lstStyle>
             <a:lvl1pPr>
-              <a:defRPr sz="6000"/>
-            </a:lvl1pPr>
-          </a:lstStyle>
-          <a:p>
-            <a:r>
-              <a:rPr lang="en-US" smtClean="0"/>
-              <a:t>Click to edit Master title style</a:t>
-            </a:r>
-            <a:endParaRPr lang="en-US"/>
-          </a:p>
-        </p:txBody>
-      </p:sp>
-      <p:sp>
-        <p:nvSpPr>
-          <p:cNvPr id="3" name="Text Placeholder 2"/>
-          <p:cNvSpPr>
-            <a:spLocks noGrp="1"/>
-          </p:cNvSpPr>
-          <p:nvPr>
-            <p:ph type="body" idx="1"/>
-          </p:nvPr>
-        </p:nvSpPr>
-        <p:spPr>
-          <a:xfrm>
-            <a:off x="831850" y="4589463"/>
-            <a:ext cx="10515600" cy="1500187"/>
-          </a:xfrm>
-        </p:spPr>
-        <p:txBody>
-          <a:bodyPr/>
-          <a:lstStyle>
-            <a:lvl1pPr marL="0" indent="0">
-              <a:buNone/>
-              <a:defRPr sz="2400">
+              <a:lnSpc>
+                <a:spcPct val="85000"/>
+              </a:lnSpc>
+              <a:defRPr sz="8000" b="0">
                 <a:solidFill>
                   <a:schemeClr val="tx1">
-                    <a:tint val="75000"/>
+                    <a:lumMod val="85000"/>
+                    <a:lumOff val="15000"/>
                   </a:schemeClr>
                 </a:solidFill>
               </a:defRPr>
             </a:lvl1pPr>
+          </a:lstStyle>
+          <a:p>
+            <a:r>
+              <a:rPr lang="en-US" smtClean="0"/>
+              <a:t>Click to edit Master title style</a:t>
+            </a:r>
+            <a:endParaRPr lang="en-US" dirty="0"/>
+          </a:p>
+        </p:txBody>
+      </p:sp>
+      <p:sp>
+        <p:nvSpPr>
+          <p:cNvPr id="3" name="Text Placeholder 2"/>
+          <p:cNvSpPr>
+            <a:spLocks noGrp="1"/>
+          </p:cNvSpPr>
+          <p:nvPr>
+            <p:ph type="body" idx="1"/>
+          </p:nvPr>
+        </p:nvSpPr>
+        <p:spPr>
+          <a:xfrm>
+            <a:off x="1097280" y="4453128"/>
+            <a:ext cx="10058400" cy="1143000"/>
+          </a:xfrm>
+        </p:spPr>
+        <p:txBody>
+          <a:bodyPr lIns="91440" rIns="91440" anchor="t" anchorCtr="0">
+            <a:normAutofit/>
+          </a:bodyPr>
+          <a:lstStyle>
+            <a:lvl1pPr marL="0" indent="0">
+              <a:buNone/>
+              <a:defRPr sz="2400" cap="all" spc="200" baseline="0">
+                <a:solidFill>
+                  <a:schemeClr val="tx2"/>
+                </a:solidFill>
+                <a:latin typeface="+mj-lt"/>
+              </a:defRPr>
+            </a:lvl1pPr>
             <a:lvl2pPr marL="457200" indent="0">
               <a:buNone/>
-              <a:defRPr sz="2000">
+              <a:defRPr sz="1800">
                 <a:solidFill>
                   <a:schemeClr val="tx1">
                     <a:tint val="75000"/>
@@ -915,7 +1224,7 @@
             </a:lvl2pPr>
             <a:lvl3pPr marL="914400" indent="0">
               <a:buNone/>
-              <a:defRPr sz="1800">
+              <a:defRPr sz="1600">
                 <a:solidFill>
                   <a:schemeClr val="tx1">
                     <a:tint val="75000"/>
@@ -925,7 +1234,7 @@
             </a:lvl3pPr>
             <a:lvl4pPr marL="1371600" indent="0">
               <a:buNone/>
-              <a:defRPr sz="1600">
+              <a:defRPr sz="1400">
                 <a:solidFill>
                   <a:schemeClr val="tx1">
                     <a:tint val="75000"/>
@@ -935,7 +1244,7 @@
             </a:lvl4pPr>
             <a:lvl5pPr marL="1828800" indent="0">
               <a:buNone/>
-              <a:defRPr sz="1600">
+              <a:defRPr sz="1400">
                 <a:solidFill>
                   <a:schemeClr val="tx1">
                     <a:tint val="75000"/>
@@ -945,7 +1254,7 @@
             </a:lvl5pPr>
             <a:lvl6pPr marL="2286000" indent="0">
               <a:buNone/>
-              <a:defRPr sz="1600">
+              <a:defRPr sz="1400">
                 <a:solidFill>
                   <a:schemeClr val="tx1">
                     <a:tint val="75000"/>
@@ -955,7 +1264,7 @@
             </a:lvl6pPr>
             <a:lvl7pPr marL="2743200" indent="0">
               <a:buNone/>
-              <a:defRPr sz="1600">
+              <a:defRPr sz="1400">
                 <a:solidFill>
                   <a:schemeClr val="tx1">
                     <a:tint val="75000"/>
@@ -965,7 +1274,7 @@
             </a:lvl7pPr>
             <a:lvl8pPr marL="3200400" indent="0">
               <a:buNone/>
-              <a:defRPr sz="1600">
+              <a:defRPr sz="1400">
                 <a:solidFill>
                   <a:schemeClr val="tx1">
                     <a:tint val="75000"/>
@@ -975,7 +1284,7 @@
             </a:lvl8pPr>
             <a:lvl9pPr marL="3657600" indent="0">
               <a:buNone/>
-              <a:defRPr sz="1600">
+              <a:defRPr sz="1400">
                 <a:solidFill>
                   <a:schemeClr val="tx1">
                     <a:tint val="75000"/>
@@ -1058,10 +1367,48 @@
           </a:p>
         </p:txBody>
       </p:sp>
+      <p:cxnSp>
+        <p:nvCxnSpPr>
+          <p:cNvPr id="9" name="Straight Connector 8"/>
+          <p:cNvCxnSpPr/>
+          <p:nvPr/>
+        </p:nvCxnSpPr>
+        <p:spPr>
+          <a:xfrm>
+            <a:off x="1207658" y="4343400"/>
+            <a:ext cx="9875520" cy="0"/>
+          </a:xfrm>
+          <a:prstGeom prst="line">
+            <a:avLst/>
+          </a:prstGeom>
+          <a:ln w="6350">
+            <a:solidFill>
+              <a:schemeClr val="tx1">
+                <a:lumMod val="50000"/>
+                <a:lumOff val="50000"/>
+              </a:schemeClr>
+            </a:solidFill>
+          </a:ln>
+        </p:spPr>
+        <p:style>
+          <a:lnRef idx="1">
+            <a:schemeClr val="accent1"/>
+          </a:lnRef>
+          <a:fillRef idx="0">
+            <a:schemeClr val="accent1"/>
+          </a:fillRef>
+          <a:effectRef idx="0">
+            <a:schemeClr val="accent1"/>
+          </a:effectRef>
+          <a:fontRef idx="minor">
+            <a:schemeClr val="tx1"/>
+          </a:fontRef>
+        </p:style>
+      </p:cxnSp>
     </p:spTree>
     <p:extLst>
       <p:ext uri="{BB962C8B-B14F-4D97-AF65-F5344CB8AC3E}">
-        <p14:creationId xmlns:p14="http://schemas.microsoft.com/office/powerpoint/2010/main" val="2664388893"/>
+        <p14:creationId xmlns:p14="http://schemas.microsoft.com/office/powerpoint/2010/main" val="4099163514"/>
       </p:ext>
     </p:extLst>
   </p:cSld>
@@ -1090,7 +1437,7 @@
       </p:grpSpPr>
       <p:sp>
         <p:nvSpPr>
-          <p:cNvPr id="2" name="Title 1"/>
+          <p:cNvPr id="8" name="Title 7"/>
           <p:cNvSpPr>
             <a:spLocks noGrp="1"/>
           </p:cNvSpPr>
@@ -1098,7 +1445,12 @@
             <p:ph type="title"/>
           </p:nvPr>
         </p:nvSpPr>
-        <p:spPr/>
+        <p:spPr>
+          <a:xfrm>
+            <a:off x="1097280" y="286603"/>
+            <a:ext cx="10058400" cy="1450757"/>
+          </a:xfrm>
+        </p:spPr>
         <p:txBody>
           <a:bodyPr/>
           <a:lstStyle/>
@@ -1107,7 +1459,7 @@
               <a:rPr lang="en-US" smtClean="0"/>
               <a:t>Click to edit Master title style</a:t>
             </a:r>
-            <a:endParaRPr lang="en-US"/>
+            <a:endParaRPr lang="en-US" dirty="0"/>
           </a:p>
         </p:txBody>
       </p:sp>
@@ -1123,8 +1475,8 @@
         </p:nvSpPr>
         <p:spPr>
           <a:xfrm>
-            <a:off x="838200" y="1825625"/>
-            <a:ext cx="5181600" cy="4351338"/>
+            <a:off x="1097278" y="1845734"/>
+            <a:ext cx="4937760" cy="4023360"/>
           </a:xfrm>
         </p:spPr>
         <p:txBody>
@@ -1164,7 +1516,7 @@
               <a:rPr lang="en-US" smtClean="0"/>
               <a:t>Fifth level</a:t>
             </a:r>
-            <a:endParaRPr lang="en-US"/>
+            <a:endParaRPr lang="en-US" dirty="0"/>
           </a:p>
         </p:txBody>
       </p:sp>
@@ -1180,8 +1532,8 @@
         </p:nvSpPr>
         <p:spPr>
           <a:xfrm>
-            <a:off x="6172200" y="1825625"/>
-            <a:ext cx="5181600" cy="4351338"/>
+            <a:off x="6217920" y="1845735"/>
+            <a:ext cx="4937760" cy="4023360"/>
           </a:xfrm>
         </p:spPr>
         <p:txBody>
@@ -1221,7 +1573,7 @@
               <a:rPr lang="en-US" smtClean="0"/>
               <a:t>Fifth level</a:t>
             </a:r>
-            <a:endParaRPr lang="en-US"/>
+            <a:endParaRPr lang="en-US" dirty="0"/>
           </a:p>
         </p:txBody>
       </p:sp>
@@ -1293,7 +1645,7 @@
     </p:spTree>
     <p:extLst>
       <p:ext uri="{BB962C8B-B14F-4D97-AF65-F5344CB8AC3E}">
-        <p14:creationId xmlns:p14="http://schemas.microsoft.com/office/powerpoint/2010/main" val="1630406336"/>
+        <p14:creationId xmlns:p14="http://schemas.microsoft.com/office/powerpoint/2010/main" val="2760793559"/>
       </p:ext>
     </p:extLst>
   </p:cSld>
@@ -1322,7 +1674,7 @@
       </p:grpSpPr>
       <p:sp>
         <p:nvSpPr>
-          <p:cNvPr id="2" name="Title 1"/>
+          <p:cNvPr id="10" name="Title 9"/>
           <p:cNvSpPr>
             <a:spLocks noGrp="1"/>
           </p:cNvSpPr>
@@ -1332,8 +1684,8 @@
         </p:nvSpPr>
         <p:spPr>
           <a:xfrm>
-            <a:off x="839788" y="365125"/>
-            <a:ext cx="10515600" cy="1325563"/>
+            <a:off x="1097280" y="286603"/>
+            <a:ext cx="10058400" cy="1450757"/>
           </a:xfrm>
         </p:spPr>
         <p:txBody>
@@ -1344,7 +1696,7 @@
               <a:rPr lang="en-US" smtClean="0"/>
               <a:t>Click to edit Master title style</a:t>
             </a:r>
-            <a:endParaRPr lang="en-US"/>
+            <a:endParaRPr lang="en-US" dirty="0"/>
           </a:p>
         </p:txBody>
       </p:sp>
@@ -1360,16 +1712,22 @@
         </p:nvSpPr>
         <p:spPr>
           <a:xfrm>
-            <a:off x="839788" y="1681163"/>
-            <a:ext cx="5157787" cy="823912"/>
-          </a:xfrm>
-        </p:spPr>
-        <p:txBody>
-          <a:bodyPr anchor="b"/>
+            <a:off x="1097280" y="1846052"/>
+            <a:ext cx="4937760" cy="736282"/>
+          </a:xfrm>
+        </p:spPr>
+        <p:txBody>
+          <a:bodyPr lIns="91440" rIns="91440" anchor="ctr">
+            <a:normAutofit/>
+          </a:bodyPr>
           <a:lstStyle>
             <a:lvl1pPr marL="0" indent="0">
               <a:buNone/>
-              <a:defRPr sz="2400" b="1"/>
+              <a:defRPr sz="2000" b="0" cap="all" baseline="0">
+                <a:solidFill>
+                  <a:schemeClr val="tx2"/>
+                </a:solidFill>
+              </a:defRPr>
             </a:lvl1pPr>
             <a:lvl2pPr marL="457200" indent="0">
               <a:buNone/>
@@ -1425,8 +1783,8 @@
         </p:nvSpPr>
         <p:spPr>
           <a:xfrm>
-            <a:off x="839788" y="2505075"/>
-            <a:ext cx="5157787" cy="3684588"/>
+            <a:off x="1097280" y="2582334"/>
+            <a:ext cx="4937760" cy="3378200"/>
           </a:xfrm>
         </p:spPr>
         <p:txBody>
@@ -1466,7 +1824,7 @@
               <a:rPr lang="en-US" smtClean="0"/>
               <a:t>Fifth level</a:t>
             </a:r>
-            <a:endParaRPr lang="en-US"/>
+            <a:endParaRPr lang="en-US" dirty="0"/>
           </a:p>
         </p:txBody>
       </p:sp>
@@ -1482,16 +1840,22 @@
         </p:nvSpPr>
         <p:spPr>
           <a:xfrm>
-            <a:off x="6172200" y="1681163"/>
-            <a:ext cx="5183188" cy="823912"/>
-          </a:xfrm>
-        </p:spPr>
-        <p:txBody>
-          <a:bodyPr anchor="b"/>
+            <a:off x="6217920" y="1846052"/>
+            <a:ext cx="4937760" cy="736282"/>
+          </a:xfrm>
+        </p:spPr>
+        <p:txBody>
+          <a:bodyPr lIns="91440" rIns="91440" anchor="ctr">
+            <a:normAutofit/>
+          </a:bodyPr>
           <a:lstStyle>
             <a:lvl1pPr marL="0" indent="0">
               <a:buNone/>
-              <a:defRPr sz="2400" b="1"/>
+              <a:defRPr sz="2000" b="0" cap="all" baseline="0">
+                <a:solidFill>
+                  <a:schemeClr val="tx2"/>
+                </a:solidFill>
+              </a:defRPr>
             </a:lvl1pPr>
             <a:lvl2pPr marL="457200" indent="0">
               <a:buNone/>
@@ -1547,8 +1911,8 @@
         </p:nvSpPr>
         <p:spPr>
           <a:xfrm>
-            <a:off x="6172200" y="2505075"/>
-            <a:ext cx="5183188" cy="3684588"/>
+            <a:off x="6217920" y="2582334"/>
+            <a:ext cx="4937760" cy="3378200"/>
           </a:xfrm>
         </p:spPr>
         <p:txBody>
@@ -1588,7 +1952,7 @@
               <a:rPr lang="en-US" smtClean="0"/>
               <a:t>Fifth level</a:t>
             </a:r>
-            <a:endParaRPr lang="en-US"/>
+            <a:endParaRPr lang="en-US" dirty="0"/>
           </a:p>
         </p:txBody>
       </p:sp>
@@ -1660,7 +2024,7 @@
     </p:spTree>
     <p:extLst>
       <p:ext uri="{BB962C8B-B14F-4D97-AF65-F5344CB8AC3E}">
-        <p14:creationId xmlns:p14="http://schemas.microsoft.com/office/powerpoint/2010/main" val="592476400"/>
+        <p14:creationId xmlns:p14="http://schemas.microsoft.com/office/powerpoint/2010/main" val="1248689120"/>
       </p:ext>
     </p:extLst>
   </p:cSld>
@@ -1706,7 +2070,7 @@
               <a:rPr lang="en-US" smtClean="0"/>
               <a:t>Click to edit Master title style</a:t>
             </a:r>
-            <a:endParaRPr lang="en-US"/>
+            <a:endParaRPr lang="en-US" dirty="0"/>
           </a:p>
         </p:txBody>
       </p:sp>
@@ -1778,7 +2142,7 @@
     </p:spTree>
     <p:extLst>
       <p:ext uri="{BB962C8B-B14F-4D97-AF65-F5344CB8AC3E}">
-        <p14:creationId xmlns:p14="http://schemas.microsoft.com/office/powerpoint/2010/main" val="3695671666"/>
+        <p14:creationId xmlns:p14="http://schemas.microsoft.com/office/powerpoint/2010/main" val="588252001"/>
       </p:ext>
     </p:extLst>
   </p:cSld>
@@ -1789,7 +2153,7 @@
 </file>
 
 <file path=ppt/slideLayouts/slideLayout7.xml><?xml version="1.0" encoding="utf-8"?>
-<p:sldLayout xmlns:a="http://schemas.openxmlformats.org/drawingml/2006/main" xmlns:r="http://schemas.openxmlformats.org/officeDocument/2006/relationships" xmlns:p="http://schemas.openxmlformats.org/presentationml/2006/main" type="blank" preserve="1">
+<p:sldLayout xmlns:a="http://schemas.openxmlformats.org/drawingml/2006/main" xmlns:r="http://schemas.openxmlformats.org/officeDocument/2006/relationships" xmlns:p="http://schemas.openxmlformats.org/presentationml/2006/main" showMasterSp="0" type="blank" preserve="1">
   <p:cSld name="Blank">
     <p:spTree>
       <p:nvGrpSpPr>
@@ -1807,7 +2171,85 @@
       </p:grpSpPr>
       <p:sp>
         <p:nvSpPr>
-          <p:cNvPr id="2" name="Date Placeholder 1"/>
+          <p:cNvPr id="5" name="Rectangle 4"/>
+          <p:cNvSpPr/>
+          <p:nvPr/>
+        </p:nvSpPr>
+        <p:spPr>
+          <a:xfrm>
+            <a:off x="3175" y="6400800"/>
+            <a:ext cx="12188825" cy="457200"/>
+          </a:xfrm>
+          <a:prstGeom prst="rect">
+            <a:avLst/>
+          </a:prstGeom>
+          <a:solidFill>
+            <a:schemeClr val="accent4">
+              <a:lumMod val="75000"/>
+            </a:schemeClr>
+          </a:solidFill>
+          <a:ln>
+            <a:noFill/>
+          </a:ln>
+        </p:spPr>
+        <p:style>
+          <a:lnRef idx="2">
+            <a:schemeClr val="accent1">
+              <a:shade val="50000"/>
+            </a:schemeClr>
+          </a:lnRef>
+          <a:fillRef idx="1">
+            <a:schemeClr val="accent1"/>
+          </a:fillRef>
+          <a:effectRef idx="0">
+            <a:schemeClr val="accent1"/>
+          </a:effectRef>
+          <a:fontRef idx="minor">
+            <a:schemeClr val="lt1"/>
+          </a:fontRef>
+        </p:style>
+      </p:sp>
+      <p:sp>
+        <p:nvSpPr>
+          <p:cNvPr id="6" name="Rectangle 5"/>
+          <p:cNvSpPr/>
+          <p:nvPr/>
+        </p:nvSpPr>
+        <p:spPr>
+          <a:xfrm>
+            <a:off x="15" y="6334316"/>
+            <a:ext cx="12188825" cy="64008"/>
+          </a:xfrm>
+          <a:prstGeom prst="rect">
+            <a:avLst/>
+          </a:prstGeom>
+          <a:solidFill>
+            <a:schemeClr val="accent4"/>
+          </a:solidFill>
+          <a:ln>
+            <a:noFill/>
+          </a:ln>
+        </p:spPr>
+        <p:style>
+          <a:lnRef idx="2">
+            <a:schemeClr val="accent1">
+              <a:shade val="50000"/>
+            </a:schemeClr>
+          </a:lnRef>
+          <a:fillRef idx="1">
+            <a:schemeClr val="accent1"/>
+          </a:fillRef>
+          <a:effectRef idx="0">
+            <a:schemeClr val="accent1"/>
+          </a:effectRef>
+          <a:fontRef idx="minor">
+            <a:schemeClr val="lt1"/>
+          </a:fontRef>
+        </p:style>
+      </p:sp>
+      <p:sp>
+        <p:nvSpPr>
+          <p:cNvPr id="7" name="Date Placeholder 6"/>
           <p:cNvSpPr>
             <a:spLocks noGrp="1"/>
           </p:cNvSpPr>
@@ -1830,7 +2272,7 @@
       </p:sp>
       <p:sp>
         <p:nvSpPr>
-          <p:cNvPr id="3" name="Footer Placeholder 2"/>
+          <p:cNvPr id="8" name="Footer Placeholder 7"/>
           <p:cNvSpPr>
             <a:spLocks noGrp="1"/>
           </p:cNvSpPr>
@@ -1841,7 +2283,15 @@
         <p:spPr/>
         <p:txBody>
           <a:bodyPr/>
-          <a:lstStyle/>
+          <a:lstStyle>
+            <a:lvl1pPr>
+              <a:defRPr>
+                <a:solidFill>
+                  <a:srgbClr val="FFFFFF"/>
+                </a:solidFill>
+              </a:defRPr>
+            </a:lvl1pPr>
+          </a:lstStyle>
           <a:p>
             <a:endParaRPr lang="en-US"/>
           </a:p>
@@ -1849,7 +2299,7 @@
       </p:sp>
       <p:sp>
         <p:nvSpPr>
-          <p:cNvPr id="4" name="Slide Number Placeholder 3"/>
+          <p:cNvPr id="9" name="Slide Number Placeholder 8"/>
           <p:cNvSpPr>
             <a:spLocks noGrp="1"/>
           </p:cNvSpPr>
@@ -1873,7 +2323,7 @@
     </p:spTree>
     <p:extLst>
       <p:ext uri="{BB962C8B-B14F-4D97-AF65-F5344CB8AC3E}">
-        <p14:creationId xmlns:p14="http://schemas.microsoft.com/office/powerpoint/2010/main" val="2457425976"/>
+        <p14:creationId xmlns:p14="http://schemas.microsoft.com/office/powerpoint/2010/main" val="3822251963"/>
       </p:ext>
     </p:extLst>
   </p:cSld>
@@ -1884,7 +2334,7 @@
 </file>
 
 <file path=ppt/slideLayouts/slideLayout8.xml><?xml version="1.0" encoding="utf-8"?>
-<p:sldLayout xmlns:a="http://schemas.openxmlformats.org/drawingml/2006/main" xmlns:r="http://schemas.openxmlformats.org/officeDocument/2006/relationships" xmlns:p="http://schemas.openxmlformats.org/presentationml/2006/main" type="objTx" preserve="1">
+<p:sldLayout xmlns:a="http://schemas.openxmlformats.org/drawingml/2006/main" xmlns:r="http://schemas.openxmlformats.org/officeDocument/2006/relationships" xmlns:p="http://schemas.openxmlformats.org/presentationml/2006/main" showMasterSp="0" type="objTx" preserve="1">
   <p:cSld name="Content with Caption">
     <p:spTree>
       <p:nvGrpSpPr>
@@ -1902,6 +2352,84 @@
       </p:grpSpPr>
       <p:sp>
         <p:nvSpPr>
+          <p:cNvPr id="8" name="Rectangle 7"/>
+          <p:cNvSpPr/>
+          <p:nvPr/>
+        </p:nvSpPr>
+        <p:spPr>
+          <a:xfrm>
+            <a:off x="16" y="0"/>
+            <a:ext cx="4050791" cy="6858000"/>
+          </a:xfrm>
+          <a:prstGeom prst="rect">
+            <a:avLst/>
+          </a:prstGeom>
+          <a:solidFill>
+            <a:schemeClr val="accent4">
+              <a:lumMod val="75000"/>
+            </a:schemeClr>
+          </a:solidFill>
+          <a:ln>
+            <a:noFill/>
+          </a:ln>
+        </p:spPr>
+        <p:style>
+          <a:lnRef idx="2">
+            <a:schemeClr val="accent1">
+              <a:shade val="50000"/>
+            </a:schemeClr>
+          </a:lnRef>
+          <a:fillRef idx="1">
+            <a:schemeClr val="accent1"/>
+          </a:fillRef>
+          <a:effectRef idx="0">
+            <a:schemeClr val="accent1"/>
+          </a:effectRef>
+          <a:fontRef idx="minor">
+            <a:schemeClr val="lt1"/>
+          </a:fontRef>
+        </p:style>
+      </p:sp>
+      <p:sp>
+        <p:nvSpPr>
+          <p:cNvPr id="9" name="Rectangle 8"/>
+          <p:cNvSpPr/>
+          <p:nvPr/>
+        </p:nvSpPr>
+        <p:spPr>
+          <a:xfrm>
+            <a:off x="4040071" y="0"/>
+            <a:ext cx="64008" cy="6858000"/>
+          </a:xfrm>
+          <a:prstGeom prst="rect">
+            <a:avLst/>
+          </a:prstGeom>
+          <a:solidFill>
+            <a:schemeClr val="accent4"/>
+          </a:solidFill>
+          <a:ln>
+            <a:noFill/>
+          </a:ln>
+        </p:spPr>
+        <p:style>
+          <a:lnRef idx="2">
+            <a:schemeClr val="accent1">
+              <a:shade val="50000"/>
+            </a:schemeClr>
+          </a:lnRef>
+          <a:fillRef idx="1">
+            <a:schemeClr val="accent1"/>
+          </a:fillRef>
+          <a:effectRef idx="0">
+            <a:schemeClr val="accent1"/>
+          </a:effectRef>
+          <a:fontRef idx="minor">
+            <a:schemeClr val="lt1"/>
+          </a:fontRef>
+        </p:style>
+      </p:sp>
+      <p:sp>
+        <p:nvSpPr>
           <p:cNvPr id="2" name="Title 1"/>
           <p:cNvSpPr>
             <a:spLocks noGrp="1"/>
@@ -1912,15 +2440,21 @@
         </p:nvSpPr>
         <p:spPr>
           <a:xfrm>
-            <a:off x="839788" y="457200"/>
-            <a:ext cx="3932237" cy="1600200"/>
-          </a:xfrm>
-        </p:spPr>
-        <p:txBody>
-          <a:bodyPr anchor="b"/>
+            <a:off x="457200" y="594359"/>
+            <a:ext cx="3200400" cy="2286000"/>
+          </a:xfrm>
+        </p:spPr>
+        <p:txBody>
+          <a:bodyPr anchor="b">
+            <a:normAutofit/>
+          </a:bodyPr>
           <a:lstStyle>
             <a:lvl1pPr>
-              <a:defRPr sz="3200"/>
+              <a:defRPr sz="3600" b="0">
+                <a:solidFill>
+                  <a:srgbClr val="FFFFFF"/>
+                </a:solidFill>
+              </a:defRPr>
             </a:lvl1pPr>
           </a:lstStyle>
           <a:p>
@@ -1928,216 +2462,224 @@
               <a:rPr lang="en-US" smtClean="0"/>
               <a:t>Click to edit Master title style</a:t>
             </a:r>
+            <a:endParaRPr lang="en-US" dirty="0"/>
+          </a:p>
+        </p:txBody>
+      </p:sp>
+      <p:sp>
+        <p:nvSpPr>
+          <p:cNvPr id="3" name="Content Placeholder 2"/>
+          <p:cNvSpPr>
+            <a:spLocks noGrp="1"/>
+          </p:cNvSpPr>
+          <p:nvPr>
+            <p:ph idx="1"/>
+          </p:nvPr>
+        </p:nvSpPr>
+        <p:spPr>
+          <a:xfrm>
+            <a:off x="4800600" y="731520"/>
+            <a:ext cx="6492240" cy="5257800"/>
+          </a:xfrm>
+        </p:spPr>
+        <p:txBody>
+          <a:bodyPr/>
+          <a:lstStyle/>
+          <a:p>
+            <a:pPr lvl="0"/>
+            <a:r>
+              <a:rPr lang="en-US" smtClean="0"/>
+              <a:t>Edit Master text styles</a:t>
+            </a:r>
+          </a:p>
+          <a:p>
+            <a:pPr lvl="1"/>
+            <a:r>
+              <a:rPr lang="en-US" smtClean="0"/>
+              <a:t>Second level</a:t>
+            </a:r>
+          </a:p>
+          <a:p>
+            <a:pPr lvl="2"/>
+            <a:r>
+              <a:rPr lang="en-US" smtClean="0"/>
+              <a:t>Third level</a:t>
+            </a:r>
+          </a:p>
+          <a:p>
+            <a:pPr lvl="3"/>
+            <a:r>
+              <a:rPr lang="en-US" smtClean="0"/>
+              <a:t>Fourth level</a:t>
+            </a:r>
+          </a:p>
+          <a:p>
+            <a:pPr lvl="4"/>
+            <a:r>
+              <a:rPr lang="en-US" smtClean="0"/>
+              <a:t>Fifth level</a:t>
+            </a:r>
+            <a:endParaRPr lang="en-US" dirty="0"/>
+          </a:p>
+        </p:txBody>
+      </p:sp>
+      <p:sp>
+        <p:nvSpPr>
+          <p:cNvPr id="4" name="Text Placeholder 3"/>
+          <p:cNvSpPr>
+            <a:spLocks noGrp="1"/>
+          </p:cNvSpPr>
+          <p:nvPr>
+            <p:ph type="body" sz="half" idx="2"/>
+          </p:nvPr>
+        </p:nvSpPr>
+        <p:spPr>
+          <a:xfrm>
+            <a:off x="457200" y="2926080"/>
+            <a:ext cx="3200400" cy="3379124"/>
+          </a:xfrm>
+        </p:spPr>
+        <p:txBody>
+          <a:bodyPr lIns="91440" rIns="91440">
+            <a:normAutofit/>
+          </a:bodyPr>
+          <a:lstStyle>
+            <a:lvl1pPr marL="0" indent="0">
+              <a:buNone/>
+              <a:defRPr sz="1500">
+                <a:solidFill>
+                  <a:srgbClr val="FFFFFF"/>
+                </a:solidFill>
+              </a:defRPr>
+            </a:lvl1pPr>
+            <a:lvl2pPr marL="457200" indent="0">
+              <a:buNone/>
+              <a:defRPr sz="1200"/>
+            </a:lvl2pPr>
+            <a:lvl3pPr marL="914400" indent="0">
+              <a:buNone/>
+              <a:defRPr sz="1000"/>
+            </a:lvl3pPr>
+            <a:lvl4pPr marL="1371600" indent="0">
+              <a:buNone/>
+              <a:defRPr sz="900"/>
+            </a:lvl4pPr>
+            <a:lvl5pPr marL="1828800" indent="0">
+              <a:buNone/>
+              <a:defRPr sz="900"/>
+            </a:lvl5pPr>
+            <a:lvl6pPr marL="2286000" indent="0">
+              <a:buNone/>
+              <a:defRPr sz="900"/>
+            </a:lvl6pPr>
+            <a:lvl7pPr marL="2743200" indent="0">
+              <a:buNone/>
+              <a:defRPr sz="900"/>
+            </a:lvl7pPr>
+            <a:lvl8pPr marL="3200400" indent="0">
+              <a:buNone/>
+              <a:defRPr sz="900"/>
+            </a:lvl8pPr>
+            <a:lvl9pPr marL="3657600" indent="0">
+              <a:buNone/>
+              <a:defRPr sz="900"/>
+            </a:lvl9pPr>
+          </a:lstStyle>
+          <a:p>
+            <a:pPr lvl="0"/>
+            <a:r>
+              <a:rPr lang="en-US" smtClean="0"/>
+              <a:t>Edit Master text styles</a:t>
+            </a:r>
+          </a:p>
+        </p:txBody>
+      </p:sp>
+      <p:sp>
+        <p:nvSpPr>
+          <p:cNvPr id="5" name="Date Placeholder 4"/>
+          <p:cNvSpPr>
+            <a:spLocks noGrp="1"/>
+          </p:cNvSpPr>
+          <p:nvPr>
+            <p:ph type="dt" sz="half" idx="10"/>
+          </p:nvPr>
+        </p:nvSpPr>
+        <p:spPr>
+          <a:xfrm>
+            <a:off x="465512" y="6459785"/>
+            <a:ext cx="2618510" cy="365125"/>
+          </a:xfrm>
+        </p:spPr>
+        <p:txBody>
+          <a:bodyPr/>
+          <a:lstStyle>
+            <a:lvl1pPr algn="l">
+              <a:defRPr/>
+            </a:lvl1pPr>
+          </a:lstStyle>
+          <a:p>
+            <a:fld id="{452B8D19-34BD-4503-9107-67553B7CCA4B}" type="datetimeFigureOut">
+              <a:rPr lang="en-US" smtClean="0"/>
+              <a:t>10/16/2017</a:t>
+            </a:fld>
             <a:endParaRPr lang="en-US"/>
           </a:p>
         </p:txBody>
       </p:sp>
       <p:sp>
         <p:nvSpPr>
-          <p:cNvPr id="3" name="Content Placeholder 2"/>
-          <p:cNvSpPr>
-            <a:spLocks noGrp="1"/>
-          </p:cNvSpPr>
-          <p:nvPr>
-            <p:ph idx="1"/>
-          </p:nvPr>
-        </p:nvSpPr>
-        <p:spPr>
-          <a:xfrm>
-            <a:off x="5183188" y="987425"/>
-            <a:ext cx="6172200" cy="4873625"/>
-          </a:xfrm>
-        </p:spPr>
+          <p:cNvPr id="6" name="Footer Placeholder 5"/>
+          <p:cNvSpPr>
+            <a:spLocks noGrp="1"/>
+          </p:cNvSpPr>
+          <p:nvPr>
+            <p:ph type="ftr" sz="quarter" idx="11"/>
+          </p:nvPr>
+        </p:nvSpPr>
+        <p:spPr>
+          <a:xfrm>
+            <a:off x="4800600" y="6459785"/>
+            <a:ext cx="4648200" cy="365125"/>
+          </a:xfrm>
+        </p:spPr>
+        <p:txBody>
+          <a:bodyPr/>
+          <a:lstStyle>
+            <a:lvl1pPr algn="l">
+              <a:defRPr>
+                <a:solidFill>
+                  <a:schemeClr val="tx2"/>
+                </a:solidFill>
+              </a:defRPr>
+            </a:lvl1pPr>
+          </a:lstStyle>
+          <a:p>
+            <a:endParaRPr lang="en-US"/>
+          </a:p>
+        </p:txBody>
+      </p:sp>
+      <p:sp>
+        <p:nvSpPr>
+          <p:cNvPr id="7" name="Slide Number Placeholder 6"/>
+          <p:cNvSpPr>
+            <a:spLocks noGrp="1"/>
+          </p:cNvSpPr>
+          <p:nvPr>
+            <p:ph type="sldNum" sz="quarter" idx="12"/>
+          </p:nvPr>
+        </p:nvSpPr>
+        <p:spPr/>
         <p:txBody>
           <a:bodyPr/>
           <a:lstStyle>
             <a:lvl1pPr>
-              <a:defRPr sz="3200"/>
+              <a:defRPr>
+                <a:solidFill>
+                  <a:schemeClr val="tx2"/>
+                </a:solidFill>
+              </a:defRPr>
             </a:lvl1pPr>
-            <a:lvl2pPr>
-              <a:defRPr sz="2800"/>
-            </a:lvl2pPr>
-            <a:lvl3pPr>
-              <a:defRPr sz="2400"/>
-            </a:lvl3pPr>
-            <a:lvl4pPr>
-              <a:defRPr sz="2000"/>
-            </a:lvl4pPr>
-            <a:lvl5pPr>
-              <a:defRPr sz="2000"/>
-            </a:lvl5pPr>
-            <a:lvl6pPr>
-              <a:defRPr sz="2000"/>
-            </a:lvl6pPr>
-            <a:lvl7pPr>
-              <a:defRPr sz="2000"/>
-            </a:lvl7pPr>
-            <a:lvl8pPr>
-              <a:defRPr sz="2000"/>
-            </a:lvl8pPr>
-            <a:lvl9pPr>
-              <a:defRPr sz="2000"/>
-            </a:lvl9pPr>
           </a:lstStyle>
-          <a:p>
-            <a:pPr lvl="0"/>
-            <a:r>
-              <a:rPr lang="en-US" smtClean="0"/>
-              <a:t>Edit Master text styles</a:t>
-            </a:r>
-          </a:p>
-          <a:p>
-            <a:pPr lvl="1"/>
-            <a:r>
-              <a:rPr lang="en-US" smtClean="0"/>
-              <a:t>Second level</a:t>
-            </a:r>
-          </a:p>
-          <a:p>
-            <a:pPr lvl="2"/>
-            <a:r>
-              <a:rPr lang="en-US" smtClean="0"/>
-              <a:t>Third level</a:t>
-            </a:r>
-          </a:p>
-          <a:p>
-            <a:pPr lvl="3"/>
-            <a:r>
-              <a:rPr lang="en-US" smtClean="0"/>
-              <a:t>Fourth level</a:t>
-            </a:r>
-          </a:p>
-          <a:p>
-            <a:pPr lvl="4"/>
-            <a:r>
-              <a:rPr lang="en-US" smtClean="0"/>
-              <a:t>Fifth level</a:t>
-            </a:r>
-            <a:endParaRPr lang="en-US"/>
-          </a:p>
-        </p:txBody>
-      </p:sp>
-      <p:sp>
-        <p:nvSpPr>
-          <p:cNvPr id="4" name="Text Placeholder 3"/>
-          <p:cNvSpPr>
-            <a:spLocks noGrp="1"/>
-          </p:cNvSpPr>
-          <p:nvPr>
-            <p:ph type="body" sz="half" idx="2"/>
-          </p:nvPr>
-        </p:nvSpPr>
-        <p:spPr>
-          <a:xfrm>
-            <a:off x="839788" y="2057400"/>
-            <a:ext cx="3932237" cy="3811588"/>
-          </a:xfrm>
-        </p:spPr>
-        <p:txBody>
-          <a:bodyPr/>
-          <a:lstStyle>
-            <a:lvl1pPr marL="0" indent="0">
-              <a:buNone/>
-              <a:defRPr sz="1600"/>
-            </a:lvl1pPr>
-            <a:lvl2pPr marL="457200" indent="0">
-              <a:buNone/>
-              <a:defRPr sz="1400"/>
-            </a:lvl2pPr>
-            <a:lvl3pPr marL="914400" indent="0">
-              <a:buNone/>
-              <a:defRPr sz="1200"/>
-            </a:lvl3pPr>
-            <a:lvl4pPr marL="1371600" indent="0">
-              <a:buNone/>
-              <a:defRPr sz="1000"/>
-            </a:lvl4pPr>
-            <a:lvl5pPr marL="1828800" indent="0">
-              <a:buNone/>
-              <a:defRPr sz="1000"/>
-            </a:lvl5pPr>
-            <a:lvl6pPr marL="2286000" indent="0">
-              <a:buNone/>
-              <a:defRPr sz="1000"/>
-            </a:lvl6pPr>
-            <a:lvl7pPr marL="2743200" indent="0">
-              <a:buNone/>
-              <a:defRPr sz="1000"/>
-            </a:lvl7pPr>
-            <a:lvl8pPr marL="3200400" indent="0">
-              <a:buNone/>
-              <a:defRPr sz="1000"/>
-            </a:lvl8pPr>
-            <a:lvl9pPr marL="3657600" indent="0">
-              <a:buNone/>
-              <a:defRPr sz="1000"/>
-            </a:lvl9pPr>
-          </a:lstStyle>
-          <a:p>
-            <a:pPr lvl="0"/>
-            <a:r>
-              <a:rPr lang="en-US" smtClean="0"/>
-              <a:t>Edit Master text styles</a:t>
-            </a:r>
-          </a:p>
-        </p:txBody>
-      </p:sp>
-      <p:sp>
-        <p:nvSpPr>
-          <p:cNvPr id="5" name="Date Placeholder 4"/>
-          <p:cNvSpPr>
-            <a:spLocks noGrp="1"/>
-          </p:cNvSpPr>
-          <p:nvPr>
-            <p:ph type="dt" sz="half" idx="10"/>
-          </p:nvPr>
-        </p:nvSpPr>
-        <p:spPr/>
-        <p:txBody>
-          <a:bodyPr/>
-          <a:lstStyle/>
-          <a:p>
-            <a:fld id="{452B8D19-34BD-4503-9107-67553B7CCA4B}" type="datetimeFigureOut">
-              <a:rPr lang="en-US" smtClean="0"/>
-              <a:t>10/16/2017</a:t>
-            </a:fld>
-            <a:endParaRPr lang="en-US"/>
-          </a:p>
-        </p:txBody>
-      </p:sp>
-      <p:sp>
-        <p:nvSpPr>
-          <p:cNvPr id="6" name="Footer Placeholder 5"/>
-          <p:cNvSpPr>
-            <a:spLocks noGrp="1"/>
-          </p:cNvSpPr>
-          <p:nvPr>
-            <p:ph type="ftr" sz="quarter" idx="11"/>
-          </p:nvPr>
-        </p:nvSpPr>
-        <p:spPr/>
-        <p:txBody>
-          <a:bodyPr/>
-          <a:lstStyle/>
-          <a:p>
-            <a:endParaRPr lang="en-US"/>
-          </a:p>
-        </p:txBody>
-      </p:sp>
-      <p:sp>
-        <p:nvSpPr>
-          <p:cNvPr id="7" name="Slide Number Placeholder 6"/>
-          <p:cNvSpPr>
-            <a:spLocks noGrp="1"/>
-          </p:cNvSpPr>
-          <p:nvPr>
-            <p:ph type="sldNum" sz="quarter" idx="12"/>
-          </p:nvPr>
-        </p:nvSpPr>
-        <p:spPr/>
-        <p:txBody>
-          <a:bodyPr/>
-          <a:lstStyle/>
           <a:p>
             <a:fld id="{5381D559-9514-4E39-9298-34115F321CFC}" type="slidenum">
               <a:rPr lang="en-US" smtClean="0"/>
@@ -2150,7 +2692,7 @@
     </p:spTree>
     <p:extLst>
       <p:ext uri="{BB962C8B-B14F-4D97-AF65-F5344CB8AC3E}">
-        <p14:creationId xmlns:p14="http://schemas.microsoft.com/office/powerpoint/2010/main" val="2003513372"/>
+        <p14:creationId xmlns:p14="http://schemas.microsoft.com/office/powerpoint/2010/main" val="686243009"/>
       </p:ext>
     </p:extLst>
   </p:cSld>
@@ -2161,7 +2703,7 @@
 </file>
 
 <file path=ppt/slideLayouts/slideLayout9.xml><?xml version="1.0" encoding="utf-8"?>
-<p:sldLayout xmlns:a="http://schemas.openxmlformats.org/drawingml/2006/main" xmlns:r="http://schemas.openxmlformats.org/officeDocument/2006/relationships" xmlns:p="http://schemas.openxmlformats.org/presentationml/2006/main" type="picTx" preserve="1">
+<p:sldLayout xmlns:a="http://schemas.openxmlformats.org/drawingml/2006/main" xmlns:r="http://schemas.openxmlformats.org/officeDocument/2006/relationships" xmlns:p="http://schemas.openxmlformats.org/presentationml/2006/main" showMasterSp="0" type="picTx" preserve="1">
   <p:cSld name="Picture with Caption">
     <p:spTree>
       <p:nvGrpSpPr>
@@ -2179,6 +2721,84 @@
       </p:grpSpPr>
       <p:sp>
         <p:nvSpPr>
+          <p:cNvPr id="8" name="Rectangle 7"/>
+          <p:cNvSpPr/>
+          <p:nvPr/>
+        </p:nvSpPr>
+        <p:spPr>
+          <a:xfrm>
+            <a:off x="0" y="4953000"/>
+            <a:ext cx="12188825" cy="1905000"/>
+          </a:xfrm>
+          <a:prstGeom prst="rect">
+            <a:avLst/>
+          </a:prstGeom>
+          <a:solidFill>
+            <a:schemeClr val="accent4">
+              <a:lumMod val="75000"/>
+            </a:schemeClr>
+          </a:solidFill>
+          <a:ln>
+            <a:noFill/>
+          </a:ln>
+        </p:spPr>
+        <p:style>
+          <a:lnRef idx="2">
+            <a:schemeClr val="accent1">
+              <a:shade val="50000"/>
+            </a:schemeClr>
+          </a:lnRef>
+          <a:fillRef idx="1">
+            <a:schemeClr val="accent1"/>
+          </a:fillRef>
+          <a:effectRef idx="0">
+            <a:schemeClr val="accent1"/>
+          </a:effectRef>
+          <a:fontRef idx="minor">
+            <a:schemeClr val="lt1"/>
+          </a:fontRef>
+        </p:style>
+      </p:sp>
+      <p:sp>
+        <p:nvSpPr>
+          <p:cNvPr id="9" name="Rectangle 8"/>
+          <p:cNvSpPr/>
+          <p:nvPr/>
+        </p:nvSpPr>
+        <p:spPr>
+          <a:xfrm>
+            <a:off x="15" y="4915076"/>
+            <a:ext cx="12188825" cy="64008"/>
+          </a:xfrm>
+          <a:prstGeom prst="rect">
+            <a:avLst/>
+          </a:prstGeom>
+          <a:solidFill>
+            <a:schemeClr val="accent4"/>
+          </a:solidFill>
+          <a:ln>
+            <a:noFill/>
+          </a:ln>
+        </p:spPr>
+        <p:style>
+          <a:lnRef idx="2">
+            <a:schemeClr val="accent1">
+              <a:shade val="50000"/>
+            </a:schemeClr>
+          </a:lnRef>
+          <a:fillRef idx="1">
+            <a:schemeClr val="accent1"/>
+          </a:fillRef>
+          <a:effectRef idx="0">
+            <a:schemeClr val="accent1"/>
+          </a:effectRef>
+          <a:fontRef idx="minor">
+            <a:schemeClr val="lt1"/>
+          </a:fontRef>
+        </p:style>
+      </p:sp>
+      <p:sp>
+        <p:nvSpPr>
           <p:cNvPr id="2" name="Title 1"/>
           <p:cNvSpPr>
             <a:spLocks noGrp="1"/>
@@ -2189,15 +2809,21 @@
         </p:nvSpPr>
         <p:spPr>
           <a:xfrm>
-            <a:off x="839788" y="457200"/>
-            <a:ext cx="3932237" cy="1600200"/>
-          </a:xfrm>
-        </p:spPr>
-        <p:txBody>
-          <a:bodyPr anchor="b"/>
+            <a:off x="1097280" y="5074920"/>
+            <a:ext cx="10113645" cy="822960"/>
+          </a:xfrm>
+        </p:spPr>
+        <p:txBody>
+          <a:bodyPr lIns="91440" tIns="0" rIns="91440" bIns="0" anchor="b">
+            <a:noAutofit/>
+          </a:bodyPr>
           <a:lstStyle>
             <a:lvl1pPr>
-              <a:defRPr sz="3200"/>
+              <a:defRPr sz="3600" b="0">
+                <a:solidFill>
+                  <a:srgbClr val="FFFFFF"/>
+                </a:solidFill>
+              </a:defRPr>
             </a:lvl1pPr>
           </a:lstStyle>
           <a:p>
@@ -2205,7 +2831,7 @@
               <a:rPr lang="en-US" smtClean="0"/>
               <a:t>Click to edit Master title style</a:t>
             </a:r>
-            <a:endParaRPr lang="en-US"/>
+            <a:endParaRPr lang="en-US" dirty="0"/>
           </a:p>
         </p:txBody>
       </p:sp>
@@ -2213,7 +2839,7 @@
         <p:nvSpPr>
           <p:cNvPr id="3" name="Picture Placeholder 2"/>
           <p:cNvSpPr>
-            <a:spLocks noGrp="1"/>
+            <a:spLocks noGrp="1" noChangeAspect="1"/>
           </p:cNvSpPr>
           <p:nvPr>
             <p:ph type="pic" idx="1"/>
@@ -2221,12 +2847,17 @@
         </p:nvSpPr>
         <p:spPr>
           <a:xfrm>
-            <a:off x="5183188" y="987425"/>
-            <a:ext cx="6172200" cy="4873625"/>
-          </a:xfrm>
-        </p:spPr>
-        <p:txBody>
-          <a:bodyPr/>
+            <a:off x="15" y="0"/>
+            <a:ext cx="12191985" cy="4915076"/>
+          </a:xfrm>
+          <a:solidFill>
+            <a:schemeClr val="bg2">
+              <a:lumMod val="90000"/>
+            </a:schemeClr>
+          </a:solidFill>
+        </p:spPr>
+        <p:txBody>
+          <a:bodyPr lIns="457200" tIns="457200" anchor="t"/>
           <a:lstStyle>
             <a:lvl1pPr marL="0" indent="0">
               <a:buNone/>
@@ -2266,7 +2897,11 @@
             </a:lvl9pPr>
           </a:lstStyle>
           <a:p>
-            <a:endParaRPr lang="en-US"/>
+            <a:r>
+              <a:rPr lang="en-US" smtClean="0"/>
+              <a:t>Click icon to add picture</a:t>
+            </a:r>
+            <a:endParaRPr lang="en-US" dirty="0"/>
           </a:p>
         </p:txBody>
       </p:sp>
@@ -2282,48 +2917,60 @@
         </p:nvSpPr>
         <p:spPr>
           <a:xfrm>
-            <a:off x="839788" y="2057400"/>
-            <a:ext cx="3932237" cy="3811588"/>
-          </a:xfrm>
-        </p:spPr>
-        <p:txBody>
-          <a:bodyPr/>
+            <a:off x="1097280" y="5907024"/>
+            <a:ext cx="10113264" cy="594360"/>
+          </a:xfrm>
+        </p:spPr>
+        <p:txBody>
+          <a:bodyPr lIns="91440" tIns="0" rIns="91440" bIns="0">
+            <a:normAutofit/>
+          </a:bodyPr>
           <a:lstStyle>
             <a:lvl1pPr marL="0" indent="0">
-              <a:buNone/>
-              <a:defRPr sz="1600"/>
+              <a:spcBef>
+                <a:spcPts val="0"/>
+              </a:spcBef>
+              <a:spcAft>
+                <a:spcPts val="600"/>
+              </a:spcAft>
+              <a:buNone/>
+              <a:defRPr sz="1500">
+                <a:solidFill>
+                  <a:srgbClr val="FFFFFF"/>
+                </a:solidFill>
+              </a:defRPr>
             </a:lvl1pPr>
             <a:lvl2pPr marL="457200" indent="0">
               <a:buNone/>
-              <a:defRPr sz="1400"/>
+              <a:defRPr sz="1200"/>
             </a:lvl2pPr>
             <a:lvl3pPr marL="914400" indent="0">
               <a:buNone/>
-              <a:defRPr sz="1200"/>
+              <a:defRPr sz="1000"/>
             </a:lvl3pPr>
             <a:lvl4pPr marL="1371600" indent="0">
               <a:buNone/>
-              <a:defRPr sz="1000"/>
+              <a:defRPr sz="900"/>
             </a:lvl4pPr>
             <a:lvl5pPr marL="1828800" indent="0">
               <a:buNone/>
-              <a:defRPr sz="1000"/>
+              <a:defRPr sz="900"/>
             </a:lvl5pPr>
             <a:lvl6pPr marL="2286000" indent="0">
               <a:buNone/>
-              <a:defRPr sz="1000"/>
+              <a:defRPr sz="900"/>
             </a:lvl6pPr>
             <a:lvl7pPr marL="2743200" indent="0">
               <a:buNone/>
-              <a:defRPr sz="1000"/>
+              <a:defRPr sz="900"/>
             </a:lvl7pPr>
             <a:lvl8pPr marL="3200400" indent="0">
               <a:buNone/>
-              <a:defRPr sz="1000"/>
+              <a:defRPr sz="900"/>
             </a:lvl8pPr>
             <a:lvl9pPr marL="3657600" indent="0">
               <a:buNone/>
-              <a:defRPr sz="1000"/>
+              <a:defRPr sz="900"/>
             </a:lvl9pPr>
           </a:lstStyle>
           <a:p>
@@ -2403,7 +3050,7 @@
     </p:spTree>
     <p:extLst>
       <p:ext uri="{BB962C8B-B14F-4D97-AF65-F5344CB8AC3E}">
-        <p14:creationId xmlns:p14="http://schemas.microsoft.com/office/powerpoint/2010/main" val="3853690890"/>
+        <p14:creationId xmlns:p14="http://schemas.microsoft.com/office/powerpoint/2010/main" val="3353401363"/>
       </p:ext>
     </p:extLst>
   </p:cSld>
@@ -2418,7 +3065,7 @@
   <p:cSld>
     <p:bg>
       <p:bgRef idx="1001">
-        <a:schemeClr val="bg1"/>
+        <a:schemeClr val="bg2"/>
       </p:bgRef>
     </p:bg>
     <p:spTree>
@@ -2437,127 +3084,203 @@
       </p:grpSpPr>
       <p:sp>
         <p:nvSpPr>
-          <p:cNvPr id="2" name="Title Placeholder 1"/>
-          <p:cNvSpPr>
-            <a:spLocks noGrp="1"/>
-          </p:cNvSpPr>
-          <p:nvPr>
-            <p:ph type="title"/>
-          </p:nvPr>
-        </p:nvSpPr>
-        <p:spPr>
-          <a:xfrm>
-            <a:off x="838200" y="365125"/>
-            <a:ext cx="10515600" cy="1325563"/>
+          <p:cNvPr id="7" name="Rectangle 6"/>
+          <p:cNvSpPr/>
+          <p:nvPr/>
+        </p:nvSpPr>
+        <p:spPr>
+          <a:xfrm>
+            <a:off x="1" y="6400800"/>
+            <a:ext cx="12192000" cy="457200"/>
           </a:xfrm>
           <a:prstGeom prst="rect">
             <a:avLst/>
           </a:prstGeom>
-        </p:spPr>
-        <p:txBody>
-          <a:bodyPr vert="horz" lIns="91440" tIns="45720" rIns="91440" bIns="45720" rtlCol="0" anchor="ctr">
-            <a:normAutofit/>
-          </a:bodyPr>
-          <a:lstStyle/>
-          <a:p>
-            <a:r>
-              <a:rPr lang="en-US" smtClean="0"/>
-              <a:t>Click to edit Master title style</a:t>
-            </a:r>
-            <a:endParaRPr lang="en-US"/>
-          </a:p>
-        </p:txBody>
-      </p:sp>
-      <p:sp>
-        <p:nvSpPr>
-          <p:cNvPr id="3" name="Text Placeholder 2"/>
-          <p:cNvSpPr>
-            <a:spLocks noGrp="1"/>
-          </p:cNvSpPr>
-          <p:nvPr>
-            <p:ph type="body" idx="1"/>
-          </p:nvPr>
-        </p:nvSpPr>
-        <p:spPr>
-          <a:xfrm>
-            <a:off x="838200" y="1825625"/>
-            <a:ext cx="10515600" cy="4351338"/>
+          <a:solidFill>
+            <a:schemeClr val="accent4">
+              <a:lumMod val="75000"/>
+            </a:schemeClr>
+          </a:solidFill>
+          <a:ln>
+            <a:noFill/>
+          </a:ln>
+        </p:spPr>
+        <p:style>
+          <a:lnRef idx="2">
+            <a:schemeClr val="accent1">
+              <a:shade val="50000"/>
+            </a:schemeClr>
+          </a:lnRef>
+          <a:fillRef idx="1">
+            <a:schemeClr val="accent1"/>
+          </a:fillRef>
+          <a:effectRef idx="0">
+            <a:schemeClr val="accent1"/>
+          </a:effectRef>
+          <a:fontRef idx="minor">
+            <a:schemeClr val="lt1"/>
+          </a:fontRef>
+        </p:style>
+      </p:sp>
+      <p:sp>
+        <p:nvSpPr>
+          <p:cNvPr id="9" name="Rectangle 8"/>
+          <p:cNvSpPr/>
+          <p:nvPr/>
+        </p:nvSpPr>
+        <p:spPr>
+          <a:xfrm>
+            <a:off x="15" y="6334316"/>
+            <a:ext cx="12191985" cy="66484"/>
           </a:xfrm>
           <a:prstGeom prst="rect">
             <a:avLst/>
           </a:prstGeom>
-        </p:spPr>
-        <p:txBody>
-          <a:bodyPr vert="horz" lIns="91440" tIns="45720" rIns="91440" bIns="45720" rtlCol="0">
-            <a:normAutofit/>
-          </a:bodyPr>
-          <a:lstStyle/>
-          <a:p>
-            <a:pPr lvl="0"/>
-            <a:r>
-              <a:rPr lang="en-US" smtClean="0"/>
-              <a:t>Edit Master text styles</a:t>
-            </a:r>
-          </a:p>
-          <a:p>
-            <a:pPr lvl="1"/>
-            <a:r>
-              <a:rPr lang="en-US" smtClean="0"/>
-              <a:t>Second level</a:t>
-            </a:r>
-          </a:p>
-          <a:p>
-            <a:pPr lvl="2"/>
-            <a:r>
-              <a:rPr lang="en-US" smtClean="0"/>
-              <a:t>Third level</a:t>
-            </a:r>
-          </a:p>
-          <a:p>
-            <a:pPr lvl="3"/>
-            <a:r>
-              <a:rPr lang="en-US" smtClean="0"/>
-              <a:t>Fourth level</a:t>
-            </a:r>
-          </a:p>
-          <a:p>
-            <a:pPr lvl="4"/>
-            <a:r>
-              <a:rPr lang="en-US" smtClean="0"/>
-              <a:t>Fifth level</a:t>
-            </a:r>
-            <a:endParaRPr lang="en-US"/>
-          </a:p>
-        </p:txBody>
-      </p:sp>
-      <p:sp>
-        <p:nvSpPr>
-          <p:cNvPr id="4" name="Date Placeholder 3"/>
-          <p:cNvSpPr>
-            <a:spLocks noGrp="1"/>
-          </p:cNvSpPr>
-          <p:nvPr>
-            <p:ph type="dt" sz="half" idx="2"/>
-          </p:nvPr>
-        </p:nvSpPr>
-        <p:spPr>
-          <a:xfrm>
-            <a:off x="838200" y="6356350"/>
-            <a:ext cx="2743200" cy="365125"/>
+          <a:solidFill>
+            <a:schemeClr val="accent4"/>
+          </a:solidFill>
+          <a:ln>
+            <a:noFill/>
+          </a:ln>
+        </p:spPr>
+        <p:style>
+          <a:lnRef idx="2">
+            <a:schemeClr val="accent1">
+              <a:shade val="50000"/>
+            </a:schemeClr>
+          </a:lnRef>
+          <a:fillRef idx="1">
+            <a:schemeClr val="accent1"/>
+          </a:fillRef>
+          <a:effectRef idx="0">
+            <a:schemeClr val="accent1"/>
+          </a:effectRef>
+          <a:fontRef idx="minor">
+            <a:schemeClr val="lt1"/>
+          </a:fontRef>
+        </p:style>
+      </p:sp>
+      <p:sp>
+        <p:nvSpPr>
+          <p:cNvPr id="2" name="Title Placeholder 1"/>
+          <p:cNvSpPr>
+            <a:spLocks noGrp="1"/>
+          </p:cNvSpPr>
+          <p:nvPr>
+            <p:ph type="title"/>
+          </p:nvPr>
+        </p:nvSpPr>
+        <p:spPr>
+          <a:xfrm>
+            <a:off x="1097280" y="286603"/>
+            <a:ext cx="10058400" cy="1450757"/>
           </a:xfrm>
           <a:prstGeom prst="rect">
             <a:avLst/>
           </a:prstGeom>
         </p:spPr>
         <p:txBody>
+          <a:bodyPr vert="horz" lIns="91440" tIns="45720" rIns="91440" bIns="45720" rtlCol="0" anchor="b">
+            <a:normAutofit/>
+          </a:bodyPr>
+          <a:lstStyle/>
+          <a:p>
+            <a:r>
+              <a:rPr lang="en-US" smtClean="0"/>
+              <a:t>Click to edit Master title style</a:t>
+            </a:r>
+            <a:endParaRPr lang="en-US" dirty="0"/>
+          </a:p>
+        </p:txBody>
+      </p:sp>
+      <p:sp>
+        <p:nvSpPr>
+          <p:cNvPr id="3" name="Text Placeholder 2"/>
+          <p:cNvSpPr>
+            <a:spLocks noGrp="1"/>
+          </p:cNvSpPr>
+          <p:nvPr>
+            <p:ph type="body" idx="1"/>
+          </p:nvPr>
+        </p:nvSpPr>
+        <p:spPr>
+          <a:xfrm>
+            <a:off x="1097280" y="1845734"/>
+            <a:ext cx="10058400" cy="4023360"/>
+          </a:xfrm>
+          <a:prstGeom prst="rect">
+            <a:avLst/>
+          </a:prstGeom>
+        </p:spPr>
+        <p:txBody>
+          <a:bodyPr vert="horz" lIns="0" tIns="45720" rIns="0" bIns="45720" rtlCol="0">
+            <a:normAutofit/>
+          </a:bodyPr>
+          <a:lstStyle/>
+          <a:p>
+            <a:pPr lvl="0"/>
+            <a:r>
+              <a:rPr lang="en-US" smtClean="0"/>
+              <a:t>Edit Master text styles</a:t>
+            </a:r>
+          </a:p>
+          <a:p>
+            <a:pPr lvl="1"/>
+            <a:r>
+              <a:rPr lang="en-US" smtClean="0"/>
+              <a:t>Second level</a:t>
+            </a:r>
+          </a:p>
+          <a:p>
+            <a:pPr lvl="2"/>
+            <a:r>
+              <a:rPr lang="en-US" smtClean="0"/>
+              <a:t>Third level</a:t>
+            </a:r>
+          </a:p>
+          <a:p>
+            <a:pPr lvl="3"/>
+            <a:r>
+              <a:rPr lang="en-US" smtClean="0"/>
+              <a:t>Fourth level</a:t>
+            </a:r>
+          </a:p>
+          <a:p>
+            <a:pPr lvl="4"/>
+            <a:r>
+              <a:rPr lang="en-US" smtClean="0"/>
+              <a:t>Fifth level</a:t>
+            </a:r>
+            <a:endParaRPr lang="en-US" dirty="0"/>
+          </a:p>
+        </p:txBody>
+      </p:sp>
+      <p:sp>
+        <p:nvSpPr>
+          <p:cNvPr id="4" name="Date Placeholder 3"/>
+          <p:cNvSpPr>
+            <a:spLocks noGrp="1"/>
+          </p:cNvSpPr>
+          <p:nvPr>
+            <p:ph type="dt" sz="half" idx="2"/>
+          </p:nvPr>
+        </p:nvSpPr>
+        <p:spPr>
+          <a:xfrm>
+            <a:off x="1097280" y="6459785"/>
+            <a:ext cx="2472271" cy="365125"/>
+          </a:xfrm>
+          <a:prstGeom prst="rect">
+            <a:avLst/>
+          </a:prstGeom>
+        </p:spPr>
+        <p:txBody>
           <a:bodyPr vert="horz" lIns="91440" tIns="45720" rIns="91440" bIns="45720" rtlCol="0" anchor="ctr"/>
           <a:lstStyle>
             <a:lvl1pPr algn="l">
-              <a:defRPr sz="1200">
+              <a:defRPr sz="900">
                 <a:solidFill>
-                  <a:schemeClr val="tx1">
-                    <a:tint val="75000"/>
-                  </a:schemeClr>
+                  <a:srgbClr val="FFFFFF"/>
                 </a:solidFill>
               </a:defRPr>
             </a:lvl1pPr>
@@ -2583,8 +3306,8 @@
         </p:nvSpPr>
         <p:spPr>
           <a:xfrm>
-            <a:off x="4038600" y="6356350"/>
-            <a:ext cx="4114800" cy="365125"/>
+            <a:off x="3686185" y="6459785"/>
+            <a:ext cx="4822804" cy="365125"/>
           </a:xfrm>
           <a:prstGeom prst="rect">
             <a:avLst/>
@@ -2594,11 +3317,9 @@
           <a:bodyPr vert="horz" lIns="91440" tIns="45720" rIns="91440" bIns="45720" rtlCol="0" anchor="ctr"/>
           <a:lstStyle>
             <a:lvl1pPr algn="ctr">
-              <a:defRPr sz="1200">
+              <a:defRPr sz="900" cap="all" baseline="0">
                 <a:solidFill>
-                  <a:schemeClr val="tx1">
-                    <a:tint val="75000"/>
-                  </a:schemeClr>
+                  <a:srgbClr val="FFFFFF"/>
                 </a:solidFill>
               </a:defRPr>
             </a:lvl1pPr>
@@ -2620,8 +3341,8 @@
         </p:nvSpPr>
         <p:spPr>
           <a:xfrm>
-            <a:off x="8610600" y="6356350"/>
-            <a:ext cx="2743200" cy="365125"/>
+            <a:off x="9900458" y="6459785"/>
+            <a:ext cx="1312025" cy="365125"/>
           </a:xfrm>
           <a:prstGeom prst="rect">
             <a:avLst/>
@@ -2631,11 +3352,9 @@
           <a:bodyPr vert="horz" lIns="91440" tIns="45720" rIns="91440" bIns="45720" rtlCol="0" anchor="ctr"/>
           <a:lstStyle>
             <a:lvl1pPr algn="r">
-              <a:defRPr sz="1200">
+              <a:defRPr sz="1050">
                 <a:solidFill>
-                  <a:schemeClr val="tx1">
-                    <a:tint val="75000"/>
-                  </a:schemeClr>
+                  <a:srgbClr val="FFFFFF"/>
                 </a:solidFill>
               </a:defRPr>
             </a:lvl1pPr>
@@ -2649,40 +3368,81 @@
           </a:p>
         </p:txBody>
       </p:sp>
+      <p:cxnSp>
+        <p:nvCxnSpPr>
+          <p:cNvPr id="10" name="Straight Connector 9"/>
+          <p:cNvCxnSpPr/>
+          <p:nvPr/>
+        </p:nvCxnSpPr>
+        <p:spPr>
+          <a:xfrm>
+            <a:off x="1193532" y="1737845"/>
+            <a:ext cx="9966960" cy="0"/>
+          </a:xfrm>
+          <a:prstGeom prst="line">
+            <a:avLst/>
+          </a:prstGeom>
+          <a:ln w="6350">
+            <a:solidFill>
+              <a:schemeClr val="tx1">
+                <a:lumMod val="50000"/>
+                <a:lumOff val="50000"/>
+              </a:schemeClr>
+            </a:solidFill>
+          </a:ln>
+        </p:spPr>
+        <p:style>
+          <a:lnRef idx="1">
+            <a:schemeClr val="accent1"/>
+          </a:lnRef>
+          <a:fillRef idx="0">
+            <a:schemeClr val="accent1"/>
+          </a:fillRef>
+          <a:effectRef idx="0">
+            <a:schemeClr val="accent1"/>
+          </a:effectRef>
+          <a:fontRef idx="minor">
+            <a:schemeClr val="tx1"/>
+          </a:fontRef>
+        </p:style>
+      </p:cxnSp>
     </p:spTree>
     <p:extLst>
       <p:ext uri="{BB962C8B-B14F-4D97-AF65-F5344CB8AC3E}">
-        <p14:creationId xmlns:p14="http://schemas.microsoft.com/office/powerpoint/2010/main" val="58810728"/>
+        <p14:creationId xmlns:p14="http://schemas.microsoft.com/office/powerpoint/2010/main" val="3114262794"/>
       </p:ext>
     </p:extLst>
   </p:cSld>
   <p:clrMap bg1="lt1" tx1="dk1" bg2="lt2" tx2="dk2" accent1="accent1" accent2="accent2" accent3="accent3" accent4="accent4" accent5="accent5" accent6="accent6" hlink="hlink" folHlink="folHlink"/>
   <p:sldLayoutIdLst>
-    <p:sldLayoutId id="2147483649" r:id="rId1"/>
-    <p:sldLayoutId id="2147483650" r:id="rId2"/>
-    <p:sldLayoutId id="2147483651" r:id="rId3"/>
-    <p:sldLayoutId id="2147483652" r:id="rId4"/>
-    <p:sldLayoutId id="2147483653" r:id="rId5"/>
-    <p:sldLayoutId id="2147483654" r:id="rId6"/>
-    <p:sldLayoutId id="2147483655" r:id="rId7"/>
-    <p:sldLayoutId id="2147483656" r:id="rId8"/>
-    <p:sldLayoutId id="2147483657" r:id="rId9"/>
-    <p:sldLayoutId id="2147483658" r:id="rId10"/>
-    <p:sldLayoutId id="2147483659" r:id="rId11"/>
+    <p:sldLayoutId id="2147483768" r:id="rId1"/>
+    <p:sldLayoutId id="2147483769" r:id="rId2"/>
+    <p:sldLayoutId id="2147483770" r:id="rId3"/>
+    <p:sldLayoutId id="2147483771" r:id="rId4"/>
+    <p:sldLayoutId id="2147483772" r:id="rId5"/>
+    <p:sldLayoutId id="2147483773" r:id="rId6"/>
+    <p:sldLayoutId id="2147483774" r:id="rId7"/>
+    <p:sldLayoutId id="2147483775" r:id="rId8"/>
+    <p:sldLayoutId id="2147483776" r:id="rId9"/>
+    <p:sldLayoutId id="2147483777" r:id="rId10"/>
+    <p:sldLayoutId id="2147483778" r:id="rId11"/>
   </p:sldLayoutIdLst>
   <p:txStyles>
     <p:titleStyle>
       <a:lvl1pPr algn="l" defTabSz="914400" rtl="0" eaLnBrk="1" latinLnBrk="0" hangingPunct="1">
         <a:lnSpc>
-          <a:spcPct val="90000"/>
+          <a:spcPct val="85000"/>
         </a:lnSpc>
         <a:spcBef>
           <a:spcPct val="0"/>
         </a:spcBef>
         <a:buNone/>
-        <a:defRPr sz="4400" kern="1200">
+        <a:defRPr sz="4800" kern="1200" spc="-50" baseline="0">
           <a:solidFill>
-            <a:schemeClr val="tx1"/>
+            <a:schemeClr val="tx1">
+              <a:lumMod val="75000"/>
+              <a:lumOff val="25000"/>
+            </a:schemeClr>
           </a:solidFill>
           <a:latin typeface="+mj-lt"/>
           <a:ea typeface="+mj-ea"/>
@@ -2691,162 +3451,244 @@
       </a:lvl1pPr>
     </p:titleStyle>
     <p:bodyStyle>
-      <a:lvl1pPr marL="228600" indent="-228600" algn="l" defTabSz="914400" rtl="0" eaLnBrk="1" latinLnBrk="0" hangingPunct="1">
+      <a:lvl1pPr marL="91440" indent="-91440" algn="l" defTabSz="914400" rtl="0" eaLnBrk="1" latinLnBrk="0" hangingPunct="1">
         <a:lnSpc>
           <a:spcPct val="90000"/>
         </a:lnSpc>
         <a:spcBef>
-          <a:spcPts val="1000"/>
+          <a:spcPts val="1200"/>
         </a:spcBef>
-        <a:buFont typeface="Arial" panose="020B0604020202020204" pitchFamily="34" charset="0"/>
-        <a:buChar char="•"/>
-        <a:defRPr sz="2800" kern="1200">
+        <a:spcAft>
+          <a:spcPts val="200"/>
+        </a:spcAft>
+        <a:buClr>
+          <a:schemeClr val="accent1"/>
+        </a:buClr>
+        <a:buSzPct val="100000"/>
+        <a:buFont typeface="Calibri" panose="020F0502020204030204" pitchFamily="34" charset="0"/>
+        <a:buChar char=" "/>
+        <a:defRPr sz="2000" kern="1200">
           <a:solidFill>
-            <a:schemeClr val="tx1"/>
+            <a:schemeClr val="tx1">
+              <a:lumMod val="75000"/>
+              <a:lumOff val="25000"/>
+            </a:schemeClr>
           </a:solidFill>
           <a:latin typeface="+mn-lt"/>
           <a:ea typeface="+mn-ea"/>
           <a:cs typeface="+mn-cs"/>
         </a:defRPr>
       </a:lvl1pPr>
-      <a:lvl2pPr marL="685800" indent="-228600" algn="l" defTabSz="914400" rtl="0" eaLnBrk="1" latinLnBrk="0" hangingPunct="1">
+      <a:lvl2pPr marL="384048" indent="-182880" algn="l" defTabSz="914400" rtl="0" eaLnBrk="1" latinLnBrk="0" hangingPunct="1">
         <a:lnSpc>
           <a:spcPct val="90000"/>
         </a:lnSpc>
         <a:spcBef>
-          <a:spcPts val="500"/>
+          <a:spcPts val="200"/>
         </a:spcBef>
-        <a:buFont typeface="Arial" panose="020B0604020202020204" pitchFamily="34" charset="0"/>
-        <a:buChar char="•"/>
-        <a:defRPr sz="2400" kern="1200">
+        <a:spcAft>
+          <a:spcPts val="400"/>
+        </a:spcAft>
+        <a:buClr>
+          <a:schemeClr val="accent1"/>
+        </a:buClr>
+        <a:buFont typeface="Calibri" pitchFamily="34" charset="0"/>
+        <a:buChar char="◦"/>
+        <a:defRPr sz="1800" kern="1200">
           <a:solidFill>
-            <a:schemeClr val="tx1"/>
+            <a:schemeClr val="tx1">
+              <a:lumMod val="75000"/>
+              <a:lumOff val="25000"/>
+            </a:schemeClr>
           </a:solidFill>
           <a:latin typeface="+mn-lt"/>
           <a:ea typeface="+mn-ea"/>
           <a:cs typeface="+mn-cs"/>
         </a:defRPr>
       </a:lvl2pPr>
-      <a:lvl3pPr marL="1143000" indent="-228600" algn="l" defTabSz="914400" rtl="0" eaLnBrk="1" latinLnBrk="0" hangingPunct="1">
+      <a:lvl3pPr marL="566928" indent="-182880" algn="l" defTabSz="914400" rtl="0" eaLnBrk="1" latinLnBrk="0" hangingPunct="1">
         <a:lnSpc>
           <a:spcPct val="90000"/>
         </a:lnSpc>
         <a:spcBef>
-          <a:spcPts val="500"/>
+          <a:spcPts val="200"/>
         </a:spcBef>
-        <a:buFont typeface="Arial" panose="020B0604020202020204" pitchFamily="34" charset="0"/>
-        <a:buChar char="•"/>
-        <a:defRPr sz="2000" kern="1200">
+        <a:spcAft>
+          <a:spcPts val="400"/>
+        </a:spcAft>
+        <a:buClr>
+          <a:schemeClr val="accent1"/>
+        </a:buClr>
+        <a:buFont typeface="Calibri" pitchFamily="34" charset="0"/>
+        <a:buChar char="◦"/>
+        <a:defRPr sz="1400" kern="1200">
           <a:solidFill>
-            <a:schemeClr val="tx1"/>
+            <a:schemeClr val="tx1">
+              <a:lumMod val="75000"/>
+              <a:lumOff val="25000"/>
+            </a:schemeClr>
           </a:solidFill>
           <a:latin typeface="+mn-lt"/>
           <a:ea typeface="+mn-ea"/>
           <a:cs typeface="+mn-cs"/>
         </a:defRPr>
       </a:lvl3pPr>
-      <a:lvl4pPr marL="1600200" indent="-228600" algn="l" defTabSz="914400" rtl="0" eaLnBrk="1" latinLnBrk="0" hangingPunct="1">
+      <a:lvl4pPr marL="749808" indent="-182880" algn="l" defTabSz="914400" rtl="0" eaLnBrk="1" latinLnBrk="0" hangingPunct="1">
         <a:lnSpc>
           <a:spcPct val="90000"/>
         </a:lnSpc>
         <a:spcBef>
-          <a:spcPts val="500"/>
+          <a:spcPts val="200"/>
         </a:spcBef>
-        <a:buFont typeface="Arial" panose="020B0604020202020204" pitchFamily="34" charset="0"/>
-        <a:buChar char="•"/>
-        <a:defRPr sz="1800" kern="1200">
+        <a:spcAft>
+          <a:spcPts val="400"/>
+        </a:spcAft>
+        <a:buClr>
+          <a:schemeClr val="accent1"/>
+        </a:buClr>
+        <a:buFont typeface="Calibri" pitchFamily="34" charset="0"/>
+        <a:buChar char="◦"/>
+        <a:defRPr sz="1400" kern="1200">
           <a:solidFill>
-            <a:schemeClr val="tx1"/>
+            <a:schemeClr val="tx1">
+              <a:lumMod val="75000"/>
+              <a:lumOff val="25000"/>
+            </a:schemeClr>
           </a:solidFill>
           <a:latin typeface="+mn-lt"/>
           <a:ea typeface="+mn-ea"/>
           <a:cs typeface="+mn-cs"/>
         </a:defRPr>
       </a:lvl4pPr>
-      <a:lvl5pPr marL="2057400" indent="-228600" algn="l" defTabSz="914400" rtl="0" eaLnBrk="1" latinLnBrk="0" hangingPunct="1">
+      <a:lvl5pPr marL="932688" indent="-182880" algn="l" defTabSz="914400" rtl="0" eaLnBrk="1" latinLnBrk="0" hangingPunct="1">
         <a:lnSpc>
           <a:spcPct val="90000"/>
         </a:lnSpc>
         <a:spcBef>
-          <a:spcPts val="500"/>
+          <a:spcPts val="200"/>
         </a:spcBef>
-        <a:buFont typeface="Arial" panose="020B0604020202020204" pitchFamily="34" charset="0"/>
-        <a:buChar char="•"/>
-        <a:defRPr sz="1800" kern="1200">
+        <a:spcAft>
+          <a:spcPts val="400"/>
+        </a:spcAft>
+        <a:buClr>
+          <a:schemeClr val="accent1"/>
+        </a:buClr>
+        <a:buFont typeface="Calibri" pitchFamily="34" charset="0"/>
+        <a:buChar char="◦"/>
+        <a:defRPr sz="1400" kern="1200">
           <a:solidFill>
-            <a:schemeClr val="tx1"/>
+            <a:schemeClr val="tx1">
+              <a:lumMod val="75000"/>
+              <a:lumOff val="25000"/>
+            </a:schemeClr>
           </a:solidFill>
           <a:latin typeface="+mn-lt"/>
           <a:ea typeface="+mn-ea"/>
           <a:cs typeface="+mn-cs"/>
         </a:defRPr>
       </a:lvl5pPr>
-      <a:lvl6pPr marL="2514600" indent="-228600" algn="l" defTabSz="914400" rtl="0" eaLnBrk="1" latinLnBrk="0" hangingPunct="1">
+      <a:lvl6pPr marL="1100000" indent="-228600" algn="l" defTabSz="914400" rtl="0" eaLnBrk="1" latinLnBrk="0" hangingPunct="1">
         <a:lnSpc>
           <a:spcPct val="90000"/>
         </a:lnSpc>
         <a:spcBef>
-          <a:spcPts val="500"/>
+          <a:spcPts val="200"/>
         </a:spcBef>
-        <a:buFont typeface="Arial" panose="020B0604020202020204" pitchFamily="34" charset="0"/>
-        <a:buChar char="•"/>
-        <a:defRPr sz="1800" kern="1200">
+        <a:spcAft>
+          <a:spcPts val="400"/>
+        </a:spcAft>
+        <a:buClr>
+          <a:schemeClr val="accent1"/>
+        </a:buClr>
+        <a:buFont typeface="Calibri" pitchFamily="34" charset="0"/>
+        <a:buChar char="◦"/>
+        <a:defRPr sz="1400" kern="1200">
           <a:solidFill>
-            <a:schemeClr val="tx1"/>
+            <a:schemeClr val="tx1">
+              <a:lumMod val="75000"/>
+              <a:lumOff val="25000"/>
+            </a:schemeClr>
           </a:solidFill>
           <a:latin typeface="+mn-lt"/>
           <a:ea typeface="+mn-ea"/>
           <a:cs typeface="+mn-cs"/>
         </a:defRPr>
       </a:lvl6pPr>
-      <a:lvl7pPr marL="2971800" indent="-228600" algn="l" defTabSz="914400" rtl="0" eaLnBrk="1" latinLnBrk="0" hangingPunct="1">
+      <a:lvl7pPr marL="1300000" indent="-228600" algn="l" defTabSz="914400" rtl="0" eaLnBrk="1" latinLnBrk="0" hangingPunct="1">
         <a:lnSpc>
           <a:spcPct val="90000"/>
         </a:lnSpc>
         <a:spcBef>
-          <a:spcPts val="500"/>
+          <a:spcPts val="200"/>
         </a:spcBef>
-        <a:buFont typeface="Arial" panose="020B0604020202020204" pitchFamily="34" charset="0"/>
-        <a:buChar char="•"/>
-        <a:defRPr sz="1800" kern="1200">
+        <a:spcAft>
+          <a:spcPts val="400"/>
+        </a:spcAft>
+        <a:buClr>
+          <a:schemeClr val="accent1"/>
+        </a:buClr>
+        <a:buFont typeface="Calibri" pitchFamily="34" charset="0"/>
+        <a:buChar char="◦"/>
+        <a:defRPr sz="1400" kern="1200">
           <a:solidFill>
-            <a:schemeClr val="tx1"/>
+            <a:schemeClr val="tx1">
+              <a:lumMod val="75000"/>
+              <a:lumOff val="25000"/>
+            </a:schemeClr>
           </a:solidFill>
           <a:latin typeface="+mn-lt"/>
           <a:ea typeface="+mn-ea"/>
           <a:cs typeface="+mn-cs"/>
         </a:defRPr>
       </a:lvl7pPr>
-      <a:lvl8pPr marL="3429000" indent="-228600" algn="l" defTabSz="914400" rtl="0" eaLnBrk="1" latinLnBrk="0" hangingPunct="1">
+      <a:lvl8pPr marL="1500000" indent="-228600" algn="l" defTabSz="914400" rtl="0" eaLnBrk="1" latinLnBrk="0" hangingPunct="1">
         <a:lnSpc>
           <a:spcPct val="90000"/>
         </a:lnSpc>
         <a:spcBef>
-          <a:spcPts val="500"/>
+          <a:spcPts val="200"/>
         </a:spcBef>
-        <a:buFont typeface="Arial" panose="020B0604020202020204" pitchFamily="34" charset="0"/>
-        <a:buChar char="•"/>
-        <a:defRPr sz="1800" kern="1200">
+        <a:spcAft>
+          <a:spcPts val="400"/>
+        </a:spcAft>
+        <a:buClr>
+          <a:schemeClr val="accent1"/>
+        </a:buClr>
+        <a:buFont typeface="Calibri" pitchFamily="34" charset="0"/>
+        <a:buChar char="◦"/>
+        <a:defRPr sz="1400" kern="1200">
           <a:solidFill>
-            <a:schemeClr val="tx1"/>
+            <a:schemeClr val="tx1">
+              <a:lumMod val="75000"/>
+              <a:lumOff val="25000"/>
+            </a:schemeClr>
           </a:solidFill>
           <a:latin typeface="+mn-lt"/>
           <a:ea typeface="+mn-ea"/>
           <a:cs typeface="+mn-cs"/>
         </a:defRPr>
       </a:lvl8pPr>
-      <a:lvl9pPr marL="3886200" indent="-228600" algn="l" defTabSz="914400" rtl="0" eaLnBrk="1" latinLnBrk="0" hangingPunct="1">
+      <a:lvl9pPr marL="1700000" indent="-228600" algn="l" defTabSz="914400" rtl="0" eaLnBrk="1" latinLnBrk="0" hangingPunct="1">
         <a:lnSpc>
           <a:spcPct val="90000"/>
         </a:lnSpc>
         <a:spcBef>
-          <a:spcPts val="500"/>
+          <a:spcPts val="200"/>
         </a:spcBef>
-        <a:buFont typeface="Arial" panose="020B0604020202020204" pitchFamily="34" charset="0"/>
-        <a:buChar char="•"/>
-        <a:defRPr sz="1800" kern="1200">
+        <a:spcAft>
+          <a:spcPts val="400"/>
+        </a:spcAft>
+        <a:buClr>
+          <a:schemeClr val="accent1"/>
+        </a:buClr>
+        <a:buFont typeface="Calibri" pitchFamily="34" charset="0"/>
+        <a:buChar char="◦"/>
+        <a:defRPr sz="1400" kern="1200">
           <a:solidFill>
-            <a:schemeClr val="tx1"/>
+            <a:schemeClr val="tx1">
+              <a:lumMod val="75000"/>
+              <a:lumOff val="25000"/>
+            </a:schemeClr>
           </a:solidFill>
           <a:latin typeface="+mn-lt"/>
           <a:ea typeface="+mn-ea"/>
@@ -2950,6 +3792,11 @@
       </a:lvl9pPr>
     </p:otherStyle>
   </p:txStyles>
+  <p:extLst>
+    <p:ext uri="{27BBF7A9-308A-43DC-89C8-2F10F3537804}">
+      <p15:sldGuideLst xmlns:p15="http://schemas.microsoft.com/office/powerpoint/2012/main"/>
+    </p:ext>
+  </p:extLst>
 </p:sldMaster>
 </file>
 
@@ -2982,71 +3829,124 @@
         </p:nvSpPr>
         <p:spPr>
           <a:xfrm>
-            <a:off x="1524000" y="482139"/>
-            <a:ext cx="9144000" cy="1097280"/>
+            <a:off x="0" y="74816"/>
+            <a:ext cx="12192000" cy="1645919"/>
+          </a:xfrm>
+        </p:spPr>
+        <p:txBody>
+          <a:bodyPr>
+            <a:normAutofit/>
+          </a:bodyPr>
+          <a:lstStyle/>
+          <a:p>
+            <a:pPr algn="ctr"/>
+            <a:r>
+              <a:rPr lang="en-US" sz="4800" dirty="0" smtClean="0">
+                <a:latin typeface="Times New Roman" panose="02020603050405020304" pitchFamily="18" charset="0"/>
+                <a:cs typeface="Times New Roman" panose="02020603050405020304" pitchFamily="18" charset="0"/>
+              </a:rPr>
+              <a:t>Customer Relationship Management</a:t>
+            </a:r>
+            <a:r>
+              <a:rPr lang="en-US" sz="4800" dirty="0">
+                <a:latin typeface="Times New Roman" panose="02020603050405020304" pitchFamily="18" charset="0"/>
+                <a:cs typeface="Times New Roman" panose="02020603050405020304" pitchFamily="18" charset="0"/>
+              </a:rPr>
+              <a:t> </a:t>
+            </a:r>
+            <a:br>
+              <a:rPr lang="en-US" sz="4800" dirty="0">
+                <a:latin typeface="Times New Roman" panose="02020603050405020304" pitchFamily="18" charset="0"/>
+                <a:cs typeface="Times New Roman" panose="02020603050405020304" pitchFamily="18" charset="0"/>
+              </a:rPr>
+            </a:br>
+            <a:r>
+              <a:rPr lang="en-US" sz="4800" dirty="0" smtClean="0">
+                <a:latin typeface="Times New Roman" panose="02020603050405020304" pitchFamily="18" charset="0"/>
+                <a:cs typeface="Times New Roman" panose="02020603050405020304" pitchFamily="18" charset="0"/>
+              </a:rPr>
+              <a:t>(</a:t>
+            </a:r>
+            <a:r>
+              <a:rPr lang="en-US" sz="4800" dirty="0" smtClean="0">
+                <a:latin typeface="Times New Roman" panose="02020603050405020304" pitchFamily="18" charset="0"/>
+                <a:cs typeface="Times New Roman" panose="02020603050405020304" pitchFamily="18" charset="0"/>
+              </a:rPr>
+              <a:t>CRM)</a:t>
+            </a:r>
+            <a:endParaRPr lang="en-US" sz="4800" dirty="0">
+              <a:latin typeface="Times New Roman" panose="02020603050405020304" pitchFamily="18" charset="0"/>
+              <a:cs typeface="Times New Roman" panose="02020603050405020304" pitchFamily="18" charset="0"/>
+            </a:endParaRPr>
+          </a:p>
+        </p:txBody>
+      </p:sp>
+      <p:sp>
+        <p:nvSpPr>
+          <p:cNvPr id="3" name="Subtitle 2"/>
+          <p:cNvSpPr>
+            <a:spLocks noGrp="1"/>
+          </p:cNvSpPr>
+          <p:nvPr>
+            <p:ph type="subTitle" idx="1"/>
+          </p:nvPr>
+        </p:nvSpPr>
+        <p:spPr>
+          <a:xfrm>
+            <a:off x="0" y="2197186"/>
+            <a:ext cx="12191999" cy="504449"/>
           </a:xfrm>
         </p:spPr>
         <p:txBody>
           <a:bodyPr/>
           <a:lstStyle/>
           <a:p>
-            <a:r>
-              <a:rPr lang="en-US" dirty="0" smtClean="0"/>
-              <a:t>CRM PROJECT</a:t>
-            </a:r>
-            <a:endParaRPr lang="en-US" dirty="0"/>
-          </a:p>
-        </p:txBody>
-      </p:sp>
-      <p:sp>
-        <p:nvSpPr>
-          <p:cNvPr id="3" name="Subtitle 2"/>
-          <p:cNvSpPr>
-            <a:spLocks noGrp="1"/>
-          </p:cNvSpPr>
-          <p:nvPr>
-            <p:ph type="subTitle" idx="1"/>
-          </p:nvPr>
-        </p:nvSpPr>
-        <p:spPr>
-          <a:xfrm>
-            <a:off x="1524000" y="1465667"/>
-            <a:ext cx="9144000" cy="504449"/>
-          </a:xfrm>
-        </p:spPr>
-        <p:txBody>
-          <a:bodyPr/>
-          <a:lstStyle/>
-          <a:p>
-            <a:r>
-              <a:rPr lang="en-US" dirty="0" smtClean="0"/>
-              <a:t>By </a:t>
-            </a:r>
-            <a:r>
-              <a:rPr lang="en-US" dirty="0" err="1"/>
-              <a:t>Vajihehalsadat</a:t>
-            </a:r>
-            <a:r>
-              <a:rPr lang="en-US" dirty="0"/>
+            <a:pPr algn="ctr"/>
+            <a:r>
+              <a:rPr lang="en-US" b="1" cap="none" spc="300" dirty="0" smtClean="0">
+                <a:latin typeface="+mn-lt"/>
+              </a:rPr>
+              <a:t>By:</a:t>
+            </a:r>
+            <a:r>
+              <a:rPr lang="en-US" cap="none" spc="300" dirty="0" smtClean="0">
+                <a:latin typeface="+mn-lt"/>
+              </a:rPr>
+              <a:t> Vajihehalsadat </a:t>
+            </a:r>
+            <a:r>
+              <a:rPr lang="en-US" cap="none" spc="300" dirty="0" err="1" smtClean="0">
+                <a:latin typeface="+mn-lt"/>
+              </a:rPr>
+              <a:t>Seyedzadeh</a:t>
+            </a:r>
+            <a:r>
+              <a:rPr lang="en-US" cap="none" spc="300" dirty="0" smtClean="0">
+                <a:latin typeface="+mn-lt"/>
+              </a:rPr>
+              <a:t> &amp; </a:t>
+            </a:r>
+            <a:r>
+              <a:rPr lang="en-US" cap="none" spc="300" dirty="0" err="1" smtClean="0">
+                <a:latin typeface="+mn-lt"/>
+              </a:rPr>
+              <a:t>Winoto</a:t>
+            </a:r>
+            <a:r>
+              <a:rPr lang="en-US" cap="none" spc="300" dirty="0" smtClean="0">
+                <a:latin typeface="+mn-lt"/>
+              </a:rPr>
               <a:t> </a:t>
             </a:r>
             <a:r>
-              <a:rPr lang="en-US" dirty="0" err="1"/>
-              <a:t>Seyedzadeh</a:t>
-            </a:r>
-            <a:r>
-              <a:rPr lang="en-US" dirty="0"/>
-              <a:t> </a:t>
-            </a:r>
-            <a:r>
-              <a:rPr lang="en-US" dirty="0" smtClean="0"/>
-              <a:t>&amp; Winoto </a:t>
-            </a:r>
-            <a:r>
-              <a:rPr lang="en-US" dirty="0" err="1" smtClean="0"/>
+              <a:rPr lang="en-US" cap="none" spc="300" dirty="0" err="1" smtClean="0">
+                <a:latin typeface="+mn-lt"/>
+              </a:rPr>
               <a:t>Janputra</a:t>
             </a:r>
-            <a:endParaRPr lang="en-US" dirty="0"/>
+            <a:endParaRPr lang="en-US" cap="none" spc="300" dirty="0">
+              <a:latin typeface="+mn-lt"/>
+            </a:endParaRPr>
           </a:p>
         </p:txBody>
       </p:sp>
@@ -3058,8 +3958,8 @@
         </p:nvSpPr>
         <p:spPr>
           <a:xfrm>
-            <a:off x="3219188" y="2263883"/>
-            <a:ext cx="3958225" cy="369332"/>
+            <a:off x="991377" y="3947406"/>
+            <a:ext cx="10172615" cy="1846659"/>
           </a:xfrm>
           <a:prstGeom prst="rect">
             <a:avLst/>
@@ -3077,9 +3977,58 @@
               <a:buChar char="•"/>
             </a:pPr>
             <a:r>
+              <a:rPr lang="en-US" sz="2400" b="1" dirty="0" smtClean="0"/>
+              <a:t>What is CRM?</a:t>
+            </a:r>
+          </a:p>
+          <a:p>
+            <a:r>
+              <a:rPr lang="en-US" b="1" dirty="0" smtClean="0"/>
+              <a:t>Customer relationship management</a:t>
+            </a:r>
+            <a:r>
               <a:rPr lang="en-US" dirty="0" smtClean="0"/>
-              <a:t>What is CRM?</a:t>
-            </a:r>
+              <a:t> (</a:t>
+            </a:r>
+            <a:r>
+              <a:rPr lang="en-US" b="1" dirty="0" smtClean="0"/>
+              <a:t>CRM</a:t>
+            </a:r>
+            <a:r>
+              <a:rPr lang="en-US" dirty="0" smtClean="0"/>
+              <a:t>) is a technology to manage and </a:t>
+            </a:r>
+            <a:r>
+              <a:rPr lang="en-US" dirty="0"/>
+              <a:t>analyze customer interactions </a:t>
+            </a:r>
+            <a:r>
+              <a:rPr lang="en-US" dirty="0" smtClean="0"/>
+              <a:t>throughout </a:t>
+            </a:r>
+            <a:r>
+              <a:rPr lang="en-US" dirty="0"/>
+              <a:t>the customer lifecycle, with the goal of improving business relationships with </a:t>
+            </a:r>
+            <a:r>
+              <a:rPr lang="en-US" dirty="0"/>
+              <a:t>current </a:t>
+            </a:r>
+            <a:r>
+              <a:rPr lang="en-US" dirty="0" smtClean="0"/>
+              <a:t>customers and potential customers. </a:t>
+            </a:r>
+            <a:r>
+              <a:rPr lang="en-US" dirty="0"/>
+              <a:t>CRM systems are designed to compile information on customers across different channels  which could include the company's website, telephone, live chat, direct mail</a:t>
+            </a:r>
+            <a:r>
+              <a:rPr lang="en-US" dirty="0" smtClean="0"/>
+              <a:t>,… </a:t>
+            </a:r>
+          </a:p>
+          <a:p>
+            <a:endParaRPr lang="en-US" dirty="0" smtClean="0"/>
           </a:p>
         </p:txBody>
       </p:sp>
@@ -3121,8 +4070,8 @@
         </p:nvSpPr>
         <p:spPr>
           <a:xfrm>
-            <a:off x="3031299" y="1615858"/>
-            <a:ext cx="6538586" cy="1754326"/>
+            <a:off x="1052870" y="643269"/>
+            <a:ext cx="9803552" cy="2308324"/>
           </a:xfrm>
           <a:prstGeom prst="rect">
             <a:avLst/>
@@ -3151,8 +4100,17 @@
             </a:pPr>
             <a:r>
               <a:rPr lang="en-US" dirty="0" smtClean="0"/>
-              <a:t>Mini CRM to Record Customer information</a:t>
-            </a:r>
+              <a:t>Mini CRM to Record </a:t>
+            </a:r>
+            <a:r>
+              <a:rPr lang="en-US" dirty="0" smtClean="0"/>
+              <a:t>current Customer information </a:t>
+            </a:r>
+            <a:r>
+              <a:rPr lang="en-US" dirty="0"/>
+              <a:t>and potential customers</a:t>
+            </a:r>
+            <a:endParaRPr lang="en-US" dirty="0" smtClean="0"/>
           </a:p>
           <a:p>
             <a:pPr marL="742950" lvl="1" indent="-285750">
@@ -3161,7 +4119,11 @@
             </a:pPr>
             <a:r>
               <a:rPr lang="en-US" dirty="0" smtClean="0"/>
-              <a:t>Record every interaction between Customer and Sales Person</a:t>
+              <a:t>Record every interaction between Customer and Sales </a:t>
+            </a:r>
+            <a:r>
+              <a:rPr lang="en-US" dirty="0" smtClean="0"/>
+              <a:t>Person</a:t>
             </a:r>
           </a:p>
           <a:p>
@@ -3171,8 +4133,9 @@
             </a:pPr>
             <a:r>
               <a:rPr lang="en-US" dirty="0" smtClean="0"/>
-              <a:t>Track Sales Person activity</a:t>
-            </a:r>
+              <a:t>Ability of show works day of Sales Person</a:t>
+            </a:r>
+            <a:endParaRPr lang="en-US" dirty="0" smtClean="0"/>
           </a:p>
           <a:p>
             <a:pPr marL="742950" lvl="1" indent="-285750">
@@ -3181,8 +4144,52 @@
             </a:pPr>
             <a:r>
               <a:rPr lang="en-US" dirty="0" smtClean="0"/>
-              <a:t>Increase efficiency</a:t>
-            </a:r>
+              <a:t>Track </a:t>
+            </a:r>
+            <a:r>
+              <a:rPr lang="en-US" dirty="0" smtClean="0"/>
+              <a:t>Sales Person </a:t>
+            </a:r>
+            <a:r>
+              <a:rPr lang="en-US" dirty="0" smtClean="0"/>
+              <a:t>activity</a:t>
+            </a:r>
+          </a:p>
+          <a:p>
+            <a:pPr marL="742950" lvl="1" indent="-285750">
+              <a:buFont typeface="Arial" panose="020B0604020202020204" pitchFamily="34" charset="0"/>
+              <a:buChar char="•"/>
+            </a:pPr>
+            <a:r>
+              <a:rPr lang="en-US" dirty="0" smtClean="0"/>
+              <a:t>Show reports as a data table and diagram with ability of export in to excel file and print in to</a:t>
+            </a:r>
+            <a:endParaRPr lang="en-US" dirty="0" smtClean="0"/>
+          </a:p>
+          <a:p>
+            <a:pPr marL="742950" lvl="1" indent="-285750">
+              <a:buFont typeface="Arial" panose="020B0604020202020204" pitchFamily="34" charset="0"/>
+              <a:buChar char="•"/>
+            </a:pPr>
+            <a:r>
+              <a:rPr lang="en-US" dirty="0" smtClean="0"/>
+              <a:t>Increase </a:t>
+            </a:r>
+            <a:r>
+              <a:rPr lang="en-US" dirty="0" smtClean="0"/>
+              <a:t>efficiency</a:t>
+            </a:r>
+          </a:p>
+          <a:p>
+            <a:pPr marL="742950" lvl="1" indent="-285750">
+              <a:buFont typeface="Arial" panose="020B0604020202020204" pitchFamily="34" charset="0"/>
+              <a:buChar char="•"/>
+            </a:pPr>
+            <a:r>
+              <a:rPr lang="en-US" dirty="0"/>
+              <a:t>The goal is simple: Improve business relationships.</a:t>
+            </a:r>
+            <a:endParaRPr lang="en-US" dirty="0" smtClean="0"/>
           </a:p>
         </p:txBody>
       </p:sp>
@@ -3196,6 +4203,13 @@
   <p:clrMapOvr>
     <a:masterClrMapping/>
   </p:clrMapOvr>
+  <p:timing>
+    <p:tnLst>
+      <p:par>
+        <p:cTn id="1" dur="indefinite" restart="never" nodeType="tmRoot"/>
+      </p:par>
+    </p:tnLst>
+  </p:timing>
 </p:sld>
 </file>
 
@@ -3218,14 +4232,14 @@
       </p:grpSpPr>
       <p:sp>
         <p:nvSpPr>
-          <p:cNvPr id="2" name="TextBox 1"/>
+          <p:cNvPr id="3" name="TextBox 2"/>
           <p:cNvSpPr txBox="1"/>
           <p:nvPr/>
         </p:nvSpPr>
         <p:spPr>
           <a:xfrm>
-            <a:off x="1243013" y="1028700"/>
-            <a:ext cx="8929687" cy="923330"/>
+            <a:off x="6741622" y="3145933"/>
+            <a:ext cx="3619931" cy="646331"/>
           </a:xfrm>
           <a:prstGeom prst="rect">
             <a:avLst/>
@@ -3238,41 +4252,6 @@
           </a:bodyPr>
           <a:lstStyle/>
           <a:p>
-            <a:r>
-              <a:rPr lang="en-US" dirty="0" smtClean="0"/>
-              <a:t>Insert Activity Screenshot</a:t>
-            </a:r>
-          </a:p>
-          <a:p>
-            <a:endParaRPr lang="en-US" dirty="0" smtClean="0"/>
-          </a:p>
-          <a:p>
-            <a:endParaRPr lang="en-US" dirty="0" smtClean="0"/>
-          </a:p>
-        </p:txBody>
-      </p:sp>
-      <p:sp>
-        <p:nvSpPr>
-          <p:cNvPr id="3" name="TextBox 2"/>
-          <p:cNvSpPr txBox="1"/>
-          <p:nvPr/>
-        </p:nvSpPr>
-        <p:spPr>
-          <a:xfrm>
-            <a:off x="1243013" y="2400300"/>
-            <a:ext cx="8986837" cy="646331"/>
-          </a:xfrm>
-          <a:prstGeom prst="rect">
-            <a:avLst/>
-          </a:prstGeom>
-          <a:noFill/>
-        </p:spPr>
-        <p:txBody>
-          <a:bodyPr wrap="square" rtlCol="0">
-            <a:spAutoFit/>
-          </a:bodyPr>
-          <a:lstStyle/>
-          <a:p>
             <a:pPr marL="285750" indent="-285750">
               <a:buFont typeface="Arial" panose="020B0604020202020204" pitchFamily="34" charset="0"/>
               <a:buChar char="•"/>
@@ -3297,44 +4276,14 @@
       </p:sp>
       <p:sp>
         <p:nvSpPr>
-          <p:cNvPr id="4" name="TextBox 3"/>
-          <p:cNvSpPr txBox="1"/>
-          <p:nvPr/>
-        </p:nvSpPr>
-        <p:spPr>
-          <a:xfrm>
-            <a:off x="1385888" y="3243263"/>
-            <a:ext cx="4972050" cy="369332"/>
-          </a:xfrm>
-          <a:prstGeom prst="rect">
-            <a:avLst/>
-          </a:prstGeom>
-          <a:noFill/>
-        </p:spPr>
-        <p:txBody>
-          <a:bodyPr wrap="square" rtlCol="0">
-            <a:spAutoFit/>
-          </a:bodyPr>
-          <a:lstStyle/>
-          <a:p>
-            <a:r>
-              <a:rPr lang="en-US" dirty="0" smtClean="0"/>
-              <a:t>Inset Address book</a:t>
-            </a:r>
-            <a:endParaRPr lang="en-US" dirty="0"/>
-          </a:p>
-        </p:txBody>
-      </p:sp>
-      <p:sp>
-        <p:nvSpPr>
           <p:cNvPr id="5" name="TextBox 4"/>
           <p:cNvSpPr txBox="1"/>
           <p:nvPr/>
         </p:nvSpPr>
         <p:spPr>
           <a:xfrm>
-            <a:off x="1243013" y="3929063"/>
-            <a:ext cx="8815387" cy="1477328"/>
+            <a:off x="301047" y="183719"/>
+            <a:ext cx="5243541" cy="1754326"/>
           </a:xfrm>
           <a:prstGeom prst="rect">
             <a:avLst/>
@@ -3395,6 +4344,94 @@
           </a:p>
         </p:txBody>
       </p:sp>
+      <p:pic>
+        <p:nvPicPr>
+          <p:cNvPr id="6" name="Picture 5"/>
+          <p:cNvPicPr>
+            <a:picLocks noChangeAspect="1"/>
+          </p:cNvPicPr>
+          <p:nvPr/>
+        </p:nvPicPr>
+        <p:blipFill rotWithShape="1">
+          <a:blip r:embed="rId2">
+            <a:extLst>
+              <a:ext uri="{28A0092B-C50C-407E-A947-70E740481C1C}">
+                <a14:useLocalDpi xmlns:a14="http://schemas.microsoft.com/office/drawing/2010/main" val="0"/>
+              </a:ext>
+            </a:extLst>
+          </a:blip>
+          <a:srcRect r="1276" b="32450"/>
+          <a:stretch/>
+        </p:blipFill>
+        <p:spPr>
+          <a:xfrm>
+            <a:off x="6741622" y="183719"/>
+            <a:ext cx="5270270" cy="2828629"/>
+          </a:xfrm>
+          <a:prstGeom prst="rect">
+            <a:avLst/>
+          </a:prstGeom>
+        </p:spPr>
+      </p:pic>
+      <p:pic>
+        <p:nvPicPr>
+          <p:cNvPr id="7" name="Picture 6"/>
+          <p:cNvPicPr>
+            <a:picLocks noChangeAspect="1"/>
+          </p:cNvPicPr>
+          <p:nvPr/>
+        </p:nvPicPr>
+        <p:blipFill>
+          <a:blip r:embed="rId3">
+            <a:extLst>
+              <a:ext uri="{28A0092B-C50C-407E-A947-70E740481C1C}">
+                <a14:useLocalDpi xmlns:a14="http://schemas.microsoft.com/office/drawing/2010/main" val="0"/>
+              </a:ext>
+            </a:extLst>
+          </a:blip>
+          <a:stretch>
+            <a:fillRect/>
+          </a:stretch>
+        </p:blipFill>
+        <p:spPr>
+          <a:xfrm>
+            <a:off x="101542" y="2114754"/>
+            <a:ext cx="5126328" cy="4020038"/>
+          </a:xfrm>
+          <a:prstGeom prst="rect">
+            <a:avLst/>
+          </a:prstGeom>
+        </p:spPr>
+      </p:pic>
+      <p:pic>
+        <p:nvPicPr>
+          <p:cNvPr id="8" name="Picture 7"/>
+          <p:cNvPicPr>
+            <a:picLocks noChangeAspect="1"/>
+          </p:cNvPicPr>
+          <p:nvPr/>
+        </p:nvPicPr>
+        <p:blipFill rotWithShape="1">
+          <a:blip r:embed="rId4">
+            <a:extLst>
+              <a:ext uri="{28A0092B-C50C-407E-A947-70E740481C1C}">
+                <a14:useLocalDpi xmlns:a14="http://schemas.microsoft.com/office/drawing/2010/main" val="0"/>
+              </a:ext>
+            </a:extLst>
+          </a:blip>
+          <a:srcRect l="19187" t="11636" r="12858" b="19879"/>
+          <a:stretch/>
+        </p:blipFill>
+        <p:spPr>
+          <a:xfrm>
+            <a:off x="2782399" y="2795775"/>
+            <a:ext cx="3734780" cy="2794941"/>
+          </a:xfrm>
+          <a:prstGeom prst="rect">
+            <a:avLst/>
+          </a:prstGeom>
+        </p:spPr>
+      </p:pic>
     </p:spTree>
     <p:extLst>
       <p:ext uri="{BB962C8B-B14F-4D97-AF65-F5344CB8AC3E}">
@@ -3405,6 +4442,13 @@
   <p:clrMapOvr>
     <a:masterClrMapping/>
   </p:clrMapOvr>
+  <p:timing>
+    <p:tnLst>
+      <p:par>
+        <p:cTn id="1" dur="indefinite" restart="never" nodeType="tmRoot"/>
+      </p:par>
+    </p:tnLst>
+  </p:timing>
 </p:sld>
 </file>
 
@@ -3433,8 +4477,8 @@
         </p:nvSpPr>
         <p:spPr>
           <a:xfrm>
-            <a:off x="857250" y="542925"/>
-            <a:ext cx="7343775" cy="923330"/>
+            <a:off x="6843348" y="4247664"/>
+            <a:ext cx="4487834" cy="923330"/>
           </a:xfrm>
           <a:prstGeom prst="rect">
             <a:avLst/>
@@ -3486,8 +4530,8 @@
         </p:nvSpPr>
         <p:spPr>
           <a:xfrm>
-            <a:off x="1014413" y="2357438"/>
-            <a:ext cx="7843837" cy="923330"/>
+            <a:off x="419090" y="563338"/>
+            <a:ext cx="5447963" cy="923330"/>
           </a:xfrm>
           <a:prstGeom prst="rect">
             <a:avLst/>
@@ -3532,6 +4576,95 @@
           </a:p>
         </p:txBody>
       </p:sp>
+      <p:pic>
+        <p:nvPicPr>
+          <p:cNvPr id="4" name="Picture 3"/>
+          <p:cNvPicPr>
+            <a:picLocks noChangeAspect="1"/>
+          </p:cNvPicPr>
+          <p:nvPr/>
+        </p:nvPicPr>
+        <p:blipFill>
+          <a:blip r:embed="rId2">
+            <a:extLst>
+              <a:ext uri="{28A0092B-C50C-407E-A947-70E740481C1C}">
+                <a14:useLocalDpi xmlns:a14="http://schemas.microsoft.com/office/drawing/2010/main" val="0"/>
+              </a:ext>
+            </a:extLst>
+          </a:blip>
+          <a:stretch>
+            <a:fillRect/>
+          </a:stretch>
+        </p:blipFill>
+        <p:spPr>
+          <a:xfrm>
+            <a:off x="6843348" y="129151"/>
+            <a:ext cx="4935787" cy="3860167"/>
+          </a:xfrm>
+          <a:prstGeom prst="rect">
+            <a:avLst/>
+          </a:prstGeom>
+        </p:spPr>
+      </p:pic>
+      <p:pic>
+        <p:nvPicPr>
+          <p:cNvPr id="5" name="Picture 4"/>
+          <p:cNvPicPr>
+            <a:picLocks noChangeAspect="1"/>
+          </p:cNvPicPr>
+          <p:nvPr/>
+        </p:nvPicPr>
+        <p:blipFill>
+          <a:blip r:embed="rId3">
+            <a:extLst>
+              <a:ext uri="{28A0092B-C50C-407E-A947-70E740481C1C}">
+                <a14:useLocalDpi xmlns:a14="http://schemas.microsoft.com/office/drawing/2010/main" val="0"/>
+              </a:ext>
+            </a:extLst>
+          </a:blip>
+          <a:stretch>
+            <a:fillRect/>
+          </a:stretch>
+        </p:blipFill>
+        <p:spPr>
+          <a:xfrm>
+            <a:off x="379946" y="1729048"/>
+            <a:ext cx="5396133" cy="2527720"/>
+          </a:xfrm>
+          <a:prstGeom prst="rect">
+            <a:avLst/>
+          </a:prstGeom>
+        </p:spPr>
+      </p:pic>
+      <p:pic>
+        <p:nvPicPr>
+          <p:cNvPr id="6" name="Picture 5"/>
+          <p:cNvPicPr>
+            <a:picLocks noChangeAspect="1"/>
+          </p:cNvPicPr>
+          <p:nvPr/>
+        </p:nvPicPr>
+        <p:blipFill rotWithShape="1">
+          <a:blip r:embed="rId4">
+            <a:extLst>
+              <a:ext uri="{28A0092B-C50C-407E-A947-70E740481C1C}">
+                <a14:useLocalDpi xmlns:a14="http://schemas.microsoft.com/office/drawing/2010/main" val="0"/>
+              </a:ext>
+            </a:extLst>
+          </a:blip>
+          <a:srcRect l="28359" t="13122" r="19974" b="1580"/>
+          <a:stretch/>
+        </p:blipFill>
+        <p:spPr>
+          <a:xfrm>
+            <a:off x="3078012" y="2597843"/>
+            <a:ext cx="2967903" cy="3679805"/>
+          </a:xfrm>
+          <a:prstGeom prst="rect">
+            <a:avLst/>
+          </a:prstGeom>
+        </p:spPr>
+      </p:pic>
     </p:spTree>
     <p:extLst>
       <p:ext uri="{BB962C8B-B14F-4D97-AF65-F5344CB8AC3E}">
@@ -3542,6 +4675,13 @@
   <p:clrMapOvr>
     <a:masterClrMapping/>
   </p:clrMapOvr>
+  <p:timing>
+    <p:tnLst>
+      <p:par>
+        <p:cTn id="1" dur="indefinite" restart="never" nodeType="tmRoot"/>
+      </p:par>
+    </p:tnLst>
+  </p:timing>
 </p:sld>
 </file>
 
@@ -3903,54 +5043,54 @@
 </file>
 
 <file path=ppt/theme/theme1.xml><?xml version="1.0" encoding="utf-8"?>
-<a:theme xmlns:a="http://schemas.openxmlformats.org/drawingml/2006/main" name="Office Theme">
+<a:theme xmlns:a="http://schemas.openxmlformats.org/drawingml/2006/main" name="Retrospect">
   <a:themeElements>
-    <a:clrScheme name="Office">
+    <a:clrScheme name="Custom 2">
       <a:dk1>
-        <a:sysClr val="windowText" lastClr="000000"/>
+        <a:srgbClr val="000000"/>
       </a:dk1>
       <a:lt1>
-        <a:sysClr val="window" lastClr="FFFFFF"/>
+        <a:srgbClr val="FFFFFF"/>
       </a:lt1>
       <a:dk2>
-        <a:srgbClr val="44546A"/>
+        <a:srgbClr val="46464A"/>
       </a:dk2>
       <a:lt2>
-        <a:srgbClr val="E7E6E6"/>
+        <a:srgbClr val="F2F2F2"/>
       </a:lt2>
       <a:accent1>
-        <a:srgbClr val="5B9BD5"/>
+        <a:srgbClr val="6F6F74"/>
       </a:accent1>
       <a:accent2>
-        <a:srgbClr val="ED7D31"/>
+        <a:srgbClr val="A7B789"/>
       </a:accent2>
       <a:accent3>
-        <a:srgbClr val="A5A5A5"/>
+        <a:srgbClr val="BEAE98"/>
       </a:accent3>
       <a:accent4>
-        <a:srgbClr val="FFC000"/>
+        <a:srgbClr val="92A9B9"/>
       </a:accent4>
       <a:accent5>
-        <a:srgbClr val="4472C4"/>
+        <a:srgbClr val="9C8265"/>
       </a:accent5>
       <a:accent6>
-        <a:srgbClr val="70AD47"/>
+        <a:srgbClr val="8D6974"/>
       </a:accent6>
       <a:hlink>
-        <a:srgbClr val="0563C1"/>
+        <a:srgbClr val="67AABF"/>
       </a:hlink>
       <a:folHlink>
-        <a:srgbClr val="954F72"/>
+        <a:srgbClr val="B1B5AB"/>
       </a:folHlink>
     </a:clrScheme>
-    <a:fontScheme name="Office">
+    <a:fontScheme name="Retrospect">
       <a:majorFont>
         <a:latin typeface="Calibri Light" panose="020F0302020204030204"/>
         <a:ea typeface=""/>
         <a:cs typeface=""/>
-        <a:font script="Jpan" typeface="游ゴシック Light"/>
+        <a:font script="Jpan" typeface="ＭＳ Ｐゴシック"/>
         <a:font script="Hang" typeface="맑은 고딕"/>
-        <a:font script="Hans" typeface="等线 Light"/>
+        <a:font script="Hans" typeface="宋体"/>
         <a:font script="Hant" typeface="新細明體"/>
         <a:font script="Arab" typeface="Times New Roman"/>
         <a:font script="Hebr" typeface="Times New Roman"/>
@@ -3983,9 +5123,9 @@
         <a:latin typeface="Calibri" panose="020F0502020204030204"/>
         <a:ea typeface=""/>
         <a:cs typeface=""/>
-        <a:font script="Jpan" typeface="游ゴシック"/>
+        <a:font script="Jpan" typeface="ＭＳ Ｐゴシック"/>
         <a:font script="Hang" typeface="맑은 고딕"/>
-        <a:font script="Hans" typeface="等线"/>
+        <a:font script="Hans" typeface="宋体"/>
         <a:font script="Hant" typeface="新細明體"/>
         <a:font script="Arab" typeface="Arial"/>
         <a:font script="Hebr" typeface="Arial"/>
@@ -4015,7 +5155,7 @@
         <a:font script="Geor" typeface="Sylfaen"/>
       </a:minorFont>
     </a:fontScheme>
-    <a:fmtScheme name="Office">
+    <a:fmtScheme name="Retrospect">
       <a:fillStyleLst>
         <a:solidFill>
           <a:schemeClr val="phClr"/>
@@ -4024,76 +5164,81 @@
           <a:gsLst>
             <a:gs pos="0">
               <a:schemeClr val="phClr">
-                <a:lumMod val="110000"/>
-                <a:satMod val="105000"/>
-                <a:tint val="67000"/>
+                <a:tint val="65000"/>
+                <a:shade val="92000"/>
+                <a:satMod val="130000"/>
               </a:schemeClr>
             </a:gs>
-            <a:gs pos="50000">
+            <a:gs pos="45000">
               <a:schemeClr val="phClr">
-                <a:lumMod val="105000"/>
-                <a:satMod val="103000"/>
-                <a:tint val="73000"/>
+                <a:tint val="60000"/>
+                <a:shade val="99000"/>
+                <a:satMod val="120000"/>
               </a:schemeClr>
             </a:gs>
             <a:gs pos="100000">
               <a:schemeClr val="phClr">
-                <a:lumMod val="105000"/>
-                <a:satMod val="109000"/>
-                <a:tint val="81000"/>
+                <a:tint val="55000"/>
+                <a:satMod val="140000"/>
               </a:schemeClr>
             </a:gs>
           </a:gsLst>
-          <a:lin ang="5400000" scaled="0"/>
+          <a:path path="circle">
+            <a:fillToRect l="100000" t="100000" r="100000" b="100000"/>
+          </a:path>
         </a:gradFill>
         <a:gradFill rotWithShape="1">
           <a:gsLst>
             <a:gs pos="0">
               <a:schemeClr val="phClr">
-                <a:satMod val="103000"/>
-                <a:lumMod val="102000"/>
-                <a:tint val="94000"/>
+                <a:shade val="85000"/>
+                <a:satMod val="130000"/>
               </a:schemeClr>
             </a:gs>
-            <a:gs pos="50000">
+            <a:gs pos="34000">
               <a:schemeClr val="phClr">
-                <a:satMod val="110000"/>
-                <a:lumMod val="100000"/>
-                <a:shade val="100000"/>
+                <a:shade val="87000"/>
+                <a:satMod val="125000"/>
+              </a:schemeClr>
+            </a:gs>
+            <a:gs pos="70000">
+              <a:schemeClr val="phClr">
+                <a:tint val="100000"/>
+                <a:shade val="90000"/>
+                <a:satMod val="130000"/>
               </a:schemeClr>
             </a:gs>
             <a:gs pos="100000">
               <a:schemeClr val="phClr">
-                <a:lumMod val="99000"/>
-                <a:satMod val="120000"/>
-                <a:shade val="78000"/>
+                <a:tint val="100000"/>
+                <a:shade val="100000"/>
+                <a:satMod val="110000"/>
               </a:schemeClr>
             </a:gs>
           </a:gsLst>
-          <a:lin ang="5400000" scaled="0"/>
+          <a:path path="circle">
+            <a:fillToRect l="100000" t="100000" r="100000" b="100000"/>
+          </a:path>
         </a:gradFill>
       </a:fillStyleLst>
       <a:lnStyleLst>
-        <a:ln w="6350" cap="flat" cmpd="sng" algn="ctr">
-          <a:solidFill>
-            <a:schemeClr val="phClr"/>
-          </a:solidFill>
-          <a:prstDash val="solid"/>
-          <a:miter lim="800000"/>
-        </a:ln>
         <a:ln w="12700" cap="flat" cmpd="sng" algn="ctr">
           <a:solidFill>
             <a:schemeClr val="phClr"/>
           </a:solidFill>
           <a:prstDash val="solid"/>
-          <a:miter lim="800000"/>
         </a:ln>
-        <a:ln w="19050" cap="flat" cmpd="sng" algn="ctr">
+        <a:ln w="15875" cap="flat" cmpd="sng" algn="ctr">
           <a:solidFill>
             <a:schemeClr val="phClr"/>
           </a:solidFill>
           <a:prstDash val="solid"/>
-          <a:miter lim="800000"/>
+        </a:ln>
+        <a:ln w="25400" cap="flat" cmpd="sng" algn="ctr">
+          <a:solidFill>
+            <a:schemeClr val="phClr"/>
+          </a:solidFill>
+          <a:prstDash val="solid"/>
         </a:ln>
       </a:lnStyleLst>
       <a:effectStyleLst>
@@ -4101,16 +5246,33 @@
           <a:effectLst/>
         </a:effectStyle>
         <a:effectStyle>
-          <a:effectLst/>
+          <a:effectLst>
+            <a:outerShdw blurRad="38100" dist="25400" dir="2700000" algn="br" rotWithShape="0">
+              <a:srgbClr val="000000">
+                <a:alpha val="60000"/>
+              </a:srgbClr>
+            </a:outerShdw>
+          </a:effectLst>
         </a:effectStyle>
         <a:effectStyle>
           <a:effectLst>
-            <a:outerShdw blurRad="57150" dist="19050" dir="5400000" algn="ctr" rotWithShape="0">
+            <a:outerShdw blurRad="44450" dist="25400" dir="2700000" algn="br" rotWithShape="0">
               <a:srgbClr val="000000">
-                <a:alpha val="63000"/>
+                <a:alpha val="60000"/>
               </a:srgbClr>
             </a:outerShdw>
           </a:effectLst>
+          <a:scene3d>
+            <a:camera prst="orthographicFront">
+              <a:rot lat="0" lon="0" rev="0"/>
+            </a:camera>
+            <a:lightRig rig="threePt" dir="t">
+              <a:rot lat="0" lon="0" rev="19800000"/>
+            </a:lightRig>
+          </a:scene3d>
+          <a:sp3d prstMaterial="flat">
+            <a:bevelT w="25400" h="31750"/>
+          </a:sp3d>
         </a:effectStyle>
       </a:effectStyleLst>
       <a:bgFillStyleLst>
@@ -4119,36 +5281,36 @@
         </a:solidFill>
         <a:solidFill>
           <a:schemeClr val="phClr">
-            <a:tint val="95000"/>
-            <a:satMod val="170000"/>
+            <a:tint val="90000"/>
+            <a:shade val="97000"/>
+            <a:satMod val="130000"/>
           </a:schemeClr>
         </a:solidFill>
         <a:gradFill rotWithShape="1">
           <a:gsLst>
             <a:gs pos="0">
               <a:schemeClr val="phClr">
-                <a:tint val="93000"/>
-                <a:satMod val="150000"/>
-                <a:shade val="98000"/>
-                <a:lumMod val="102000"/>
+                <a:tint val="96000"/>
+                <a:shade val="99000"/>
+                <a:satMod val="140000"/>
               </a:schemeClr>
             </a:gs>
-            <a:gs pos="50000">
+            <a:gs pos="65000">
               <a:schemeClr val="phClr">
-                <a:tint val="98000"/>
+                <a:tint val="100000"/>
+                <a:shade val="80000"/>
                 <a:satMod val="130000"/>
-                <a:shade val="90000"/>
-                <a:lumMod val="103000"/>
               </a:schemeClr>
             </a:gs>
             <a:gs pos="100000">
               <a:schemeClr val="phClr">
-                <a:shade val="63000"/>
+                <a:tint val="100000"/>
+                <a:shade val="48000"/>
                 <a:satMod val="120000"/>
               </a:schemeClr>
             </a:gs>
           </a:gsLst>
-          <a:lin ang="5400000" scaled="0"/>
+          <a:lin ang="16200000" scaled="0"/>
         </a:gradFill>
       </a:bgFillStyleLst>
     </a:fmtScheme>
@@ -4157,7 +5319,7 @@
   <a:extraClrSchemeLst/>
   <a:extLst>
     <a:ext uri="{05A4C25C-085E-4340-85A3-A5531E510DB2}">
-      <thm15:themeFamily xmlns:thm15="http://schemas.microsoft.com/office/thememl/2012/main" name="Office Theme" id="{62F939B6-93AF-4DB8-9C6B-D6C7DFDC589F}" vid="{4A3C46E8-61CC-4603-A589-7422A47A8E4A}"/>
+      <thm15:themeFamily xmlns:thm15="http://schemas.microsoft.com/office/thememl/2012/main" name="Retrospect" id="{5F128B03-DCCA-4EEB-AB3B-CF2899314A46}" vid="{BAB94BD4-5D6D-4148-AB57-A4CCF1FD4E0C}"/>
     </a:ext>
   </a:extLst>
 </a:theme>

--- a/CRM PROJECT.pptx
+++ b/CRM PROJECT.pptx
@@ -2,7 +2,7 @@
 <file path=ppt/presentation.xml><?xml version="1.0" encoding="utf-8"?>
 <p:presentation xmlns:a="http://schemas.openxmlformats.org/drawingml/2006/main" xmlns:r="http://schemas.openxmlformats.org/officeDocument/2006/relationships" xmlns:p="http://schemas.openxmlformats.org/presentationml/2006/main" saveSubsetFonts="1">
   <p:sldMasterIdLst>
-    <p:sldMasterId id="2147483767" r:id="rId1"/>
+    <p:sldMasterId id="2147483863" r:id="rId1"/>
   </p:sldMasterIdLst>
   <p:sldIdLst>
     <p:sldId id="256" r:id="rId2"/>
@@ -10,8 +10,10 @@
     <p:sldId id="258" r:id="rId4"/>
     <p:sldId id="259" r:id="rId5"/>
     <p:sldId id="260" r:id="rId6"/>
-    <p:sldId id="261" r:id="rId7"/>
-    <p:sldId id="262" r:id="rId8"/>
+    <p:sldId id="263" r:id="rId7"/>
+    <p:sldId id="264" r:id="rId8"/>
+    <p:sldId id="261" r:id="rId9"/>
+    <p:sldId id="262" r:id="rId10"/>
   </p:sldIdLst>
   <p:sldSz cx="12192000" cy="6858000"/>
   <p:notesSz cx="6858000" cy="9144000"/>
@@ -19,7 +21,7 @@
     <a:defPPr>
       <a:defRPr lang="en-US"/>
     </a:defPPr>
-    <a:lvl1pPr marL="0" algn="l" defTabSz="914400" rtl="0" eaLnBrk="1" latinLnBrk="0" hangingPunct="1">
+    <a:lvl1pPr marL="0" algn="l" defTabSz="457200" rtl="0" eaLnBrk="1" latinLnBrk="0" hangingPunct="1">
       <a:defRPr sz="1800" kern="1200">
         <a:solidFill>
           <a:schemeClr val="tx1"/>
@@ -29,7 +31,7 @@
         <a:cs typeface="+mn-cs"/>
       </a:defRPr>
     </a:lvl1pPr>
-    <a:lvl2pPr marL="457200" algn="l" defTabSz="914400" rtl="0" eaLnBrk="1" latinLnBrk="0" hangingPunct="1">
+    <a:lvl2pPr marL="457200" algn="l" defTabSz="457200" rtl="0" eaLnBrk="1" latinLnBrk="0" hangingPunct="1">
       <a:defRPr sz="1800" kern="1200">
         <a:solidFill>
           <a:schemeClr val="tx1"/>
@@ -39,7 +41,7 @@
         <a:cs typeface="+mn-cs"/>
       </a:defRPr>
     </a:lvl2pPr>
-    <a:lvl3pPr marL="914400" algn="l" defTabSz="914400" rtl="0" eaLnBrk="1" latinLnBrk="0" hangingPunct="1">
+    <a:lvl3pPr marL="914400" algn="l" defTabSz="457200" rtl="0" eaLnBrk="1" latinLnBrk="0" hangingPunct="1">
       <a:defRPr sz="1800" kern="1200">
         <a:solidFill>
           <a:schemeClr val="tx1"/>
@@ -49,7 +51,7 @@
         <a:cs typeface="+mn-cs"/>
       </a:defRPr>
     </a:lvl3pPr>
-    <a:lvl4pPr marL="1371600" algn="l" defTabSz="914400" rtl="0" eaLnBrk="1" latinLnBrk="0" hangingPunct="1">
+    <a:lvl4pPr marL="1371600" algn="l" defTabSz="457200" rtl="0" eaLnBrk="1" latinLnBrk="0" hangingPunct="1">
       <a:defRPr sz="1800" kern="1200">
         <a:solidFill>
           <a:schemeClr val="tx1"/>
@@ -59,7 +61,7 @@
         <a:cs typeface="+mn-cs"/>
       </a:defRPr>
     </a:lvl4pPr>
-    <a:lvl5pPr marL="1828800" algn="l" defTabSz="914400" rtl="0" eaLnBrk="1" latinLnBrk="0" hangingPunct="1">
+    <a:lvl5pPr marL="1828800" algn="l" defTabSz="457200" rtl="0" eaLnBrk="1" latinLnBrk="0" hangingPunct="1">
       <a:defRPr sz="1800" kern="1200">
         <a:solidFill>
           <a:schemeClr val="tx1"/>
@@ -69,7 +71,7 @@
         <a:cs typeface="+mn-cs"/>
       </a:defRPr>
     </a:lvl5pPr>
-    <a:lvl6pPr marL="2286000" algn="l" defTabSz="914400" rtl="0" eaLnBrk="1" latinLnBrk="0" hangingPunct="1">
+    <a:lvl6pPr marL="2286000" algn="l" defTabSz="457200" rtl="0" eaLnBrk="1" latinLnBrk="0" hangingPunct="1">
       <a:defRPr sz="1800" kern="1200">
         <a:solidFill>
           <a:schemeClr val="tx1"/>
@@ -79,7 +81,7 @@
         <a:cs typeface="+mn-cs"/>
       </a:defRPr>
     </a:lvl6pPr>
-    <a:lvl7pPr marL="2743200" algn="l" defTabSz="914400" rtl="0" eaLnBrk="1" latinLnBrk="0" hangingPunct="1">
+    <a:lvl7pPr marL="2743200" algn="l" defTabSz="457200" rtl="0" eaLnBrk="1" latinLnBrk="0" hangingPunct="1">
       <a:defRPr sz="1800" kern="1200">
         <a:solidFill>
           <a:schemeClr val="tx1"/>
@@ -89,7 +91,7 @@
         <a:cs typeface="+mn-cs"/>
       </a:defRPr>
     </a:lvl7pPr>
-    <a:lvl8pPr marL="3200400" algn="l" defTabSz="914400" rtl="0" eaLnBrk="1" latinLnBrk="0" hangingPunct="1">
+    <a:lvl8pPr marL="3200400" algn="l" defTabSz="457200" rtl="0" eaLnBrk="1" latinLnBrk="0" hangingPunct="1">
       <a:defRPr sz="1800" kern="1200">
         <a:solidFill>
           <a:schemeClr val="tx1"/>
@@ -99,7 +101,7 @@
         <a:cs typeface="+mn-cs"/>
       </a:defRPr>
     </a:lvl8pPr>
-    <a:lvl9pPr marL="3657600" algn="l" defTabSz="914400" rtl="0" eaLnBrk="1" latinLnBrk="0" hangingPunct="1">
+    <a:lvl9pPr marL="3657600" algn="l" defTabSz="457200" rtl="0" eaLnBrk="1" latinLnBrk="0" hangingPunct="1">
       <a:defRPr sz="1800" kern="1200">
         <a:solidFill>
           <a:schemeClr val="tx1"/>
@@ -116,6 +118,10 @@
     </p:ext>
   </p:extLst>
 </p:presentation>
+</file>
+
+<file path=ppt/revisionInfo.xml><?xml version="1.0" encoding="utf-8"?>
+<p1510:revInfo xmlns:a="http://schemas.openxmlformats.org/drawingml/2006/main" xmlns:r="http://schemas.openxmlformats.org/officeDocument/2006/relationships" xmlns:p1510="http://schemas.microsoft.com/office/powerpoint/2015/10/main"/>
 </file>
 
 <file path=ppt/slideLayouts/slideLayout1.xml><?xml version="1.0" encoding="utf-8"?>
@@ -143,16 +149,14 @@
         </p:nvSpPr>
         <p:spPr>
           <a:xfrm>
-            <a:off x="3175" y="6400800"/>
-            <a:ext cx="12188825" cy="457200"/>
+            <a:off x="0" y="761999"/>
+            <a:ext cx="9141619" cy="5334001"/>
           </a:xfrm>
           <a:prstGeom prst="rect">
             <a:avLst/>
           </a:prstGeom>
           <a:solidFill>
-            <a:schemeClr val="accent4">
-              <a:lumMod val="75000"/>
-            </a:schemeClr>
+            <a:schemeClr val="accent1"/>
           </a:solidFill>
           <a:ln>
             <a:noFill/>
@@ -183,14 +187,16 @@
         </p:nvSpPr>
         <p:spPr>
           <a:xfrm>
-            <a:off x="15" y="6334316"/>
-            <a:ext cx="12188825" cy="64008"/>
+            <a:off x="9270263" y="761999"/>
+            <a:ext cx="2925318" cy="5334001"/>
           </a:xfrm>
           <a:prstGeom prst="rect">
             <a:avLst/>
           </a:prstGeom>
           <a:solidFill>
-            <a:schemeClr val="accent4"/>
+            <a:srgbClr val="C8C8C8">
+              <a:alpha val="49804"/>
+            </a:srgbClr>
           </a:solidFill>
           <a:ln>
             <a:noFill/>
@@ -225,8 +231,8 @@
         </p:nvSpPr>
         <p:spPr>
           <a:xfrm>
-            <a:off x="1097280" y="758952"/>
-            <a:ext cx="10058400" cy="3566160"/>
+            <a:off x="1069848" y="1298448"/>
+            <a:ext cx="7315200" cy="3255264"/>
           </a:xfrm>
         </p:spPr>
         <p:txBody>
@@ -235,65 +241,61 @@
           </a:bodyPr>
           <a:lstStyle>
             <a:lvl1pPr algn="l">
-              <a:lnSpc>
-                <a:spcPct val="85000"/>
-              </a:lnSpc>
-              <a:defRPr sz="8000" spc="-50" baseline="0">
+              <a:defRPr sz="5900" spc="-100" baseline="0">
                 <a:solidFill>
-                  <a:schemeClr val="tx1">
-                    <a:lumMod val="85000"/>
-                    <a:lumOff val="15000"/>
+                  <a:srgbClr val="FFFFFF"/>
+                </a:solidFill>
+              </a:defRPr>
+            </a:lvl1pPr>
+          </a:lstStyle>
+          <a:p>
+            <a:r>
+              <a:rPr lang="en-US"/>
+              <a:t>Click to edit Master title style</a:t>
+            </a:r>
+            <a:endParaRPr lang="en-US" dirty="0"/>
+          </a:p>
+        </p:txBody>
+      </p:sp>
+      <p:sp>
+        <p:nvSpPr>
+          <p:cNvPr id="3" name="Subtitle 2"/>
+          <p:cNvSpPr>
+            <a:spLocks noGrp="1"/>
+          </p:cNvSpPr>
+          <p:nvPr>
+            <p:ph type="subTitle" idx="1"/>
+          </p:nvPr>
+        </p:nvSpPr>
+        <p:spPr>
+          <a:xfrm>
+            <a:off x="1100015" y="4670246"/>
+            <a:ext cx="7315200" cy="914400"/>
+          </a:xfrm>
+        </p:spPr>
+        <p:txBody>
+          <a:bodyPr anchor="t">
+            <a:normAutofit/>
+          </a:bodyPr>
+          <a:lstStyle>
+            <a:lvl1pPr marL="0" indent="0" algn="l">
+              <a:buNone/>
+              <a:defRPr sz="2200" cap="none" spc="0" baseline="0">
+                <a:solidFill>
+                  <a:schemeClr val="accent1">
+                    <a:lumMod val="20000"/>
+                    <a:lumOff val="80000"/>
                   </a:schemeClr>
                 </a:solidFill>
               </a:defRPr>
             </a:lvl1pPr>
-          </a:lstStyle>
-          <a:p>
-            <a:r>
-              <a:rPr lang="en-US" smtClean="0"/>
-              <a:t>Click to edit Master title style</a:t>
-            </a:r>
-            <a:endParaRPr lang="en-US" dirty="0"/>
-          </a:p>
-        </p:txBody>
-      </p:sp>
-      <p:sp>
-        <p:nvSpPr>
-          <p:cNvPr id="3" name="Subtitle 2"/>
-          <p:cNvSpPr>
-            <a:spLocks noGrp="1"/>
-          </p:cNvSpPr>
-          <p:nvPr>
-            <p:ph type="subTitle" idx="1"/>
-          </p:nvPr>
-        </p:nvSpPr>
-        <p:spPr>
-          <a:xfrm>
-            <a:off x="1100051" y="4455621"/>
-            <a:ext cx="10058400" cy="1143000"/>
-          </a:xfrm>
-        </p:spPr>
-        <p:txBody>
-          <a:bodyPr lIns="91440" rIns="91440">
-            <a:normAutofit/>
-          </a:bodyPr>
-          <a:lstStyle>
-            <a:lvl1pPr marL="0" indent="0" algn="l">
-              <a:buNone/>
-              <a:defRPr sz="2400" cap="all" spc="200" baseline="0">
-                <a:solidFill>
-                  <a:schemeClr val="tx2"/>
-                </a:solidFill>
-                <a:latin typeface="+mj-lt"/>
-              </a:defRPr>
-            </a:lvl1pPr>
             <a:lvl2pPr marL="457200" indent="0" algn="ctr">
               <a:buNone/>
-              <a:defRPr sz="2400"/>
+              <a:defRPr sz="2200"/>
             </a:lvl2pPr>
             <a:lvl3pPr marL="914400" indent="0" algn="ctr">
               <a:buNone/>
-              <a:defRPr sz="2400"/>
+              <a:defRPr sz="2200"/>
             </a:lvl3pPr>
             <a:lvl4pPr marL="1371600" indent="0" algn="ctr">
               <a:buNone/>
@@ -322,7 +324,7 @@
           </a:lstStyle>
           <a:p>
             <a:r>
-              <a:rPr lang="en-US" smtClean="0"/>
+              <a:rPr lang="en-US"/>
               <a:t>Click to edit Master subtitle style</a:t>
             </a:r>
             <a:endParaRPr lang="en-US" dirty="0"/>
@@ -394,48 +396,10 @@
           </a:p>
         </p:txBody>
       </p:sp>
-      <p:cxnSp>
-        <p:nvCxnSpPr>
-          <p:cNvPr id="9" name="Straight Connector 8"/>
-          <p:cNvCxnSpPr/>
-          <p:nvPr/>
-        </p:nvCxnSpPr>
-        <p:spPr>
-          <a:xfrm>
-            <a:off x="1207658" y="4343400"/>
-            <a:ext cx="9875520" cy="0"/>
-          </a:xfrm>
-          <a:prstGeom prst="line">
-            <a:avLst/>
-          </a:prstGeom>
-          <a:ln w="6350">
-            <a:solidFill>
-              <a:schemeClr val="tx1">
-                <a:lumMod val="50000"/>
-                <a:lumOff val="50000"/>
-              </a:schemeClr>
-            </a:solidFill>
-          </a:ln>
-        </p:spPr>
-        <p:style>
-          <a:lnRef idx="1">
-            <a:schemeClr val="accent1"/>
-          </a:lnRef>
-          <a:fillRef idx="0">
-            <a:schemeClr val="accent1"/>
-          </a:fillRef>
-          <a:effectRef idx="0">
-            <a:schemeClr val="accent1"/>
-          </a:effectRef>
-          <a:fontRef idx="minor">
-            <a:schemeClr val="tx1"/>
-          </a:fontRef>
-        </p:style>
-      </p:cxnSp>
     </p:spTree>
     <p:extLst>
       <p:ext uri="{BB962C8B-B14F-4D97-AF65-F5344CB8AC3E}">
-        <p14:creationId xmlns:p14="http://schemas.microsoft.com/office/powerpoint/2010/main" val="2861209793"/>
+        <p14:creationId xmlns:p14="http://schemas.microsoft.com/office/powerpoint/2010/main" val="2200119597"/>
       </p:ext>
     </p:extLst>
   </p:cSld>
@@ -478,7 +442,7 @@
           <a:lstStyle/>
           <a:p>
             <a:r>
-              <a:rPr lang="en-US" smtClean="0"/>
+              <a:rPr lang="en-US"/>
               <a:t>Click to edit Master title style</a:t>
             </a:r>
             <a:endParaRPr lang="en-US" dirty="0"/>
@@ -497,40 +461,40 @@
         </p:nvSpPr>
         <p:spPr/>
         <p:txBody>
-          <a:bodyPr vert="eaVert" lIns="45720" tIns="0" rIns="45720" bIns="0"/>
+          <a:bodyPr vert="eaVert" anchor="t"/>
           <a:lstStyle/>
           <a:p>
             <a:pPr lvl="0"/>
             <a:r>
-              <a:rPr lang="en-US" smtClean="0"/>
+              <a:rPr lang="en-US"/>
               <a:t>Edit Master text styles</a:t>
             </a:r>
           </a:p>
           <a:p>
             <a:pPr lvl="1"/>
             <a:r>
-              <a:rPr lang="en-US" smtClean="0"/>
+              <a:rPr lang="en-US"/>
               <a:t>Second level</a:t>
             </a:r>
           </a:p>
           <a:p>
             <a:pPr lvl="2"/>
             <a:r>
-              <a:rPr lang="en-US" smtClean="0"/>
+              <a:rPr lang="en-US"/>
               <a:t>Third level</a:t>
             </a:r>
           </a:p>
           <a:p>
             <a:pPr lvl="3"/>
             <a:r>
-              <a:rPr lang="en-US" smtClean="0"/>
+              <a:rPr lang="en-US"/>
               <a:t>Fourth level</a:t>
             </a:r>
           </a:p>
           <a:p>
             <a:pPr lvl="4"/>
             <a:r>
-              <a:rPr lang="en-US" smtClean="0"/>
+              <a:rPr lang="en-US"/>
               <a:t>Fifth level</a:t>
             </a:r>
             <a:endParaRPr lang="en-US" dirty="0"/>
@@ -539,7 +503,7 @@
       </p:sp>
       <p:sp>
         <p:nvSpPr>
-          <p:cNvPr id="4" name="Date Placeholder 3"/>
+          <p:cNvPr id="7" name="Date Placeholder 6"/>
           <p:cNvSpPr>
             <a:spLocks noGrp="1"/>
           </p:cNvSpPr>
@@ -562,7 +526,7 @@
       </p:sp>
       <p:sp>
         <p:nvSpPr>
-          <p:cNvPr id="5" name="Footer Placeholder 4"/>
+          <p:cNvPr id="8" name="Footer Placeholder 7"/>
           <p:cNvSpPr>
             <a:spLocks noGrp="1"/>
           </p:cNvSpPr>
@@ -581,7 +545,7 @@
       </p:sp>
       <p:sp>
         <p:nvSpPr>
-          <p:cNvPr id="6" name="Slide Number Placeholder 5"/>
+          <p:cNvPr id="9" name="Slide Number Placeholder 8"/>
           <p:cNvSpPr>
             <a:spLocks noGrp="1"/>
           </p:cNvSpPr>
@@ -605,7 +569,7 @@
     </p:spTree>
     <p:extLst>
       <p:ext uri="{BB962C8B-B14F-4D97-AF65-F5344CB8AC3E}">
-        <p14:creationId xmlns:p14="http://schemas.microsoft.com/office/powerpoint/2010/main" val="306548440"/>
+        <p14:creationId xmlns:p14="http://schemas.microsoft.com/office/powerpoint/2010/main" val="414919835"/>
       </p:ext>
     </p:extLst>
   </p:cSld>
@@ -616,7 +580,7 @@
 </file>
 
 <file path=ppt/slideLayouts/slideLayout11.xml><?xml version="1.0" encoding="utf-8"?>
-<p:sldLayout xmlns:a="http://schemas.openxmlformats.org/drawingml/2006/main" xmlns:r="http://schemas.openxmlformats.org/officeDocument/2006/relationships" xmlns:p="http://schemas.openxmlformats.org/presentationml/2006/main" showMasterSp="0" type="vertTitleAndTx" preserve="1">
+<p:sldLayout xmlns:a="http://schemas.openxmlformats.org/drawingml/2006/main" xmlns:r="http://schemas.openxmlformats.org/officeDocument/2006/relationships" xmlns:p="http://schemas.openxmlformats.org/presentationml/2006/main" type="vertTitleAndTx" preserve="1">
   <p:cSld name="Vertical Title and Text">
     <p:spTree>
       <p:nvGrpSpPr>
@@ -634,84 +598,6 @@
       </p:grpSpPr>
       <p:sp>
         <p:nvSpPr>
-          <p:cNvPr id="7" name="Rectangle 6"/>
-          <p:cNvSpPr/>
-          <p:nvPr/>
-        </p:nvSpPr>
-        <p:spPr>
-          <a:xfrm>
-            <a:off x="3175" y="6400800"/>
-            <a:ext cx="12188825" cy="457200"/>
-          </a:xfrm>
-          <a:prstGeom prst="rect">
-            <a:avLst/>
-          </a:prstGeom>
-          <a:solidFill>
-            <a:schemeClr val="accent4">
-              <a:lumMod val="75000"/>
-            </a:schemeClr>
-          </a:solidFill>
-          <a:ln>
-            <a:noFill/>
-          </a:ln>
-        </p:spPr>
-        <p:style>
-          <a:lnRef idx="2">
-            <a:schemeClr val="accent1">
-              <a:shade val="50000"/>
-            </a:schemeClr>
-          </a:lnRef>
-          <a:fillRef idx="1">
-            <a:schemeClr val="accent1"/>
-          </a:fillRef>
-          <a:effectRef idx="0">
-            <a:schemeClr val="accent1"/>
-          </a:effectRef>
-          <a:fontRef idx="minor">
-            <a:schemeClr val="lt1"/>
-          </a:fontRef>
-        </p:style>
-      </p:sp>
-      <p:sp>
-        <p:nvSpPr>
-          <p:cNvPr id="8" name="Rectangle 7"/>
-          <p:cNvSpPr/>
-          <p:nvPr/>
-        </p:nvSpPr>
-        <p:spPr>
-          <a:xfrm>
-            <a:off x="15" y="6334316"/>
-            <a:ext cx="12188825" cy="64008"/>
-          </a:xfrm>
-          <a:prstGeom prst="rect">
-            <a:avLst/>
-          </a:prstGeom>
-          <a:solidFill>
-            <a:schemeClr val="accent4"/>
-          </a:solidFill>
-          <a:ln>
-            <a:noFill/>
-          </a:ln>
-        </p:spPr>
-        <p:style>
-          <a:lnRef idx="2">
-            <a:schemeClr val="accent1">
-              <a:shade val="50000"/>
-            </a:schemeClr>
-          </a:lnRef>
-          <a:fillRef idx="1">
-            <a:schemeClr val="accent1"/>
-          </a:fillRef>
-          <a:effectRef idx="0">
-            <a:schemeClr val="accent1"/>
-          </a:effectRef>
-          <a:fontRef idx="minor">
-            <a:schemeClr val="lt1"/>
-          </a:fontRef>
-        </p:style>
-      </p:sp>
-      <p:sp>
-        <p:nvSpPr>
           <p:cNvPr id="2" name="Vertical Title 1"/>
           <p:cNvSpPr>
             <a:spLocks noGrp="1"/>
@@ -722,8 +608,8 @@
         </p:nvSpPr>
         <p:spPr>
           <a:xfrm>
-            <a:off x="8724900" y="412302"/>
-            <a:ext cx="2628900" cy="5759898"/>
+            <a:off x="381000" y="990600"/>
+            <a:ext cx="2819400" cy="4953000"/>
           </a:xfrm>
         </p:spPr>
         <p:txBody>
@@ -731,7 +617,7 @@
           <a:lstStyle/>
           <a:p>
             <a:r>
-              <a:rPr lang="en-US" smtClean="0"/>
+              <a:rPr lang="en-US"/>
               <a:t>Click to edit Master title style</a:t>
             </a:r>
             <a:endParaRPr lang="en-US" dirty="0"/>
@@ -750,45 +636,45 @@
         </p:nvSpPr>
         <p:spPr>
           <a:xfrm>
-            <a:off x="838200" y="412302"/>
-            <a:ext cx="7734300" cy="5759898"/>
-          </a:xfrm>
-        </p:spPr>
-        <p:txBody>
-          <a:bodyPr vert="eaVert" lIns="45720" tIns="0" rIns="45720" bIns="0"/>
+            <a:off x="3867912" y="868680"/>
+            <a:ext cx="7315200" cy="5120640"/>
+          </a:xfrm>
+        </p:spPr>
+        <p:txBody>
+          <a:bodyPr vert="eaVert" anchor="t"/>
           <a:lstStyle/>
           <a:p>
             <a:pPr lvl="0"/>
             <a:r>
-              <a:rPr lang="en-US" smtClean="0"/>
+              <a:rPr lang="en-US"/>
               <a:t>Edit Master text styles</a:t>
             </a:r>
           </a:p>
           <a:p>
             <a:pPr lvl="1"/>
             <a:r>
-              <a:rPr lang="en-US" smtClean="0"/>
+              <a:rPr lang="en-US"/>
               <a:t>Second level</a:t>
             </a:r>
           </a:p>
           <a:p>
             <a:pPr lvl="2"/>
             <a:r>
-              <a:rPr lang="en-US" smtClean="0"/>
+              <a:rPr lang="en-US"/>
               <a:t>Third level</a:t>
             </a:r>
           </a:p>
           <a:p>
             <a:pPr lvl="3"/>
             <a:r>
-              <a:rPr lang="en-US" smtClean="0"/>
+              <a:rPr lang="en-US"/>
               <a:t>Fourth level</a:t>
             </a:r>
           </a:p>
           <a:p>
             <a:pPr lvl="4"/>
             <a:r>
-              <a:rPr lang="en-US" smtClean="0"/>
+              <a:rPr lang="en-US"/>
               <a:t>Fifth level</a:t>
             </a:r>
             <a:endParaRPr lang="en-US" dirty="0"/>
@@ -797,7 +683,7 @@
       </p:sp>
       <p:sp>
         <p:nvSpPr>
-          <p:cNvPr id="4" name="Date Placeholder 3"/>
+          <p:cNvPr id="7" name="Date Placeholder 6"/>
           <p:cNvSpPr>
             <a:spLocks noGrp="1"/>
           </p:cNvSpPr>
@@ -820,7 +706,7 @@
       </p:sp>
       <p:sp>
         <p:nvSpPr>
-          <p:cNvPr id="5" name="Footer Placeholder 4"/>
+          <p:cNvPr id="8" name="Footer Placeholder 7"/>
           <p:cNvSpPr>
             <a:spLocks noGrp="1"/>
           </p:cNvSpPr>
@@ -839,7 +725,7 @@
       </p:sp>
       <p:sp>
         <p:nvSpPr>
-          <p:cNvPr id="6" name="Slide Number Placeholder 5"/>
+          <p:cNvPr id="9" name="Slide Number Placeholder 8"/>
           <p:cNvSpPr>
             <a:spLocks noGrp="1"/>
           </p:cNvSpPr>
@@ -863,7 +749,7 @@
     </p:spTree>
     <p:extLst>
       <p:ext uri="{BB962C8B-B14F-4D97-AF65-F5344CB8AC3E}">
-        <p14:creationId xmlns:p14="http://schemas.microsoft.com/office/powerpoint/2010/main" val="1059839865"/>
+        <p14:creationId xmlns:p14="http://schemas.microsoft.com/office/powerpoint/2010/main" val="1792970470"/>
       </p:ext>
     </p:extLst>
   </p:cSld>
@@ -906,7 +792,7 @@
           <a:lstStyle/>
           <a:p>
             <a:r>
-              <a:rPr lang="en-US" smtClean="0"/>
+              <a:rPr lang="en-US"/>
               <a:t>Click to edit Master title style</a:t>
             </a:r>
             <a:endParaRPr lang="en-US" dirty="0"/>
@@ -930,35 +816,35 @@
           <a:p>
             <a:pPr lvl="0"/>
             <a:r>
-              <a:rPr lang="en-US" smtClean="0"/>
+              <a:rPr lang="en-US"/>
               <a:t>Edit Master text styles</a:t>
             </a:r>
           </a:p>
           <a:p>
             <a:pPr lvl="1"/>
             <a:r>
-              <a:rPr lang="en-US" smtClean="0"/>
+              <a:rPr lang="en-US"/>
               <a:t>Second level</a:t>
             </a:r>
           </a:p>
           <a:p>
             <a:pPr lvl="2"/>
             <a:r>
-              <a:rPr lang="en-US" smtClean="0"/>
+              <a:rPr lang="en-US"/>
               <a:t>Third level</a:t>
             </a:r>
           </a:p>
           <a:p>
             <a:pPr lvl="3"/>
             <a:r>
-              <a:rPr lang="en-US" smtClean="0"/>
+              <a:rPr lang="en-US"/>
               <a:t>Fourth level</a:t>
             </a:r>
           </a:p>
           <a:p>
             <a:pPr lvl="4"/>
             <a:r>
-              <a:rPr lang="en-US" smtClean="0"/>
+              <a:rPr lang="en-US"/>
               <a:t>Fifth level</a:t>
             </a:r>
             <a:endParaRPr lang="en-US" dirty="0"/>
@@ -1033,7 +919,7 @@
     </p:spTree>
     <p:extLst>
       <p:ext uri="{BB962C8B-B14F-4D97-AF65-F5344CB8AC3E}">
-        <p14:creationId xmlns:p14="http://schemas.microsoft.com/office/powerpoint/2010/main" val="4232301259"/>
+        <p14:creationId xmlns:p14="http://schemas.microsoft.com/office/powerpoint/2010/main" val="586833058"/>
       </p:ext>
     </p:extLst>
   </p:cSld>
@@ -1044,7 +930,7 @@
 </file>
 
 <file path=ppt/slideLayouts/slideLayout3.xml><?xml version="1.0" encoding="utf-8"?>
-<p:sldLayout xmlns:a="http://schemas.openxmlformats.org/drawingml/2006/main" xmlns:r="http://schemas.openxmlformats.org/officeDocument/2006/relationships" xmlns:p="http://schemas.openxmlformats.org/presentationml/2006/main" showMasterSp="0" type="secHead" preserve="1">
+<p:sldLayout xmlns:a="http://schemas.openxmlformats.org/drawingml/2006/main" xmlns:r="http://schemas.openxmlformats.org/officeDocument/2006/relationships" xmlns:p="http://schemas.openxmlformats.org/presentationml/2006/main" type="secHead" preserve="1">
   <p:cSld name="Section Header">
     <p:spTree>
       <p:nvGrpSpPr>
@@ -1062,84 +948,6 @@
       </p:grpSpPr>
       <p:sp>
         <p:nvSpPr>
-          <p:cNvPr id="7" name="Rectangle 6"/>
-          <p:cNvSpPr/>
-          <p:nvPr/>
-        </p:nvSpPr>
-        <p:spPr>
-          <a:xfrm>
-            <a:off x="3175" y="6400800"/>
-            <a:ext cx="12188825" cy="457200"/>
-          </a:xfrm>
-          <a:prstGeom prst="rect">
-            <a:avLst/>
-          </a:prstGeom>
-          <a:solidFill>
-            <a:schemeClr val="accent4">
-              <a:lumMod val="75000"/>
-            </a:schemeClr>
-          </a:solidFill>
-          <a:ln>
-            <a:noFill/>
-          </a:ln>
-        </p:spPr>
-        <p:style>
-          <a:lnRef idx="2">
-            <a:schemeClr val="accent1">
-              <a:shade val="50000"/>
-            </a:schemeClr>
-          </a:lnRef>
-          <a:fillRef idx="1">
-            <a:schemeClr val="accent1"/>
-          </a:fillRef>
-          <a:effectRef idx="0">
-            <a:schemeClr val="accent1"/>
-          </a:effectRef>
-          <a:fontRef idx="minor">
-            <a:schemeClr val="lt1"/>
-          </a:fontRef>
-        </p:style>
-      </p:sp>
-      <p:sp>
-        <p:nvSpPr>
-          <p:cNvPr id="8" name="Rectangle 7"/>
-          <p:cNvSpPr/>
-          <p:nvPr/>
-        </p:nvSpPr>
-        <p:spPr>
-          <a:xfrm>
-            <a:off x="15" y="6334316"/>
-            <a:ext cx="12188825" cy="64008"/>
-          </a:xfrm>
-          <a:prstGeom prst="rect">
-            <a:avLst/>
-          </a:prstGeom>
-          <a:solidFill>
-            <a:schemeClr val="accent4"/>
-          </a:solidFill>
-          <a:ln>
-            <a:noFill/>
-          </a:ln>
-        </p:spPr>
-        <p:style>
-          <a:lnRef idx="2">
-            <a:schemeClr val="accent1">
-              <a:shade val="50000"/>
-            </a:schemeClr>
-          </a:lnRef>
-          <a:fillRef idx="1">
-            <a:schemeClr val="accent1"/>
-          </a:fillRef>
-          <a:effectRef idx="0">
-            <a:schemeClr val="accent1"/>
-          </a:effectRef>
-          <a:fontRef idx="minor">
-            <a:schemeClr val="lt1"/>
-          </a:fontRef>
-        </p:style>
-      </p:sp>
-      <p:sp>
-        <p:nvSpPr>
           <p:cNvPr id="2" name="Title 1"/>
           <p:cNvSpPr>
             <a:spLocks noGrp="1"/>
@@ -1150,24 +958,21 @@
         </p:nvSpPr>
         <p:spPr>
           <a:xfrm>
-            <a:off x="1097280" y="758952"/>
-            <a:ext cx="10058400" cy="3566160"/>
-          </a:xfrm>
-        </p:spPr>
-        <p:txBody>
-          <a:bodyPr anchor="b" anchorCtr="0">
+            <a:off x="3867912" y="1298448"/>
+            <a:ext cx="7315200" cy="3255264"/>
+          </a:xfrm>
+        </p:spPr>
+        <p:txBody>
+          <a:bodyPr anchor="b">
             <a:normAutofit/>
           </a:bodyPr>
           <a:lstStyle>
             <a:lvl1pPr>
-              <a:lnSpc>
-                <a:spcPct val="85000"/>
-              </a:lnSpc>
-              <a:defRPr sz="8000" b="0">
+              <a:defRPr sz="5900" b="0" spc="-100" baseline="0">
                 <a:solidFill>
                   <a:schemeClr val="tx1">
-                    <a:lumMod val="85000"/>
-                    <a:lumOff val="15000"/>
+                    <a:lumMod val="65000"/>
+                    <a:lumOff val="35000"/>
                   </a:schemeClr>
                 </a:solidFill>
               </a:defRPr>
@@ -1175,7 +980,7 @@
           </a:lstStyle>
           <a:p>
             <a:r>
-              <a:rPr lang="en-US" smtClean="0"/>
+              <a:rPr lang="en-US"/>
               <a:t>Click to edit Master title style</a:t>
             </a:r>
             <a:endParaRPr lang="en-US" dirty="0"/>
@@ -1194,22 +999,24 @@
         </p:nvSpPr>
         <p:spPr>
           <a:xfrm>
-            <a:off x="1097280" y="4453128"/>
-            <a:ext cx="10058400" cy="1143000"/>
-          </a:xfrm>
-        </p:spPr>
-        <p:txBody>
-          <a:bodyPr lIns="91440" rIns="91440" anchor="t" anchorCtr="0">
+            <a:off x="3886200" y="4672584"/>
+            <a:ext cx="7315200" cy="914400"/>
+          </a:xfrm>
+        </p:spPr>
+        <p:txBody>
+          <a:bodyPr anchor="t">
             <a:normAutofit/>
           </a:bodyPr>
           <a:lstStyle>
             <a:lvl1pPr marL="0" indent="0">
               <a:buNone/>
-              <a:defRPr sz="2400" cap="all" spc="200" baseline="0">
+              <a:defRPr sz="2200" cap="none" spc="0" baseline="0">
                 <a:solidFill>
-                  <a:schemeClr val="tx2"/>
+                  <a:schemeClr val="tx1">
+                    <a:lumMod val="65000"/>
+                    <a:lumOff val="35000"/>
+                  </a:schemeClr>
                 </a:solidFill>
-                <a:latin typeface="+mj-lt"/>
               </a:defRPr>
             </a:lvl1pPr>
             <a:lvl2pPr marL="457200" indent="0">
@@ -1296,7 +1103,7 @@
           <a:p>
             <a:pPr lvl="0"/>
             <a:r>
-              <a:rPr lang="en-US" smtClean="0"/>
+              <a:rPr lang="en-US"/>
               <a:t>Edit Master text styles</a:t>
             </a:r>
           </a:p>
@@ -1367,48 +1174,10 @@
           </a:p>
         </p:txBody>
       </p:sp>
-      <p:cxnSp>
-        <p:nvCxnSpPr>
-          <p:cNvPr id="9" name="Straight Connector 8"/>
-          <p:cNvCxnSpPr/>
-          <p:nvPr/>
-        </p:nvCxnSpPr>
-        <p:spPr>
-          <a:xfrm>
-            <a:off x="1207658" y="4343400"/>
-            <a:ext cx="9875520" cy="0"/>
-          </a:xfrm>
-          <a:prstGeom prst="line">
-            <a:avLst/>
-          </a:prstGeom>
-          <a:ln w="6350">
-            <a:solidFill>
-              <a:schemeClr val="tx1">
-                <a:lumMod val="50000"/>
-                <a:lumOff val="50000"/>
-              </a:schemeClr>
-            </a:solidFill>
-          </a:ln>
-        </p:spPr>
-        <p:style>
-          <a:lnRef idx="1">
-            <a:schemeClr val="accent1"/>
-          </a:lnRef>
-          <a:fillRef idx="0">
-            <a:schemeClr val="accent1"/>
-          </a:fillRef>
-          <a:effectRef idx="0">
-            <a:schemeClr val="accent1"/>
-          </a:effectRef>
-          <a:fontRef idx="minor">
-            <a:schemeClr val="tx1"/>
-          </a:fontRef>
-        </p:style>
-      </p:cxnSp>
     </p:spTree>
     <p:extLst>
       <p:ext uri="{BB962C8B-B14F-4D97-AF65-F5344CB8AC3E}">
-        <p14:creationId xmlns:p14="http://schemas.microsoft.com/office/powerpoint/2010/main" val="4099163514"/>
+        <p14:creationId xmlns:p14="http://schemas.microsoft.com/office/powerpoint/2010/main" val="1744232416"/>
       </p:ext>
     </p:extLst>
   </p:cSld>
@@ -1437,7 +1206,7 @@
       </p:grpSpPr>
       <p:sp>
         <p:nvSpPr>
-          <p:cNvPr id="8" name="Title 7"/>
+          <p:cNvPr id="2" name="Title 1"/>
           <p:cNvSpPr>
             <a:spLocks noGrp="1"/>
           </p:cNvSpPr>
@@ -1445,18 +1214,13 @@
             <p:ph type="title"/>
           </p:nvPr>
         </p:nvSpPr>
-        <p:spPr>
-          <a:xfrm>
-            <a:off x="1097280" y="286603"/>
-            <a:ext cx="10058400" cy="1450757"/>
-          </a:xfrm>
-        </p:spPr>
+        <p:spPr/>
         <p:txBody>
           <a:bodyPr/>
           <a:lstStyle/>
           <a:p>
             <a:r>
-              <a:rPr lang="en-US" smtClean="0"/>
+              <a:rPr lang="en-US"/>
               <a:t>Click to edit Master title style</a:t>
             </a:r>
             <a:endParaRPr lang="en-US" dirty="0"/>
@@ -1475,45 +1239,73 @@
         </p:nvSpPr>
         <p:spPr>
           <a:xfrm>
-            <a:off x="1097278" y="1845734"/>
-            <a:ext cx="4937760" cy="4023360"/>
+            <a:off x="3867912" y="868680"/>
+            <a:ext cx="3474720" cy="5120640"/>
           </a:xfrm>
         </p:spPr>
         <p:txBody>
           <a:bodyPr/>
-          <a:lstStyle/>
+          <a:lstStyle>
+            <a:lvl1pPr>
+              <a:defRPr sz="2000"/>
+            </a:lvl1pPr>
+            <a:lvl2pPr>
+              <a:defRPr sz="1800"/>
+            </a:lvl2pPr>
+            <a:lvl3pPr>
+              <a:defRPr sz="1600"/>
+            </a:lvl3pPr>
+            <a:lvl4pPr>
+              <a:defRPr sz="1400"/>
+            </a:lvl4pPr>
+            <a:lvl5pPr>
+              <a:defRPr sz="1400"/>
+            </a:lvl5pPr>
+            <a:lvl6pPr>
+              <a:defRPr sz="1400"/>
+            </a:lvl6pPr>
+            <a:lvl7pPr>
+              <a:defRPr sz="1400"/>
+            </a:lvl7pPr>
+            <a:lvl8pPr>
+              <a:defRPr sz="1400"/>
+            </a:lvl8pPr>
+            <a:lvl9pPr>
+              <a:defRPr sz="1400"/>
+            </a:lvl9pPr>
+          </a:lstStyle>
           <a:p>
             <a:pPr lvl="0"/>
             <a:r>
-              <a:rPr lang="en-US" smtClean="0"/>
+              <a:rPr lang="en-US"/>
               <a:t>Edit Master text styles</a:t>
             </a:r>
           </a:p>
           <a:p>
             <a:pPr lvl="1"/>
             <a:r>
-              <a:rPr lang="en-US" smtClean="0"/>
+              <a:rPr lang="en-US"/>
               <a:t>Second level</a:t>
             </a:r>
           </a:p>
           <a:p>
             <a:pPr lvl="2"/>
             <a:r>
-              <a:rPr lang="en-US" smtClean="0"/>
+              <a:rPr lang="en-US"/>
               <a:t>Third level</a:t>
             </a:r>
           </a:p>
           <a:p>
             <a:pPr lvl="3"/>
             <a:r>
-              <a:rPr lang="en-US" smtClean="0"/>
+              <a:rPr lang="en-US"/>
               <a:t>Fourth level</a:t>
             </a:r>
           </a:p>
           <a:p>
             <a:pPr lvl="4"/>
             <a:r>
-              <a:rPr lang="en-US" smtClean="0"/>
+              <a:rPr lang="en-US"/>
               <a:t>Fifth level</a:t>
             </a:r>
             <a:endParaRPr lang="en-US" dirty="0"/>
@@ -1532,45 +1324,73 @@
         </p:nvSpPr>
         <p:spPr>
           <a:xfrm>
-            <a:off x="6217920" y="1845735"/>
-            <a:ext cx="4937760" cy="4023360"/>
+            <a:off x="7818120" y="868680"/>
+            <a:ext cx="3474720" cy="5120640"/>
           </a:xfrm>
         </p:spPr>
         <p:txBody>
           <a:bodyPr/>
-          <a:lstStyle/>
+          <a:lstStyle>
+            <a:lvl1pPr>
+              <a:defRPr sz="2000"/>
+            </a:lvl1pPr>
+            <a:lvl2pPr>
+              <a:defRPr sz="1800"/>
+            </a:lvl2pPr>
+            <a:lvl3pPr>
+              <a:defRPr sz="1600"/>
+            </a:lvl3pPr>
+            <a:lvl4pPr>
+              <a:defRPr sz="1400"/>
+            </a:lvl4pPr>
+            <a:lvl5pPr>
+              <a:defRPr sz="1400"/>
+            </a:lvl5pPr>
+            <a:lvl6pPr>
+              <a:defRPr sz="1400"/>
+            </a:lvl6pPr>
+            <a:lvl7pPr>
+              <a:defRPr sz="1400"/>
+            </a:lvl7pPr>
+            <a:lvl8pPr>
+              <a:defRPr sz="1400"/>
+            </a:lvl8pPr>
+            <a:lvl9pPr>
+              <a:defRPr sz="1400"/>
+            </a:lvl9pPr>
+          </a:lstStyle>
           <a:p>
             <a:pPr lvl="0"/>
             <a:r>
-              <a:rPr lang="en-US" smtClean="0"/>
+              <a:rPr lang="en-US"/>
               <a:t>Edit Master text styles</a:t>
             </a:r>
           </a:p>
           <a:p>
             <a:pPr lvl="1"/>
             <a:r>
-              <a:rPr lang="en-US" smtClean="0"/>
+              <a:rPr lang="en-US"/>
               <a:t>Second level</a:t>
             </a:r>
           </a:p>
           <a:p>
             <a:pPr lvl="2"/>
             <a:r>
-              <a:rPr lang="en-US" smtClean="0"/>
+              <a:rPr lang="en-US"/>
               <a:t>Third level</a:t>
             </a:r>
           </a:p>
           <a:p>
             <a:pPr lvl="3"/>
             <a:r>
-              <a:rPr lang="en-US" smtClean="0"/>
+              <a:rPr lang="en-US"/>
               <a:t>Fourth level</a:t>
             </a:r>
           </a:p>
           <a:p>
             <a:pPr lvl="4"/>
             <a:r>
-              <a:rPr lang="en-US" smtClean="0"/>
+              <a:rPr lang="en-US"/>
               <a:t>Fifth level</a:t>
             </a:r>
             <a:endParaRPr lang="en-US" dirty="0"/>
@@ -1579,7 +1399,7 @@
       </p:sp>
       <p:sp>
         <p:nvSpPr>
-          <p:cNvPr id="5" name="Date Placeholder 4"/>
+          <p:cNvPr id="8" name="Date Placeholder 7"/>
           <p:cNvSpPr>
             <a:spLocks noGrp="1"/>
           </p:cNvSpPr>
@@ -1602,7 +1422,7 @@
       </p:sp>
       <p:sp>
         <p:nvSpPr>
-          <p:cNvPr id="6" name="Footer Placeholder 5"/>
+          <p:cNvPr id="9" name="Footer Placeholder 8"/>
           <p:cNvSpPr>
             <a:spLocks noGrp="1"/>
           </p:cNvSpPr>
@@ -1621,7 +1441,7 @@
       </p:sp>
       <p:sp>
         <p:nvSpPr>
-          <p:cNvPr id="7" name="Slide Number Placeholder 6"/>
+          <p:cNvPr id="10" name="Slide Number Placeholder 9"/>
           <p:cNvSpPr>
             <a:spLocks noGrp="1"/>
           </p:cNvSpPr>
@@ -1645,7 +1465,7 @@
     </p:spTree>
     <p:extLst>
       <p:ext uri="{BB962C8B-B14F-4D97-AF65-F5344CB8AC3E}">
-        <p14:creationId xmlns:p14="http://schemas.microsoft.com/office/powerpoint/2010/main" val="2760793559"/>
+        <p14:creationId xmlns:p14="http://schemas.microsoft.com/office/powerpoint/2010/main" val="219231896"/>
       </p:ext>
     </p:extLst>
   </p:cSld>
@@ -1682,18 +1502,13 @@
             <p:ph type="title"/>
           </p:nvPr>
         </p:nvSpPr>
-        <p:spPr>
-          <a:xfrm>
-            <a:off x="1097280" y="286603"/>
-            <a:ext cx="10058400" cy="1450757"/>
-          </a:xfrm>
-        </p:spPr>
+        <p:spPr/>
         <p:txBody>
           <a:bodyPr/>
           <a:lstStyle/>
           <a:p>
             <a:r>
-              <a:rPr lang="en-US" smtClean="0"/>
+              <a:rPr lang="en-US"/>
               <a:t>Click to edit Master title style</a:t>
             </a:r>
             <a:endParaRPr lang="en-US" dirty="0"/>
@@ -1712,20 +1527,26 @@
         </p:nvSpPr>
         <p:spPr>
           <a:xfrm>
-            <a:off x="1097280" y="1846052"/>
-            <a:ext cx="4937760" cy="736282"/>
-          </a:xfrm>
-        </p:spPr>
-        <p:txBody>
-          <a:bodyPr lIns="91440" rIns="91440" anchor="ctr">
+            <a:off x="3867912" y="1023586"/>
+            <a:ext cx="3474720" cy="807720"/>
+          </a:xfrm>
+        </p:spPr>
+        <p:txBody>
+          <a:bodyPr anchor="b">
             <a:normAutofit/>
           </a:bodyPr>
           <a:lstStyle>
             <a:lvl1pPr marL="0" indent="0">
-              <a:buNone/>
-              <a:defRPr sz="2000" b="0" cap="all" baseline="0">
+              <a:spcBef>
+                <a:spcPts val="0"/>
+              </a:spcBef>
+              <a:buNone/>
+              <a:defRPr sz="2000" b="1">
                 <a:solidFill>
-                  <a:schemeClr val="tx2"/>
+                  <a:schemeClr val="tx1">
+                    <a:lumMod val="65000"/>
+                    <a:lumOff val="35000"/>
+                  </a:schemeClr>
                 </a:solidFill>
               </a:defRPr>
             </a:lvl1pPr>
@@ -1765,7 +1586,7 @@
           <a:p>
             <a:pPr lvl="0"/>
             <a:r>
-              <a:rPr lang="en-US" smtClean="0"/>
+              <a:rPr lang="en-US"/>
               <a:t>Edit Master text styles</a:t>
             </a:r>
           </a:p>
@@ -1783,45 +1604,73 @@
         </p:nvSpPr>
         <p:spPr>
           <a:xfrm>
-            <a:off x="1097280" y="2582334"/>
-            <a:ext cx="4937760" cy="3378200"/>
+            <a:off x="3867912" y="1930936"/>
+            <a:ext cx="3474720" cy="4023360"/>
           </a:xfrm>
         </p:spPr>
         <p:txBody>
           <a:bodyPr/>
-          <a:lstStyle/>
+          <a:lstStyle>
+            <a:lvl1pPr>
+              <a:defRPr sz="2000"/>
+            </a:lvl1pPr>
+            <a:lvl2pPr>
+              <a:defRPr sz="1800"/>
+            </a:lvl2pPr>
+            <a:lvl3pPr>
+              <a:defRPr sz="1600"/>
+            </a:lvl3pPr>
+            <a:lvl4pPr>
+              <a:defRPr sz="1400"/>
+            </a:lvl4pPr>
+            <a:lvl5pPr>
+              <a:defRPr sz="1400"/>
+            </a:lvl5pPr>
+            <a:lvl6pPr>
+              <a:defRPr sz="1400"/>
+            </a:lvl6pPr>
+            <a:lvl7pPr>
+              <a:defRPr sz="1400"/>
+            </a:lvl7pPr>
+            <a:lvl8pPr>
+              <a:defRPr sz="1400"/>
+            </a:lvl8pPr>
+            <a:lvl9pPr>
+              <a:defRPr sz="1400"/>
+            </a:lvl9pPr>
+          </a:lstStyle>
           <a:p>
             <a:pPr lvl="0"/>
             <a:r>
-              <a:rPr lang="en-US" smtClean="0"/>
+              <a:rPr lang="en-US"/>
               <a:t>Edit Master text styles</a:t>
             </a:r>
           </a:p>
           <a:p>
             <a:pPr lvl="1"/>
             <a:r>
-              <a:rPr lang="en-US" smtClean="0"/>
+              <a:rPr lang="en-US"/>
               <a:t>Second level</a:t>
             </a:r>
           </a:p>
           <a:p>
             <a:pPr lvl="2"/>
             <a:r>
-              <a:rPr lang="en-US" smtClean="0"/>
+              <a:rPr lang="en-US"/>
               <a:t>Third level</a:t>
             </a:r>
           </a:p>
           <a:p>
             <a:pPr lvl="3"/>
             <a:r>
-              <a:rPr lang="en-US" smtClean="0"/>
+              <a:rPr lang="en-US"/>
               <a:t>Fourth level</a:t>
             </a:r>
           </a:p>
           <a:p>
             <a:pPr lvl="4"/>
             <a:r>
-              <a:rPr lang="en-US" smtClean="0"/>
+              <a:rPr lang="en-US"/>
               <a:t>Fifth level</a:t>
             </a:r>
             <a:endParaRPr lang="en-US" dirty="0"/>
@@ -1840,20 +1689,26 @@
         </p:nvSpPr>
         <p:spPr>
           <a:xfrm>
-            <a:off x="6217920" y="1846052"/>
-            <a:ext cx="4937760" cy="736282"/>
-          </a:xfrm>
-        </p:spPr>
-        <p:txBody>
-          <a:bodyPr lIns="91440" rIns="91440" anchor="ctr">
+            <a:off x="7818463" y="1023586"/>
+            <a:ext cx="3474720" cy="813171"/>
+          </a:xfrm>
+        </p:spPr>
+        <p:txBody>
+          <a:bodyPr anchor="b">
             <a:normAutofit/>
           </a:bodyPr>
           <a:lstStyle>
             <a:lvl1pPr marL="0" indent="0">
-              <a:buNone/>
-              <a:defRPr sz="2000" b="0" cap="all" baseline="0">
+              <a:spcBef>
+                <a:spcPts val="0"/>
+              </a:spcBef>
+              <a:buNone/>
+              <a:defRPr sz="2000" b="1">
                 <a:solidFill>
-                  <a:schemeClr val="tx2"/>
+                  <a:schemeClr val="tx1">
+                    <a:lumMod val="65000"/>
+                    <a:lumOff val="35000"/>
+                  </a:schemeClr>
                 </a:solidFill>
               </a:defRPr>
             </a:lvl1pPr>
@@ -1893,7 +1748,7 @@
           <a:p>
             <a:pPr lvl="0"/>
             <a:r>
-              <a:rPr lang="en-US" smtClean="0"/>
+              <a:rPr lang="en-US"/>
               <a:t>Edit Master text styles</a:t>
             </a:r>
           </a:p>
@@ -1911,45 +1766,73 @@
         </p:nvSpPr>
         <p:spPr>
           <a:xfrm>
-            <a:off x="6217920" y="2582334"/>
-            <a:ext cx="4937760" cy="3378200"/>
+            <a:off x="7818463" y="1930936"/>
+            <a:ext cx="3474720" cy="4023360"/>
           </a:xfrm>
         </p:spPr>
         <p:txBody>
           <a:bodyPr/>
-          <a:lstStyle/>
+          <a:lstStyle>
+            <a:lvl1pPr>
+              <a:defRPr sz="2000"/>
+            </a:lvl1pPr>
+            <a:lvl2pPr>
+              <a:defRPr sz="1800"/>
+            </a:lvl2pPr>
+            <a:lvl3pPr>
+              <a:defRPr sz="1600"/>
+            </a:lvl3pPr>
+            <a:lvl4pPr>
+              <a:defRPr sz="1400"/>
+            </a:lvl4pPr>
+            <a:lvl5pPr>
+              <a:defRPr sz="1400"/>
+            </a:lvl5pPr>
+            <a:lvl6pPr>
+              <a:defRPr sz="1400"/>
+            </a:lvl6pPr>
+            <a:lvl7pPr>
+              <a:defRPr sz="1400"/>
+            </a:lvl7pPr>
+            <a:lvl8pPr>
+              <a:defRPr sz="1400"/>
+            </a:lvl8pPr>
+            <a:lvl9pPr>
+              <a:defRPr sz="1400"/>
+            </a:lvl9pPr>
+          </a:lstStyle>
           <a:p>
             <a:pPr lvl="0"/>
             <a:r>
-              <a:rPr lang="en-US" smtClean="0"/>
+              <a:rPr lang="en-US"/>
               <a:t>Edit Master text styles</a:t>
             </a:r>
           </a:p>
           <a:p>
             <a:pPr lvl="1"/>
             <a:r>
-              <a:rPr lang="en-US" smtClean="0"/>
+              <a:rPr lang="en-US"/>
               <a:t>Second level</a:t>
             </a:r>
           </a:p>
           <a:p>
             <a:pPr lvl="2"/>
             <a:r>
-              <a:rPr lang="en-US" smtClean="0"/>
+              <a:rPr lang="en-US"/>
               <a:t>Third level</a:t>
             </a:r>
           </a:p>
           <a:p>
             <a:pPr lvl="3"/>
             <a:r>
-              <a:rPr lang="en-US" smtClean="0"/>
+              <a:rPr lang="en-US"/>
               <a:t>Fourth level</a:t>
             </a:r>
           </a:p>
           <a:p>
             <a:pPr lvl="4"/>
             <a:r>
-              <a:rPr lang="en-US" smtClean="0"/>
+              <a:rPr lang="en-US"/>
               <a:t>Fifth level</a:t>
             </a:r>
             <a:endParaRPr lang="en-US" dirty="0"/>
@@ -1958,7 +1841,7 @@
       </p:sp>
       <p:sp>
         <p:nvSpPr>
-          <p:cNvPr id="7" name="Date Placeholder 6"/>
+          <p:cNvPr id="2" name="Date Placeholder 1"/>
           <p:cNvSpPr>
             <a:spLocks noGrp="1"/>
           </p:cNvSpPr>
@@ -1981,7 +1864,7 @@
       </p:sp>
       <p:sp>
         <p:nvSpPr>
-          <p:cNvPr id="8" name="Footer Placeholder 7"/>
+          <p:cNvPr id="11" name="Footer Placeholder 10"/>
           <p:cNvSpPr>
             <a:spLocks noGrp="1"/>
           </p:cNvSpPr>
@@ -2000,7 +1883,7 @@
       </p:sp>
       <p:sp>
         <p:nvSpPr>
-          <p:cNvPr id="9" name="Slide Number Placeholder 8"/>
+          <p:cNvPr id="12" name="Slide Number Placeholder 11"/>
           <p:cNvSpPr>
             <a:spLocks noGrp="1"/>
           </p:cNvSpPr>
@@ -2024,7 +1907,7 @@
     </p:spTree>
     <p:extLst>
       <p:ext uri="{BB962C8B-B14F-4D97-AF65-F5344CB8AC3E}">
-        <p14:creationId xmlns:p14="http://schemas.microsoft.com/office/powerpoint/2010/main" val="1248689120"/>
+        <p14:creationId xmlns:p14="http://schemas.microsoft.com/office/powerpoint/2010/main" val="1532406609"/>
       </p:ext>
     </p:extLst>
   </p:cSld>
@@ -2053,7 +1936,7 @@
       </p:grpSpPr>
       <p:sp>
         <p:nvSpPr>
-          <p:cNvPr id="2" name="Title 1"/>
+          <p:cNvPr id="6" name="Title 5"/>
           <p:cNvSpPr>
             <a:spLocks noGrp="1"/>
           </p:cNvSpPr>
@@ -2067,7 +1950,7 @@
           <a:lstStyle/>
           <a:p>
             <a:r>
-              <a:rPr lang="en-US" smtClean="0"/>
+              <a:rPr lang="en-US"/>
               <a:t>Click to edit Master title style</a:t>
             </a:r>
             <a:endParaRPr lang="en-US" dirty="0"/>
@@ -2076,7 +1959,7 @@
       </p:sp>
       <p:sp>
         <p:nvSpPr>
-          <p:cNvPr id="3" name="Date Placeholder 2"/>
+          <p:cNvPr id="2" name="Date Placeholder 1"/>
           <p:cNvSpPr>
             <a:spLocks noGrp="1"/>
           </p:cNvSpPr>
@@ -2099,7 +1982,7 @@
       </p:sp>
       <p:sp>
         <p:nvSpPr>
-          <p:cNvPr id="4" name="Footer Placeholder 3"/>
+          <p:cNvPr id="7" name="Footer Placeholder 6"/>
           <p:cNvSpPr>
             <a:spLocks noGrp="1"/>
           </p:cNvSpPr>
@@ -2118,7 +2001,7 @@
       </p:sp>
       <p:sp>
         <p:nvSpPr>
-          <p:cNvPr id="5" name="Slide Number Placeholder 4"/>
+          <p:cNvPr id="8" name="Slide Number Placeholder 7"/>
           <p:cNvSpPr>
             <a:spLocks noGrp="1"/>
           </p:cNvSpPr>
@@ -2142,7 +2025,7 @@
     </p:spTree>
     <p:extLst>
       <p:ext uri="{BB962C8B-B14F-4D97-AF65-F5344CB8AC3E}">
-        <p14:creationId xmlns:p14="http://schemas.microsoft.com/office/powerpoint/2010/main" val="588252001"/>
+        <p14:creationId xmlns:p14="http://schemas.microsoft.com/office/powerpoint/2010/main" val="3849261271"/>
       </p:ext>
     </p:extLst>
   </p:cSld>
@@ -2171,85 +2054,7 @@
       </p:grpSpPr>
       <p:sp>
         <p:nvSpPr>
-          <p:cNvPr id="5" name="Rectangle 4"/>
-          <p:cNvSpPr/>
-          <p:nvPr/>
-        </p:nvSpPr>
-        <p:spPr>
-          <a:xfrm>
-            <a:off x="3175" y="6400800"/>
-            <a:ext cx="12188825" cy="457200"/>
-          </a:xfrm>
-          <a:prstGeom prst="rect">
-            <a:avLst/>
-          </a:prstGeom>
-          <a:solidFill>
-            <a:schemeClr val="accent4">
-              <a:lumMod val="75000"/>
-            </a:schemeClr>
-          </a:solidFill>
-          <a:ln>
-            <a:noFill/>
-          </a:ln>
-        </p:spPr>
-        <p:style>
-          <a:lnRef idx="2">
-            <a:schemeClr val="accent1">
-              <a:shade val="50000"/>
-            </a:schemeClr>
-          </a:lnRef>
-          <a:fillRef idx="1">
-            <a:schemeClr val="accent1"/>
-          </a:fillRef>
-          <a:effectRef idx="0">
-            <a:schemeClr val="accent1"/>
-          </a:effectRef>
-          <a:fontRef idx="minor">
-            <a:schemeClr val="lt1"/>
-          </a:fontRef>
-        </p:style>
-      </p:sp>
-      <p:sp>
-        <p:nvSpPr>
-          <p:cNvPr id="6" name="Rectangle 5"/>
-          <p:cNvSpPr/>
-          <p:nvPr/>
-        </p:nvSpPr>
-        <p:spPr>
-          <a:xfrm>
-            <a:off x="15" y="6334316"/>
-            <a:ext cx="12188825" cy="64008"/>
-          </a:xfrm>
-          <a:prstGeom prst="rect">
-            <a:avLst/>
-          </a:prstGeom>
-          <a:solidFill>
-            <a:schemeClr val="accent4"/>
-          </a:solidFill>
-          <a:ln>
-            <a:noFill/>
-          </a:ln>
-        </p:spPr>
-        <p:style>
-          <a:lnRef idx="2">
-            <a:schemeClr val="accent1">
-              <a:shade val="50000"/>
-            </a:schemeClr>
-          </a:lnRef>
-          <a:fillRef idx="1">
-            <a:schemeClr val="accent1"/>
-          </a:fillRef>
-          <a:effectRef idx="0">
-            <a:schemeClr val="accent1"/>
-          </a:effectRef>
-          <a:fontRef idx="minor">
-            <a:schemeClr val="lt1"/>
-          </a:fontRef>
-        </p:style>
-      </p:sp>
-      <p:sp>
-        <p:nvSpPr>
-          <p:cNvPr id="7" name="Date Placeholder 6"/>
+          <p:cNvPr id="5" name="Date Placeholder 4"/>
           <p:cNvSpPr>
             <a:spLocks noGrp="1"/>
           </p:cNvSpPr>
@@ -2272,7 +2077,7 @@
       </p:sp>
       <p:sp>
         <p:nvSpPr>
-          <p:cNvPr id="8" name="Footer Placeholder 7"/>
+          <p:cNvPr id="6" name="Footer Placeholder 5"/>
           <p:cNvSpPr>
             <a:spLocks noGrp="1"/>
           </p:cNvSpPr>
@@ -2283,15 +2088,7 @@
         <p:spPr/>
         <p:txBody>
           <a:bodyPr/>
-          <a:lstStyle>
-            <a:lvl1pPr>
-              <a:defRPr>
-                <a:solidFill>
-                  <a:srgbClr val="FFFFFF"/>
-                </a:solidFill>
-              </a:defRPr>
-            </a:lvl1pPr>
-          </a:lstStyle>
+          <a:lstStyle/>
           <a:p>
             <a:endParaRPr lang="en-US"/>
           </a:p>
@@ -2299,7 +2096,7 @@
       </p:sp>
       <p:sp>
         <p:nvSpPr>
-          <p:cNvPr id="9" name="Slide Number Placeholder 8"/>
+          <p:cNvPr id="7" name="Slide Number Placeholder 6"/>
           <p:cNvSpPr>
             <a:spLocks noGrp="1"/>
           </p:cNvSpPr>
@@ -2323,7 +2120,7 @@
     </p:spTree>
     <p:extLst>
       <p:ext uri="{BB962C8B-B14F-4D97-AF65-F5344CB8AC3E}">
-        <p14:creationId xmlns:p14="http://schemas.microsoft.com/office/powerpoint/2010/main" val="3822251963"/>
+        <p14:creationId xmlns:p14="http://schemas.microsoft.com/office/powerpoint/2010/main" val="3990002589"/>
       </p:ext>
     </p:extLst>
   </p:cSld>
@@ -2334,7 +2131,7 @@
 </file>
 
 <file path=ppt/slideLayouts/slideLayout8.xml><?xml version="1.0" encoding="utf-8"?>
-<p:sldLayout xmlns:a="http://schemas.openxmlformats.org/drawingml/2006/main" xmlns:r="http://schemas.openxmlformats.org/officeDocument/2006/relationships" xmlns:p="http://schemas.openxmlformats.org/presentationml/2006/main" showMasterSp="0" type="objTx" preserve="1">
+<p:sldLayout xmlns:a="http://schemas.openxmlformats.org/drawingml/2006/main" xmlns:r="http://schemas.openxmlformats.org/officeDocument/2006/relationships" xmlns:p="http://schemas.openxmlformats.org/presentationml/2006/main" type="objTx" preserve="1">
   <p:cSld name="Content with Caption">
     <p:spTree>
       <p:nvGrpSpPr>
@@ -2352,84 +2149,6 @@
       </p:grpSpPr>
       <p:sp>
         <p:nvSpPr>
-          <p:cNvPr id="8" name="Rectangle 7"/>
-          <p:cNvSpPr/>
-          <p:nvPr/>
-        </p:nvSpPr>
-        <p:spPr>
-          <a:xfrm>
-            <a:off x="16" y="0"/>
-            <a:ext cx="4050791" cy="6858000"/>
-          </a:xfrm>
-          <a:prstGeom prst="rect">
-            <a:avLst/>
-          </a:prstGeom>
-          <a:solidFill>
-            <a:schemeClr val="accent4">
-              <a:lumMod val="75000"/>
-            </a:schemeClr>
-          </a:solidFill>
-          <a:ln>
-            <a:noFill/>
-          </a:ln>
-        </p:spPr>
-        <p:style>
-          <a:lnRef idx="2">
-            <a:schemeClr val="accent1">
-              <a:shade val="50000"/>
-            </a:schemeClr>
-          </a:lnRef>
-          <a:fillRef idx="1">
-            <a:schemeClr val="accent1"/>
-          </a:fillRef>
-          <a:effectRef idx="0">
-            <a:schemeClr val="accent1"/>
-          </a:effectRef>
-          <a:fontRef idx="minor">
-            <a:schemeClr val="lt1"/>
-          </a:fontRef>
-        </p:style>
-      </p:sp>
-      <p:sp>
-        <p:nvSpPr>
-          <p:cNvPr id="9" name="Rectangle 8"/>
-          <p:cNvSpPr/>
-          <p:nvPr/>
-        </p:nvSpPr>
-        <p:spPr>
-          <a:xfrm>
-            <a:off x="4040071" y="0"/>
-            <a:ext cx="64008" cy="6858000"/>
-          </a:xfrm>
-          <a:prstGeom prst="rect">
-            <a:avLst/>
-          </a:prstGeom>
-          <a:solidFill>
-            <a:schemeClr val="accent4"/>
-          </a:solidFill>
-          <a:ln>
-            <a:noFill/>
-          </a:ln>
-        </p:spPr>
-        <p:style>
-          <a:lnRef idx="2">
-            <a:schemeClr val="accent1">
-              <a:shade val="50000"/>
-            </a:schemeClr>
-          </a:lnRef>
-          <a:fillRef idx="1">
-            <a:schemeClr val="accent1"/>
-          </a:fillRef>
-          <a:effectRef idx="0">
-            <a:schemeClr val="accent1"/>
-          </a:effectRef>
-          <a:fontRef idx="minor">
-            <a:schemeClr val="lt1"/>
-          </a:fontRef>
-        </p:style>
-      </p:sp>
-      <p:sp>
-        <p:nvSpPr>
           <p:cNvPr id="2" name="Title 1"/>
           <p:cNvSpPr>
             <a:spLocks noGrp="1"/>
@@ -2440,8 +2159,8 @@
         </p:nvSpPr>
         <p:spPr>
           <a:xfrm>
-            <a:off x="457200" y="594359"/>
-            <a:ext cx="3200400" cy="2286000"/>
+            <a:off x="256032" y="1143000"/>
+            <a:ext cx="2834640" cy="2377440"/>
           </a:xfrm>
         </p:spPr>
         <p:txBody>
@@ -2450,16 +2169,12 @@
           </a:bodyPr>
           <a:lstStyle>
             <a:lvl1pPr>
-              <a:defRPr sz="3600" b="0">
-                <a:solidFill>
-                  <a:srgbClr val="FFFFFF"/>
-                </a:solidFill>
-              </a:defRPr>
+              <a:defRPr sz="3200" b="0" baseline="0"/>
             </a:lvl1pPr>
           </a:lstStyle>
           <a:p>
             <a:r>
-              <a:rPr lang="en-US" smtClean="0"/>
+              <a:rPr lang="en-US"/>
               <a:t>Click to edit Master title style</a:t>
             </a:r>
             <a:endParaRPr lang="en-US" dirty="0"/>
@@ -2478,45 +2193,73 @@
         </p:nvSpPr>
         <p:spPr>
           <a:xfrm>
-            <a:off x="4800600" y="731520"/>
-            <a:ext cx="6492240" cy="5257800"/>
+            <a:off x="3867912" y="868680"/>
+            <a:ext cx="7315200" cy="5120640"/>
           </a:xfrm>
         </p:spPr>
         <p:txBody>
           <a:bodyPr/>
-          <a:lstStyle/>
+          <a:lstStyle>
+            <a:lvl1pPr>
+              <a:defRPr sz="2000"/>
+            </a:lvl1pPr>
+            <a:lvl2pPr>
+              <a:defRPr sz="1800"/>
+            </a:lvl2pPr>
+            <a:lvl3pPr>
+              <a:defRPr sz="1600"/>
+            </a:lvl3pPr>
+            <a:lvl4pPr>
+              <a:defRPr sz="1400"/>
+            </a:lvl4pPr>
+            <a:lvl5pPr>
+              <a:defRPr sz="1400"/>
+            </a:lvl5pPr>
+            <a:lvl6pPr>
+              <a:defRPr sz="1400"/>
+            </a:lvl6pPr>
+            <a:lvl7pPr>
+              <a:defRPr sz="1400"/>
+            </a:lvl7pPr>
+            <a:lvl8pPr>
+              <a:defRPr sz="1400"/>
+            </a:lvl8pPr>
+            <a:lvl9pPr>
+              <a:defRPr sz="1400"/>
+            </a:lvl9pPr>
+          </a:lstStyle>
           <a:p>
             <a:pPr lvl="0"/>
             <a:r>
-              <a:rPr lang="en-US" smtClean="0"/>
+              <a:rPr lang="en-US"/>
               <a:t>Edit Master text styles</a:t>
             </a:r>
           </a:p>
           <a:p>
             <a:pPr lvl="1"/>
             <a:r>
-              <a:rPr lang="en-US" smtClean="0"/>
+              <a:rPr lang="en-US"/>
               <a:t>Second level</a:t>
             </a:r>
           </a:p>
           <a:p>
             <a:pPr lvl="2"/>
             <a:r>
-              <a:rPr lang="en-US" smtClean="0"/>
+              <a:rPr lang="en-US"/>
               <a:t>Third level</a:t>
             </a:r>
           </a:p>
           <a:p>
             <a:pPr lvl="3"/>
             <a:r>
-              <a:rPr lang="en-US" smtClean="0"/>
+              <a:rPr lang="en-US"/>
               <a:t>Fourth level</a:t>
             </a:r>
           </a:p>
           <a:p>
             <a:pPr lvl="4"/>
             <a:r>
-              <a:rPr lang="en-US" smtClean="0"/>
+              <a:rPr lang="en-US"/>
               <a:t>Fifth level</a:t>
             </a:r>
             <a:endParaRPr lang="en-US" dirty="0"/>
@@ -2535,18 +2278,21 @@
         </p:nvSpPr>
         <p:spPr>
           <a:xfrm>
-            <a:off x="457200" y="2926080"/>
-            <a:ext cx="3200400" cy="3379124"/>
-          </a:xfrm>
-        </p:spPr>
-        <p:txBody>
-          <a:bodyPr lIns="91440" rIns="91440">
+            <a:off x="256032" y="3494176"/>
+            <a:ext cx="2834640" cy="2321990"/>
+          </a:xfrm>
+        </p:spPr>
+        <p:txBody>
+          <a:bodyPr anchor="t">
             <a:normAutofit/>
           </a:bodyPr>
           <a:lstStyle>
             <a:lvl1pPr marL="0" indent="0">
-              <a:buNone/>
-              <a:defRPr sz="1500">
+              <a:lnSpc>
+                <a:spcPct val="100000"/>
+              </a:lnSpc>
+              <a:buNone/>
+              <a:defRPr sz="1400">
                 <a:solidFill>
                   <a:srgbClr val="FFFFFF"/>
                 </a:solidFill>
@@ -2588,7 +2334,7 @@
           <a:p>
             <a:pPr lvl="0"/>
             <a:r>
-              <a:rPr lang="en-US" smtClean="0"/>
+              <a:rPr lang="en-US"/>
               <a:t>Edit Master text styles</a:t>
             </a:r>
           </a:p>
@@ -2596,7 +2342,7 @@
       </p:sp>
       <p:sp>
         <p:nvSpPr>
-          <p:cNvPr id="5" name="Date Placeholder 4"/>
+          <p:cNvPr id="8" name="Date Placeholder 7"/>
           <p:cNvSpPr>
             <a:spLocks noGrp="1"/>
           </p:cNvSpPr>
@@ -2604,19 +2350,10 @@
             <p:ph type="dt" sz="half" idx="10"/>
           </p:nvPr>
         </p:nvSpPr>
-        <p:spPr>
-          <a:xfrm>
-            <a:off x="465512" y="6459785"/>
-            <a:ext cx="2618510" cy="365125"/>
-          </a:xfrm>
-        </p:spPr>
+        <p:spPr/>
         <p:txBody>
           <a:bodyPr/>
-          <a:lstStyle>
-            <a:lvl1pPr algn="l">
-              <a:defRPr/>
-            </a:lvl1pPr>
-          </a:lstStyle>
+          <a:lstStyle/>
           <a:p>
             <a:fld id="{452B8D19-34BD-4503-9107-67553B7CCA4B}" type="datetimeFigureOut">
               <a:rPr lang="en-US" smtClean="0"/>
@@ -2628,7 +2365,7 @@
       </p:sp>
       <p:sp>
         <p:nvSpPr>
-          <p:cNvPr id="6" name="Footer Placeholder 5"/>
+          <p:cNvPr id="9" name="Footer Placeholder 8"/>
           <p:cNvSpPr>
             <a:spLocks noGrp="1"/>
           </p:cNvSpPr>
@@ -2636,23 +2373,10 @@
             <p:ph type="ftr" sz="quarter" idx="11"/>
           </p:nvPr>
         </p:nvSpPr>
-        <p:spPr>
-          <a:xfrm>
-            <a:off x="4800600" y="6459785"/>
-            <a:ext cx="4648200" cy="365125"/>
-          </a:xfrm>
-        </p:spPr>
+        <p:spPr/>
         <p:txBody>
           <a:bodyPr/>
-          <a:lstStyle>
-            <a:lvl1pPr algn="l">
-              <a:defRPr>
-                <a:solidFill>
-                  <a:schemeClr val="tx2"/>
-                </a:solidFill>
-              </a:defRPr>
-            </a:lvl1pPr>
-          </a:lstStyle>
+          <a:lstStyle/>
           <a:p>
             <a:endParaRPr lang="en-US"/>
           </a:p>
@@ -2660,7 +2384,7 @@
       </p:sp>
       <p:sp>
         <p:nvSpPr>
-          <p:cNvPr id="7" name="Slide Number Placeholder 6"/>
+          <p:cNvPr id="10" name="Slide Number Placeholder 9"/>
           <p:cNvSpPr>
             <a:spLocks noGrp="1"/>
           </p:cNvSpPr>
@@ -2671,15 +2395,7 @@
         <p:spPr/>
         <p:txBody>
           <a:bodyPr/>
-          <a:lstStyle>
-            <a:lvl1pPr>
-              <a:defRPr>
-                <a:solidFill>
-                  <a:schemeClr val="tx2"/>
-                </a:solidFill>
-              </a:defRPr>
-            </a:lvl1pPr>
-          </a:lstStyle>
+          <a:lstStyle/>
           <a:p>
             <a:fld id="{5381D559-9514-4E39-9298-34115F321CFC}" type="slidenum">
               <a:rPr lang="en-US" smtClean="0"/>
@@ -2692,7 +2408,7 @@
     </p:spTree>
     <p:extLst>
       <p:ext uri="{BB962C8B-B14F-4D97-AF65-F5344CB8AC3E}">
-        <p14:creationId xmlns:p14="http://schemas.microsoft.com/office/powerpoint/2010/main" val="686243009"/>
+        <p14:creationId xmlns:p14="http://schemas.microsoft.com/office/powerpoint/2010/main" val="649450572"/>
       </p:ext>
     </p:extLst>
   </p:cSld>
@@ -2703,7 +2419,7 @@
 </file>
 
 <file path=ppt/slideLayouts/slideLayout9.xml><?xml version="1.0" encoding="utf-8"?>
-<p:sldLayout xmlns:a="http://schemas.openxmlformats.org/drawingml/2006/main" xmlns:r="http://schemas.openxmlformats.org/officeDocument/2006/relationships" xmlns:p="http://schemas.openxmlformats.org/presentationml/2006/main" showMasterSp="0" type="picTx" preserve="1">
+<p:sldLayout xmlns:a="http://schemas.openxmlformats.org/drawingml/2006/main" xmlns:r="http://schemas.openxmlformats.org/officeDocument/2006/relationships" xmlns:p="http://schemas.openxmlformats.org/presentationml/2006/main" type="picTx" preserve="1">
   <p:cSld name="Picture with Caption">
     <p:spTree>
       <p:nvGrpSpPr>
@@ -2721,143 +2437,61 @@
       </p:grpSpPr>
       <p:sp>
         <p:nvSpPr>
-          <p:cNvPr id="8" name="Rectangle 7"/>
-          <p:cNvSpPr/>
-          <p:nvPr/>
-        </p:nvSpPr>
-        <p:spPr>
-          <a:xfrm>
-            <a:off x="0" y="4953000"/>
-            <a:ext cx="12188825" cy="1905000"/>
-          </a:xfrm>
-          <a:prstGeom prst="rect">
-            <a:avLst/>
-          </a:prstGeom>
+          <p:cNvPr id="2" name="Title 1"/>
+          <p:cNvSpPr>
+            <a:spLocks noGrp="1"/>
+          </p:cNvSpPr>
+          <p:nvPr>
+            <p:ph type="title"/>
+          </p:nvPr>
+        </p:nvSpPr>
+        <p:spPr>
+          <a:xfrm>
+            <a:off x="256032" y="1143000"/>
+            <a:ext cx="2834640" cy="2377440"/>
+          </a:xfrm>
+        </p:spPr>
+        <p:txBody>
+          <a:bodyPr anchor="b">
+            <a:normAutofit/>
+          </a:bodyPr>
+          <a:lstStyle>
+            <a:lvl1pPr>
+              <a:defRPr sz="3200" b="0"/>
+            </a:lvl1pPr>
+          </a:lstStyle>
+          <a:p>
+            <a:r>
+              <a:rPr lang="en-US"/>
+              <a:t>Click to edit Master title style</a:t>
+            </a:r>
+            <a:endParaRPr lang="en-US" dirty="0"/>
+          </a:p>
+        </p:txBody>
+      </p:sp>
+      <p:sp>
+        <p:nvSpPr>
+          <p:cNvPr id="3" name="Picture Placeholder 2"/>
+          <p:cNvSpPr>
+            <a:spLocks noGrp="1" noChangeAspect="1"/>
+          </p:cNvSpPr>
+          <p:nvPr>
+            <p:ph type="pic" idx="1"/>
+          </p:nvPr>
+        </p:nvSpPr>
+        <p:spPr>
+          <a:xfrm>
+            <a:off x="3570644" y="767419"/>
+            <a:ext cx="8115230" cy="5330952"/>
+          </a:xfrm>
           <a:solidFill>
-            <a:schemeClr val="accent4">
+            <a:schemeClr val="bg1">
               <a:lumMod val="75000"/>
             </a:schemeClr>
           </a:solidFill>
-          <a:ln>
-            <a:noFill/>
-          </a:ln>
-        </p:spPr>
-        <p:style>
-          <a:lnRef idx="2">
-            <a:schemeClr val="accent1">
-              <a:shade val="50000"/>
-            </a:schemeClr>
-          </a:lnRef>
-          <a:fillRef idx="1">
-            <a:schemeClr val="accent1"/>
-          </a:fillRef>
-          <a:effectRef idx="0">
-            <a:schemeClr val="accent1"/>
-          </a:effectRef>
-          <a:fontRef idx="minor">
-            <a:schemeClr val="lt1"/>
-          </a:fontRef>
-        </p:style>
-      </p:sp>
-      <p:sp>
-        <p:nvSpPr>
-          <p:cNvPr id="9" name="Rectangle 8"/>
-          <p:cNvSpPr/>
-          <p:nvPr/>
-        </p:nvSpPr>
-        <p:spPr>
-          <a:xfrm>
-            <a:off x="15" y="4915076"/>
-            <a:ext cx="12188825" cy="64008"/>
-          </a:xfrm>
-          <a:prstGeom prst="rect">
-            <a:avLst/>
-          </a:prstGeom>
-          <a:solidFill>
-            <a:schemeClr val="accent4"/>
-          </a:solidFill>
-          <a:ln>
-            <a:noFill/>
-          </a:ln>
-        </p:spPr>
-        <p:style>
-          <a:lnRef idx="2">
-            <a:schemeClr val="accent1">
-              <a:shade val="50000"/>
-            </a:schemeClr>
-          </a:lnRef>
-          <a:fillRef idx="1">
-            <a:schemeClr val="accent1"/>
-          </a:fillRef>
-          <a:effectRef idx="0">
-            <a:schemeClr val="accent1"/>
-          </a:effectRef>
-          <a:fontRef idx="minor">
-            <a:schemeClr val="lt1"/>
-          </a:fontRef>
-        </p:style>
-      </p:sp>
-      <p:sp>
-        <p:nvSpPr>
-          <p:cNvPr id="2" name="Title 1"/>
-          <p:cNvSpPr>
-            <a:spLocks noGrp="1"/>
-          </p:cNvSpPr>
-          <p:nvPr>
-            <p:ph type="title"/>
-          </p:nvPr>
-        </p:nvSpPr>
-        <p:spPr>
-          <a:xfrm>
-            <a:off x="1097280" y="5074920"/>
-            <a:ext cx="10113645" cy="822960"/>
-          </a:xfrm>
-        </p:spPr>
-        <p:txBody>
-          <a:bodyPr lIns="91440" tIns="0" rIns="91440" bIns="0" anchor="b">
-            <a:noAutofit/>
-          </a:bodyPr>
-          <a:lstStyle>
-            <a:lvl1pPr>
-              <a:defRPr sz="3600" b="0">
-                <a:solidFill>
-                  <a:srgbClr val="FFFFFF"/>
-                </a:solidFill>
-              </a:defRPr>
-            </a:lvl1pPr>
-          </a:lstStyle>
-          <a:p>
-            <a:r>
-              <a:rPr lang="en-US" smtClean="0"/>
-              <a:t>Click to edit Master title style</a:t>
-            </a:r>
-            <a:endParaRPr lang="en-US" dirty="0"/>
-          </a:p>
-        </p:txBody>
-      </p:sp>
-      <p:sp>
-        <p:nvSpPr>
-          <p:cNvPr id="3" name="Picture Placeholder 2"/>
-          <p:cNvSpPr>
-            <a:spLocks noGrp="1" noChangeAspect="1"/>
-          </p:cNvSpPr>
-          <p:nvPr>
-            <p:ph type="pic" idx="1"/>
-          </p:nvPr>
-        </p:nvSpPr>
-        <p:spPr>
-          <a:xfrm>
-            <a:off x="15" y="0"/>
-            <a:ext cx="12191985" cy="4915076"/>
-          </a:xfrm>
-          <a:solidFill>
-            <a:schemeClr val="bg2">
-              <a:lumMod val="90000"/>
-            </a:schemeClr>
-          </a:solidFill>
-        </p:spPr>
-        <p:txBody>
-          <a:bodyPr lIns="457200" tIns="457200" anchor="t"/>
+        </p:spPr>
+        <p:txBody>
+          <a:bodyPr anchor="t"/>
           <a:lstStyle>
             <a:lvl1pPr marL="0" indent="0">
               <a:buNone/>
@@ -2898,7 +2532,7 @@
           </a:lstStyle>
           <a:p>
             <a:r>
-              <a:rPr lang="en-US" smtClean="0"/>
+              <a:rPr lang="en-US"/>
               <a:t>Click icon to add picture</a:t>
             </a:r>
             <a:endParaRPr lang="en-US" dirty="0"/>
@@ -2917,24 +2551,21 @@
         </p:nvSpPr>
         <p:spPr>
           <a:xfrm>
-            <a:off x="1097280" y="5907024"/>
-            <a:ext cx="10113264" cy="594360"/>
-          </a:xfrm>
-        </p:spPr>
-        <p:txBody>
-          <a:bodyPr lIns="91440" tIns="0" rIns="91440" bIns="0">
+            <a:off x="256032" y="3493008"/>
+            <a:ext cx="2834640" cy="2322576"/>
+          </a:xfrm>
+        </p:spPr>
+        <p:txBody>
+          <a:bodyPr anchor="t">
             <a:normAutofit/>
           </a:bodyPr>
           <a:lstStyle>
             <a:lvl1pPr marL="0" indent="0">
-              <a:spcBef>
-                <a:spcPts val="0"/>
-              </a:spcBef>
-              <a:spcAft>
-                <a:spcPts val="600"/>
-              </a:spcAft>
-              <a:buNone/>
-              <a:defRPr sz="1500">
+              <a:lnSpc>
+                <a:spcPct val="100000"/>
+              </a:lnSpc>
+              <a:buNone/>
+              <a:defRPr sz="1400">
                 <a:solidFill>
                   <a:srgbClr val="FFFFFF"/>
                 </a:solidFill>
@@ -2976,7 +2607,7 @@
           <a:p>
             <a:pPr lvl="0"/>
             <a:r>
-              <a:rPr lang="en-US" smtClean="0"/>
+              <a:rPr lang="en-US"/>
               <a:t>Edit Master text styles</a:t>
             </a:r>
           </a:p>
@@ -2984,7 +2615,7 @@
       </p:sp>
       <p:sp>
         <p:nvSpPr>
-          <p:cNvPr id="5" name="Date Placeholder 4"/>
+          <p:cNvPr id="8" name="Date Placeholder 7"/>
           <p:cNvSpPr>
             <a:spLocks noGrp="1"/>
           </p:cNvSpPr>
@@ -3007,7 +2638,7 @@
       </p:sp>
       <p:sp>
         <p:nvSpPr>
-          <p:cNvPr id="6" name="Footer Placeholder 5"/>
+          <p:cNvPr id="9" name="Footer Placeholder 8"/>
           <p:cNvSpPr>
             <a:spLocks noGrp="1"/>
           </p:cNvSpPr>
@@ -3015,7 +2646,12 @@
             <p:ph type="ftr" sz="quarter" idx="11"/>
           </p:nvPr>
         </p:nvSpPr>
-        <p:spPr/>
+        <p:spPr>
+          <a:xfrm>
+            <a:off x="3499101" y="6356350"/>
+            <a:ext cx="5911517" cy="365125"/>
+          </a:xfrm>
+        </p:spPr>
         <p:txBody>
           <a:bodyPr/>
           <a:lstStyle/>
@@ -3026,7 +2662,7 @@
       </p:sp>
       <p:sp>
         <p:nvSpPr>
-          <p:cNvPr id="7" name="Slide Number Placeholder 6"/>
+          <p:cNvPr id="10" name="Slide Number Placeholder 9"/>
           <p:cNvSpPr>
             <a:spLocks noGrp="1"/>
           </p:cNvSpPr>
@@ -3050,7 +2686,7 @@
     </p:spTree>
     <p:extLst>
       <p:ext uri="{BB962C8B-B14F-4D97-AF65-F5344CB8AC3E}">
-        <p14:creationId xmlns:p14="http://schemas.microsoft.com/office/powerpoint/2010/main" val="3353401363"/>
+        <p14:creationId xmlns:p14="http://schemas.microsoft.com/office/powerpoint/2010/main" val="1718497342"/>
       </p:ext>
     </p:extLst>
   </p:cSld>
@@ -3064,7 +2700,7 @@
 <p:sldMaster xmlns:a="http://schemas.openxmlformats.org/drawingml/2006/main" xmlns:r="http://schemas.openxmlformats.org/officeDocument/2006/relationships" xmlns:p="http://schemas.openxmlformats.org/presentationml/2006/main">
   <p:cSld>
     <p:bg>
-      <p:bgRef idx="1001">
+      <p:bgRef idx="1003">
         <a:schemeClr val="bg2"/>
       </p:bgRef>
     </p:bg>
@@ -3090,16 +2726,14 @@
         </p:nvSpPr>
         <p:spPr>
           <a:xfrm>
-            <a:off x="1" y="6400800"/>
-            <a:ext cx="12192000" cy="457200"/>
+            <a:off x="1" y="758952"/>
+            <a:ext cx="3443590" cy="5330952"/>
           </a:xfrm>
           <a:prstGeom prst="rect">
             <a:avLst/>
           </a:prstGeom>
           <a:solidFill>
-            <a:schemeClr val="accent4">
-              <a:lumMod val="75000"/>
-            </a:schemeClr>
+            <a:schemeClr val="accent1"/>
           </a:solidFill>
           <a:ln>
             <a:noFill/>
@@ -3124,20 +2758,55 @@
       </p:sp>
       <p:sp>
         <p:nvSpPr>
-          <p:cNvPr id="9" name="Rectangle 8"/>
+          <p:cNvPr id="2" name="Title Placeholder 1"/>
+          <p:cNvSpPr>
+            <a:spLocks noGrp="1"/>
+          </p:cNvSpPr>
+          <p:nvPr>
+            <p:ph type="title"/>
+          </p:nvPr>
+        </p:nvSpPr>
+        <p:spPr>
+          <a:xfrm>
+            <a:off x="252919" y="1123837"/>
+            <a:ext cx="2947482" cy="4601183"/>
+          </a:xfrm>
+          <a:prstGeom prst="rect">
+            <a:avLst/>
+          </a:prstGeom>
+        </p:spPr>
+        <p:txBody>
+          <a:bodyPr vert="horz" lIns="91440" tIns="45720" rIns="91440" bIns="45720" rtlCol="0" anchor="ctr">
+            <a:normAutofit/>
+          </a:bodyPr>
+          <a:lstStyle/>
+          <a:p>
+            <a:r>
+              <a:rPr lang="en-US"/>
+              <a:t>Click to edit Master title style</a:t>
+            </a:r>
+            <a:endParaRPr lang="en-US" dirty="0"/>
+          </a:p>
+        </p:txBody>
+      </p:sp>
+      <p:sp>
+        <p:nvSpPr>
+          <p:cNvPr id="38" name="Rectangle 37"/>
           <p:cNvSpPr/>
           <p:nvPr/>
         </p:nvSpPr>
         <p:spPr>
           <a:xfrm>
-            <a:off x="15" y="6334316"/>
-            <a:ext cx="12191985" cy="66484"/>
+            <a:off x="11815864" y="758952"/>
+            <a:ext cx="384048" cy="5330952"/>
           </a:xfrm>
           <a:prstGeom prst="rect">
             <a:avLst/>
           </a:prstGeom>
           <a:solidFill>
-            <a:schemeClr val="accent4"/>
+            <a:srgbClr val="C8C8C8">
+              <a:alpha val="49804"/>
+            </a:srgbClr>
           </a:solidFill>
           <a:ln>
             <a:noFill/>
@@ -3162,32 +2831,61 @@
       </p:sp>
       <p:sp>
         <p:nvSpPr>
-          <p:cNvPr id="2" name="Title Placeholder 1"/>
-          <p:cNvSpPr>
-            <a:spLocks noGrp="1"/>
-          </p:cNvSpPr>
-          <p:nvPr>
-            <p:ph type="title"/>
-          </p:nvPr>
-        </p:nvSpPr>
-        <p:spPr>
-          <a:xfrm>
-            <a:off x="1097280" y="286603"/>
-            <a:ext cx="10058400" cy="1450757"/>
+          <p:cNvPr id="3" name="Text Placeholder 2"/>
+          <p:cNvSpPr>
+            <a:spLocks noGrp="1"/>
+          </p:cNvSpPr>
+          <p:nvPr>
+            <p:ph type="body" idx="1"/>
+          </p:nvPr>
+        </p:nvSpPr>
+        <p:spPr>
+          <a:xfrm>
+            <a:off x="3869268" y="864108"/>
+            <a:ext cx="7315200" cy="5120640"/>
           </a:xfrm>
           <a:prstGeom prst="rect">
             <a:avLst/>
           </a:prstGeom>
         </p:spPr>
         <p:txBody>
-          <a:bodyPr vert="horz" lIns="91440" tIns="45720" rIns="91440" bIns="45720" rtlCol="0" anchor="b">
+          <a:bodyPr vert="horz" lIns="91440" tIns="45720" rIns="91440" bIns="45720" rtlCol="0" anchor="ctr">
             <a:normAutofit/>
           </a:bodyPr>
           <a:lstStyle/>
           <a:p>
-            <a:r>
-              <a:rPr lang="en-US" smtClean="0"/>
-              <a:t>Click to edit Master title style</a:t>
+            <a:pPr lvl="0"/>
+            <a:r>
+              <a:rPr lang="en-US"/>
+              <a:t>Edit Master text styles</a:t>
+            </a:r>
+          </a:p>
+          <a:p>
+            <a:pPr lvl="1"/>
+            <a:r>
+              <a:rPr lang="en-US"/>
+              <a:t>Second level</a:t>
+            </a:r>
+          </a:p>
+          <a:p>
+            <a:pPr lvl="2"/>
+            <a:r>
+              <a:rPr lang="en-US"/>
+              <a:t>Third level</a:t>
+            </a:r>
+          </a:p>
+          <a:p>
+            <a:pPr lvl="3"/>
+            <a:r>
+              <a:rPr lang="en-US"/>
+              <a:t>Fourth level</a:t>
+            </a:r>
+          </a:p>
+          <a:p>
+            <a:pPr lvl="4"/>
+            <a:r>
+              <a:rPr lang="en-US"/>
+              <a:t>Fifth level</a:t>
             </a:r>
             <a:endParaRPr lang="en-US" dirty="0"/>
           </a:p>
@@ -3195,92 +2893,33 @@
       </p:sp>
       <p:sp>
         <p:nvSpPr>
-          <p:cNvPr id="3" name="Text Placeholder 2"/>
-          <p:cNvSpPr>
-            <a:spLocks noGrp="1"/>
-          </p:cNvSpPr>
-          <p:nvPr>
-            <p:ph type="body" idx="1"/>
-          </p:nvPr>
-        </p:nvSpPr>
-        <p:spPr>
-          <a:xfrm>
-            <a:off x="1097280" y="1845734"/>
-            <a:ext cx="10058400" cy="4023360"/>
+          <p:cNvPr id="4" name="Date Placeholder 3"/>
+          <p:cNvSpPr>
+            <a:spLocks noGrp="1"/>
+          </p:cNvSpPr>
+          <p:nvPr>
+            <p:ph type="dt" sz="half" idx="2"/>
+          </p:nvPr>
+        </p:nvSpPr>
+        <p:spPr>
+          <a:xfrm>
+            <a:off x="262465" y="6356350"/>
+            <a:ext cx="2743200" cy="365125"/>
           </a:xfrm>
           <a:prstGeom prst="rect">
             <a:avLst/>
           </a:prstGeom>
         </p:spPr>
         <p:txBody>
-          <a:bodyPr vert="horz" lIns="0" tIns="45720" rIns="0" bIns="45720" rtlCol="0">
-            <a:normAutofit/>
-          </a:bodyPr>
-          <a:lstStyle/>
-          <a:p>
-            <a:pPr lvl="0"/>
-            <a:r>
-              <a:rPr lang="en-US" smtClean="0"/>
-              <a:t>Edit Master text styles</a:t>
-            </a:r>
-          </a:p>
-          <a:p>
-            <a:pPr lvl="1"/>
-            <a:r>
-              <a:rPr lang="en-US" smtClean="0"/>
-              <a:t>Second level</a:t>
-            </a:r>
-          </a:p>
-          <a:p>
-            <a:pPr lvl="2"/>
-            <a:r>
-              <a:rPr lang="en-US" smtClean="0"/>
-              <a:t>Third level</a:t>
-            </a:r>
-          </a:p>
-          <a:p>
-            <a:pPr lvl="3"/>
-            <a:r>
-              <a:rPr lang="en-US" smtClean="0"/>
-              <a:t>Fourth level</a:t>
-            </a:r>
-          </a:p>
-          <a:p>
-            <a:pPr lvl="4"/>
-            <a:r>
-              <a:rPr lang="en-US" smtClean="0"/>
-              <a:t>Fifth level</a:t>
-            </a:r>
-            <a:endParaRPr lang="en-US" dirty="0"/>
-          </a:p>
-        </p:txBody>
-      </p:sp>
-      <p:sp>
-        <p:nvSpPr>
-          <p:cNvPr id="4" name="Date Placeholder 3"/>
-          <p:cNvSpPr>
-            <a:spLocks noGrp="1"/>
-          </p:cNvSpPr>
-          <p:nvPr>
-            <p:ph type="dt" sz="half" idx="2"/>
-          </p:nvPr>
-        </p:nvSpPr>
-        <p:spPr>
-          <a:xfrm>
-            <a:off x="1097280" y="6459785"/>
-            <a:ext cx="2472271" cy="365125"/>
-          </a:xfrm>
-          <a:prstGeom prst="rect">
-            <a:avLst/>
-          </a:prstGeom>
-        </p:spPr>
-        <p:txBody>
           <a:bodyPr vert="horz" lIns="91440" tIns="45720" rIns="91440" bIns="45720" rtlCol="0" anchor="ctr"/>
           <a:lstStyle>
             <a:lvl1pPr algn="l">
-              <a:defRPr sz="900">
+              <a:defRPr sz="1100">
                 <a:solidFill>
-                  <a:srgbClr val="FFFFFF"/>
+                  <a:schemeClr val="tx1">
+                    <a:lumMod val="50000"/>
+                    <a:lumOff val="50000"/>
+                  </a:schemeClr>
                 </a:solidFill>
               </a:defRPr>
             </a:lvl1pPr>
@@ -3306,8 +2945,8 @@
         </p:nvSpPr>
         <p:spPr>
           <a:xfrm>
-            <a:off x="3686185" y="6459785"/>
-            <a:ext cx="4822804" cy="365125"/>
+            <a:off x="3869268" y="6356350"/>
+            <a:ext cx="5911517" cy="365125"/>
           </a:xfrm>
           <a:prstGeom prst="rect">
             <a:avLst/>
@@ -3316,10 +2955,13 @@
         <p:txBody>
           <a:bodyPr vert="horz" lIns="91440" tIns="45720" rIns="91440" bIns="45720" rtlCol="0" anchor="ctr"/>
           <a:lstStyle>
-            <a:lvl1pPr algn="ctr">
-              <a:defRPr sz="900" cap="all" baseline="0">
+            <a:lvl1pPr algn="l">
+              <a:defRPr sz="1100">
                 <a:solidFill>
-                  <a:srgbClr val="FFFFFF"/>
+                  <a:schemeClr val="tx1">
+                    <a:lumMod val="50000"/>
+                    <a:lumOff val="50000"/>
+                  </a:schemeClr>
                 </a:solidFill>
               </a:defRPr>
             </a:lvl1pPr>
@@ -3341,8 +2983,8 @@
         </p:nvSpPr>
         <p:spPr>
           <a:xfrm>
-            <a:off x="9900458" y="6459785"/>
-            <a:ext cx="1312025" cy="365125"/>
+            <a:off x="10634135" y="6356350"/>
+            <a:ext cx="1530927" cy="365125"/>
           </a:xfrm>
           <a:prstGeom prst="rect">
             <a:avLst/>
@@ -3352,9 +2994,9 @@
           <a:bodyPr vert="horz" lIns="91440" tIns="45720" rIns="91440" bIns="45720" rtlCol="0" anchor="ctr"/>
           <a:lstStyle>
             <a:lvl1pPr algn="r">
-              <a:defRPr sz="1050">
+              <a:defRPr sz="1200" b="1">
                 <a:solidFill>
-                  <a:srgbClr val="FFFFFF"/>
+                  <a:schemeClr val="accent1"/>
                 </a:solidFill>
               </a:defRPr>
             </a:lvl1pPr>
@@ -3368,81 +3010,40 @@
           </a:p>
         </p:txBody>
       </p:sp>
-      <p:cxnSp>
-        <p:nvCxnSpPr>
-          <p:cNvPr id="10" name="Straight Connector 9"/>
-          <p:cNvCxnSpPr/>
-          <p:nvPr/>
-        </p:nvCxnSpPr>
-        <p:spPr>
-          <a:xfrm>
-            <a:off x="1193532" y="1737845"/>
-            <a:ext cx="9966960" cy="0"/>
-          </a:xfrm>
-          <a:prstGeom prst="line">
-            <a:avLst/>
-          </a:prstGeom>
-          <a:ln w="6350">
-            <a:solidFill>
-              <a:schemeClr val="tx1">
-                <a:lumMod val="50000"/>
-                <a:lumOff val="50000"/>
-              </a:schemeClr>
-            </a:solidFill>
-          </a:ln>
-        </p:spPr>
-        <p:style>
-          <a:lnRef idx="1">
-            <a:schemeClr val="accent1"/>
-          </a:lnRef>
-          <a:fillRef idx="0">
-            <a:schemeClr val="accent1"/>
-          </a:fillRef>
-          <a:effectRef idx="0">
-            <a:schemeClr val="accent1"/>
-          </a:effectRef>
-          <a:fontRef idx="minor">
-            <a:schemeClr val="tx1"/>
-          </a:fontRef>
-        </p:style>
-      </p:cxnSp>
     </p:spTree>
     <p:extLst>
       <p:ext uri="{BB962C8B-B14F-4D97-AF65-F5344CB8AC3E}">
-        <p14:creationId xmlns:p14="http://schemas.microsoft.com/office/powerpoint/2010/main" val="3114262794"/>
+        <p14:creationId xmlns:p14="http://schemas.microsoft.com/office/powerpoint/2010/main" val="1547398327"/>
       </p:ext>
     </p:extLst>
   </p:cSld>
-  <p:clrMap bg1="lt1" tx1="dk1" bg2="lt2" tx2="dk2" accent1="accent1" accent2="accent2" accent3="accent3" accent4="accent4" accent5="accent5" accent6="accent6" hlink="hlink" folHlink="folHlink"/>
+  <p:clrMap bg1="dk1" tx1="lt1" bg2="dk2" tx2="lt2" accent1="accent1" accent2="accent2" accent3="accent3" accent4="accent4" accent5="accent5" accent6="accent6" hlink="hlink" folHlink="folHlink"/>
   <p:sldLayoutIdLst>
-    <p:sldLayoutId id="2147483768" r:id="rId1"/>
-    <p:sldLayoutId id="2147483769" r:id="rId2"/>
-    <p:sldLayoutId id="2147483770" r:id="rId3"/>
-    <p:sldLayoutId id="2147483771" r:id="rId4"/>
-    <p:sldLayoutId id="2147483772" r:id="rId5"/>
-    <p:sldLayoutId id="2147483773" r:id="rId6"/>
-    <p:sldLayoutId id="2147483774" r:id="rId7"/>
-    <p:sldLayoutId id="2147483775" r:id="rId8"/>
-    <p:sldLayoutId id="2147483776" r:id="rId9"/>
-    <p:sldLayoutId id="2147483777" r:id="rId10"/>
-    <p:sldLayoutId id="2147483778" r:id="rId11"/>
+    <p:sldLayoutId id="2147483864" r:id="rId1"/>
+    <p:sldLayoutId id="2147483865" r:id="rId2"/>
+    <p:sldLayoutId id="2147483866" r:id="rId3"/>
+    <p:sldLayoutId id="2147483867" r:id="rId4"/>
+    <p:sldLayoutId id="2147483868" r:id="rId5"/>
+    <p:sldLayoutId id="2147483869" r:id="rId6"/>
+    <p:sldLayoutId id="2147483870" r:id="rId7"/>
+    <p:sldLayoutId id="2147483871" r:id="rId8"/>
+    <p:sldLayoutId id="2147483872" r:id="rId9"/>
+    <p:sldLayoutId id="2147483873" r:id="rId10"/>
+    <p:sldLayoutId id="2147483874" r:id="rId11"/>
   </p:sldLayoutIdLst>
   <p:txStyles>
     <p:titleStyle>
       <a:lvl1pPr algn="l" defTabSz="914400" rtl="0" eaLnBrk="1" latinLnBrk="0" hangingPunct="1">
         <a:lnSpc>
-          <a:spcPct val="85000"/>
+          <a:spcPct val="90000"/>
         </a:lnSpc>
         <a:spcBef>
           <a:spcPct val="0"/>
         </a:spcBef>
         <a:buNone/>
-        <a:defRPr sz="4800" kern="1200" spc="-50" baseline="0">
+        <a:defRPr sz="3600" kern="1200" spc="-60" baseline="0">
           <a:solidFill>
-            <a:schemeClr val="tx1">
-              <a:lumMod val="75000"/>
-              <a:lumOff val="25000"/>
-            </a:schemeClr>
+            <a:srgbClr val="FFFFFF"/>
           </a:solidFill>
           <a:latin typeface="+mj-lt"/>
           <a:ea typeface="+mj-ea"/>
@@ -3451,27 +3052,23 @@
       </a:lvl1pPr>
     </p:titleStyle>
     <p:bodyStyle>
-      <a:lvl1pPr marL="91440" indent="-91440" algn="l" defTabSz="914400" rtl="0" eaLnBrk="1" latinLnBrk="0" hangingPunct="1">
+      <a:lvl1pPr marL="182880" indent="-182880" algn="l" defTabSz="914400" rtl="0" eaLnBrk="1" latinLnBrk="0" hangingPunct="1">
         <a:lnSpc>
           <a:spcPct val="90000"/>
         </a:lnSpc>
         <a:spcBef>
           <a:spcPts val="1200"/>
         </a:spcBef>
-        <a:spcAft>
-          <a:spcPts val="200"/>
-        </a:spcAft>
         <a:buClr>
           <a:schemeClr val="accent1"/>
         </a:buClr>
-        <a:buSzPct val="100000"/>
-        <a:buFont typeface="Calibri" panose="020F0502020204030204" pitchFamily="34" charset="0"/>
-        <a:buChar char=" "/>
+        <a:buFont typeface="Wingdings 2" pitchFamily="18" charset="2"/>
+        <a:buChar char=""/>
         <a:defRPr sz="2000" kern="1200">
           <a:solidFill>
             <a:schemeClr val="tx1">
-              <a:lumMod val="75000"/>
-              <a:lumOff val="25000"/>
+              <a:lumMod val="65000"/>
+              <a:lumOff val="35000"/>
             </a:schemeClr>
           </a:solidFill>
           <a:latin typeface="+mn-lt"/>
@@ -3479,26 +3076,26 @@
           <a:cs typeface="+mn-cs"/>
         </a:defRPr>
       </a:lvl1pPr>
-      <a:lvl2pPr marL="384048" indent="-182880" algn="l" defTabSz="914400" rtl="0" eaLnBrk="1" latinLnBrk="0" hangingPunct="1">
+      <a:lvl2pPr marL="685800" indent="-182880" algn="l" defTabSz="914400" rtl="0" eaLnBrk="1" latinLnBrk="0" hangingPunct="1">
         <a:lnSpc>
           <a:spcPct val="90000"/>
         </a:lnSpc>
         <a:spcBef>
-          <a:spcPts val="200"/>
+          <a:spcPts val="250"/>
         </a:spcBef>
         <a:spcAft>
-          <a:spcPts val="400"/>
+          <a:spcPts val="250"/>
         </a:spcAft>
         <a:buClr>
           <a:schemeClr val="accent1"/>
         </a:buClr>
-        <a:buFont typeface="Calibri" pitchFamily="34" charset="0"/>
-        <a:buChar char="◦"/>
+        <a:buFont typeface="Wingdings 2" pitchFamily="18" charset="2"/>
+        <a:buChar char=""/>
         <a:defRPr sz="1800" kern="1200">
           <a:solidFill>
             <a:schemeClr val="tx1">
-              <a:lumMod val="75000"/>
-              <a:lumOff val="25000"/>
+              <a:lumMod val="65000"/>
+              <a:lumOff val="35000"/>
             </a:schemeClr>
           </a:solidFill>
           <a:latin typeface="+mn-lt"/>
@@ -3506,26 +3103,26 @@
           <a:cs typeface="+mn-cs"/>
         </a:defRPr>
       </a:lvl2pPr>
-      <a:lvl3pPr marL="566928" indent="-182880" algn="l" defTabSz="914400" rtl="0" eaLnBrk="1" latinLnBrk="0" hangingPunct="1">
+      <a:lvl3pPr marL="1143000" indent="-182880" algn="l" defTabSz="914400" rtl="0" eaLnBrk="1" latinLnBrk="0" hangingPunct="1">
         <a:lnSpc>
           <a:spcPct val="90000"/>
         </a:lnSpc>
         <a:spcBef>
-          <a:spcPts val="200"/>
+          <a:spcPts val="250"/>
         </a:spcBef>
         <a:spcAft>
-          <a:spcPts val="400"/>
+          <a:spcPts val="250"/>
         </a:spcAft>
         <a:buClr>
           <a:schemeClr val="accent1"/>
         </a:buClr>
-        <a:buFont typeface="Calibri" pitchFamily="34" charset="0"/>
-        <a:buChar char="◦"/>
-        <a:defRPr sz="1400" kern="1200">
+        <a:buFont typeface="Wingdings 2" pitchFamily="18" charset="2"/>
+        <a:buChar char=""/>
+        <a:defRPr sz="1600" kern="1200">
           <a:solidFill>
             <a:schemeClr val="tx1">
-              <a:lumMod val="75000"/>
-              <a:lumOff val="25000"/>
+              <a:lumMod val="65000"/>
+              <a:lumOff val="35000"/>
             </a:schemeClr>
           </a:solidFill>
           <a:latin typeface="+mn-lt"/>
@@ -3533,26 +3130,26 @@
           <a:cs typeface="+mn-cs"/>
         </a:defRPr>
       </a:lvl3pPr>
-      <a:lvl4pPr marL="749808" indent="-182880" algn="l" defTabSz="914400" rtl="0" eaLnBrk="1" latinLnBrk="0" hangingPunct="1">
+      <a:lvl4pPr marL="1600200" indent="-182880" algn="l" defTabSz="914400" rtl="0" eaLnBrk="1" latinLnBrk="0" hangingPunct="1">
         <a:lnSpc>
           <a:spcPct val="90000"/>
         </a:lnSpc>
         <a:spcBef>
-          <a:spcPts val="200"/>
+          <a:spcPts val="250"/>
         </a:spcBef>
         <a:spcAft>
-          <a:spcPts val="400"/>
+          <a:spcPts val="250"/>
         </a:spcAft>
         <a:buClr>
           <a:schemeClr val="accent1"/>
         </a:buClr>
-        <a:buFont typeface="Calibri" pitchFamily="34" charset="0"/>
-        <a:buChar char="◦"/>
+        <a:buFont typeface="Wingdings 2" pitchFamily="18" charset="2"/>
+        <a:buChar char=""/>
         <a:defRPr sz="1400" kern="1200">
           <a:solidFill>
             <a:schemeClr val="tx1">
-              <a:lumMod val="75000"/>
-              <a:lumOff val="25000"/>
+              <a:lumMod val="65000"/>
+              <a:lumOff val="35000"/>
             </a:schemeClr>
           </a:solidFill>
           <a:latin typeface="+mn-lt"/>
@@ -3560,26 +3157,26 @@
           <a:cs typeface="+mn-cs"/>
         </a:defRPr>
       </a:lvl4pPr>
-      <a:lvl5pPr marL="932688" indent="-182880" algn="l" defTabSz="914400" rtl="0" eaLnBrk="1" latinLnBrk="0" hangingPunct="1">
+      <a:lvl5pPr marL="2057400" indent="-182880" algn="l" defTabSz="914400" rtl="0" eaLnBrk="1" latinLnBrk="0" hangingPunct="1">
         <a:lnSpc>
           <a:spcPct val="90000"/>
         </a:lnSpc>
         <a:spcBef>
-          <a:spcPts val="200"/>
+          <a:spcPts val="250"/>
         </a:spcBef>
         <a:spcAft>
-          <a:spcPts val="400"/>
+          <a:spcPts val="250"/>
         </a:spcAft>
         <a:buClr>
           <a:schemeClr val="accent1"/>
         </a:buClr>
-        <a:buFont typeface="Calibri" pitchFamily="34" charset="0"/>
-        <a:buChar char="◦"/>
+        <a:buFont typeface="Wingdings 2" pitchFamily="18" charset="2"/>
+        <a:buChar char=""/>
         <a:defRPr sz="1400" kern="1200">
           <a:solidFill>
             <a:schemeClr val="tx1">
-              <a:lumMod val="75000"/>
-              <a:lumOff val="25000"/>
+              <a:lumMod val="65000"/>
+              <a:lumOff val="35000"/>
             </a:schemeClr>
           </a:solidFill>
           <a:latin typeface="+mn-lt"/>
@@ -3587,26 +3184,26 @@
           <a:cs typeface="+mn-cs"/>
         </a:defRPr>
       </a:lvl5pPr>
-      <a:lvl6pPr marL="1100000" indent="-228600" algn="l" defTabSz="914400" rtl="0" eaLnBrk="1" latinLnBrk="0" hangingPunct="1">
+      <a:lvl6pPr marL="2514600" indent="-228600" algn="l" defTabSz="914400" rtl="0" eaLnBrk="1" latinLnBrk="0" hangingPunct="1">
         <a:lnSpc>
           <a:spcPct val="90000"/>
         </a:lnSpc>
         <a:spcBef>
-          <a:spcPts val="200"/>
+          <a:spcPts val="250"/>
         </a:spcBef>
         <a:spcAft>
-          <a:spcPts val="400"/>
+          <a:spcPts val="250"/>
         </a:spcAft>
         <a:buClr>
           <a:schemeClr val="accent1"/>
         </a:buClr>
-        <a:buFont typeface="Calibri" pitchFamily="34" charset="0"/>
-        <a:buChar char="◦"/>
+        <a:buFont typeface="Wingdings 2" pitchFamily="18" charset="2"/>
+        <a:buChar char=""/>
         <a:defRPr sz="1400" kern="1200">
           <a:solidFill>
             <a:schemeClr val="tx1">
-              <a:lumMod val="75000"/>
-              <a:lumOff val="25000"/>
+              <a:lumMod val="65000"/>
+              <a:lumOff val="35000"/>
             </a:schemeClr>
           </a:solidFill>
           <a:latin typeface="+mn-lt"/>
@@ -3614,26 +3211,26 @@
           <a:cs typeface="+mn-cs"/>
         </a:defRPr>
       </a:lvl6pPr>
-      <a:lvl7pPr marL="1300000" indent="-228600" algn="l" defTabSz="914400" rtl="0" eaLnBrk="1" latinLnBrk="0" hangingPunct="1">
+      <a:lvl7pPr marL="2971800" indent="-228600" algn="l" defTabSz="914400" rtl="0" eaLnBrk="1" latinLnBrk="0" hangingPunct="1">
         <a:lnSpc>
           <a:spcPct val="90000"/>
         </a:lnSpc>
         <a:spcBef>
-          <a:spcPts val="200"/>
+          <a:spcPts val="250"/>
         </a:spcBef>
         <a:spcAft>
-          <a:spcPts val="400"/>
+          <a:spcPts val="250"/>
         </a:spcAft>
         <a:buClr>
           <a:schemeClr val="accent1"/>
         </a:buClr>
-        <a:buFont typeface="Calibri" pitchFamily="34" charset="0"/>
-        <a:buChar char="◦"/>
+        <a:buFont typeface="Wingdings 2" pitchFamily="18" charset="2"/>
+        <a:buChar char=""/>
         <a:defRPr sz="1400" kern="1200">
           <a:solidFill>
             <a:schemeClr val="tx1">
-              <a:lumMod val="75000"/>
-              <a:lumOff val="25000"/>
+              <a:lumMod val="65000"/>
+              <a:lumOff val="35000"/>
             </a:schemeClr>
           </a:solidFill>
           <a:latin typeface="+mn-lt"/>
@@ -3641,26 +3238,26 @@
           <a:cs typeface="+mn-cs"/>
         </a:defRPr>
       </a:lvl7pPr>
-      <a:lvl8pPr marL="1500000" indent="-228600" algn="l" defTabSz="914400" rtl="0" eaLnBrk="1" latinLnBrk="0" hangingPunct="1">
+      <a:lvl8pPr marL="3429000" indent="-228600" algn="l" defTabSz="914400" rtl="0" eaLnBrk="1" latinLnBrk="0" hangingPunct="1">
         <a:lnSpc>
           <a:spcPct val="90000"/>
         </a:lnSpc>
         <a:spcBef>
-          <a:spcPts val="200"/>
+          <a:spcPts val="250"/>
         </a:spcBef>
         <a:spcAft>
-          <a:spcPts val="400"/>
+          <a:spcPts val="250"/>
         </a:spcAft>
         <a:buClr>
           <a:schemeClr val="accent1"/>
         </a:buClr>
-        <a:buFont typeface="Calibri" pitchFamily="34" charset="0"/>
-        <a:buChar char="◦"/>
+        <a:buFont typeface="Wingdings 2" pitchFamily="18" charset="2"/>
+        <a:buChar char=""/>
         <a:defRPr sz="1400" kern="1200">
           <a:solidFill>
             <a:schemeClr val="tx1">
-              <a:lumMod val="75000"/>
-              <a:lumOff val="25000"/>
+              <a:lumMod val="65000"/>
+              <a:lumOff val="35000"/>
             </a:schemeClr>
           </a:solidFill>
           <a:latin typeface="+mn-lt"/>
@@ -3668,26 +3265,26 @@
           <a:cs typeface="+mn-cs"/>
         </a:defRPr>
       </a:lvl8pPr>
-      <a:lvl9pPr marL="1700000" indent="-228600" algn="l" defTabSz="914400" rtl="0" eaLnBrk="1" latinLnBrk="0" hangingPunct="1">
+      <a:lvl9pPr marL="3886200" indent="-228600" algn="l" defTabSz="914400" rtl="0" eaLnBrk="1" latinLnBrk="0" hangingPunct="1">
         <a:lnSpc>
           <a:spcPct val="90000"/>
         </a:lnSpc>
         <a:spcBef>
-          <a:spcPts val="200"/>
+          <a:spcPts val="250"/>
         </a:spcBef>
         <a:spcAft>
-          <a:spcPts val="400"/>
+          <a:spcPts val="250"/>
         </a:spcAft>
         <a:buClr>
           <a:schemeClr val="accent1"/>
         </a:buClr>
-        <a:buFont typeface="Calibri" pitchFamily="34" charset="0"/>
-        <a:buChar char="◦"/>
+        <a:buFont typeface="Wingdings 2" pitchFamily="18" charset="2"/>
+        <a:buChar char=""/>
         <a:defRPr sz="1400" kern="1200">
           <a:solidFill>
             <a:schemeClr val="tx1">
-              <a:lumMod val="75000"/>
-              <a:lumOff val="25000"/>
+              <a:lumMod val="65000"/>
+              <a:lumOff val="35000"/>
             </a:schemeClr>
           </a:solidFill>
           <a:latin typeface="+mn-lt"/>
@@ -3829,26 +3426,90 @@
         </p:nvSpPr>
         <p:spPr>
           <a:xfrm>
-            <a:off x="0" y="74816"/>
-            <a:ext cx="12192000" cy="1645919"/>
+            <a:off x="0" y="1365068"/>
+            <a:ext cx="9134810" cy="1246095"/>
           </a:xfrm>
         </p:spPr>
         <p:txBody>
           <a:bodyPr>
-            <a:normAutofit/>
+            <a:normAutofit fontScale="90000"/>
           </a:bodyPr>
           <a:lstStyle/>
           <a:p>
             <a:pPr algn="ctr"/>
             <a:r>
-              <a:rPr lang="en-US" sz="4800" dirty="0" smtClean="0">
+              <a:rPr lang="en-US" sz="4800" b="1" dirty="0">
+                <a:solidFill>
+                  <a:schemeClr val="bg1">
+                    <a:lumMod val="75000"/>
+                    <a:lumOff val="25000"/>
+                  </a:schemeClr>
+                </a:solidFill>
                 <a:latin typeface="Times New Roman" panose="02020603050405020304" pitchFamily="18" charset="0"/>
                 <a:cs typeface="Times New Roman" panose="02020603050405020304" pitchFamily="18" charset="0"/>
               </a:rPr>
-              <a:t>Customer Relationship Management</a:t>
+              <a:t>Customer</a:t>
             </a:r>
             <a:r>
               <a:rPr lang="en-US" sz="4800" dirty="0">
+                <a:solidFill>
+                  <a:schemeClr val="bg1">
+                    <a:lumMod val="75000"/>
+                    <a:lumOff val="25000"/>
+                  </a:schemeClr>
+                </a:solidFill>
+                <a:latin typeface="Times New Roman" panose="02020603050405020304" pitchFamily="18" charset="0"/>
+                <a:cs typeface="Times New Roman" panose="02020603050405020304" pitchFamily="18" charset="0"/>
+              </a:rPr>
+              <a:t> </a:t>
+            </a:r>
+            <a:r>
+              <a:rPr lang="en-US" sz="4900" b="1" dirty="0">
+                <a:solidFill>
+                  <a:schemeClr val="bg1">
+                    <a:lumMod val="75000"/>
+                    <a:lumOff val="25000"/>
+                  </a:schemeClr>
+                </a:solidFill>
+                <a:latin typeface="Times New Roman" panose="02020603050405020304" pitchFamily="18" charset="0"/>
+                <a:cs typeface="Times New Roman" panose="02020603050405020304" pitchFamily="18" charset="0"/>
+              </a:rPr>
+              <a:t>Relationship</a:t>
+            </a:r>
+            <a:r>
+              <a:rPr lang="en-US" sz="4800" dirty="0">
+                <a:solidFill>
+                  <a:schemeClr val="bg1">
+                    <a:lumMod val="75000"/>
+                    <a:lumOff val="25000"/>
+                  </a:schemeClr>
+                </a:solidFill>
+                <a:latin typeface="Times New Roman" panose="02020603050405020304" pitchFamily="18" charset="0"/>
+                <a:cs typeface="Times New Roman" panose="02020603050405020304" pitchFamily="18" charset="0"/>
+              </a:rPr>
+              <a:t> </a:t>
+            </a:r>
+            <a:r>
+              <a:rPr lang="en-US" sz="4800" b="1" dirty="0">
+                <a:solidFill>
+                  <a:schemeClr val="bg1">
+                    <a:lumMod val="75000"/>
+                    <a:lumOff val="25000"/>
+                  </a:schemeClr>
+                </a:solidFill>
+                <a:latin typeface="Times New Roman" panose="02020603050405020304" pitchFamily="18" charset="0"/>
+                <a:cs typeface="Times New Roman" panose="02020603050405020304" pitchFamily="18" charset="0"/>
+              </a:rPr>
+              <a:t>Management</a:t>
+            </a:r>
+            <a:r>
+              <a:rPr lang="en-US" sz="4800" dirty="0">
+                <a:solidFill>
+                  <a:schemeClr val="bg1">
+                    <a:lumMod val="75000"/>
+                    <a:lumOff val="25000"/>
+                  </a:schemeClr>
+                </a:solidFill>
                 <a:latin typeface="Times New Roman" panose="02020603050405020304" pitchFamily="18" charset="0"/>
                 <a:cs typeface="Times New Roman" panose="02020603050405020304" pitchFamily="18" charset="0"/>
               </a:rPr>
@@ -3856,28 +3517,55 @@
             </a:r>
             <a:br>
               <a:rPr lang="en-US" sz="4800" dirty="0">
+                <a:solidFill>
+                  <a:schemeClr val="bg1">
+                    <a:lumMod val="75000"/>
+                    <a:lumOff val="25000"/>
+                  </a:schemeClr>
+                </a:solidFill>
                 <a:latin typeface="Times New Roman" panose="02020603050405020304" pitchFamily="18" charset="0"/>
                 <a:cs typeface="Times New Roman" panose="02020603050405020304" pitchFamily="18" charset="0"/>
               </a:rPr>
             </a:br>
             <a:r>
-              <a:rPr lang="en-US" sz="4800" dirty="0" smtClean="0">
+              <a:rPr lang="en-US" sz="4800" dirty="0">
+                <a:solidFill>
+                  <a:schemeClr val="bg1">
+                    <a:lumMod val="75000"/>
+                    <a:lumOff val="25000"/>
+                  </a:schemeClr>
+                </a:solidFill>
                 <a:latin typeface="Times New Roman" panose="02020603050405020304" pitchFamily="18" charset="0"/>
                 <a:cs typeface="Times New Roman" panose="02020603050405020304" pitchFamily="18" charset="0"/>
               </a:rPr>
               <a:t>(</a:t>
             </a:r>
             <a:r>
-              <a:rPr lang="en-US" sz="4800" dirty="0" smtClean="0">
+              <a:rPr lang="en-US" sz="4800" b="1" dirty="0">
+                <a:solidFill>
+                  <a:schemeClr val="bg1">
+                    <a:lumMod val="75000"/>
+                    <a:lumOff val="25000"/>
+                  </a:schemeClr>
+                </a:solidFill>
                 <a:latin typeface="Times New Roman" panose="02020603050405020304" pitchFamily="18" charset="0"/>
                 <a:cs typeface="Times New Roman" panose="02020603050405020304" pitchFamily="18" charset="0"/>
               </a:rPr>
-              <a:t>CRM)</a:t>
-            </a:r>
-            <a:endParaRPr lang="en-US" sz="4800" dirty="0">
-              <a:latin typeface="Times New Roman" panose="02020603050405020304" pitchFamily="18" charset="0"/>
-              <a:cs typeface="Times New Roman" panose="02020603050405020304" pitchFamily="18" charset="0"/>
-            </a:endParaRPr>
+              <a:t>CRM</a:t>
+            </a:r>
+            <a:r>
+              <a:rPr lang="en-US" sz="4800" dirty="0">
+                <a:solidFill>
+                  <a:schemeClr val="bg1">
+                    <a:lumMod val="75000"/>
+                    <a:lumOff val="25000"/>
+                  </a:schemeClr>
+                </a:solidFill>
+                <a:latin typeface="Times New Roman" panose="02020603050405020304" pitchFamily="18" charset="0"/>
+                <a:cs typeface="Times New Roman" panose="02020603050405020304" pitchFamily="18" charset="0"/>
+              </a:rPr>
+              <a:t>)</a:t>
+            </a:r>
           </a:p>
         </p:txBody>
       </p:sp>
@@ -3893,58 +3581,82 @@
         </p:nvSpPr>
         <p:spPr>
           <a:xfrm>
-            <a:off x="0" y="2197186"/>
-            <a:ext cx="12191999" cy="504449"/>
-          </a:xfrm>
-        </p:spPr>
-        <p:txBody>
-          <a:bodyPr/>
+            <a:off x="9295634" y="4454466"/>
+            <a:ext cx="2862669" cy="1170886"/>
+          </a:xfrm>
+        </p:spPr>
+        <p:txBody>
+          <a:bodyPr>
+            <a:noAutofit/>
+          </a:bodyPr>
           <a:lstStyle/>
           <a:p>
             <a:pPr algn="ctr"/>
             <a:r>
-              <a:rPr lang="en-US" b="1" cap="none" spc="300" dirty="0" smtClean="0">
+              <a:rPr lang="en-US" sz="1600" b="1" cap="none" spc="300" dirty="0">
                 <a:latin typeface="+mn-lt"/>
               </a:rPr>
               <a:t>By:</a:t>
             </a:r>
-            <a:r>
-              <a:rPr lang="en-US" cap="none" spc="300" dirty="0" smtClean="0">
+          </a:p>
+          <a:p>
+            <a:pPr algn="ctr"/>
+            <a:r>
+              <a:rPr lang="en-US" sz="1600" b="1" cap="none" dirty="0">
                 <a:latin typeface="+mn-lt"/>
               </a:rPr>
-              <a:t> Vajihehalsadat </a:t>
-            </a:r>
-            <a:r>
-              <a:rPr lang="en-US" cap="none" spc="300" dirty="0" err="1" smtClean="0">
+              <a:t> </a:t>
+            </a:r>
+            <a:r>
+              <a:rPr lang="en-US" sz="1600" b="1" cap="none" dirty="0" err="1">
                 <a:latin typeface="+mn-lt"/>
               </a:rPr>
-              <a:t>Seyedzadeh</a:t>
-            </a:r>
-            <a:r>
-              <a:rPr lang="en-US" cap="none" spc="300" dirty="0" smtClean="0">
+              <a:t>Vajiheh</a:t>
+            </a:r>
+            <a:r>
+              <a:rPr lang="en-US" sz="1600" b="1" cap="none" dirty="0">
                 <a:latin typeface="+mn-lt"/>
               </a:rPr>
-              <a:t> &amp; </a:t>
-            </a:r>
-            <a:r>
-              <a:rPr lang="en-US" cap="none" spc="300" dirty="0" err="1" smtClean="0">
+              <a:t> Seyedzadeh</a:t>
+            </a:r>
+          </a:p>
+          <a:p>
+            <a:pPr algn="ctr"/>
+            <a:r>
+              <a:rPr lang="en-US" sz="1600" b="1" cap="none" dirty="0">
+                <a:latin typeface="+mn-lt"/>
+              </a:rPr>
+              <a:t>  </a:t>
+            </a:r>
+            <a:r>
+              <a:rPr lang="en-US" sz="1600" b="1" cap="none" dirty="0" err="1">
                 <a:latin typeface="+mn-lt"/>
               </a:rPr>
               <a:t>Winoto</a:t>
             </a:r>
             <a:r>
-              <a:rPr lang="en-US" cap="none" spc="300" dirty="0" smtClean="0">
+              <a:rPr lang="en-US" sz="1600" b="1" cap="none" dirty="0">
                 <a:latin typeface="+mn-lt"/>
               </a:rPr>
               <a:t> </a:t>
             </a:r>
             <a:r>
-              <a:rPr lang="en-US" cap="none" spc="300" dirty="0" err="1" smtClean="0">
+              <a:rPr lang="en-US" sz="1600" b="1" cap="none" dirty="0" err="1">
                 <a:latin typeface="+mn-lt"/>
               </a:rPr>
               <a:t>Janputra</a:t>
             </a:r>
-            <a:endParaRPr lang="en-US" cap="none" spc="300" dirty="0">
+            <a:endParaRPr lang="en-US" sz="1600" b="1" cap="none" dirty="0">
+              <a:latin typeface="+mn-lt"/>
+            </a:endParaRPr>
+          </a:p>
+          <a:p>
+            <a:pPr algn="ctr"/>
+            <a:r>
+              <a:rPr lang="en-US" sz="1600" b="1" dirty="0"/>
+              <a:t>Fall - 2017</a:t>
+            </a:r>
+            <a:endParaRPr lang="en-US" sz="1600" b="1" cap="none" dirty="0">
               <a:latin typeface="+mn-lt"/>
             </a:endParaRPr>
           </a:p>
@@ -3958,8 +3670,8 @@
         </p:nvSpPr>
         <p:spPr>
           <a:xfrm>
-            <a:off x="991377" y="3947406"/>
-            <a:ext cx="10172615" cy="1846659"/>
+            <a:off x="187257" y="3878482"/>
+            <a:ext cx="8947553" cy="2123658"/>
           </a:xfrm>
           <a:prstGeom prst="rect">
             <a:avLst/>
@@ -3972,63 +3684,35 @@
           </a:bodyPr>
           <a:lstStyle/>
           <a:p>
-            <a:pPr marL="285750" indent="-285750">
+            <a:pPr marL="342900" indent="-342900">
               <a:buFont typeface="Arial" panose="020B0604020202020204" pitchFamily="34" charset="0"/>
               <a:buChar char="•"/>
             </a:pPr>
             <a:r>
-              <a:rPr lang="en-US" sz="2400" b="1" dirty="0" smtClean="0"/>
+              <a:rPr lang="en-US" sz="2400" b="1" dirty="0"/>
               <a:t>What is CRM?</a:t>
             </a:r>
           </a:p>
           <a:p>
             <a:r>
-              <a:rPr lang="en-US" b="1" dirty="0" smtClean="0"/>
+              <a:rPr lang="en-US" b="1" dirty="0"/>
               <a:t>Customer relationship management</a:t>
             </a:r>
             <a:r>
-              <a:rPr lang="en-US" dirty="0" smtClean="0"/>
+              <a:rPr lang="en-US" dirty="0"/>
               <a:t> (</a:t>
             </a:r>
             <a:r>
-              <a:rPr lang="en-US" b="1" dirty="0" smtClean="0"/>
+              <a:rPr lang="en-US" b="1" dirty="0"/>
               <a:t>CRM</a:t>
             </a:r>
             <a:r>
-              <a:rPr lang="en-US" dirty="0" smtClean="0"/>
-              <a:t>) is a technology to manage and </a:t>
-            </a:r>
-            <a:r>
               <a:rPr lang="en-US" dirty="0"/>
-              <a:t>analyze customer interactions </a:t>
-            </a:r>
-            <a:r>
-              <a:rPr lang="en-US" dirty="0" smtClean="0"/>
-              <a:t>throughout </a:t>
-            </a:r>
-            <a:r>
-              <a:rPr lang="en-US" dirty="0"/>
-              <a:t>the customer lifecycle, with the goal of improving business relationships with </a:t>
-            </a:r>
-            <a:r>
-              <a:rPr lang="en-US" dirty="0"/>
-              <a:t>current </a:t>
-            </a:r>
-            <a:r>
-              <a:rPr lang="en-US" dirty="0" smtClean="0"/>
-              <a:t>customers and potential customers. </a:t>
-            </a:r>
-            <a:r>
-              <a:rPr lang="en-US" dirty="0"/>
-              <a:t>CRM systems are designed to compile information on customers across different channels  which could include the company's website, telephone, live chat, direct mail</a:t>
-            </a:r>
-            <a:r>
-              <a:rPr lang="en-US" dirty="0" smtClean="0"/>
-              <a:t>,… </a:t>
-            </a:r>
-          </a:p>
-          <a:p>
-            <a:endParaRPr lang="en-US" dirty="0" smtClean="0"/>
+              <a:t>) is a technology to manage and analyze customer interactions throughout the customer lifecycle, with the goal of improving business relationships with current customers and potential customers. CRM systems are designed to compile information on customers across different channels  which could include the company's website, telephone, live chat, direct mail,… </a:t>
+            </a:r>
+          </a:p>
+          <a:p>
+            <a:endParaRPr lang="en-US" dirty="0"/>
           </a:p>
         </p:txBody>
       </p:sp>
@@ -4070,8 +3754,8 @@
         </p:nvSpPr>
         <p:spPr>
           <a:xfrm>
-            <a:off x="1052870" y="643269"/>
-            <a:ext cx="9803552" cy="2308324"/>
+            <a:off x="425824" y="412377"/>
+            <a:ext cx="10430598" cy="2462213"/>
           </a:xfrm>
           <a:prstGeom prst="rect">
             <a:avLst/>
@@ -4084,12 +3768,8 @@
           </a:bodyPr>
           <a:lstStyle/>
           <a:p>
-            <a:pPr marL="285750" indent="-285750">
-              <a:buFont typeface="Arial" panose="020B0604020202020204" pitchFamily="34" charset="0"/>
-              <a:buChar char="•"/>
-            </a:pPr>
-            <a:r>
-              <a:rPr lang="en-US" dirty="0" smtClean="0"/>
+            <a:r>
+              <a:rPr lang="en-US" sz="2800" b="1" dirty="0"/>
               <a:t>Background</a:t>
             </a:r>
           </a:p>
@@ -4099,18 +3779,9 @@
               <a:buChar char="•"/>
             </a:pPr>
             <a:r>
-              <a:rPr lang="en-US" dirty="0" smtClean="0"/>
-              <a:t>Mini CRM to Record </a:t>
-            </a:r>
-            <a:r>
-              <a:rPr lang="en-US" dirty="0" smtClean="0"/>
-              <a:t>current Customer information </a:t>
-            </a:r>
-            <a:r>
               <a:rPr lang="en-US" dirty="0"/>
-              <a:t>and potential customers</a:t>
-            </a:r>
-            <a:endParaRPr lang="en-US" dirty="0" smtClean="0"/>
+              <a:t>Mini CRM to Record current Customer information and potential customers</a:t>
+            </a:r>
           </a:p>
           <a:p>
             <a:pPr marL="742950" lvl="1" indent="-285750">
@@ -4118,12 +3789,8 @@
               <a:buChar char="•"/>
             </a:pPr>
             <a:r>
-              <a:rPr lang="en-US" dirty="0" smtClean="0"/>
-              <a:t>Record every interaction between Customer and Sales </a:t>
-            </a:r>
-            <a:r>
-              <a:rPr lang="en-US" dirty="0" smtClean="0"/>
-              <a:t>Person</a:t>
+              <a:rPr lang="en-US" dirty="0"/>
+              <a:t>Record every interaction between Customer and Sales Person</a:t>
             </a:r>
           </a:p>
           <a:p>
@@ -4132,10 +3799,9 @@
               <a:buChar char="•"/>
             </a:pPr>
             <a:r>
-              <a:rPr lang="en-US" dirty="0" smtClean="0"/>
+              <a:rPr lang="en-US" dirty="0"/>
               <a:t>Ability of show works day of Sales Person</a:t>
             </a:r>
-            <a:endParaRPr lang="en-US" dirty="0" smtClean="0"/>
           </a:p>
           <a:p>
             <a:pPr marL="742950" lvl="1" indent="-285750">
@@ -4143,16 +3809,8 @@
               <a:buChar char="•"/>
             </a:pPr>
             <a:r>
-              <a:rPr lang="en-US" dirty="0" smtClean="0"/>
-              <a:t>Track </a:t>
-            </a:r>
-            <a:r>
-              <a:rPr lang="en-US" dirty="0" smtClean="0"/>
-              <a:t>Sales Person </a:t>
-            </a:r>
-            <a:r>
-              <a:rPr lang="en-US" dirty="0" smtClean="0"/>
-              <a:t>activity</a:t>
+              <a:rPr lang="en-US" dirty="0"/>
+              <a:t>Track Sales Person activity</a:t>
             </a:r>
           </a:p>
           <a:p>
@@ -4161,10 +3819,9 @@
               <a:buChar char="•"/>
             </a:pPr>
             <a:r>
-              <a:rPr lang="en-US" dirty="0" smtClean="0"/>
+              <a:rPr lang="en-US" dirty="0"/>
               <a:t>Show reports as a data table and diagram with ability of export in to excel file and print in to</a:t>
             </a:r>
-            <a:endParaRPr lang="en-US" dirty="0" smtClean="0"/>
           </a:p>
           <a:p>
             <a:pPr marL="742950" lvl="1" indent="-285750">
@@ -4172,12 +3829,8 @@
               <a:buChar char="•"/>
             </a:pPr>
             <a:r>
-              <a:rPr lang="en-US" dirty="0" smtClean="0"/>
-              <a:t>Increase </a:t>
-            </a:r>
-            <a:r>
-              <a:rPr lang="en-US" dirty="0" smtClean="0"/>
-              <a:t>efficiency</a:t>
+              <a:rPr lang="en-US" dirty="0"/>
+              <a:t>Increase efficiency</a:t>
             </a:r>
           </a:p>
           <a:p>
@@ -4189,7 +3842,6 @@
               <a:rPr lang="en-US" dirty="0"/>
               <a:t>The goal is simple: Improve business relationships.</a:t>
             </a:r>
-            <a:endParaRPr lang="en-US" dirty="0" smtClean="0"/>
           </a:p>
         </p:txBody>
       </p:sp>
@@ -4203,13 +3855,6 @@
   <p:clrMapOvr>
     <a:masterClrMapping/>
   </p:clrMapOvr>
-  <p:timing>
-    <p:tnLst>
-      <p:par>
-        <p:cTn id="1" dur="indefinite" restart="never" nodeType="tmRoot"/>
-      </p:par>
-    </p:tnLst>
-  </p:timing>
 </p:sld>
 </file>
 
@@ -4238,8 +3883,8 @@
         </p:nvSpPr>
         <p:spPr>
           <a:xfrm>
-            <a:off x="6741622" y="3145933"/>
-            <a:ext cx="3619931" cy="646331"/>
+            <a:off x="97289" y="135053"/>
+            <a:ext cx="5147064" cy="830997"/>
           </a:xfrm>
           <a:prstGeom prst="rect">
             <a:avLst/>
@@ -4252,13 +3897,56 @@
           </a:bodyPr>
           <a:lstStyle/>
           <a:p>
+            <a:r>
+              <a:rPr lang="en-US" sz="2400" b="1" dirty="0"/>
+              <a:t>My Works Day </a:t>
+            </a:r>
+            <a:r>
+              <a:rPr lang="en-US" sz="2400" dirty="0"/>
+              <a:t>:</a:t>
+            </a:r>
+          </a:p>
+          <a:p>
             <a:pPr marL="285750" indent="-285750">
               <a:buFont typeface="Arial" panose="020B0604020202020204" pitchFamily="34" charset="0"/>
               <a:buChar char="•"/>
             </a:pPr>
             <a:r>
-              <a:rPr lang="en-US" dirty="0" smtClean="0"/>
-              <a:t>See Activities</a:t>
+              <a:rPr lang="en-US" sz="2400" dirty="0"/>
+              <a:t> </a:t>
+            </a:r>
+            <a:r>
+              <a:rPr lang="en-US" sz="2000" dirty="0"/>
+              <a:t>show list of appointments</a:t>
+            </a:r>
+          </a:p>
+        </p:txBody>
+      </p:sp>
+      <p:sp>
+        <p:nvSpPr>
+          <p:cNvPr id="5" name="TextBox 4"/>
+          <p:cNvSpPr txBox="1"/>
+          <p:nvPr/>
+        </p:nvSpPr>
+        <p:spPr>
+          <a:xfrm>
+            <a:off x="6060597" y="135052"/>
+            <a:ext cx="6055195" cy="769441"/>
+          </a:xfrm>
+          <a:prstGeom prst="rect">
+            <a:avLst/>
+          </a:prstGeom>
+          <a:noFill/>
+        </p:spPr>
+        <p:txBody>
+          <a:bodyPr wrap="square" rtlCol="0">
+            <a:spAutoFit/>
+          </a:bodyPr>
+          <a:lstStyle/>
+          <a:p>
+            <a:r>
+              <a:rPr lang="en-US" sz="2400" b="1" dirty="0"/>
+              <a:t>Address Book</a:t>
             </a:r>
           </a:p>
           <a:p>
@@ -4267,112 +3955,12 @@
               <a:buChar char="•"/>
             </a:pPr>
             <a:r>
-              <a:rPr lang="en-US" dirty="0" smtClean="0"/>
-              <a:t>Add new or Edit Appointment</a:t>
-            </a:r>
-            <a:endParaRPr lang="en-US" dirty="0"/>
-          </a:p>
-        </p:txBody>
-      </p:sp>
-      <p:sp>
-        <p:nvSpPr>
-          <p:cNvPr id="5" name="TextBox 4"/>
-          <p:cNvSpPr txBox="1"/>
-          <p:nvPr/>
-        </p:nvSpPr>
-        <p:spPr>
-          <a:xfrm>
-            <a:off x="301047" y="183719"/>
-            <a:ext cx="5243541" cy="1754326"/>
-          </a:xfrm>
-          <a:prstGeom prst="rect">
-            <a:avLst/>
-          </a:prstGeom>
-          <a:noFill/>
-        </p:spPr>
-        <p:txBody>
-          <a:bodyPr wrap="square" rtlCol="0">
-            <a:spAutoFit/>
-          </a:bodyPr>
-          <a:lstStyle/>
-          <a:p>
-            <a:pPr marL="285750" indent="-285750">
-              <a:buFont typeface="Arial" panose="020B0604020202020204" pitchFamily="34" charset="0"/>
-              <a:buChar char="•"/>
-            </a:pPr>
-            <a:r>
-              <a:rPr lang="en-US" dirty="0" smtClean="0"/>
-              <a:t>See Customer list with its:</a:t>
-            </a:r>
-          </a:p>
-          <a:p>
-            <a:pPr marL="742950" lvl="1" indent="-285750">
-              <a:buFont typeface="Arial" panose="020B0604020202020204" pitchFamily="34" charset="0"/>
-              <a:buChar char="•"/>
-            </a:pPr>
-            <a:r>
-              <a:rPr lang="en-US" dirty="0" smtClean="0"/>
-              <a:t> contact information, conversation and purchased history</a:t>
-            </a:r>
-          </a:p>
-          <a:p>
-            <a:pPr marL="285750" indent="-285750">
-              <a:buFont typeface="Arial" panose="020B0604020202020204" pitchFamily="34" charset="0"/>
-              <a:buChar char="•"/>
-            </a:pPr>
-            <a:r>
-              <a:rPr lang="en-US" dirty="0" smtClean="0"/>
-              <a:t>Add new customer</a:t>
-            </a:r>
-          </a:p>
-          <a:p>
-            <a:pPr marL="285750" indent="-285750">
-              <a:buFont typeface="Arial" panose="020B0604020202020204" pitchFamily="34" charset="0"/>
-              <a:buChar char="•"/>
-            </a:pPr>
-            <a:r>
-              <a:rPr lang="en-US" dirty="0" smtClean="0"/>
-              <a:t>Search new customer</a:t>
-            </a:r>
-          </a:p>
-          <a:p>
-            <a:pPr marL="285750" indent="-285750">
-              <a:buFont typeface="Arial" panose="020B0604020202020204" pitchFamily="34" charset="0"/>
-              <a:buChar char="•"/>
-            </a:pPr>
-            <a:endParaRPr lang="en-US" dirty="0"/>
-          </a:p>
-        </p:txBody>
-      </p:sp>
-      <p:pic>
-        <p:nvPicPr>
-          <p:cNvPr id="6" name="Picture 5"/>
-          <p:cNvPicPr>
-            <a:picLocks noChangeAspect="1"/>
-          </p:cNvPicPr>
-          <p:nvPr/>
-        </p:nvPicPr>
-        <p:blipFill rotWithShape="1">
-          <a:blip r:embed="rId2">
-            <a:extLst>
-              <a:ext uri="{28A0092B-C50C-407E-A947-70E740481C1C}">
-                <a14:useLocalDpi xmlns:a14="http://schemas.microsoft.com/office/drawing/2010/main" val="0"/>
-              </a:ext>
-            </a:extLst>
-          </a:blip>
-          <a:srcRect r="1276" b="32450"/>
-          <a:stretch/>
-        </p:blipFill>
-        <p:spPr>
-          <a:xfrm>
-            <a:off x="6741622" y="183719"/>
-            <a:ext cx="5270270" cy="2828629"/>
-          </a:xfrm>
-          <a:prstGeom prst="rect">
-            <a:avLst/>
-          </a:prstGeom>
-        </p:spPr>
-      </p:pic>
+              <a:rPr lang="en-US" sz="2000" dirty="0"/>
+              <a:t> is using to show all Customers  and their information </a:t>
+            </a:r>
+          </a:p>
+        </p:txBody>
+      </p:sp>
       <p:pic>
         <p:nvPicPr>
           <p:cNvPr id="7" name="Picture 6"/>
@@ -4382,7 +3970,7 @@
           <p:nvPr/>
         </p:nvPicPr>
         <p:blipFill>
-          <a:blip r:embed="rId3">
+          <a:blip r:embed="rId2">
             <a:extLst>
               <a:ext uri="{28A0092B-C50C-407E-A947-70E740481C1C}">
                 <a14:useLocalDpi xmlns:a14="http://schemas.microsoft.com/office/drawing/2010/main" val="0"/>
@@ -4395,8 +3983,8 @@
         </p:blipFill>
         <p:spPr>
           <a:xfrm>
-            <a:off x="101542" y="2114754"/>
-            <a:ext cx="5126328" cy="4020038"/>
+            <a:off x="6060598" y="1287889"/>
+            <a:ext cx="6055195" cy="4748450"/>
           </a:xfrm>
           <a:prstGeom prst="rect">
             <a:avLst/>
@@ -4405,7 +3993,42 @@
       </p:pic>
       <p:pic>
         <p:nvPicPr>
-          <p:cNvPr id="8" name="Picture 7"/>
+          <p:cNvPr id="4" name="Picture 3">
+            <a:extLst>
+              <a:ext uri="{FF2B5EF4-FFF2-40B4-BE49-F238E27FC236}">
+                <a16:creationId xmlns:a16="http://schemas.microsoft.com/office/drawing/2014/main" id="{E7D9E2A2-B4F8-4527-A560-CBAC81596F9E}"/>
+              </a:ext>
+            </a:extLst>
+          </p:cNvPr>
+          <p:cNvPicPr>
+            <a:picLocks noChangeAspect="1"/>
+          </p:cNvPicPr>
+          <p:nvPr/>
+        </p:nvPicPr>
+        <p:blipFill rotWithShape="1">
+          <a:blip r:embed="rId3" cstate="print">
+            <a:extLst>
+              <a:ext uri="{28A0092B-C50C-407E-A947-70E740481C1C}">
+                <a14:useLocalDpi xmlns:a14="http://schemas.microsoft.com/office/drawing/2010/main" val="0"/>
+              </a:ext>
+            </a:extLst>
+          </a:blip>
+          <a:srcRect l="14050" t="11168" r="18499" b="18282"/>
+          <a:stretch/>
+        </p:blipFill>
+        <p:spPr>
+          <a:xfrm>
+            <a:off x="476250" y="1081738"/>
+            <a:ext cx="4098305" cy="2247901"/>
+          </a:xfrm>
+          <a:prstGeom prst="rect">
+            <a:avLst/>
+          </a:prstGeom>
+        </p:spPr>
+      </p:pic>
+      <p:pic>
+        <p:nvPicPr>
+          <p:cNvPr id="6" name="Picture 5"/>
           <p:cNvPicPr>
             <a:picLocks noChangeAspect="1"/>
           </p:cNvPicPr>
@@ -4419,13 +4042,49 @@
               </a:ext>
             </a:extLst>
           </a:blip>
-          <a:srcRect l="19187" t="11636" r="12858" b="19879"/>
+          <a:srcRect r="1276" b="32450"/>
           <a:stretch/>
         </p:blipFill>
         <p:spPr>
           <a:xfrm>
-            <a:off x="2782399" y="2795775"/>
-            <a:ext cx="3734780" cy="2794941"/>
+            <a:off x="71714" y="3043568"/>
+            <a:ext cx="5665591" cy="3419982"/>
+          </a:xfrm>
+          <a:prstGeom prst="rect">
+            <a:avLst/>
+          </a:prstGeom>
+        </p:spPr>
+      </p:pic>
+      <p:pic>
+        <p:nvPicPr>
+          <p:cNvPr id="10" name="Picture 9">
+            <a:extLst>
+              <a:ext uri="{FF2B5EF4-FFF2-40B4-BE49-F238E27FC236}">
+                <a16:creationId xmlns:a16="http://schemas.microsoft.com/office/drawing/2014/main" id="{AA34E29F-A8E4-4DE7-85CE-9586FF51D2CD}"/>
+              </a:ext>
+            </a:extLst>
+          </p:cNvPr>
+          <p:cNvPicPr>
+            <a:picLocks noChangeAspect="1"/>
+          </p:cNvPicPr>
+          <p:nvPr/>
+        </p:nvPicPr>
+        <p:blipFill>
+          <a:blip r:embed="rId5" cstate="print">
+            <a:extLst>
+              <a:ext uri="{28A0092B-C50C-407E-A947-70E740481C1C}">
+                <a14:useLocalDpi xmlns:a14="http://schemas.microsoft.com/office/drawing/2010/main" val="0"/>
+              </a:ext>
+            </a:extLst>
+          </a:blip>
+          <a:stretch>
+            <a:fillRect/>
+          </a:stretch>
+        </p:blipFill>
+        <p:spPr>
+          <a:xfrm>
+            <a:off x="8936132" y="1764511"/>
+            <a:ext cx="3082940" cy="2411922"/>
           </a:xfrm>
           <a:prstGeom prst="rect">
             <a:avLst/>
@@ -4442,13 +4101,6 @@
   <p:clrMapOvr>
     <a:masterClrMapping/>
   </p:clrMapOvr>
-  <p:timing>
-    <p:tnLst>
-      <p:par>
-        <p:cTn id="1" dur="indefinite" restart="never" nodeType="tmRoot"/>
-      </p:par>
-    </p:tnLst>
-  </p:timing>
 </p:sld>
 </file>
 
@@ -4477,8 +4129,8 @@
         </p:nvSpPr>
         <p:spPr>
           <a:xfrm>
-            <a:off x="6843348" y="4247664"/>
-            <a:ext cx="4487834" cy="923330"/>
+            <a:off x="6035800" y="5120042"/>
+            <a:ext cx="5816812" cy="1292662"/>
           </a:xfrm>
           <a:prstGeom prst="rect">
             <a:avLst/>
@@ -4491,32 +4143,29 @@
           </a:bodyPr>
           <a:lstStyle/>
           <a:p>
+            <a:r>
+              <a:rPr lang="en-CA" sz="2400" b="1" dirty="0"/>
+              <a:t>Opportunities</a:t>
+            </a:r>
+            <a:endParaRPr lang="fa-IR" sz="2400" b="1" dirty="0"/>
+          </a:p>
+          <a:p>
             <a:pPr marL="285750" indent="-285750">
               <a:buFont typeface="Arial" panose="020B0604020202020204" pitchFamily="34" charset="0"/>
               <a:buChar char="•"/>
             </a:pPr>
             <a:r>
-              <a:rPr lang="en-US" dirty="0" smtClean="0"/>
-              <a:t>See Prospect list with its:</a:t>
-            </a:r>
-          </a:p>
-          <a:p>
-            <a:pPr marL="742950" lvl="1" indent="-285750">
+              <a:rPr lang="en-US" dirty="0"/>
+              <a:t>See potential customers list with its contact information, conversation </a:t>
+            </a:r>
+          </a:p>
+          <a:p>
+            <a:pPr marL="285750" indent="-285750">
               <a:buFont typeface="Arial" panose="020B0604020202020204" pitchFamily="34" charset="0"/>
               <a:buChar char="•"/>
             </a:pPr>
             <a:r>
-              <a:rPr lang="en-US" dirty="0" smtClean="0"/>
-              <a:t> contact information, conversation </a:t>
-            </a:r>
-          </a:p>
-          <a:p>
-            <a:pPr marL="742950" lvl="1" indent="-285750">
-              <a:buFont typeface="Arial" panose="020B0604020202020204" pitchFamily="34" charset="0"/>
-              <a:buChar char="•"/>
-            </a:pPr>
-            <a:r>
-              <a:rPr lang="en-US" dirty="0" smtClean="0"/>
+              <a:rPr lang="en-US" dirty="0"/>
               <a:t>Add new and Search prospect</a:t>
             </a:r>
           </a:p>
@@ -4530,8 +4179,8 @@
         </p:nvSpPr>
         <p:spPr>
           <a:xfrm>
-            <a:off x="419090" y="563338"/>
-            <a:ext cx="5447963" cy="923330"/>
+            <a:off x="138102" y="163288"/>
+            <a:ext cx="5599310" cy="1077218"/>
           </a:xfrm>
           <a:prstGeom prst="rect">
             <a:avLst/>
@@ -4544,41 +4193,36 @@
           </a:bodyPr>
           <a:lstStyle/>
           <a:p>
+            <a:r>
+              <a:rPr lang="en-US" sz="2400" b="1" dirty="0"/>
+              <a:t>Report</a:t>
+            </a:r>
+          </a:p>
+          <a:p>
             <a:pPr marL="285750" indent="-285750">
               <a:buFont typeface="Arial" panose="020B0604020202020204" pitchFamily="34" charset="0"/>
               <a:buChar char="•"/>
             </a:pPr>
             <a:r>
-              <a:rPr lang="en-US" dirty="0" smtClean="0"/>
-              <a:t>Report</a:t>
-            </a:r>
-          </a:p>
-          <a:p>
-            <a:pPr marL="742950" lvl="1" indent="-285750">
+              <a:rPr lang="en-US" sz="2000" dirty="0"/>
+              <a:t>Number of Sales per Customer to excel and PDF</a:t>
+            </a:r>
+          </a:p>
+          <a:p>
+            <a:pPr marL="285750" indent="-285750">
               <a:buFont typeface="Arial" panose="020B0604020202020204" pitchFamily="34" charset="0"/>
               <a:buChar char="•"/>
             </a:pPr>
             <a:r>
-              <a:rPr lang="en-US" dirty="0" smtClean="0"/>
-              <a:t>Number of Sales per Customer to excel and PDF</a:t>
-            </a:r>
-          </a:p>
-          <a:p>
-            <a:pPr marL="742950" lvl="1" indent="-285750">
-              <a:buFont typeface="Arial" panose="020B0604020202020204" pitchFamily="34" charset="0"/>
-              <a:buChar char="•"/>
-            </a:pPr>
-            <a:r>
-              <a:rPr lang="en-US" dirty="0" smtClean="0"/>
+              <a:rPr lang="en-US" sz="2000" dirty="0"/>
               <a:t>Sales Per Sales Rep YTD</a:t>
             </a:r>
-            <a:endParaRPr lang="en-US" dirty="0"/>
           </a:p>
         </p:txBody>
       </p:sp>
       <p:pic>
         <p:nvPicPr>
-          <p:cNvPr id="4" name="Picture 3"/>
+          <p:cNvPr id="5" name="Picture 4"/>
           <p:cNvPicPr>
             <a:picLocks noChangeAspect="1"/>
           </p:cNvPicPr>
@@ -4598,8 +4242,8 @@
         </p:blipFill>
         <p:spPr>
           <a:xfrm>
-            <a:off x="6843348" y="129151"/>
-            <a:ext cx="4935787" cy="3860167"/>
+            <a:off x="138102" y="1788993"/>
+            <a:ext cx="5396133" cy="2527720"/>
           </a:xfrm>
           <a:prstGeom prst="rect">
             <a:avLst/>
@@ -4608,14 +4252,49 @@
       </p:pic>
       <p:pic>
         <p:nvPicPr>
-          <p:cNvPr id="5" name="Picture 4"/>
+          <p:cNvPr id="6" name="Picture 5"/>
+          <p:cNvPicPr>
+            <a:picLocks noChangeAspect="1"/>
+          </p:cNvPicPr>
+          <p:nvPr/>
+        </p:nvPicPr>
+        <p:blipFill rotWithShape="1">
+          <a:blip r:embed="rId3">
+            <a:extLst>
+              <a:ext uri="{28A0092B-C50C-407E-A947-70E740481C1C}">
+                <a14:useLocalDpi xmlns:a14="http://schemas.microsoft.com/office/drawing/2010/main" val="0"/>
+              </a:ext>
+            </a:extLst>
+          </a:blip>
+          <a:srcRect l="28359" t="13122" r="19974" b="1580"/>
+          <a:stretch/>
+        </p:blipFill>
+        <p:spPr>
+          <a:xfrm>
+            <a:off x="2401737" y="3016994"/>
+            <a:ext cx="2967903" cy="3679805"/>
+          </a:xfrm>
+          <a:prstGeom prst="rect">
+            <a:avLst/>
+          </a:prstGeom>
+        </p:spPr>
+      </p:pic>
+      <p:pic>
+        <p:nvPicPr>
+          <p:cNvPr id="8" name="Picture 7">
+            <a:extLst>
+              <a:ext uri="{FF2B5EF4-FFF2-40B4-BE49-F238E27FC236}">
+                <a16:creationId xmlns:a16="http://schemas.microsoft.com/office/drawing/2014/main" id="{F4A3BA2C-8F4A-4591-8C33-F7A0BDB03B55}"/>
+              </a:ext>
+            </a:extLst>
+          </p:cNvPr>
           <p:cNvPicPr>
             <a:picLocks noChangeAspect="1"/>
           </p:cNvPicPr>
           <p:nvPr/>
         </p:nvPicPr>
         <p:blipFill>
-          <a:blip r:embed="rId3">
+          <a:blip r:embed="rId4" cstate="print">
             <a:extLst>
               <a:ext uri="{28A0092B-C50C-407E-A947-70E740481C1C}">
                 <a14:useLocalDpi xmlns:a14="http://schemas.microsoft.com/office/drawing/2010/main" val="0"/>
@@ -4628,8 +4307,8 @@
         </p:blipFill>
         <p:spPr>
           <a:xfrm>
-            <a:off x="379946" y="1729048"/>
-            <a:ext cx="5396133" cy="2527720"/>
+            <a:off x="5779581" y="-18330"/>
+            <a:ext cx="6329250" cy="5016154"/>
           </a:xfrm>
           <a:prstGeom prst="rect">
             <a:avLst/>
@@ -4638,27 +4317,33 @@
       </p:pic>
       <p:pic>
         <p:nvPicPr>
-          <p:cNvPr id="6" name="Picture 5"/>
+          <p:cNvPr id="9" name="Picture 8">
+            <a:extLst>
+              <a:ext uri="{FF2B5EF4-FFF2-40B4-BE49-F238E27FC236}">
+                <a16:creationId xmlns:a16="http://schemas.microsoft.com/office/drawing/2014/main" id="{86CB842B-6B8B-42A3-B3F7-07BEF3EF0181}"/>
+              </a:ext>
+            </a:extLst>
+          </p:cNvPr>
           <p:cNvPicPr>
             <a:picLocks noChangeAspect="1"/>
           </p:cNvPicPr>
           <p:nvPr/>
         </p:nvPicPr>
         <p:blipFill rotWithShape="1">
-          <a:blip r:embed="rId4">
+          <a:blip r:embed="rId5">
             <a:extLst>
               <a:ext uri="{28A0092B-C50C-407E-A947-70E740481C1C}">
                 <a14:useLocalDpi xmlns:a14="http://schemas.microsoft.com/office/drawing/2010/main" val="0"/>
               </a:ext>
             </a:extLst>
           </a:blip>
-          <a:srcRect l="28359" t="13122" r="19974" b="1580"/>
+          <a:srcRect l="19187" t="11636" r="12858" b="19879"/>
           <a:stretch/>
         </p:blipFill>
         <p:spPr>
           <a:xfrm>
-            <a:off x="3078012" y="2597843"/>
-            <a:ext cx="2967903" cy="3679805"/>
+            <a:off x="8397443" y="1707857"/>
+            <a:ext cx="3711388" cy="2777436"/>
           </a:xfrm>
           <a:prstGeom prst="rect">
             <a:avLst/>
@@ -4675,13 +4360,6 @@
   <p:clrMapOvr>
     <a:masterClrMapping/>
   </p:clrMapOvr>
-  <p:timing>
-    <p:tnLst>
-      <p:par>
-        <p:cTn id="1" dur="indefinite" restart="never" nodeType="tmRoot"/>
-      </p:par>
-    </p:tnLst>
-  </p:timing>
 </p:sld>
 </file>
 
@@ -4710,8 +4388,8 @@
         </p:nvSpPr>
         <p:spPr>
           <a:xfrm>
-            <a:off x="857250" y="685800"/>
-            <a:ext cx="8701088" cy="2862322"/>
+            <a:off x="488576" y="394448"/>
+            <a:ext cx="9069762" cy="2062103"/>
           </a:xfrm>
           <a:prstGeom prst="rect">
             <a:avLst/>
@@ -4724,44 +4402,13 @@
           </a:bodyPr>
           <a:lstStyle/>
           <a:p>
-            <a:pPr marL="285750" indent="-285750">
-              <a:buFont typeface="Arial" panose="020B0604020202020204" pitchFamily="34" charset="0"/>
-              <a:buChar char="•"/>
-            </a:pPr>
-            <a:r>
-              <a:rPr lang="en-US" dirty="0" smtClean="0"/>
-              <a:t>Use Frame in Main Window</a:t>
-            </a:r>
-          </a:p>
-          <a:p>
-            <a:pPr marL="285750" indent="-285750">
-              <a:buFont typeface="Arial" panose="020B0604020202020204" pitchFamily="34" charset="0"/>
-              <a:buChar char="•"/>
-            </a:pPr>
-            <a:r>
-              <a:rPr lang="en-US" dirty="0" smtClean="0"/>
-              <a:t>Keep user id from login screen  to  be used in other pages</a:t>
-            </a:r>
-          </a:p>
-          <a:p>
-            <a:pPr marL="285750" indent="-285750">
-              <a:buFont typeface="Arial" panose="020B0604020202020204" pitchFamily="34" charset="0"/>
-              <a:buChar char="•"/>
-            </a:pPr>
-            <a:r>
-              <a:rPr lang="en-US" dirty="0" smtClean="0"/>
-              <a:t>Prevent user to close login screen without enter the information</a:t>
-            </a:r>
-          </a:p>
-          <a:p>
-            <a:pPr marL="285750" indent="-285750">
-              <a:buFont typeface="Arial" panose="020B0604020202020204" pitchFamily="34" charset="0"/>
-              <a:buChar char="•"/>
-            </a:pPr>
-            <a:r>
-              <a:rPr lang="en-US" dirty="0" smtClean="0"/>
-              <a:t>Workday</a:t>
-            </a:r>
+            <a:r>
+              <a:rPr lang="en-US" sz="2800" b="1" dirty="0"/>
+              <a:t>Challenges And Solutions</a:t>
+            </a:r>
+          </a:p>
+          <a:p>
+            <a:endParaRPr lang="en-US" sz="2800" b="1" dirty="0"/>
           </a:p>
           <a:p>
             <a:pPr marL="742950" lvl="1" indent="-285750">
@@ -4769,8 +4416,8 @@
               <a:buChar char="•"/>
             </a:pPr>
             <a:r>
-              <a:rPr lang="en-US" dirty="0" smtClean="0"/>
-              <a:t>Changed the background of the calendar</a:t>
+              <a:rPr lang="en-US" sz="2400" dirty="0"/>
+              <a:t>Use Frame in Main Window</a:t>
             </a:r>
           </a:p>
           <a:p>
@@ -4779,62 +4426,38 @@
               <a:buChar char="•"/>
             </a:pPr>
             <a:r>
-              <a:rPr lang="en-US" dirty="0" smtClean="0"/>
-              <a:t>Record in Outlook and send the meeting to recipient</a:t>
-            </a:r>
-          </a:p>
-          <a:p>
-            <a:pPr marL="285750" indent="-285750">
+              <a:rPr lang="en-US" sz="2400" dirty="0"/>
+              <a:t>Keep user id from login screen  to  be used in other pages</a:t>
+            </a:r>
+          </a:p>
+          <a:p>
+            <a:pPr marL="742950" lvl="1" indent="-285750">
               <a:buFont typeface="Arial" panose="020B0604020202020204" pitchFamily="34" charset="0"/>
               <a:buChar char="•"/>
             </a:pPr>
             <a:r>
-              <a:rPr lang="en-US" dirty="0" smtClean="0"/>
-              <a:t>Send Email using Outlook</a:t>
-            </a:r>
-          </a:p>
-          <a:p>
-            <a:pPr marL="285750" indent="-285750">
-              <a:buFont typeface="Arial" panose="020B0604020202020204" pitchFamily="34" charset="0"/>
-              <a:buChar char="•"/>
-            </a:pPr>
-            <a:r>
-              <a:rPr lang="en-US" dirty="0" smtClean="0"/>
-              <a:t>Export to Excel and PDF</a:t>
-            </a:r>
-          </a:p>
-          <a:p>
-            <a:pPr marL="285750" indent="-285750">
-              <a:buFont typeface="Arial" panose="020B0604020202020204" pitchFamily="34" charset="0"/>
-              <a:buChar char="•"/>
-            </a:pPr>
-            <a:r>
-              <a:rPr lang="en-US" dirty="0" smtClean="0"/>
-              <a:t>Create Graphic with multiline</a:t>
-            </a:r>
-          </a:p>
-          <a:p>
-            <a:pPr marL="285750" indent="-285750">
-              <a:buFont typeface="Arial" panose="020B0604020202020204" pitchFamily="34" charset="0"/>
-              <a:buChar char="•"/>
-            </a:pPr>
-            <a:r>
-              <a:rPr lang="en-US" dirty="0" smtClean="0"/>
-              <a:t>Sorting</a:t>
-            </a:r>
-          </a:p>
-        </p:txBody>
-      </p:sp>
-      <p:sp>
-        <p:nvSpPr>
-          <p:cNvPr id="3" name="TextBox 2"/>
+              <a:rPr lang="en-US" sz="2400" dirty="0"/>
+              <a:t>Prevent user to close login screen without enter the information</a:t>
+            </a:r>
+          </a:p>
+        </p:txBody>
+      </p:sp>
+      <p:sp>
+        <p:nvSpPr>
+          <p:cNvPr id="8" name="TextBox 7">
+            <a:extLst>
+              <a:ext uri="{FF2B5EF4-FFF2-40B4-BE49-F238E27FC236}">
+                <a16:creationId xmlns:a16="http://schemas.microsoft.com/office/drawing/2014/main" id="{E988993C-2776-4AAE-AA31-6D5401579032}"/>
+              </a:ext>
+            </a:extLst>
+          </p:cNvPr>
           <p:cNvSpPr txBox="1"/>
           <p:nvPr/>
         </p:nvSpPr>
         <p:spPr>
           <a:xfrm>
-            <a:off x="1085850" y="4114800"/>
-            <a:ext cx="5829300" cy="369332"/>
+            <a:off x="2089898" y="2779620"/>
+            <a:ext cx="3599330" cy="369332"/>
           </a:xfrm>
           <a:prstGeom prst="rect">
             <a:avLst/>
@@ -4848,43 +4471,82 @@
           <a:lstStyle/>
           <a:p>
             <a:r>
-              <a:rPr lang="en-US" dirty="0" smtClean="0"/>
-              <a:t>Low level, solve the problem</a:t>
-            </a:r>
-            <a:endParaRPr lang="en-US" dirty="0"/>
-          </a:p>
-        </p:txBody>
-      </p:sp>
-      <p:sp>
-        <p:nvSpPr>
-          <p:cNvPr id="4" name="TextBox 3"/>
-          <p:cNvSpPr txBox="1"/>
+              <a:rPr lang="en-CA" dirty="0"/>
+              <a:t>Keep User id from Login Screen</a:t>
+            </a:r>
+          </a:p>
+        </p:txBody>
+      </p:sp>
+      <p:pic>
+        <p:nvPicPr>
+          <p:cNvPr id="10" name="Picture 9">
+            <a:extLst>
+              <a:ext uri="{FF2B5EF4-FFF2-40B4-BE49-F238E27FC236}">
+                <a16:creationId xmlns:a16="http://schemas.microsoft.com/office/drawing/2014/main" id="{D4BEECD2-CED0-4880-8896-8B5ED8BD9E77}"/>
+              </a:ext>
+            </a:extLst>
+          </p:cNvPr>
+          <p:cNvPicPr>
+            <a:picLocks noChangeAspect="1"/>
+          </p:cNvPicPr>
           <p:nvPr/>
-        </p:nvSpPr>
-        <p:spPr>
-          <a:xfrm>
-            <a:off x="1085850" y="3514725"/>
-            <a:ext cx="3743325" cy="369332"/>
+        </p:nvPicPr>
+        <p:blipFill rotWithShape="1">
+          <a:blip r:embed="rId2" cstate="print">
+            <a:extLst>
+              <a:ext uri="{28A0092B-C50C-407E-A947-70E740481C1C}">
+                <a14:useLocalDpi xmlns:a14="http://schemas.microsoft.com/office/drawing/2010/main" val="0"/>
+              </a:ext>
+            </a:extLst>
+          </a:blip>
+          <a:srcRect l="8386" t="5699" r="2608" b="10520"/>
+          <a:stretch/>
+        </p:blipFill>
+        <p:spPr>
+          <a:xfrm>
+            <a:off x="6730393" y="2669711"/>
+            <a:ext cx="5395913" cy="4083513"/>
           </a:xfrm>
           <a:prstGeom prst="rect">
             <a:avLst/>
           </a:prstGeom>
-          <a:noFill/>
-        </p:spPr>
-        <p:txBody>
-          <a:bodyPr wrap="square" rtlCol="0">
-            <a:spAutoFit/>
-          </a:bodyPr>
-          <a:lstStyle/>
-          <a:p>
-            <a:r>
-              <a:rPr lang="en-US" dirty="0" smtClean="0"/>
-              <a:t>TOTAL 4 SLIDES</a:t>
-            </a:r>
-            <a:endParaRPr lang="en-US" dirty="0"/>
-          </a:p>
-        </p:txBody>
-      </p:sp>
+        </p:spPr>
+      </p:pic>
+      <p:pic>
+        <p:nvPicPr>
+          <p:cNvPr id="12" name="Picture 11">
+            <a:extLst>
+              <a:ext uri="{FF2B5EF4-FFF2-40B4-BE49-F238E27FC236}">
+                <a16:creationId xmlns:a16="http://schemas.microsoft.com/office/drawing/2014/main" id="{3A267280-72B7-487C-AF97-B00C12D2F4B9}"/>
+              </a:ext>
+            </a:extLst>
+          </p:cNvPr>
+          <p:cNvPicPr>
+            <a:picLocks noChangeAspect="1"/>
+          </p:cNvPicPr>
+          <p:nvPr/>
+        </p:nvPicPr>
+        <p:blipFill rotWithShape="1">
+          <a:blip r:embed="rId3" cstate="print">
+            <a:extLst>
+              <a:ext uri="{28A0092B-C50C-407E-A947-70E740481C1C}">
+                <a14:useLocalDpi xmlns:a14="http://schemas.microsoft.com/office/drawing/2010/main" val="0"/>
+              </a:ext>
+            </a:extLst>
+          </a:blip>
+          <a:srcRect l="2827" r="8141"/>
+          <a:stretch/>
+        </p:blipFill>
+        <p:spPr>
+          <a:xfrm>
+            <a:off x="200026" y="3365469"/>
+            <a:ext cx="6700838" cy="2392394"/>
+          </a:xfrm>
+          <a:prstGeom prst="rect">
+            <a:avLst/>
+          </a:prstGeom>
+        </p:spPr>
+      </p:pic>
     </p:spTree>
     <p:extLst>
       <p:ext uri="{BB962C8B-B14F-4D97-AF65-F5344CB8AC3E}">
@@ -4917,14 +4579,128 @@
       </p:grpSpPr>
       <p:sp>
         <p:nvSpPr>
-          <p:cNvPr id="2" name="TextBox 1"/>
+          <p:cNvPr id="2" name="Rectangle 1">
+            <a:extLst>
+              <a:ext uri="{FF2B5EF4-FFF2-40B4-BE49-F238E27FC236}">
+                <a16:creationId xmlns:a16="http://schemas.microsoft.com/office/drawing/2014/main" id="{C09E9BC7-B397-487B-B987-2C05B540F083}"/>
+              </a:ext>
+            </a:extLst>
+          </p:cNvPr>
+          <p:cNvSpPr/>
+          <p:nvPr/>
+        </p:nvSpPr>
+        <p:spPr>
+          <a:xfrm>
+            <a:off x="119064" y="177911"/>
+            <a:ext cx="6441141" cy="461665"/>
+          </a:xfrm>
+          <a:prstGeom prst="rect">
+            <a:avLst/>
+          </a:prstGeom>
+        </p:spPr>
+        <p:txBody>
+          <a:bodyPr wrap="square">
+            <a:spAutoFit/>
+          </a:bodyPr>
+          <a:lstStyle/>
+          <a:p>
+            <a:pPr marL="285750" indent="-285750">
+              <a:buFont typeface="Arial" panose="020B0604020202020204" pitchFamily="34" charset="0"/>
+              <a:buChar char="•"/>
+            </a:pPr>
+            <a:r>
+              <a:rPr lang="en-US" sz="2400" dirty="0"/>
+              <a:t>Changed the background of the calendar’s day</a:t>
+            </a:r>
+          </a:p>
+        </p:txBody>
+      </p:sp>
+      <p:pic>
+        <p:nvPicPr>
+          <p:cNvPr id="4" name="Picture 3">
+            <a:extLst>
+              <a:ext uri="{FF2B5EF4-FFF2-40B4-BE49-F238E27FC236}">
+                <a16:creationId xmlns:a16="http://schemas.microsoft.com/office/drawing/2014/main" id="{D00E3DCC-BBE8-49AA-B3A1-50B52AF8BBD9}"/>
+              </a:ext>
+            </a:extLst>
+          </p:cNvPr>
+          <p:cNvPicPr>
+            <a:picLocks noChangeAspect="1"/>
+          </p:cNvPicPr>
+          <p:nvPr/>
+        </p:nvPicPr>
+        <p:blipFill rotWithShape="1">
+          <a:blip r:embed="rId2" cstate="print">
+            <a:extLst>
+              <a:ext uri="{28A0092B-C50C-407E-A947-70E740481C1C}">
+                <a14:useLocalDpi xmlns:a14="http://schemas.microsoft.com/office/drawing/2010/main" val="0"/>
+              </a:ext>
+            </a:extLst>
+          </a:blip>
+          <a:srcRect l="5763" r="5423"/>
+          <a:stretch/>
+        </p:blipFill>
+        <p:spPr>
+          <a:xfrm>
+            <a:off x="119064" y="1290638"/>
+            <a:ext cx="6314258" cy="5351616"/>
+          </a:xfrm>
+          <a:prstGeom prst="rect">
+            <a:avLst/>
+          </a:prstGeom>
+        </p:spPr>
+      </p:pic>
+      <p:pic>
+        <p:nvPicPr>
+          <p:cNvPr id="6" name="Picture 5">
+            <a:extLst>
+              <a:ext uri="{FF2B5EF4-FFF2-40B4-BE49-F238E27FC236}">
+                <a16:creationId xmlns:a16="http://schemas.microsoft.com/office/drawing/2014/main" id="{477DC937-92D5-449E-AB0C-E13847D044AC}"/>
+              </a:ext>
+            </a:extLst>
+          </p:cNvPr>
+          <p:cNvPicPr>
+            <a:picLocks noChangeAspect="1"/>
+          </p:cNvPicPr>
+          <p:nvPr/>
+        </p:nvPicPr>
+        <p:blipFill rotWithShape="1">
+          <a:blip r:embed="rId3" cstate="print">
+            <a:extLst>
+              <a:ext uri="{28A0092B-C50C-407E-A947-70E740481C1C}">
+                <a14:useLocalDpi xmlns:a14="http://schemas.microsoft.com/office/drawing/2010/main" val="0"/>
+              </a:ext>
+            </a:extLst>
+          </a:blip>
+          <a:srcRect l="2367" r="2759"/>
+          <a:stretch/>
+        </p:blipFill>
+        <p:spPr>
+          <a:xfrm>
+            <a:off x="6221225" y="702708"/>
+            <a:ext cx="5751700" cy="4569934"/>
+          </a:xfrm>
+          <a:prstGeom prst="rect">
+            <a:avLst/>
+          </a:prstGeom>
+        </p:spPr>
+      </p:pic>
+      <p:sp>
+        <p:nvSpPr>
+          <p:cNvPr id="7" name="TextBox 6">
+            <a:extLst>
+              <a:ext uri="{FF2B5EF4-FFF2-40B4-BE49-F238E27FC236}">
+                <a16:creationId xmlns:a16="http://schemas.microsoft.com/office/drawing/2014/main" id="{8AF8A0F5-3453-483E-8126-373598CAA542}"/>
+              </a:ext>
+            </a:extLst>
+          </p:cNvPr>
           <p:cNvSpPr txBox="1"/>
           <p:nvPr/>
         </p:nvSpPr>
         <p:spPr>
           <a:xfrm>
-            <a:off x="414338" y="757238"/>
-            <a:ext cx="5614987" cy="923330"/>
+            <a:off x="7786688" y="5403450"/>
+            <a:ext cx="3676650" cy="369332"/>
           </a:xfrm>
           <a:prstGeom prst="rect">
             <a:avLst/>
@@ -4937,42 +4713,58 @@
           </a:bodyPr>
           <a:lstStyle/>
           <a:p>
-            <a:pPr marL="285750" indent="-285750">
-              <a:buFont typeface="Arial" panose="020B0604020202020204" pitchFamily="34" charset="0"/>
-              <a:buChar char="•"/>
-            </a:pPr>
-            <a:r>
-              <a:rPr lang="en-US" dirty="0" smtClean="0"/>
-              <a:t>Localization</a:t>
-            </a:r>
-          </a:p>
-          <a:p>
-            <a:pPr marL="285750" indent="-285750">
-              <a:buFont typeface="Arial" panose="020B0604020202020204" pitchFamily="34" charset="0"/>
-              <a:buChar char="•"/>
-            </a:pPr>
-            <a:r>
-              <a:rPr lang="en-US" dirty="0" smtClean="0"/>
-              <a:t>Installation</a:t>
-            </a:r>
-          </a:p>
-          <a:p>
-            <a:pPr marL="285750" indent="-285750">
-              <a:buFont typeface="Arial" panose="020B0604020202020204" pitchFamily="34" charset="0"/>
-              <a:buChar char="•"/>
-            </a:pPr>
-            <a:r>
-              <a:rPr lang="en-US" dirty="0" smtClean="0"/>
-              <a:t>Change the view of the Calendar</a:t>
-            </a:r>
-            <a:endParaRPr lang="en-US" dirty="0"/>
+            <a:r>
+              <a:rPr lang="en-CA" dirty="0"/>
+              <a:t>Appointment Day </a:t>
+            </a:r>
+            <a:r>
+              <a:rPr lang="en-CA" dirty="0" err="1"/>
+              <a:t>Convertor.cs</a:t>
+            </a:r>
+            <a:endParaRPr lang="en-CA" dirty="0"/>
+          </a:p>
+        </p:txBody>
+      </p:sp>
+      <p:sp>
+        <p:nvSpPr>
+          <p:cNvPr id="8" name="TextBox 7">
+            <a:extLst>
+              <a:ext uri="{FF2B5EF4-FFF2-40B4-BE49-F238E27FC236}">
+                <a16:creationId xmlns:a16="http://schemas.microsoft.com/office/drawing/2014/main" id="{A6783973-B581-4BA3-BA4C-126145754770}"/>
+              </a:ext>
+            </a:extLst>
+          </p:cNvPr>
+          <p:cNvSpPr txBox="1"/>
+          <p:nvPr/>
+        </p:nvSpPr>
+        <p:spPr>
+          <a:xfrm>
+            <a:off x="2330339" y="880661"/>
+            <a:ext cx="1847697" cy="369332"/>
+          </a:xfrm>
+          <a:prstGeom prst="rect">
+            <a:avLst/>
+          </a:prstGeom>
+          <a:noFill/>
+        </p:spPr>
+        <p:txBody>
+          <a:bodyPr wrap="square" rtlCol="0">
+            <a:spAutoFit/>
+          </a:bodyPr>
+          <a:lstStyle/>
+          <a:p>
+            <a:r>
+              <a:rPr lang="en-CA" dirty="0" err="1"/>
+              <a:t>App.xaml</a:t>
+            </a:r>
+            <a:endParaRPr lang="en-CA" dirty="0"/>
           </a:p>
         </p:txBody>
       </p:sp>
     </p:spTree>
     <p:extLst>
       <p:ext uri="{BB962C8B-B14F-4D97-AF65-F5344CB8AC3E}">
-        <p14:creationId xmlns:p14="http://schemas.microsoft.com/office/powerpoint/2010/main" val="1781100221"/>
+        <p14:creationId xmlns:p14="http://schemas.microsoft.com/office/powerpoint/2010/main" val="4071115037"/>
       </p:ext>
     </p:extLst>
   </p:cSld>
@@ -5001,6 +4793,255 @@
       </p:grpSpPr>
       <p:sp>
         <p:nvSpPr>
+          <p:cNvPr id="2" name="Rectangle 1">
+            <a:extLst>
+              <a:ext uri="{FF2B5EF4-FFF2-40B4-BE49-F238E27FC236}">
+                <a16:creationId xmlns:a16="http://schemas.microsoft.com/office/drawing/2014/main" id="{95E8AD24-9962-44AD-805B-92D3F5DEEBC8}"/>
+              </a:ext>
+            </a:extLst>
+          </p:cNvPr>
+          <p:cNvSpPr/>
+          <p:nvPr/>
+        </p:nvSpPr>
+        <p:spPr>
+          <a:xfrm>
+            <a:off x="49306" y="225041"/>
+            <a:ext cx="6096000" cy="1477328"/>
+          </a:xfrm>
+          <a:prstGeom prst="rect">
+            <a:avLst/>
+          </a:prstGeom>
+        </p:spPr>
+        <p:txBody>
+          <a:bodyPr>
+            <a:spAutoFit/>
+          </a:bodyPr>
+          <a:lstStyle/>
+          <a:p>
+            <a:pPr marL="742950" lvl="1" indent="-285750">
+              <a:buFont typeface="Arial" panose="020B0604020202020204" pitchFamily="34" charset="0"/>
+              <a:buChar char="•"/>
+            </a:pPr>
+            <a:r>
+              <a:rPr lang="en-US" dirty="0"/>
+              <a:t>Record in Outlook and send the meeting to recipient</a:t>
+            </a:r>
+          </a:p>
+          <a:p>
+            <a:pPr marL="742950" lvl="1" indent="-285750">
+              <a:buFont typeface="Arial" panose="020B0604020202020204" pitchFamily="34" charset="0"/>
+              <a:buChar char="•"/>
+            </a:pPr>
+            <a:r>
+              <a:rPr lang="en-US" dirty="0"/>
+              <a:t>Send Email using Outlook</a:t>
+            </a:r>
+          </a:p>
+          <a:p>
+            <a:pPr marL="742950" lvl="1" indent="-285750">
+              <a:buFont typeface="Arial" panose="020B0604020202020204" pitchFamily="34" charset="0"/>
+              <a:buChar char="•"/>
+            </a:pPr>
+            <a:r>
+              <a:rPr lang="en-US" dirty="0"/>
+              <a:t>Export to Excel and Print to PDF</a:t>
+            </a:r>
+          </a:p>
+          <a:p>
+            <a:pPr marL="742950" lvl="1" indent="-285750">
+              <a:buFont typeface="Arial" panose="020B0604020202020204" pitchFamily="34" charset="0"/>
+              <a:buChar char="•"/>
+            </a:pPr>
+            <a:r>
+              <a:rPr lang="en-US" dirty="0"/>
+              <a:t>Create Graphic with multiline</a:t>
+            </a:r>
+          </a:p>
+          <a:p>
+            <a:pPr marL="742950" lvl="1" indent="-285750">
+              <a:buFont typeface="Arial" panose="020B0604020202020204" pitchFamily="34" charset="0"/>
+              <a:buChar char="•"/>
+            </a:pPr>
+            <a:r>
+              <a:rPr lang="en-US" dirty="0"/>
+              <a:t>Sorting</a:t>
+            </a:r>
+          </a:p>
+        </p:txBody>
+      </p:sp>
+    </p:spTree>
+    <p:extLst>
+      <p:ext uri="{BB962C8B-B14F-4D97-AF65-F5344CB8AC3E}">
+        <p14:creationId xmlns:p14="http://schemas.microsoft.com/office/powerpoint/2010/main" val="985525339"/>
+      </p:ext>
+    </p:extLst>
+  </p:cSld>
+  <p:clrMapOvr>
+    <a:masterClrMapping/>
+  </p:clrMapOvr>
+</p:sld>
+</file>
+
+<file path=ppt/slides/slide8.xml><?xml version="1.0" encoding="utf-8"?>
+<p:sld xmlns:a="http://schemas.openxmlformats.org/drawingml/2006/main" xmlns:r="http://schemas.openxmlformats.org/officeDocument/2006/relationships" xmlns:p="http://schemas.openxmlformats.org/presentationml/2006/main">
+  <p:cSld>
+    <p:spTree>
+      <p:nvGrpSpPr>
+        <p:cNvPr id="1" name=""/>
+        <p:cNvGrpSpPr/>
+        <p:nvPr/>
+      </p:nvGrpSpPr>
+      <p:grpSpPr>
+        <a:xfrm>
+          <a:off x="0" y="0"/>
+          <a:ext cx="0" cy="0"/>
+          <a:chOff x="0" y="0"/>
+          <a:chExt cx="0" cy="0"/>
+        </a:xfrm>
+      </p:grpSpPr>
+      <p:sp>
+        <p:nvSpPr>
+          <p:cNvPr id="2" name="TextBox 1"/>
+          <p:cNvSpPr txBox="1"/>
+          <p:nvPr/>
+        </p:nvSpPr>
+        <p:spPr>
+          <a:xfrm>
+            <a:off x="589150" y="497261"/>
+            <a:ext cx="11298050" cy="2277547"/>
+          </a:xfrm>
+          <a:prstGeom prst="rect">
+            <a:avLst/>
+          </a:prstGeom>
+          <a:noFill/>
+        </p:spPr>
+        <p:txBody>
+          <a:bodyPr wrap="square" rtlCol="0">
+            <a:spAutoFit/>
+          </a:bodyPr>
+          <a:lstStyle/>
+          <a:p>
+            <a:r>
+              <a:rPr lang="en-US" sz="2800" b="1" dirty="0">
+                <a:latin typeface="Calibri" panose="020F0502020204030204" pitchFamily="34" charset="0"/>
+                <a:cs typeface="Calibri" panose="020F0502020204030204" pitchFamily="34" charset="0"/>
+              </a:rPr>
+              <a:t>Future Works</a:t>
+            </a:r>
+          </a:p>
+          <a:p>
+            <a:endParaRPr lang="en-US" sz="2400" b="1" dirty="0">
+              <a:latin typeface="Calibri" panose="020F0502020204030204" pitchFamily="34" charset="0"/>
+              <a:cs typeface="Calibri" panose="020F0502020204030204" pitchFamily="34" charset="0"/>
+            </a:endParaRPr>
+          </a:p>
+          <a:p>
+            <a:pPr marL="285750" indent="-285750">
+              <a:buFont typeface="Arial" panose="020B0604020202020204" pitchFamily="34" charset="0"/>
+              <a:buChar char="•"/>
+            </a:pPr>
+            <a:r>
+              <a:rPr lang="en-US" dirty="0"/>
+              <a:t>Localization(Localization is the translation of application resources into localized versions for the specific cultures that the application supports.)</a:t>
+            </a:r>
+          </a:p>
+          <a:p>
+            <a:pPr marL="285750" indent="-285750">
+              <a:buFont typeface="Arial" panose="020B0604020202020204" pitchFamily="34" charset="0"/>
+              <a:buChar char="•"/>
+            </a:pPr>
+            <a:r>
+              <a:rPr lang="en-US" dirty="0"/>
+              <a:t>Installation</a:t>
+            </a:r>
+          </a:p>
+          <a:p>
+            <a:pPr marL="285750" indent="-285750">
+              <a:buFont typeface="Arial" panose="020B0604020202020204" pitchFamily="34" charset="0"/>
+              <a:buChar char="•"/>
+            </a:pPr>
+            <a:r>
+              <a:rPr lang="en-US" dirty="0"/>
+              <a:t>Change the view of the Calendar (show the List of appointment like schedule )</a:t>
+            </a:r>
+          </a:p>
+          <a:p>
+            <a:pPr marL="285750" indent="-285750">
+              <a:buFont typeface="Arial" panose="020B0604020202020204" pitchFamily="34" charset="0"/>
+              <a:buChar char="•"/>
+            </a:pPr>
+            <a:endParaRPr lang="en-US" dirty="0"/>
+          </a:p>
+        </p:txBody>
+      </p:sp>
+      <p:pic>
+        <p:nvPicPr>
+          <p:cNvPr id="5" name="Picture 4">
+            <a:extLst>
+              <a:ext uri="{FF2B5EF4-FFF2-40B4-BE49-F238E27FC236}">
+                <a16:creationId xmlns:a16="http://schemas.microsoft.com/office/drawing/2014/main" id="{3F3A8594-A83C-4954-A1E8-D2DB381F20FC}"/>
+              </a:ext>
+            </a:extLst>
+          </p:cNvPr>
+          <p:cNvPicPr>
+            <a:picLocks noChangeAspect="1"/>
+          </p:cNvPicPr>
+          <p:nvPr/>
+        </p:nvPicPr>
+        <p:blipFill>
+          <a:blip r:embed="rId2" cstate="print">
+            <a:extLst>
+              <a:ext uri="{28A0092B-C50C-407E-A947-70E740481C1C}">
+                <a14:useLocalDpi xmlns:a14="http://schemas.microsoft.com/office/drawing/2010/main" val="0"/>
+              </a:ext>
+            </a:extLst>
+          </a:blip>
+          <a:stretch>
+            <a:fillRect/>
+          </a:stretch>
+        </p:blipFill>
+        <p:spPr>
+          <a:xfrm>
+            <a:off x="804658" y="2638425"/>
+            <a:ext cx="3657869" cy="3442527"/>
+          </a:xfrm>
+          <a:prstGeom prst="rect">
+            <a:avLst/>
+          </a:prstGeom>
+        </p:spPr>
+      </p:pic>
+    </p:spTree>
+    <p:extLst>
+      <p:ext uri="{BB962C8B-B14F-4D97-AF65-F5344CB8AC3E}">
+        <p14:creationId xmlns:p14="http://schemas.microsoft.com/office/powerpoint/2010/main" val="1781100221"/>
+      </p:ext>
+    </p:extLst>
+  </p:cSld>
+  <p:clrMapOvr>
+    <a:masterClrMapping/>
+  </p:clrMapOvr>
+</p:sld>
+</file>
+
+<file path=ppt/slides/slide9.xml><?xml version="1.0" encoding="utf-8"?>
+<p:sld xmlns:a="http://schemas.openxmlformats.org/drawingml/2006/main" xmlns:r="http://schemas.openxmlformats.org/officeDocument/2006/relationships" xmlns:p="http://schemas.openxmlformats.org/presentationml/2006/main">
+  <p:cSld>
+    <p:spTree>
+      <p:nvGrpSpPr>
+        <p:cNvPr id="1" name=""/>
+        <p:cNvGrpSpPr/>
+        <p:nvPr/>
+      </p:nvGrpSpPr>
+      <p:grpSpPr>
+        <a:xfrm>
+          <a:off x="0" y="0"/>
+          <a:ext cx="0" cy="0"/>
+          <a:chOff x="0" y="0"/>
+          <a:chExt cx="0" cy="0"/>
+        </a:xfrm>
+      </p:grpSpPr>
+      <p:sp>
+        <p:nvSpPr>
           <p:cNvPr id="2" name="TextBox 1"/>
           <p:cNvSpPr txBox="1"/>
           <p:nvPr/>
@@ -5043,9 +5084,9 @@
 </file>
 
 <file path=ppt/theme/theme1.xml><?xml version="1.0" encoding="utf-8"?>
-<a:theme xmlns:a="http://schemas.openxmlformats.org/drawingml/2006/main" name="Retrospect">
+<a:theme xmlns:a="http://schemas.openxmlformats.org/drawingml/2006/main" name="Frame">
   <a:themeElements>
-    <a:clrScheme name="Custom 2">
+    <a:clrScheme name="Custom 1">
       <a:dk1>
         <a:srgbClr val="000000"/>
       </a:dk1>
@@ -5053,83 +5094,48 @@
         <a:srgbClr val="FFFFFF"/>
       </a:lt1>
       <a:dk2>
-        <a:srgbClr val="46464A"/>
+        <a:srgbClr val="545454"/>
       </a:dk2>
       <a:lt2>
         <a:srgbClr val="F2F2F2"/>
       </a:lt2>
       <a:accent1>
-        <a:srgbClr val="6F6F74"/>
+        <a:srgbClr val="40BAD2"/>
       </a:accent1>
       <a:accent2>
-        <a:srgbClr val="A7B789"/>
+        <a:srgbClr val="FAB900"/>
       </a:accent2>
       <a:accent3>
-        <a:srgbClr val="BEAE98"/>
+        <a:srgbClr val="90BB23"/>
       </a:accent3>
       <a:accent4>
-        <a:srgbClr val="92A9B9"/>
+        <a:srgbClr val="EE7008"/>
       </a:accent4>
       <a:accent5>
-        <a:srgbClr val="9C8265"/>
+        <a:srgbClr val="1AB39F"/>
       </a:accent5>
       <a:accent6>
-        <a:srgbClr val="8D6974"/>
+        <a:srgbClr val="D5393D"/>
       </a:accent6>
       <a:hlink>
-        <a:srgbClr val="67AABF"/>
+        <a:srgbClr val="90BB23"/>
       </a:hlink>
       <a:folHlink>
-        <a:srgbClr val="B1B5AB"/>
+        <a:srgbClr val="EE7008"/>
       </a:folHlink>
     </a:clrScheme>
-    <a:fontScheme name="Retrospect">
+    <a:fontScheme name="Frame">
       <a:majorFont>
-        <a:latin typeface="Calibri Light" panose="020F0302020204030204"/>
+        <a:latin typeface="Corbel" panose="020B0503020204020204"/>
         <a:ea typeface=""/>
         <a:cs typeface=""/>
-        <a:font script="Jpan" typeface="ＭＳ Ｐゴシック"/>
-        <a:font script="Hang" typeface="맑은 고딕"/>
-        <a:font script="Hans" typeface="宋体"/>
-        <a:font script="Hant" typeface="新細明體"/>
-        <a:font script="Arab" typeface="Times New Roman"/>
-        <a:font script="Hebr" typeface="Times New Roman"/>
-        <a:font script="Thai" typeface="Angsana New"/>
-        <a:font script="Ethi" typeface="Nyala"/>
-        <a:font script="Beng" typeface="Vrinda"/>
-        <a:font script="Gujr" typeface="Shruti"/>
-        <a:font script="Khmr" typeface="MoolBoran"/>
-        <a:font script="Knda" typeface="Tunga"/>
-        <a:font script="Guru" typeface="Raavi"/>
-        <a:font script="Cans" typeface="Euphemia"/>
-        <a:font script="Cher" typeface="Plantagenet Cherokee"/>
-        <a:font script="Yiii" typeface="Microsoft Yi Baiti"/>
-        <a:font script="Tibt" typeface="Microsoft Himalaya"/>
-        <a:font script="Thaa" typeface="MV Boli"/>
-        <a:font script="Deva" typeface="Mangal"/>
-        <a:font script="Telu" typeface="Gautami"/>
-        <a:font script="Taml" typeface="Latha"/>
-        <a:font script="Syrc" typeface="Estrangelo Edessa"/>
-        <a:font script="Orya" typeface="Kalinga"/>
-        <a:font script="Mlym" typeface="Kartika"/>
-        <a:font script="Laoo" typeface="DokChampa"/>
-        <a:font script="Sinh" typeface="Iskoola Pota"/>
-        <a:font script="Mong" typeface="Mongolian Baiti"/>
-        <a:font script="Viet" typeface="Times New Roman"/>
-        <a:font script="Uigh" typeface="Microsoft Uighur"/>
-        <a:font script="Geor" typeface="Sylfaen"/>
-      </a:majorFont>
-      <a:minorFont>
-        <a:latin typeface="Calibri" panose="020F0502020204030204"/>
-        <a:ea typeface=""/>
-        <a:cs typeface=""/>
-        <a:font script="Jpan" typeface="ＭＳ Ｐゴシック"/>
-        <a:font script="Hang" typeface="맑은 고딕"/>
-        <a:font script="Hans" typeface="宋体"/>
-        <a:font script="Hant" typeface="新細明體"/>
-        <a:font script="Arab" typeface="Arial"/>
-        <a:font script="Hebr" typeface="Arial"/>
-        <a:font script="Thai" typeface="Cordia New"/>
+        <a:font script="Jpan" typeface="ＭＳ ゴシック"/>
+        <a:font script="Hang" typeface="HY중고딕"/>
+        <a:font script="Hans" typeface="幼圆"/>
+        <a:font script="Hant" typeface="微軟正黑體"/>
+        <a:font script="Arab" typeface="Tahoma"/>
+        <a:font script="Hebr" typeface="Gisha"/>
+        <a:font script="Thai" typeface="DilleniaUPC"/>
         <a:font script="Ethi" typeface="Nyala"/>
         <a:font script="Beng" typeface="Vrinda"/>
         <a:font script="Gujr" typeface="Shruti"/>
@@ -5150,93 +5156,83 @@
         <a:font script="Laoo" typeface="DokChampa"/>
         <a:font script="Sinh" typeface="Iskoola Pota"/>
         <a:font script="Mong" typeface="Mongolian Baiti"/>
-        <a:font script="Viet" typeface="Arial"/>
+        <a:font script="Viet" typeface="Tahoma"/>
+        <a:font script="Uigh" typeface="Microsoft Uighur"/>
+        <a:font script="Geor" typeface="Sylfaen"/>
+      </a:majorFont>
+      <a:minorFont>
+        <a:latin typeface="Corbel" panose="020B0503020204020204"/>
+        <a:ea typeface=""/>
+        <a:cs typeface=""/>
+        <a:font script="Jpan" typeface="ＭＳ ゴシック"/>
+        <a:font script="Hang" typeface="HY중고딕"/>
+        <a:font script="Hans" typeface="幼圆"/>
+        <a:font script="Hant" typeface="微軟正黑體"/>
+        <a:font script="Arab" typeface="Tahoma"/>
+        <a:font script="Hebr" typeface="Gisha"/>
+        <a:font script="Thai" typeface="DilleniaUPC"/>
+        <a:font script="Ethi" typeface="Nyala"/>
+        <a:font script="Beng" typeface="Vrinda"/>
+        <a:font script="Gujr" typeface="Shruti"/>
+        <a:font script="Khmr" typeface="DaunPenh"/>
+        <a:font script="Knda" typeface="Tunga"/>
+        <a:font script="Guru" typeface="Raavi"/>
+        <a:font script="Cans" typeface="Euphemia"/>
+        <a:font script="Cher" typeface="Plantagenet Cherokee"/>
+        <a:font script="Yiii" typeface="Microsoft Yi Baiti"/>
+        <a:font script="Tibt" typeface="Microsoft Himalaya"/>
+        <a:font script="Thaa" typeface="MV Boli"/>
+        <a:font script="Deva" typeface="Mangal"/>
+        <a:font script="Telu" typeface="Gautami"/>
+        <a:font script="Taml" typeface="Latha"/>
+        <a:font script="Syrc" typeface="Estrangelo Edessa"/>
+        <a:font script="Orya" typeface="Kalinga"/>
+        <a:font script="Mlym" typeface="Kartika"/>
+        <a:font script="Laoo" typeface="DokChampa"/>
+        <a:font script="Sinh" typeface="Iskoola Pota"/>
+        <a:font script="Mong" typeface="Mongolian Baiti"/>
+        <a:font script="Viet" typeface="Verdana"/>
         <a:font script="Uigh" typeface="Microsoft Uighur"/>
         <a:font script="Geor" typeface="Sylfaen"/>
       </a:minorFont>
     </a:fontScheme>
-    <a:fmtScheme name="Retrospect">
+    <a:fmtScheme name="Frame">
       <a:fillStyleLst>
         <a:solidFill>
           <a:schemeClr val="phClr"/>
         </a:solidFill>
-        <a:gradFill rotWithShape="1">
-          <a:gsLst>
-            <a:gs pos="0">
-              <a:schemeClr val="phClr">
-                <a:tint val="65000"/>
-                <a:shade val="92000"/>
-                <a:satMod val="130000"/>
-              </a:schemeClr>
-            </a:gs>
-            <a:gs pos="45000">
-              <a:schemeClr val="phClr">
-                <a:tint val="60000"/>
-                <a:shade val="99000"/>
-                <a:satMod val="120000"/>
-              </a:schemeClr>
-            </a:gs>
-            <a:gs pos="100000">
-              <a:schemeClr val="phClr">
-                <a:tint val="55000"/>
-                <a:satMod val="140000"/>
-              </a:schemeClr>
-            </a:gs>
-          </a:gsLst>
-          <a:path path="circle">
-            <a:fillToRect l="100000" t="100000" r="100000" b="100000"/>
-          </a:path>
-        </a:gradFill>
-        <a:gradFill rotWithShape="1">
-          <a:gsLst>
-            <a:gs pos="0">
-              <a:schemeClr val="phClr">
-                <a:shade val="85000"/>
-                <a:satMod val="130000"/>
-              </a:schemeClr>
-            </a:gs>
-            <a:gs pos="34000">
-              <a:schemeClr val="phClr">
-                <a:shade val="87000"/>
-                <a:satMod val="125000"/>
-              </a:schemeClr>
-            </a:gs>
-            <a:gs pos="70000">
-              <a:schemeClr val="phClr">
-                <a:tint val="100000"/>
-                <a:shade val="90000"/>
-                <a:satMod val="130000"/>
-              </a:schemeClr>
-            </a:gs>
-            <a:gs pos="100000">
-              <a:schemeClr val="phClr">
-                <a:tint val="100000"/>
-                <a:shade val="100000"/>
-                <a:satMod val="110000"/>
-              </a:schemeClr>
-            </a:gs>
-          </a:gsLst>
-          <a:path path="circle">
-            <a:fillToRect l="100000" t="100000" r="100000" b="100000"/>
-          </a:path>
-        </a:gradFill>
+        <a:solidFill>
+          <a:schemeClr val="phClr">
+            <a:tint val="65000"/>
+          </a:schemeClr>
+        </a:solidFill>
+        <a:solidFill>
+          <a:schemeClr val="phClr">
+            <a:shade val="80000"/>
+            <a:satMod val="150000"/>
+          </a:schemeClr>
+        </a:solidFill>
       </a:fillStyleLst>
       <a:lnStyleLst>
-        <a:ln w="12700" cap="flat" cmpd="sng" algn="ctr">
+        <a:ln w="9525" cap="flat" cmpd="sng" algn="ctr">
           <a:solidFill>
             <a:schemeClr val="phClr"/>
           </a:solidFill>
           <a:prstDash val="solid"/>
         </a:ln>
-        <a:ln w="15875" cap="flat" cmpd="sng" algn="ctr">
+        <a:ln w="10795" cap="flat" cmpd="sng" algn="ctr">
           <a:solidFill>
             <a:schemeClr val="phClr"/>
           </a:solidFill>
           <a:prstDash val="solid"/>
         </a:ln>
-        <a:ln w="25400" cap="flat" cmpd="sng" algn="ctr">
+        <a:ln w="17145" cap="flat" cmpd="sng" algn="ctr">
           <a:solidFill>
-            <a:schemeClr val="phClr"/>
+            <a:schemeClr val="phClr">
+              <a:shade val="95000"/>
+              <a:alpha val="50000"/>
+              <a:satMod val="150000"/>
+            </a:schemeClr>
           </a:solidFill>
           <a:prstDash val="solid"/>
         </a:ln>
@@ -5246,19 +5242,13 @@
           <a:effectLst/>
         </a:effectStyle>
         <a:effectStyle>
-          <a:effectLst>
-            <a:outerShdw blurRad="38100" dist="25400" dir="2700000" algn="br" rotWithShape="0">
-              <a:srgbClr val="000000">
-                <a:alpha val="60000"/>
-              </a:srgbClr>
-            </a:outerShdw>
-          </a:effectLst>
+          <a:effectLst/>
         </a:effectStyle>
         <a:effectStyle>
           <a:effectLst>
-            <a:outerShdw blurRad="44450" dist="25400" dir="2700000" algn="br" rotWithShape="0">
+            <a:outerShdw blurRad="44450" dist="13970" dir="5400000" algn="ctr" rotWithShape="0">
               <a:srgbClr val="000000">
-                <a:alpha val="60000"/>
+                <a:alpha val="45000"/>
               </a:srgbClr>
             </a:outerShdw>
           </a:effectLst>
@@ -5266,12 +5256,10 @@
             <a:camera prst="orthographicFront">
               <a:rot lat="0" lon="0" rev="0"/>
             </a:camera>
-            <a:lightRig rig="threePt" dir="t">
-              <a:rot lat="0" lon="0" rev="19800000"/>
-            </a:lightRig>
+            <a:lightRig rig="twoPt" dir="tl"/>
           </a:scene3d>
           <a:sp3d prstMaterial="flat">
-            <a:bevelT w="25400" h="31750"/>
+            <a:bevelT w="12700" h="25400" prst="coolSlant"/>
           </a:sp3d>
         </a:effectStyle>
       </a:effectStyleLst>
@@ -5281,36 +5269,37 @@
         </a:solidFill>
         <a:solidFill>
           <a:schemeClr val="phClr">
-            <a:tint val="90000"/>
-            <a:shade val="97000"/>
-            <a:satMod val="130000"/>
+            <a:tint val="95000"/>
+            <a:satMod val="170000"/>
           </a:schemeClr>
         </a:solidFill>
         <a:gradFill rotWithShape="1">
           <a:gsLst>
             <a:gs pos="0">
               <a:schemeClr val="phClr">
-                <a:tint val="96000"/>
-                <a:shade val="99000"/>
-                <a:satMod val="140000"/>
+                <a:tint val="93000"/>
+                <a:shade val="98000"/>
+                <a:satMod val="120000"/>
+                <a:lumMod val="102000"/>
               </a:schemeClr>
             </a:gs>
-            <a:gs pos="65000">
+            <a:gs pos="48000">
               <a:schemeClr val="phClr">
-                <a:tint val="100000"/>
-                <a:shade val="80000"/>
-                <a:satMod val="130000"/>
+                <a:tint val="98000"/>
+                <a:shade val="90000"/>
+                <a:satMod val="110000"/>
+                <a:lumMod val="103000"/>
               </a:schemeClr>
             </a:gs>
             <a:gs pos="100000">
               <a:schemeClr val="phClr">
-                <a:tint val="100000"/>
-                <a:shade val="48000"/>
-                <a:satMod val="120000"/>
+                <a:tint val="98000"/>
+                <a:shade val="80000"/>
+                <a:satMod val="100000"/>
               </a:schemeClr>
             </a:gs>
           </a:gsLst>
-          <a:lin ang="16200000" scaled="0"/>
+          <a:lin ang="5400000" scaled="0"/>
         </a:gradFill>
       </a:bgFillStyleLst>
     </a:fmtScheme>
@@ -5319,7 +5308,7 @@
   <a:extraClrSchemeLst/>
   <a:extLst>
     <a:ext uri="{05A4C25C-085E-4340-85A3-A5531E510DB2}">
-      <thm15:themeFamily xmlns:thm15="http://schemas.microsoft.com/office/thememl/2012/main" name="Retrospect" id="{5F128B03-DCCA-4EEB-AB3B-CF2899314A46}" vid="{BAB94BD4-5D6D-4148-AB57-A4CCF1FD4E0C}"/>
+      <thm15:themeFamily xmlns:thm15="http://schemas.microsoft.com/office/thememl/2012/main" name="Frame" id="{F226E7A2-7162-461C-9490-D27D9DC04E43}" vid="{629A0216-3BBD-45C0-B63F-2683BEA18F60}"/>
     </a:ext>
   </a:extLst>
 </a:theme>

--- a/CRM PROJECT.pptx
+++ b/CRM PROJECT.pptx
@@ -4806,64 +4806,79 @@
         <p:spPr>
           <a:xfrm>
             <a:off x="49306" y="225041"/>
-            <a:ext cx="6096000" cy="1477328"/>
+            <a:ext cx="12023632" cy="2805063"/>
           </a:xfrm>
           <a:prstGeom prst="rect">
             <a:avLst/>
           </a:prstGeom>
         </p:spPr>
         <p:txBody>
-          <a:bodyPr>
+          <a:bodyPr wrap="square">
             <a:spAutoFit/>
           </a:bodyPr>
           <a:lstStyle/>
           <a:p>
             <a:pPr marL="742950" lvl="1" indent="-285750">
+              <a:lnSpc>
+                <a:spcPct val="150000"/>
+              </a:lnSpc>
               <a:buFont typeface="Arial" panose="020B0604020202020204" pitchFamily="34" charset="0"/>
               <a:buChar char="•"/>
             </a:pPr>
             <a:r>
-              <a:rPr lang="en-US" dirty="0"/>
+              <a:rPr lang="en-US" sz="2400" dirty="0"/>
               <a:t>Record in Outlook and send the meeting to recipient</a:t>
             </a:r>
           </a:p>
           <a:p>
             <a:pPr marL="742950" lvl="1" indent="-285750">
+              <a:lnSpc>
+                <a:spcPct val="150000"/>
+              </a:lnSpc>
               <a:buFont typeface="Arial" panose="020B0604020202020204" pitchFamily="34" charset="0"/>
               <a:buChar char="•"/>
             </a:pPr>
             <a:r>
-              <a:rPr lang="en-US" dirty="0"/>
-              <a:t>Send Email using Outlook</a:t>
+              <a:rPr lang="en-US" sz="2400" dirty="0"/>
+              <a:t>Send Email using Outlook (Using Microsoft.Office.Interop.Outlook)</a:t>
             </a:r>
           </a:p>
           <a:p>
             <a:pPr marL="742950" lvl="1" indent="-285750">
+              <a:lnSpc>
+                <a:spcPct val="150000"/>
+              </a:lnSpc>
               <a:buFont typeface="Arial" panose="020B0604020202020204" pitchFamily="34" charset="0"/>
               <a:buChar char="•"/>
             </a:pPr>
             <a:r>
-              <a:rPr lang="en-US" dirty="0"/>
-              <a:t>Export to Excel and Print to PDF</a:t>
+              <a:rPr lang="en-US" sz="2400" dirty="0"/>
+              <a:t>Export to Excel and Print to PDF (Using DocumentFormatOpenXml and ITextSharp)</a:t>
             </a:r>
           </a:p>
           <a:p>
             <a:pPr marL="742950" lvl="1" indent="-285750">
+              <a:lnSpc>
+                <a:spcPct val="150000"/>
+              </a:lnSpc>
               <a:buFont typeface="Arial" panose="020B0604020202020204" pitchFamily="34" charset="0"/>
               <a:buChar char="•"/>
             </a:pPr>
             <a:r>
-              <a:rPr lang="en-US" dirty="0"/>
+              <a:rPr lang="en-US" sz="2400" dirty="0"/>
               <a:t>Create Graphic with multiline</a:t>
             </a:r>
           </a:p>
           <a:p>
             <a:pPr marL="742950" lvl="1" indent="-285750">
+              <a:lnSpc>
+                <a:spcPct val="150000"/>
+              </a:lnSpc>
               <a:buFont typeface="Arial" panose="020B0604020202020204" pitchFamily="34" charset="0"/>
               <a:buChar char="•"/>
             </a:pPr>
             <a:r>
-              <a:rPr lang="en-US" dirty="0"/>
+              <a:rPr lang="en-US" sz="2400" dirty="0"/>
               <a:t>Sorting</a:t>
             </a:r>
           </a:p>
@@ -5067,6 +5082,44 @@
               <a:buChar char="•"/>
             </a:pPr>
             <a:endParaRPr lang="en-US" dirty="0"/>
+          </a:p>
+        </p:txBody>
+      </p:sp>
+      <p:sp>
+        <p:nvSpPr>
+          <p:cNvPr id="3" name="TextBox 2">
+            <a:extLst>
+              <a:ext uri="{FF2B5EF4-FFF2-40B4-BE49-F238E27FC236}">
+                <a16:creationId xmlns:a16="http://schemas.microsoft.com/office/drawing/2014/main" id="{8AC78D0D-66A1-4A19-905E-11FD10D52662}"/>
+              </a:ext>
+            </a:extLst>
+          </p:cNvPr>
+          <p:cNvSpPr txBox="1"/>
+          <p:nvPr/>
+        </p:nvSpPr>
+        <p:spPr>
+          <a:xfrm flipH="1">
+            <a:off x="841056" y="601147"/>
+            <a:ext cx="9717406" cy="646331"/>
+          </a:xfrm>
+          <a:prstGeom prst="rect">
+            <a:avLst/>
+          </a:prstGeom>
+          <a:noFill/>
+        </p:spPr>
+        <p:txBody>
+          <a:bodyPr wrap="square" rtlCol="0">
+            <a:spAutoFit/>
+          </a:bodyPr>
+          <a:lstStyle/>
+          <a:p>
+            <a:r>
+              <a:rPr lang="en-CA" dirty="0"/>
+              <a:t>What we learned:</a:t>
+            </a:r>
+          </a:p>
+          <a:p>
+            <a:endParaRPr lang="en-CA" dirty="0"/>
           </a:p>
         </p:txBody>
       </p:sp>

--- a/CRM PROJECT.pptx
+++ b/CRM PROJECT.pptx
@@ -3754,8 +3754,8 @@
         </p:nvSpPr>
         <p:spPr>
           <a:xfrm>
-            <a:off x="425824" y="412377"/>
-            <a:ext cx="10430598" cy="2462213"/>
+            <a:off x="425823" y="412377"/>
+            <a:ext cx="11470341" cy="3908762"/>
           </a:xfrm>
           <a:prstGeom prst="rect">
             <a:avLst/>
@@ -3774,12 +3774,15 @@
             </a:r>
           </a:p>
           <a:p>
+            <a:endParaRPr lang="en-US" sz="2800" b="1" dirty="0"/>
+          </a:p>
+          <a:p>
             <a:pPr marL="742950" lvl="1" indent="-285750">
               <a:buFont typeface="Arial" panose="020B0604020202020204" pitchFamily="34" charset="0"/>
               <a:buChar char="•"/>
             </a:pPr>
             <a:r>
-              <a:rPr lang="en-US" dirty="0"/>
+              <a:rPr lang="en-US" sz="2400" dirty="0"/>
               <a:t>Mini CRM to Record current Customer information and potential customers</a:t>
             </a:r>
           </a:p>
@@ -3789,7 +3792,7 @@
               <a:buChar char="•"/>
             </a:pPr>
             <a:r>
-              <a:rPr lang="en-US" dirty="0"/>
+              <a:rPr lang="en-US" sz="2400" dirty="0"/>
               <a:t>Record every interaction between Customer and Sales Person</a:t>
             </a:r>
           </a:p>
@@ -3799,7 +3802,7 @@
               <a:buChar char="•"/>
             </a:pPr>
             <a:r>
-              <a:rPr lang="en-US" dirty="0"/>
+              <a:rPr lang="en-US" sz="2400" dirty="0"/>
               <a:t>Ability of show works day of Sales Person</a:t>
             </a:r>
           </a:p>
@@ -3809,7 +3812,7 @@
               <a:buChar char="•"/>
             </a:pPr>
             <a:r>
-              <a:rPr lang="en-US" dirty="0"/>
+              <a:rPr lang="en-US" sz="2400" dirty="0"/>
               <a:t>Track Sales Person activity</a:t>
             </a:r>
           </a:p>
@@ -3819,7 +3822,7 @@
               <a:buChar char="•"/>
             </a:pPr>
             <a:r>
-              <a:rPr lang="en-US" dirty="0"/>
+              <a:rPr lang="en-US" sz="2400" dirty="0"/>
               <a:t>Show reports as a data table and diagram with ability of export in to excel file and print in to</a:t>
             </a:r>
           </a:p>
@@ -3829,7 +3832,7 @@
               <a:buChar char="•"/>
             </a:pPr>
             <a:r>
-              <a:rPr lang="en-US" dirty="0"/>
+              <a:rPr lang="en-US" sz="2400" dirty="0"/>
               <a:t>Increase efficiency</a:t>
             </a:r>
           </a:p>
@@ -3839,7 +3842,7 @@
               <a:buChar char="•"/>
             </a:pPr>
             <a:r>
-              <a:rPr lang="en-US" dirty="0"/>
+              <a:rPr lang="en-US" sz="2400" dirty="0"/>
               <a:t>The goal is simple: Improve business relationships.</a:t>
             </a:r>
           </a:p>
@@ -5099,8 +5102,8 @@
         </p:nvSpPr>
         <p:spPr>
           <a:xfrm flipH="1">
-            <a:off x="841056" y="601147"/>
-            <a:ext cx="9717406" cy="646331"/>
+            <a:off x="510988" y="601147"/>
+            <a:ext cx="10047474" cy="4985980"/>
           </a:xfrm>
           <a:prstGeom prst="rect">
             <a:avLst/>
@@ -5114,9 +5117,165 @@
           <a:lstStyle/>
           <a:p>
             <a:r>
-              <a:rPr lang="en-CA" dirty="0"/>
+              <a:rPr lang="en-CA" sz="2400" b="1" dirty="0"/>
               <a:t>What we learned:</a:t>
             </a:r>
+          </a:p>
+          <a:p>
+            <a:endParaRPr lang="en-CA" sz="2400" b="1" dirty="0"/>
+          </a:p>
+          <a:p>
+            <a:pPr marL="742950" lvl="1" indent="-285750">
+              <a:buFont typeface="Arial" panose="020B0604020202020204" pitchFamily="34" charset="0"/>
+              <a:buChar char="•"/>
+            </a:pPr>
+            <a:r>
+              <a:rPr lang="en-CA" b="1" dirty="0"/>
+              <a:t>Object-Oriented principles</a:t>
+            </a:r>
+          </a:p>
+          <a:p>
+            <a:pPr marL="742950" lvl="1" indent="-285750">
+              <a:buFont typeface="Arial" panose="020B0604020202020204" pitchFamily="34" charset="0"/>
+              <a:buChar char="•"/>
+            </a:pPr>
+            <a:r>
+              <a:rPr lang="en-CA" b="1" dirty="0"/>
+              <a:t>C# Automatic Properties</a:t>
+            </a:r>
+          </a:p>
+          <a:p>
+            <a:pPr marL="742950" lvl="1" indent="-285750">
+              <a:buFont typeface="Arial" panose="020B0604020202020204" pitchFamily="34" charset="0"/>
+              <a:buChar char="•"/>
+            </a:pPr>
+            <a:r>
+              <a:rPr lang="en-CA" b="1" dirty="0"/>
+              <a:t>The Model-View-</a:t>
+            </a:r>
+            <a:r>
+              <a:rPr lang="en-CA" b="1" dirty="0" err="1"/>
+              <a:t>ViewModel</a:t>
+            </a:r>
+            <a:r>
+              <a:rPr lang="en-CA" b="1" dirty="0"/>
+              <a:t> Pattern (</a:t>
+            </a:r>
+            <a:r>
+              <a:rPr lang="en-US" b="1" dirty="0"/>
+              <a:t>Separation of logic and presentation</a:t>
+            </a:r>
+            <a:r>
+              <a:rPr lang="en-CA" b="1" dirty="0"/>
+              <a:t>)</a:t>
+            </a:r>
+          </a:p>
+          <a:p>
+            <a:pPr marL="742950" lvl="1" indent="-285750">
+              <a:buFont typeface="Arial" panose="020B0604020202020204" pitchFamily="34" charset="0"/>
+              <a:buChar char="•"/>
+            </a:pPr>
+            <a:r>
+              <a:rPr lang="en-CA" b="1" dirty="0"/>
+              <a:t>Deal With Different WPF Controls Like:</a:t>
+            </a:r>
+          </a:p>
+          <a:p>
+            <a:pPr marL="1200150" lvl="2" indent="-285750">
+              <a:buFont typeface="Arial" panose="020B0604020202020204" pitchFamily="34" charset="0"/>
+              <a:buChar char="•"/>
+            </a:pPr>
+            <a:r>
+              <a:rPr lang="en-CA" b="1" dirty="0"/>
+              <a:t>Date Display and Selection: Calendar / Date Picker / Time Picker</a:t>
+            </a:r>
+          </a:p>
+          <a:p>
+            <a:pPr marL="1200150" lvl="2" indent="-285750">
+              <a:buFont typeface="Arial" panose="020B0604020202020204" pitchFamily="34" charset="0"/>
+              <a:buChar char="•"/>
+            </a:pPr>
+            <a:r>
+              <a:rPr lang="en-CA" b="1" dirty="0"/>
+              <a:t>Save/Open file dialogs</a:t>
+            </a:r>
+          </a:p>
+          <a:p>
+            <a:pPr marL="1200150" lvl="2" indent="-285750">
+              <a:buFont typeface="Arial" panose="020B0604020202020204" pitchFamily="34" charset="0"/>
+              <a:buChar char="•"/>
+            </a:pPr>
+            <a:r>
+              <a:rPr lang="en-CA" b="1" dirty="0"/>
+              <a:t>Layout: Grid / Stack Panel / Dock Panel</a:t>
+            </a:r>
+          </a:p>
+          <a:p>
+            <a:pPr marL="1200150" lvl="2" indent="-285750">
+              <a:buFont typeface="Arial" panose="020B0604020202020204" pitchFamily="34" charset="0"/>
+              <a:buChar char="•"/>
+            </a:pPr>
+            <a:r>
+              <a:rPr lang="en-CA" b="1" dirty="0"/>
+              <a:t>List View</a:t>
+            </a:r>
+          </a:p>
+          <a:p>
+            <a:pPr marL="1200150" lvl="2" indent="-285750">
+              <a:buFont typeface="Arial" panose="020B0604020202020204" pitchFamily="34" charset="0"/>
+              <a:buChar char="•"/>
+            </a:pPr>
+            <a:r>
+              <a:rPr lang="en-CA" b="1" dirty="0"/>
+              <a:t>Navigation Window and Tab Control</a:t>
+            </a:r>
+          </a:p>
+          <a:p>
+            <a:pPr marL="742950" lvl="1" indent="-285750">
+              <a:buFont typeface="Arial" panose="020B0604020202020204" pitchFamily="34" charset="0"/>
+              <a:buChar char="•"/>
+            </a:pPr>
+            <a:r>
+              <a:rPr lang="en-CA" b="1" dirty="0"/>
+              <a:t>Data Binding in WPF</a:t>
+            </a:r>
+          </a:p>
+          <a:p>
+            <a:pPr marL="742950" lvl="1" indent="-285750">
+              <a:buFont typeface="Arial" panose="020B0604020202020204" pitchFamily="34" charset="0"/>
+              <a:buChar char="•"/>
+            </a:pPr>
+            <a:r>
+              <a:rPr lang="en-CA" b="1" dirty="0"/>
+              <a:t>Customizing WPF Control templates</a:t>
+            </a:r>
+          </a:p>
+          <a:p>
+            <a:pPr marL="742950" lvl="1" indent="-285750">
+              <a:buFont typeface="Arial" panose="020B0604020202020204" pitchFamily="34" charset="0"/>
+              <a:buChar char="•"/>
+            </a:pPr>
+            <a:r>
+              <a:rPr lang="en-CA" b="1" dirty="0"/>
+              <a:t>ADO.NET</a:t>
+            </a:r>
+          </a:p>
+          <a:p>
+            <a:pPr marL="742950" lvl="1" indent="-285750">
+              <a:buFont typeface="Arial" panose="020B0604020202020204" pitchFamily="34" charset="0"/>
+              <a:buChar char="•"/>
+            </a:pPr>
+            <a:r>
+              <a:rPr lang="en-CA" b="1" dirty="0"/>
+              <a:t>Application Resources</a:t>
+            </a:r>
+          </a:p>
+          <a:p>
+            <a:pPr marL="285750" indent="-285750">
+              <a:buFont typeface="Arial" panose="020B0604020202020204" pitchFamily="34" charset="0"/>
+              <a:buChar char="•"/>
+            </a:pPr>
+            <a:endParaRPr lang="en-CA" dirty="0"/>
           </a:p>
           <a:p>
             <a:endParaRPr lang="en-CA" dirty="0"/>

--- a/CRM PROJECT.pptx
+++ b/CRM PROJECT.pptx
@@ -12,8 +12,9 @@
     <p:sldId id="260" r:id="rId6"/>
     <p:sldId id="263" r:id="rId7"/>
     <p:sldId id="264" r:id="rId8"/>
-    <p:sldId id="261" r:id="rId9"/>
-    <p:sldId id="262" r:id="rId10"/>
+    <p:sldId id="265" r:id="rId9"/>
+    <p:sldId id="261" r:id="rId10"/>
+    <p:sldId id="262" r:id="rId11"/>
   </p:sldIdLst>
   <p:sldSz cx="12192000" cy="6858000"/>
   <p:notesSz cx="6858000" cy="9144000"/>
@@ -3729,6 +3730,104 @@
 </p:sld>
 </file>
 
+<file path=ppt/slides/slide10.xml><?xml version="1.0" encoding="utf-8"?>
+<p:sld xmlns:a="http://schemas.openxmlformats.org/drawingml/2006/main" xmlns:r="http://schemas.openxmlformats.org/officeDocument/2006/relationships" xmlns:p="http://schemas.openxmlformats.org/presentationml/2006/main">
+  <p:cSld>
+    <p:spTree>
+      <p:nvGrpSpPr>
+        <p:cNvPr id="1" name=""/>
+        <p:cNvGrpSpPr/>
+        <p:nvPr/>
+      </p:nvGrpSpPr>
+      <p:grpSpPr>
+        <a:xfrm>
+          <a:off x="0" y="0"/>
+          <a:ext cx="0" cy="0"/>
+          <a:chOff x="0" y="0"/>
+          <a:chExt cx="0" cy="0"/>
+        </a:xfrm>
+      </p:grpSpPr>
+      <p:sp>
+        <p:nvSpPr>
+          <p:cNvPr id="2" name="TextBox 1"/>
+          <p:cNvSpPr txBox="1"/>
+          <p:nvPr/>
+        </p:nvSpPr>
+        <p:spPr>
+          <a:xfrm>
+            <a:off x="1057275" y="785813"/>
+            <a:ext cx="8415338" cy="369332"/>
+          </a:xfrm>
+          <a:prstGeom prst="rect">
+            <a:avLst/>
+          </a:prstGeom>
+          <a:noFill/>
+        </p:spPr>
+        <p:txBody>
+          <a:bodyPr wrap="square" rtlCol="0">
+            <a:spAutoFit/>
+          </a:bodyPr>
+          <a:lstStyle/>
+          <a:p>
+            <a:pPr marL="285750" indent="-285750">
+              <a:buFont typeface="Arial" panose="020B0604020202020204" pitchFamily="34" charset="0"/>
+              <a:buChar char="•"/>
+            </a:pPr>
+            <a:endParaRPr lang="en-US" dirty="0"/>
+          </a:p>
+        </p:txBody>
+      </p:sp>
+      <p:sp>
+        <p:nvSpPr>
+          <p:cNvPr id="3" name="TextBox 2">
+            <a:extLst>
+              <a:ext uri="{FF2B5EF4-FFF2-40B4-BE49-F238E27FC236}">
+                <a16:creationId xmlns:a16="http://schemas.microsoft.com/office/drawing/2014/main" id="{8AC78D0D-66A1-4A19-905E-11FD10D52662}"/>
+              </a:ext>
+            </a:extLst>
+          </p:cNvPr>
+          <p:cNvSpPr txBox="1"/>
+          <p:nvPr/>
+        </p:nvSpPr>
+        <p:spPr>
+          <a:xfrm flipH="1">
+            <a:off x="841056" y="601147"/>
+            <a:ext cx="9717406" cy="646331"/>
+          </a:xfrm>
+          <a:prstGeom prst="rect">
+            <a:avLst/>
+          </a:prstGeom>
+          <a:noFill/>
+        </p:spPr>
+        <p:txBody>
+          <a:bodyPr wrap="square" rtlCol="0">
+            <a:spAutoFit/>
+          </a:bodyPr>
+          <a:lstStyle/>
+          <a:p>
+            <a:r>
+              <a:rPr lang="en-CA" dirty="0"/>
+              <a:t>What we learned:</a:t>
+            </a:r>
+          </a:p>
+          <a:p>
+            <a:endParaRPr lang="en-CA" dirty="0"/>
+          </a:p>
+        </p:txBody>
+      </p:sp>
+    </p:spTree>
+    <p:extLst>
+      <p:ext uri="{BB962C8B-B14F-4D97-AF65-F5344CB8AC3E}">
+        <p14:creationId xmlns:p14="http://schemas.microsoft.com/office/powerpoint/2010/main" val="1641692"/>
+      </p:ext>
+    </p:extLst>
+  </p:cSld>
+  <p:clrMapOvr>
+    <a:masterClrMapping/>
+  </p:clrMapOvr>
+</p:sld>
+</file>
+
 <file path=ppt/slides/slide2.xml><?xml version="1.0" encoding="utf-8"?>
 <p:sld xmlns:a="http://schemas.openxmlformats.org/drawingml/2006/main" xmlns:r="http://schemas.openxmlformats.org/officeDocument/2006/relationships" xmlns:p="http://schemas.openxmlformats.org/presentationml/2006/main">
   <p:cSld>
@@ -4471,8 +4570,16 @@
           <a:lstStyle/>
           <a:p>
             <a:r>
+              <a:rPr lang="en-CA" dirty="0" smtClean="0"/>
+              <a:t>Store</a:t>
+            </a:r>
+            <a:r>
+              <a:rPr lang="en-CA" dirty="0" smtClean="0"/>
+              <a:t> </a:t>
+            </a:r>
+            <a:r>
               <a:rPr lang="en-CA" dirty="0"/>
-              <a:t>Keep User id from Login Screen</a:t>
+              <a:t>User id from Login Screen</a:t>
             </a:r>
           </a:p>
         </p:txBody>
@@ -4884,6 +4991,54 @@
           </a:p>
         </p:txBody>
       </p:sp>
+      <p:pic>
+        <p:nvPicPr>
+          <p:cNvPr id="3" name="Picture 2"/>
+          <p:cNvPicPr>
+            <a:picLocks noChangeAspect="1"/>
+          </p:cNvPicPr>
+          <p:nvPr/>
+        </p:nvPicPr>
+        <p:blipFill>
+          <a:blip r:embed="rId2"/>
+          <a:stretch>
+            <a:fillRect/>
+          </a:stretch>
+        </p:blipFill>
+        <p:spPr>
+          <a:xfrm>
+            <a:off x="6610138" y="2216731"/>
+            <a:ext cx="5462800" cy="2912481"/>
+          </a:xfrm>
+          <a:prstGeom prst="rect">
+            <a:avLst/>
+          </a:prstGeom>
+        </p:spPr>
+      </p:pic>
+      <p:pic>
+        <p:nvPicPr>
+          <p:cNvPr id="4" name="Picture 3"/>
+          <p:cNvPicPr>
+            <a:picLocks noChangeAspect="1"/>
+          </p:cNvPicPr>
+          <p:nvPr/>
+        </p:nvPicPr>
+        <p:blipFill>
+          <a:blip r:embed="rId3"/>
+          <a:stretch>
+            <a:fillRect/>
+          </a:stretch>
+        </p:blipFill>
+        <p:spPr>
+          <a:xfrm>
+            <a:off x="49306" y="3400425"/>
+            <a:ext cx="6448425" cy="3457575"/>
+          </a:xfrm>
+          <a:prstGeom prst="rect">
+            <a:avLst/>
+          </a:prstGeom>
+        </p:spPr>
+      </p:pic>
     </p:spTree>
     <p:extLst>
       <p:ext uri="{BB962C8B-B14F-4D97-AF65-F5344CB8AC3E}">
@@ -4914,6 +5069,137 @@
           <a:chExt cx="0" cy="0"/>
         </a:xfrm>
       </p:grpSpPr>
+      <p:pic>
+        <p:nvPicPr>
+          <p:cNvPr id="4" name="Picture 3"/>
+          <p:cNvPicPr>
+            <a:picLocks noChangeAspect="1"/>
+          </p:cNvPicPr>
+          <p:nvPr/>
+        </p:nvPicPr>
+        <p:blipFill>
+          <a:blip r:embed="rId2"/>
+          <a:stretch>
+            <a:fillRect/>
+          </a:stretch>
+        </p:blipFill>
+        <p:spPr>
+          <a:xfrm>
+            <a:off x="5491802" y="257765"/>
+            <a:ext cx="6661593" cy="1762125"/>
+          </a:xfrm>
+          <a:prstGeom prst="rect">
+            <a:avLst/>
+          </a:prstGeom>
+        </p:spPr>
+      </p:pic>
+      <p:sp>
+        <p:nvSpPr>
+          <p:cNvPr id="5" name="TextBox 4"/>
+          <p:cNvSpPr txBox="1"/>
+          <p:nvPr/>
+        </p:nvSpPr>
+        <p:spPr>
+          <a:xfrm>
+            <a:off x="504968" y="723330"/>
+            <a:ext cx="4067032" cy="523220"/>
+          </a:xfrm>
+          <a:prstGeom prst="rect">
+            <a:avLst/>
+          </a:prstGeom>
+          <a:noFill/>
+        </p:spPr>
+        <p:txBody>
+          <a:bodyPr wrap="square" rtlCol="0">
+            <a:spAutoFit/>
+          </a:bodyPr>
+          <a:lstStyle/>
+          <a:p>
+            <a:r>
+              <a:rPr lang="en-CA" sz="2800" b="1" dirty="0" smtClean="0"/>
+              <a:t>Sorting Without MVVM</a:t>
+            </a:r>
+          </a:p>
+        </p:txBody>
+      </p:sp>
+      <p:pic>
+        <p:nvPicPr>
+          <p:cNvPr id="6" name="Picture 5"/>
+          <p:cNvPicPr>
+            <a:picLocks noChangeAspect="1"/>
+          </p:cNvPicPr>
+          <p:nvPr/>
+        </p:nvPicPr>
+        <p:blipFill>
+          <a:blip r:embed="rId3"/>
+          <a:stretch>
+            <a:fillRect/>
+          </a:stretch>
+        </p:blipFill>
+        <p:spPr>
+          <a:xfrm>
+            <a:off x="5491802" y="2112773"/>
+            <a:ext cx="6661593" cy="4745227"/>
+          </a:xfrm>
+          <a:prstGeom prst="rect">
+            <a:avLst/>
+          </a:prstGeom>
+        </p:spPr>
+      </p:pic>
+      <p:pic>
+        <p:nvPicPr>
+          <p:cNvPr id="7" name="Picture 6"/>
+          <p:cNvPicPr>
+            <a:picLocks noChangeAspect="1"/>
+          </p:cNvPicPr>
+          <p:nvPr/>
+        </p:nvPicPr>
+        <p:blipFill>
+          <a:blip r:embed="rId4"/>
+          <a:stretch>
+            <a:fillRect/>
+          </a:stretch>
+        </p:blipFill>
+        <p:spPr>
+          <a:xfrm>
+            <a:off x="0" y="3115598"/>
+            <a:ext cx="5724525" cy="790575"/>
+          </a:xfrm>
+          <a:prstGeom prst="rect">
+            <a:avLst/>
+          </a:prstGeom>
+        </p:spPr>
+      </p:pic>
+    </p:spTree>
+    <p:extLst>
+      <p:ext uri="{BB962C8B-B14F-4D97-AF65-F5344CB8AC3E}">
+        <p14:creationId xmlns:p14="http://schemas.microsoft.com/office/powerpoint/2010/main" val="2384295362"/>
+      </p:ext>
+    </p:extLst>
+  </p:cSld>
+  <p:clrMapOvr>
+    <a:masterClrMapping/>
+  </p:clrMapOvr>
+</p:sld>
+</file>
+
+<file path=ppt/slides/slide9.xml><?xml version="1.0" encoding="utf-8"?>
+<p:sld xmlns:a="http://schemas.openxmlformats.org/drawingml/2006/main" xmlns:r="http://schemas.openxmlformats.org/officeDocument/2006/relationships" xmlns:p="http://schemas.openxmlformats.org/presentationml/2006/main">
+  <p:cSld>
+    <p:spTree>
+      <p:nvGrpSpPr>
+        <p:cNvPr id="1" name=""/>
+        <p:cNvGrpSpPr/>
+        <p:nvPr/>
+      </p:nvGrpSpPr>
+      <p:grpSpPr>
+        <a:xfrm>
+          <a:off x="0" y="0"/>
+          <a:ext cx="0" cy="0"/>
+          <a:chOff x="0" y="0"/>
+          <a:chExt cx="0" cy="0"/>
+        </a:xfrm>
+      </p:grpSpPr>
       <p:sp>
         <p:nvSpPr>
           <p:cNvPr id="2" name="TextBox 1"/>
@@ -5029,104 +5315,6 @@
     <p:extLst>
       <p:ext uri="{BB962C8B-B14F-4D97-AF65-F5344CB8AC3E}">
         <p14:creationId xmlns:p14="http://schemas.microsoft.com/office/powerpoint/2010/main" val="1781100221"/>
-      </p:ext>
-    </p:extLst>
-  </p:cSld>
-  <p:clrMapOvr>
-    <a:masterClrMapping/>
-  </p:clrMapOvr>
-</p:sld>
-</file>
-
-<file path=ppt/slides/slide9.xml><?xml version="1.0" encoding="utf-8"?>
-<p:sld xmlns:a="http://schemas.openxmlformats.org/drawingml/2006/main" xmlns:r="http://schemas.openxmlformats.org/officeDocument/2006/relationships" xmlns:p="http://schemas.openxmlformats.org/presentationml/2006/main">
-  <p:cSld>
-    <p:spTree>
-      <p:nvGrpSpPr>
-        <p:cNvPr id="1" name=""/>
-        <p:cNvGrpSpPr/>
-        <p:nvPr/>
-      </p:nvGrpSpPr>
-      <p:grpSpPr>
-        <a:xfrm>
-          <a:off x="0" y="0"/>
-          <a:ext cx="0" cy="0"/>
-          <a:chOff x="0" y="0"/>
-          <a:chExt cx="0" cy="0"/>
-        </a:xfrm>
-      </p:grpSpPr>
-      <p:sp>
-        <p:nvSpPr>
-          <p:cNvPr id="2" name="TextBox 1"/>
-          <p:cNvSpPr txBox="1"/>
-          <p:nvPr/>
-        </p:nvSpPr>
-        <p:spPr>
-          <a:xfrm>
-            <a:off x="1057275" y="785813"/>
-            <a:ext cx="8415338" cy="369332"/>
-          </a:xfrm>
-          <a:prstGeom prst="rect">
-            <a:avLst/>
-          </a:prstGeom>
-          <a:noFill/>
-        </p:spPr>
-        <p:txBody>
-          <a:bodyPr wrap="square" rtlCol="0">
-            <a:spAutoFit/>
-          </a:bodyPr>
-          <a:lstStyle/>
-          <a:p>
-            <a:pPr marL="285750" indent="-285750">
-              <a:buFont typeface="Arial" panose="020B0604020202020204" pitchFamily="34" charset="0"/>
-              <a:buChar char="•"/>
-            </a:pPr>
-            <a:endParaRPr lang="en-US" dirty="0"/>
-          </a:p>
-        </p:txBody>
-      </p:sp>
-      <p:sp>
-        <p:nvSpPr>
-          <p:cNvPr id="3" name="TextBox 2">
-            <a:extLst>
-              <a:ext uri="{FF2B5EF4-FFF2-40B4-BE49-F238E27FC236}">
-                <a16:creationId xmlns:a16="http://schemas.microsoft.com/office/drawing/2014/main" id="{8AC78D0D-66A1-4A19-905E-11FD10D52662}"/>
-              </a:ext>
-            </a:extLst>
-          </p:cNvPr>
-          <p:cNvSpPr txBox="1"/>
-          <p:nvPr/>
-        </p:nvSpPr>
-        <p:spPr>
-          <a:xfrm flipH="1">
-            <a:off x="841056" y="601147"/>
-            <a:ext cx="9717406" cy="646331"/>
-          </a:xfrm>
-          <a:prstGeom prst="rect">
-            <a:avLst/>
-          </a:prstGeom>
-          <a:noFill/>
-        </p:spPr>
-        <p:txBody>
-          <a:bodyPr wrap="square" rtlCol="0">
-            <a:spAutoFit/>
-          </a:bodyPr>
-          <a:lstStyle/>
-          <a:p>
-            <a:r>
-              <a:rPr lang="en-CA" dirty="0"/>
-              <a:t>What we learned:</a:t>
-            </a:r>
-          </a:p>
-          <a:p>
-            <a:endParaRPr lang="en-CA" dirty="0"/>
-          </a:p>
-        </p:txBody>
-      </p:sp>
-    </p:spTree>
-    <p:extLst>
-      <p:ext uri="{BB962C8B-B14F-4D97-AF65-F5344CB8AC3E}">
-        <p14:creationId xmlns:p14="http://schemas.microsoft.com/office/powerpoint/2010/main" val="1641692"/>
       </p:ext>
     </p:extLst>
   </p:cSld>

--- a/CRM PROJECT.pptx
+++ b/CRM PROJECT.pptx
@@ -349,7 +349,7 @@
           <a:p>
             <a:fld id="{452B8D19-34BD-4503-9107-67553B7CCA4B}" type="datetimeFigureOut">
               <a:rPr lang="en-US" smtClean="0"/>
-              <a:t>10/16/2017</a:t>
+              <a:t>10/17/2017</a:t>
             </a:fld>
             <a:endParaRPr lang="en-US"/>
           </a:p>
@@ -519,7 +519,7 @@
           <a:p>
             <a:fld id="{452B8D19-34BD-4503-9107-67553B7CCA4B}" type="datetimeFigureOut">
               <a:rPr lang="en-US" smtClean="0"/>
-              <a:t>10/16/2017</a:t>
+              <a:t>10/17/2017</a:t>
             </a:fld>
             <a:endParaRPr lang="en-US"/>
           </a:p>
@@ -699,7 +699,7 @@
           <a:p>
             <a:fld id="{452B8D19-34BD-4503-9107-67553B7CCA4B}" type="datetimeFigureOut">
               <a:rPr lang="en-US" smtClean="0"/>
-              <a:t>10/16/2017</a:t>
+              <a:t>10/17/2017</a:t>
             </a:fld>
             <a:endParaRPr lang="en-US"/>
           </a:p>
@@ -869,7 +869,7 @@
           <a:p>
             <a:fld id="{452B8D19-34BD-4503-9107-67553B7CCA4B}" type="datetimeFigureOut">
               <a:rPr lang="en-US" smtClean="0"/>
-              <a:t>10/16/2017</a:t>
+              <a:t>10/17/2017</a:t>
             </a:fld>
             <a:endParaRPr lang="en-US"/>
           </a:p>
@@ -1127,7 +1127,7 @@
           <a:p>
             <a:fld id="{452B8D19-34BD-4503-9107-67553B7CCA4B}" type="datetimeFigureOut">
               <a:rPr lang="en-US" smtClean="0"/>
-              <a:t>10/16/2017</a:t>
+              <a:t>10/17/2017</a:t>
             </a:fld>
             <a:endParaRPr lang="en-US"/>
           </a:p>
@@ -1415,7 +1415,7 @@
           <a:p>
             <a:fld id="{452B8D19-34BD-4503-9107-67553B7CCA4B}" type="datetimeFigureOut">
               <a:rPr lang="en-US" smtClean="0"/>
-              <a:t>10/16/2017</a:t>
+              <a:t>10/17/2017</a:t>
             </a:fld>
             <a:endParaRPr lang="en-US"/>
           </a:p>
@@ -1857,7 +1857,7 @@
           <a:p>
             <a:fld id="{452B8D19-34BD-4503-9107-67553B7CCA4B}" type="datetimeFigureOut">
               <a:rPr lang="en-US" smtClean="0"/>
-              <a:t>10/16/2017</a:t>
+              <a:t>10/17/2017</a:t>
             </a:fld>
             <a:endParaRPr lang="en-US"/>
           </a:p>
@@ -1975,7 +1975,7 @@
           <a:p>
             <a:fld id="{452B8D19-34BD-4503-9107-67553B7CCA4B}" type="datetimeFigureOut">
               <a:rPr lang="en-US" smtClean="0"/>
-              <a:t>10/16/2017</a:t>
+              <a:t>10/17/2017</a:t>
             </a:fld>
             <a:endParaRPr lang="en-US"/>
           </a:p>
@@ -2070,7 +2070,7 @@
           <a:p>
             <a:fld id="{452B8D19-34BD-4503-9107-67553B7CCA4B}" type="datetimeFigureOut">
               <a:rPr lang="en-US" smtClean="0"/>
-              <a:t>10/16/2017</a:t>
+              <a:t>10/17/2017</a:t>
             </a:fld>
             <a:endParaRPr lang="en-US"/>
           </a:p>
@@ -2358,7 +2358,7 @@
           <a:p>
             <a:fld id="{452B8D19-34BD-4503-9107-67553B7CCA4B}" type="datetimeFigureOut">
               <a:rPr lang="en-US" smtClean="0"/>
-              <a:t>10/16/2017</a:t>
+              <a:t>10/17/2017</a:t>
             </a:fld>
             <a:endParaRPr lang="en-US"/>
           </a:p>
@@ -2631,7 +2631,7 @@
           <a:p>
             <a:fld id="{452B8D19-34BD-4503-9107-67553B7CCA4B}" type="datetimeFigureOut">
               <a:rPr lang="en-US" smtClean="0"/>
-              <a:t>10/16/2017</a:t>
+              <a:t>10/17/2017</a:t>
             </a:fld>
             <a:endParaRPr lang="en-US"/>
           </a:p>
@@ -2928,7 +2928,7 @@
           <a:p>
             <a:fld id="{452B8D19-34BD-4503-9107-67553B7CCA4B}" type="datetimeFigureOut">
               <a:rPr lang="en-US" smtClean="0"/>
-              <a:t>10/16/2017</a:t>
+              <a:t>10/17/2017</a:t>
             </a:fld>
             <a:endParaRPr lang="en-US"/>
           </a:p>
@@ -3672,7 +3672,7 @@
         <p:spPr>
           <a:xfrm>
             <a:off x="187257" y="3878482"/>
-            <a:ext cx="8947553" cy="2123658"/>
+            <a:ext cx="8947553" cy="1569660"/>
           </a:xfrm>
           <a:prstGeom prst="rect">
             <a:avLst/>
@@ -3709,8 +3709,13 @@
             </a:r>
             <a:r>
               <a:rPr lang="en-US" dirty="0"/>
-              <a:t>) is a technology to manage and analyze customer interactions throughout the customer lifecycle, with the goal of improving business relationships with current customers and potential customers. CRM systems are designed to compile information on customers across different channels  which could include the company's website, telephone, live chat, direct mail,… </a:t>
-            </a:r>
+              <a:t>) is a technology to manage and analyze customer interactions throughout the customer lifecycle, with the goal of improving business relationships with current customers and potential customers</a:t>
+            </a:r>
+            <a:r>
+              <a:rPr lang="en-US" dirty="0" smtClean="0"/>
+              <a:t>.</a:t>
+            </a:r>
+            <a:endParaRPr lang="en-US" dirty="0"/>
           </a:p>
           <a:p>
             <a:endParaRPr lang="en-US" dirty="0"/>
@@ -4370,7 +4375,7 @@
         </p:blipFill>
         <p:spPr>
           <a:xfrm>
-            <a:off x="2401737" y="3016994"/>
+            <a:off x="2608501" y="3052853"/>
             <a:ext cx="2967903" cy="3679805"/>
           </a:xfrm>
           <a:prstGeom prst="rect">
@@ -4571,11 +4576,7 @@
           <a:p>
             <a:r>
               <a:rPr lang="en-CA" dirty="0" smtClean="0"/>
-              <a:t>Store</a:t>
-            </a:r>
-            <a:r>
-              <a:rPr lang="en-CA" dirty="0" smtClean="0"/>
-              <a:t> </a:t>
+              <a:t>Store </a:t>
             </a:r>
             <a:r>
               <a:rPr lang="en-CA" dirty="0"/>
@@ -4913,7 +4914,7 @@
         <p:spPr>
           <a:xfrm>
             <a:off x="49306" y="225041"/>
-            <a:ext cx="12023632" cy="2805063"/>
+            <a:ext cx="12023632" cy="2308324"/>
           </a:xfrm>
           <a:prstGeom prst="rect">
             <a:avLst/>
@@ -4973,21 +4974,13 @@
             </a:pPr>
             <a:r>
               <a:rPr lang="en-US" sz="2400" dirty="0"/>
-              <a:t>Create Graphic with multiline</a:t>
-            </a:r>
-          </a:p>
-          <a:p>
-            <a:pPr marL="742950" lvl="1" indent="-285750">
-              <a:lnSpc>
-                <a:spcPct val="150000"/>
-              </a:lnSpc>
-              <a:buFont typeface="Arial" panose="020B0604020202020204" pitchFamily="34" charset="0"/>
-              <a:buChar char="•"/>
-            </a:pPr>
-            <a:r>
-              <a:rPr lang="en-US" sz="2400" dirty="0"/>
-              <a:t>Sorting</a:t>
-            </a:r>
+              <a:t>Create Graphic with </a:t>
+            </a:r>
+            <a:r>
+              <a:rPr lang="en-US" sz="2400" dirty="0" smtClean="0"/>
+              <a:t>multiline</a:t>
+            </a:r>
+            <a:endParaRPr lang="en-US" sz="2400" dirty="0"/>
           </a:p>
         </p:txBody>
       </p:sp>
@@ -5102,7 +5095,7 @@
         <p:spPr>
           <a:xfrm>
             <a:off x="504968" y="723330"/>
-            <a:ext cx="4067032" cy="523220"/>
+            <a:ext cx="4067032" cy="1261884"/>
           </a:xfrm>
           <a:prstGeom prst="rect">
             <a:avLst/>
@@ -5115,10 +5108,43 @@
           </a:bodyPr>
           <a:lstStyle/>
           <a:p>
+            <a:pPr marL="342900" indent="-342900">
+              <a:buFont typeface="Arial" panose="020B0604020202020204" pitchFamily="34" charset="0"/>
+              <a:buChar char="•"/>
+            </a:pPr>
+            <a:r>
+              <a:rPr lang="en-CA" sz="2400" b="1" dirty="0" smtClean="0"/>
+              <a:t>Client side validation</a:t>
+            </a:r>
+          </a:p>
+          <a:p>
+            <a:pPr marL="342900" indent="-342900">
+              <a:buFont typeface="Arial" panose="020B0604020202020204" pitchFamily="34" charset="0"/>
+              <a:buChar char="•"/>
+            </a:pPr>
+            <a:r>
+              <a:rPr lang="en-CA" sz="2400" b="1" dirty="0" smtClean="0"/>
+              <a:t>Sorting</a:t>
+            </a:r>
             <a:r>
               <a:rPr lang="en-CA" sz="2800" b="1" dirty="0" smtClean="0"/>
-              <a:t>Sorting Without MVVM</a:t>
-            </a:r>
+              <a:t> </a:t>
+            </a:r>
+            <a:r>
+              <a:rPr lang="en-CA" sz="2800" b="1" dirty="0"/>
+              <a:t>w</a:t>
+            </a:r>
+            <a:r>
+              <a:rPr lang="en-CA" sz="2800" b="1" dirty="0" smtClean="0"/>
+              <a:t>ithout MVVM</a:t>
+            </a:r>
+          </a:p>
+          <a:p>
+            <a:pPr marL="342900" indent="-342900">
+              <a:buFont typeface="Arial" panose="020B0604020202020204" pitchFamily="34" charset="0"/>
+              <a:buChar char="•"/>
+            </a:pPr>
+            <a:endParaRPr lang="en-CA" sz="2400" b="1" dirty="0" smtClean="0"/>
           </a:p>
         </p:txBody>
       </p:sp>
@@ -5148,7 +5174,7 @@
       </p:pic>
       <p:pic>
         <p:nvPicPr>
-          <p:cNvPr id="7" name="Picture 6"/>
+          <p:cNvPr id="3" name="Picture 2"/>
           <p:cNvPicPr>
             <a:picLocks noChangeAspect="1"/>
           </p:cNvPicPr>
@@ -5162,8 +5188,8 @@
         </p:blipFill>
         <p:spPr>
           <a:xfrm>
-            <a:off x="0" y="3115598"/>
-            <a:ext cx="5724525" cy="790575"/>
+            <a:off x="128800" y="1826454"/>
+            <a:ext cx="5219700" cy="2085975"/>
           </a:xfrm>
           <a:prstGeom prst="rect">
             <a:avLst/>

--- a/CRM PROJECT.pptx
+++ b/CRM PROJECT.pptx
@@ -3732,6 +3732,13 @@
   <p:clrMapOvr>
     <a:masterClrMapping/>
   </p:clrMapOvr>
+  <p:timing>
+    <p:tnLst>
+      <p:par>
+        <p:cTn id="1" dur="indefinite" restart="never" nodeType="tmRoot"/>
+      </p:par>
+    </p:tnLst>
+  </p:timing>
 </p:sld>
 </file>
 
@@ -3796,8 +3803,8 @@
         </p:nvSpPr>
         <p:spPr>
           <a:xfrm flipH="1">
-            <a:off x="841056" y="601147"/>
-            <a:ext cx="9717406" cy="646331"/>
+            <a:off x="1289942" y="592835"/>
+            <a:ext cx="9717406" cy="4524315"/>
           </a:xfrm>
           <a:prstGeom prst="rect">
             <a:avLst/>
@@ -3810,13 +3817,224 @@
           </a:bodyPr>
           <a:lstStyle/>
           <a:p>
-            <a:r>
-              <a:rPr lang="en-CA" dirty="0"/>
-              <a:t>What we learned:</a:t>
-            </a:r>
-          </a:p>
-          <a:p>
+            <a:pPr>
+              <a:lnSpc>
+                <a:spcPct val="150000"/>
+              </a:lnSpc>
+            </a:pPr>
+            <a:r>
+              <a:rPr lang="en-CA" sz="2400" b="1" dirty="0"/>
+              <a:t>What we learned</a:t>
+            </a:r>
+            <a:r>
+              <a:rPr lang="en-CA" sz="2400" dirty="0" smtClean="0"/>
+              <a:t>:</a:t>
+            </a:r>
+          </a:p>
+          <a:p>
+            <a:pPr marL="285750" indent="-285750">
+              <a:lnSpc>
+                <a:spcPct val="150000"/>
+              </a:lnSpc>
+              <a:buFont typeface="Arial" panose="020B0604020202020204" pitchFamily="34" charset="0"/>
+              <a:buChar char="•"/>
+            </a:pPr>
+            <a:r>
+              <a:rPr lang="en-CA" dirty="0" smtClean="0"/>
+              <a:t>Concept of Object Oriented Programming</a:t>
+            </a:r>
+          </a:p>
+          <a:p>
+            <a:pPr marL="285750" indent="-285750">
+              <a:lnSpc>
+                <a:spcPct val="150000"/>
+              </a:lnSpc>
+              <a:buFont typeface="Arial" panose="020B0604020202020204" pitchFamily="34" charset="0"/>
+              <a:buChar char="•"/>
+            </a:pPr>
+            <a:r>
+              <a:rPr lang="en-CA" dirty="0" smtClean="0"/>
+              <a:t>Using MVVM few part of the project (Separation of logic and presentation)</a:t>
+            </a:r>
+          </a:p>
+          <a:p>
+            <a:pPr marL="285750" indent="-285750">
+              <a:lnSpc>
+                <a:spcPct val="150000"/>
+              </a:lnSpc>
+              <a:buFont typeface="Arial" panose="020B0604020202020204" pitchFamily="34" charset="0"/>
+              <a:buChar char="•"/>
+            </a:pPr>
+            <a:r>
+              <a:rPr lang="en-CA" dirty="0" smtClean="0"/>
+              <a:t>Use different type of controls in WPF:</a:t>
+            </a:r>
+          </a:p>
+          <a:p>
+            <a:pPr marL="742950" lvl="1" indent="-285750">
+              <a:lnSpc>
+                <a:spcPct val="150000"/>
+              </a:lnSpc>
+              <a:buFont typeface="Arial" panose="020B0604020202020204" pitchFamily="34" charset="0"/>
+              <a:buChar char="•"/>
+            </a:pPr>
+            <a:r>
+              <a:rPr lang="en-CA" dirty="0" smtClean="0"/>
+              <a:t>Data Display: </a:t>
+            </a:r>
+            <a:r>
+              <a:rPr lang="en-CA" dirty="0" err="1" smtClean="0"/>
+              <a:t>DataGrid</a:t>
+            </a:r>
+            <a:r>
+              <a:rPr lang="en-CA" dirty="0" smtClean="0"/>
+              <a:t>, </a:t>
+            </a:r>
+            <a:r>
+              <a:rPr lang="en-CA" dirty="0" err="1" smtClean="0"/>
+              <a:t>ListView</a:t>
+            </a:r>
+            <a:endParaRPr lang="en-CA" dirty="0" smtClean="0"/>
+          </a:p>
+          <a:p>
+            <a:pPr marL="742950" lvl="1" indent="-285750">
+              <a:lnSpc>
+                <a:spcPct val="150000"/>
+              </a:lnSpc>
+              <a:buFont typeface="Arial" panose="020B0604020202020204" pitchFamily="34" charset="0"/>
+              <a:buChar char="•"/>
+            </a:pPr>
+            <a:r>
+              <a:rPr lang="en-CA" dirty="0" smtClean="0"/>
+              <a:t>Date Display and Selection: Calendar, </a:t>
+            </a:r>
+            <a:r>
+              <a:rPr lang="en-CA" dirty="0" err="1" smtClean="0"/>
+              <a:t>DatePicker</a:t>
+            </a:r>
+            <a:r>
+              <a:rPr lang="en-CA" dirty="0" smtClean="0"/>
+              <a:t> and </a:t>
+            </a:r>
+            <a:r>
+              <a:rPr lang="en-CA" dirty="0" err="1" smtClean="0"/>
+              <a:t>TimePicker</a:t>
+            </a:r>
+            <a:endParaRPr lang="en-CA" dirty="0" smtClean="0"/>
+          </a:p>
+          <a:p>
+            <a:pPr marL="742950" lvl="1" indent="-285750">
+              <a:lnSpc>
+                <a:spcPct val="150000"/>
+              </a:lnSpc>
+              <a:buFont typeface="Arial" panose="020B0604020202020204" pitchFamily="34" charset="0"/>
+              <a:buChar char="•"/>
+            </a:pPr>
+            <a:r>
+              <a:rPr lang="en-CA" dirty="0" smtClean="0"/>
+              <a:t>Layout: </a:t>
+            </a:r>
+            <a:r>
+              <a:rPr lang="en-CA" dirty="0" err="1" smtClean="0"/>
+              <a:t>DockPanel</a:t>
+            </a:r>
+            <a:r>
+              <a:rPr lang="en-CA" dirty="0" smtClean="0"/>
+              <a:t>, </a:t>
+            </a:r>
+            <a:r>
+              <a:rPr lang="en-CA" dirty="0" err="1" smtClean="0"/>
+              <a:t>StackPanel</a:t>
+            </a:r>
             <a:endParaRPr lang="en-CA" dirty="0"/>
+          </a:p>
+          <a:p>
+            <a:pPr marL="742950" lvl="1" indent="-285750">
+              <a:lnSpc>
+                <a:spcPct val="150000"/>
+              </a:lnSpc>
+              <a:buFont typeface="Arial" panose="020B0604020202020204" pitchFamily="34" charset="0"/>
+              <a:buChar char="•"/>
+            </a:pPr>
+            <a:r>
+              <a:rPr lang="en-CA" dirty="0" smtClean="0"/>
+              <a:t>Navigation: Frame, </a:t>
+            </a:r>
+            <a:r>
+              <a:rPr lang="en-CA" dirty="0" err="1" smtClean="0"/>
+              <a:t>TabControl</a:t>
+            </a:r>
+            <a:r>
+              <a:rPr lang="en-CA" dirty="0" smtClean="0"/>
+              <a:t>, Page, Window</a:t>
+            </a:r>
+          </a:p>
+          <a:p>
+            <a:pPr marL="285750" indent="-285750">
+              <a:lnSpc>
+                <a:spcPct val="150000"/>
+              </a:lnSpc>
+              <a:buFont typeface="Arial" panose="020B0604020202020204" pitchFamily="34" charset="0"/>
+              <a:buChar char="•"/>
+            </a:pPr>
+            <a:r>
+              <a:rPr lang="en-CA" dirty="0" smtClean="0"/>
+              <a:t>Make different Template and style for control</a:t>
+            </a:r>
+          </a:p>
+          <a:p>
+            <a:endParaRPr lang="en-CA" dirty="0"/>
+          </a:p>
+          <a:p>
+            <a:pPr marL="285750" indent="-285750">
+              <a:buFont typeface="Arial" panose="020B0604020202020204" pitchFamily="34" charset="0"/>
+              <a:buChar char="•"/>
+            </a:pPr>
+            <a:endParaRPr lang="en-CA" dirty="0"/>
+          </a:p>
+        </p:txBody>
+      </p:sp>
+      <p:sp>
+        <p:nvSpPr>
+          <p:cNvPr id="4" name="TextBox 3"/>
+          <p:cNvSpPr txBox="1"/>
+          <p:nvPr/>
+        </p:nvSpPr>
+        <p:spPr>
+          <a:xfrm>
+            <a:off x="3308465" y="5245329"/>
+            <a:ext cx="4580313" cy="584775"/>
+          </a:xfrm>
+          <a:prstGeom prst="rect">
+            <a:avLst/>
+          </a:prstGeom>
+          <a:noFill/>
+        </p:spPr>
+        <p:txBody>
+          <a:bodyPr wrap="square" rtlCol="0">
+            <a:spAutoFit/>
+          </a:bodyPr>
+          <a:lstStyle/>
+          <a:p>
+            <a:r>
+              <a:rPr lang="en-US" sz="3200" dirty="0" smtClean="0">
+                <a:solidFill>
+                  <a:schemeClr val="accent5">
+                    <a:lumMod val="40000"/>
+                    <a:lumOff val="60000"/>
+                  </a:schemeClr>
+                </a:solidFill>
+              </a:rPr>
+              <a:t>Thank you for your time!</a:t>
+            </a:r>
+            <a:endParaRPr lang="en-US" sz="3200" dirty="0">
+              <a:solidFill>
+                <a:schemeClr val="accent5">
+                  <a:lumMod val="40000"/>
+                  <a:lumOff val="60000"/>
+                </a:schemeClr>
+              </a:solidFill>
+            </a:endParaRPr>
           </a:p>
         </p:txBody>
       </p:sp>
@@ -3830,6 +4048,13 @@
   <p:clrMapOvr>
     <a:masterClrMapping/>
   </p:clrMapOvr>
+  <p:timing>
+    <p:tnLst>
+      <p:par>
+        <p:cTn id="1" dur="indefinite" restart="never" nodeType="tmRoot"/>
+      </p:par>
+    </p:tnLst>
+  </p:timing>
 </p:sld>
 </file>
 
@@ -3859,7 +4084,7 @@
         <p:spPr>
           <a:xfrm>
             <a:off x="425824" y="412377"/>
-            <a:ext cx="10430598" cy="2462213"/>
+            <a:ext cx="10430598" cy="3604192"/>
           </a:xfrm>
           <a:prstGeom prst="rect">
             <a:avLst/>
@@ -3872,6 +4097,11 @@
           </a:bodyPr>
           <a:lstStyle/>
           <a:p>
+            <a:pPr>
+              <a:lnSpc>
+                <a:spcPct val="150000"/>
+              </a:lnSpc>
+            </a:pPr>
             <a:r>
               <a:rPr lang="en-US" sz="2800" b="1" dirty="0"/>
               <a:t>Background</a:t>
@@ -3879,6 +4109,9 @@
           </a:p>
           <a:p>
             <a:pPr marL="742950" lvl="1" indent="-285750">
+              <a:lnSpc>
+                <a:spcPct val="150000"/>
+              </a:lnSpc>
               <a:buFont typeface="Arial" panose="020B0604020202020204" pitchFamily="34" charset="0"/>
               <a:buChar char="•"/>
             </a:pPr>
@@ -3889,6 +4122,9 @@
           </a:p>
           <a:p>
             <a:pPr marL="742950" lvl="1" indent="-285750">
+              <a:lnSpc>
+                <a:spcPct val="150000"/>
+              </a:lnSpc>
               <a:buFont typeface="Arial" panose="020B0604020202020204" pitchFamily="34" charset="0"/>
               <a:buChar char="•"/>
             </a:pPr>
@@ -3899,53 +4135,94 @@
           </a:p>
           <a:p>
             <a:pPr marL="742950" lvl="1" indent="-285750">
+              <a:lnSpc>
+                <a:spcPct val="150000"/>
+              </a:lnSpc>
               <a:buFont typeface="Arial" panose="020B0604020202020204" pitchFamily="34" charset="0"/>
               <a:buChar char="•"/>
             </a:pPr>
             <a:r>
               <a:rPr lang="en-US" dirty="0"/>
-              <a:t>Ability of show works day of Sales Person</a:t>
+              <a:t>Ability of show works day of Sales </a:t>
+            </a:r>
+            <a:r>
+              <a:rPr lang="en-US" dirty="0" smtClean="0"/>
+              <a:t>Person</a:t>
             </a:r>
           </a:p>
           <a:p>
             <a:pPr marL="742950" lvl="1" indent="-285750">
+              <a:lnSpc>
+                <a:spcPct val="150000"/>
+              </a:lnSpc>
               <a:buFont typeface="Arial" panose="020B0604020202020204" pitchFamily="34" charset="0"/>
               <a:buChar char="•"/>
             </a:pPr>
             <a:r>
-              <a:rPr lang="en-US" dirty="0"/>
-              <a:t>Track Sales Person activity</a:t>
-            </a:r>
+              <a:rPr lang="en-US" dirty="0" smtClean="0"/>
+              <a:t>Ability to query all data with read only access</a:t>
+            </a:r>
+            <a:endParaRPr lang="en-US" dirty="0"/>
           </a:p>
           <a:p>
             <a:pPr marL="742950" lvl="1" indent="-285750">
+              <a:lnSpc>
+                <a:spcPct val="150000"/>
+              </a:lnSpc>
               <a:buFont typeface="Arial" panose="020B0604020202020204" pitchFamily="34" charset="0"/>
               <a:buChar char="•"/>
             </a:pPr>
             <a:r>
+              <a:rPr lang="en-US" dirty="0" smtClean="0"/>
+              <a:t>As a Manager, track </a:t>
+            </a:r>
+            <a:r>
               <a:rPr lang="en-US" dirty="0"/>
-              <a:t>Show reports as a data table and diagram with ability of export in to excel file and print in to</a:t>
+              <a:t>Sales Person activity</a:t>
             </a:r>
           </a:p>
           <a:p>
             <a:pPr marL="742950" lvl="1" indent="-285750">
+              <a:lnSpc>
+                <a:spcPct val="150000"/>
+              </a:lnSpc>
               <a:buFont typeface="Arial" panose="020B0604020202020204" pitchFamily="34" charset="0"/>
               <a:buChar char="•"/>
             </a:pPr>
             <a:r>
               <a:rPr lang="en-US" dirty="0"/>
-              <a:t>Increase efficiency</a:t>
+              <a:t>Show reports as a data table and diagram with ability of export in to excel file and print in to</a:t>
             </a:r>
           </a:p>
           <a:p>
             <a:pPr marL="742950" lvl="1" indent="-285750">
+              <a:lnSpc>
+                <a:spcPct val="150000"/>
+              </a:lnSpc>
               <a:buFont typeface="Arial" panose="020B0604020202020204" pitchFamily="34" charset="0"/>
               <a:buChar char="•"/>
             </a:pPr>
             <a:r>
+              <a:rPr lang="en-US" dirty="0" smtClean="0"/>
+              <a:t>The </a:t>
+            </a:r>
+            <a:r>
               <a:rPr lang="en-US" dirty="0"/>
-              <a:t>The goal is simple: Improve business relationships.</a:t>
-            </a:r>
+              <a:t>goal is simple: Improve </a:t>
+            </a:r>
+            <a:r>
+              <a:rPr lang="en-US" dirty="0" smtClean="0"/>
+              <a:t>business relationships and </a:t>
+            </a:r>
+            <a:r>
+              <a:rPr lang="en-US" dirty="0" smtClean="0"/>
+              <a:t>increase efficiency</a:t>
+            </a:r>
+            <a:r>
+              <a:rPr lang="en-US" dirty="0" smtClean="0"/>
+              <a:t>.</a:t>
+            </a:r>
+            <a:endParaRPr lang="en-US" dirty="0"/>
           </a:p>
         </p:txBody>
       </p:sp>
@@ -3959,6 +4236,13 @@
   <p:clrMapOvr>
     <a:masterClrMapping/>
   </p:clrMapOvr>
+  <p:timing>
+    <p:tnLst>
+      <p:par>
+        <p:cTn id="1" dur="indefinite" restart="never" nodeType="tmRoot"/>
+      </p:par>
+    </p:tnLst>
+  </p:timing>
 </p:sld>
 </file>
 
@@ -4205,6 +4489,13 @@
   <p:clrMapOvr>
     <a:masterClrMapping/>
   </p:clrMapOvr>
+  <p:timing>
+    <p:tnLst>
+      <p:par>
+        <p:cTn id="1" dur="indefinite" restart="never" nodeType="tmRoot"/>
+      </p:par>
+    </p:tnLst>
+  </p:timing>
 </p:sld>
 </file>
 
@@ -4464,6 +4755,13 @@
   <p:clrMapOvr>
     <a:masterClrMapping/>
   </p:clrMapOvr>
+  <p:timing>
+    <p:tnLst>
+      <p:par>
+        <p:cTn id="1" dur="indefinite" restart="never" nodeType="tmRoot"/>
+      </p:par>
+    </p:tnLst>
+  </p:timing>
 </p:sld>
 </file>
 
@@ -4492,8 +4790,8 @@
         </p:nvSpPr>
         <p:spPr>
           <a:xfrm>
-            <a:off x="488576" y="394448"/>
-            <a:ext cx="9069762" cy="2062103"/>
+            <a:off x="488575" y="394448"/>
+            <a:ext cx="11066115" cy="2616101"/>
           </a:xfrm>
           <a:prstGeom prst="rect">
             <a:avLst/>
@@ -4541,79 +4839,63 @@
             </a:pPr>
             <a:r>
               <a:rPr lang="en-US" sz="2400" dirty="0"/>
-              <a:t>Prevent user to close login screen without enter the information</a:t>
-            </a:r>
-          </a:p>
-        </p:txBody>
-      </p:sp>
-      <p:sp>
-        <p:nvSpPr>
-          <p:cNvPr id="8" name="TextBox 7">
-            <a:extLst>
-              <a:ext uri="{FF2B5EF4-FFF2-40B4-BE49-F238E27FC236}">
-                <a16:creationId xmlns:a16="http://schemas.microsoft.com/office/drawing/2014/main" id="{E988993C-2776-4AAE-AA31-6D5401579032}"/>
-              </a:ext>
-            </a:extLst>
-          </p:cNvPr>
-          <p:cNvSpPr txBox="1"/>
-          <p:nvPr/>
-        </p:nvSpPr>
-        <p:spPr>
-          <a:xfrm>
-            <a:off x="2089898" y="2779620"/>
-            <a:ext cx="3599330" cy="369332"/>
-          </a:xfrm>
-          <a:prstGeom prst="rect">
-            <a:avLst/>
-          </a:prstGeom>
-          <a:noFill/>
-        </p:spPr>
-        <p:txBody>
-          <a:bodyPr wrap="square" rtlCol="0">
-            <a:spAutoFit/>
-          </a:bodyPr>
-          <a:lstStyle/>
-          <a:p>
-            <a:r>
-              <a:rPr lang="en-CA" dirty="0" smtClean="0"/>
-              <a:t>Store </a:t>
-            </a:r>
-            <a:r>
-              <a:rPr lang="en-CA" dirty="0"/>
-              <a:t>User id from Login Screen</a:t>
-            </a:r>
+              <a:t>Prevent user to close login screen without enter the </a:t>
+            </a:r>
+            <a:r>
+              <a:rPr lang="en-US" sz="2400" dirty="0" smtClean="0"/>
+              <a:t>information</a:t>
+            </a:r>
+          </a:p>
+          <a:p>
+            <a:pPr marL="742950" lvl="1" indent="-285750">
+              <a:lnSpc>
+                <a:spcPct val="150000"/>
+              </a:lnSpc>
+              <a:buFont typeface="Arial" panose="020B0604020202020204" pitchFamily="34" charset="0"/>
+              <a:buChar char="•"/>
+            </a:pPr>
+            <a:r>
+              <a:rPr lang="en-US" sz="2400" dirty="0"/>
+              <a:t>Send Email </a:t>
+            </a:r>
+            <a:r>
+              <a:rPr lang="en-US" sz="2400" dirty="0" smtClean="0"/>
+              <a:t>and Create Calendar using </a:t>
+            </a:r>
+            <a:r>
+              <a:rPr lang="en-US" sz="2400" dirty="0"/>
+              <a:t>Outlook (Using </a:t>
+            </a:r>
+            <a:r>
+              <a:rPr lang="en-US" sz="2400" dirty="0" err="1" smtClean="0"/>
+              <a:t>Interop.Outlook</a:t>
+            </a:r>
+            <a:r>
+              <a:rPr lang="en-US" sz="2400" dirty="0"/>
+              <a:t>)</a:t>
+            </a:r>
+            <a:endParaRPr lang="en-US" sz="2400" dirty="0"/>
           </a:p>
         </p:txBody>
       </p:sp>
       <p:pic>
         <p:nvPicPr>
-          <p:cNvPr id="10" name="Picture 9">
-            <a:extLst>
-              <a:ext uri="{FF2B5EF4-FFF2-40B4-BE49-F238E27FC236}">
-                <a16:creationId xmlns:a16="http://schemas.microsoft.com/office/drawing/2014/main" id="{D4BEECD2-CED0-4880-8896-8B5ED8BD9E77}"/>
-              </a:ext>
-            </a:extLst>
-          </p:cNvPr>
+          <p:cNvPr id="6" name="Picture 5"/>
           <p:cNvPicPr>
             <a:picLocks noChangeAspect="1"/>
           </p:cNvPicPr>
           <p:nvPr/>
         </p:nvPicPr>
-        <p:blipFill rotWithShape="1">
-          <a:blip r:embed="rId2" cstate="print">
-            <a:extLst>
-              <a:ext uri="{28A0092B-C50C-407E-A947-70E740481C1C}">
-                <a14:useLocalDpi xmlns:a14="http://schemas.microsoft.com/office/drawing/2010/main" val="0"/>
-              </a:ext>
-            </a:extLst>
-          </a:blip>
-          <a:srcRect l="8386" t="5699" r="2608" b="10520"/>
-          <a:stretch/>
+        <p:blipFill>
+          <a:blip r:embed="rId2"/>
+          <a:stretch>
+            <a:fillRect/>
+          </a:stretch>
         </p:blipFill>
         <p:spPr>
           <a:xfrm>
-            <a:off x="6730393" y="2669711"/>
-            <a:ext cx="5395913" cy="4083513"/>
+            <a:off x="82557" y="3117792"/>
+            <a:ext cx="6459559" cy="3457575"/>
           </a:xfrm>
           <a:prstGeom prst="rect">
             <a:avLst/>
@@ -4622,33 +4904,22 @@
       </p:pic>
       <p:pic>
         <p:nvPicPr>
-          <p:cNvPr id="12" name="Picture 11">
-            <a:extLst>
-              <a:ext uri="{FF2B5EF4-FFF2-40B4-BE49-F238E27FC236}">
-                <a16:creationId xmlns:a16="http://schemas.microsoft.com/office/drawing/2014/main" id="{3A267280-72B7-487C-AF97-B00C12D2F4B9}"/>
-              </a:ext>
-            </a:extLst>
-          </p:cNvPr>
+          <p:cNvPr id="3" name="Picture 2"/>
           <p:cNvPicPr>
             <a:picLocks noChangeAspect="1"/>
           </p:cNvPicPr>
           <p:nvPr/>
         </p:nvPicPr>
-        <p:blipFill rotWithShape="1">
-          <a:blip r:embed="rId3" cstate="print">
-            <a:extLst>
-              <a:ext uri="{28A0092B-C50C-407E-A947-70E740481C1C}">
-                <a14:useLocalDpi xmlns:a14="http://schemas.microsoft.com/office/drawing/2010/main" val="0"/>
-              </a:ext>
-            </a:extLst>
-          </a:blip>
-          <a:srcRect l="2827" r="8141"/>
-          <a:stretch/>
+        <p:blipFill>
+          <a:blip r:embed="rId3"/>
+          <a:stretch>
+            <a:fillRect/>
+          </a:stretch>
         </p:blipFill>
         <p:spPr>
           <a:xfrm>
-            <a:off x="200026" y="3365469"/>
-            <a:ext cx="6700838" cy="2392394"/>
+            <a:off x="6730105" y="3117791"/>
+            <a:ext cx="4733145" cy="3474243"/>
           </a:xfrm>
           <a:prstGeom prst="rect">
             <a:avLst/>
@@ -4665,6 +4936,13 @@
   <p:clrMapOvr>
     <a:masterClrMapping/>
   </p:clrMapOvr>
+  <p:timing>
+    <p:tnLst>
+      <p:par>
+        <p:cTn id="1" dur="indefinite" restart="never" nodeType="tmRoot"/>
+      </p:par>
+    </p:tnLst>
+  </p:timing>
 </p:sld>
 </file>
 
@@ -4758,41 +5036,6 @@
           </a:prstGeom>
         </p:spPr>
       </p:pic>
-      <p:pic>
-        <p:nvPicPr>
-          <p:cNvPr id="6" name="Picture 5">
-            <a:extLst>
-              <a:ext uri="{FF2B5EF4-FFF2-40B4-BE49-F238E27FC236}">
-                <a16:creationId xmlns:a16="http://schemas.microsoft.com/office/drawing/2014/main" id="{477DC937-92D5-449E-AB0C-E13847D044AC}"/>
-              </a:ext>
-            </a:extLst>
-          </p:cNvPr>
-          <p:cNvPicPr>
-            <a:picLocks noChangeAspect="1"/>
-          </p:cNvPicPr>
-          <p:nvPr/>
-        </p:nvPicPr>
-        <p:blipFill rotWithShape="1">
-          <a:blip r:embed="rId3" cstate="print">
-            <a:extLst>
-              <a:ext uri="{28A0092B-C50C-407E-A947-70E740481C1C}">
-                <a14:useLocalDpi xmlns:a14="http://schemas.microsoft.com/office/drawing/2010/main" val="0"/>
-              </a:ext>
-            </a:extLst>
-          </a:blip>
-          <a:srcRect l="2367" r="2759"/>
-          <a:stretch/>
-        </p:blipFill>
-        <p:spPr>
-          <a:xfrm>
-            <a:off x="6221225" y="702708"/>
-            <a:ext cx="5751700" cy="4569934"/>
-          </a:xfrm>
-          <a:prstGeom prst="rect">
-            <a:avLst/>
-          </a:prstGeom>
-        </p:spPr>
-      </p:pic>
       <p:sp>
         <p:nvSpPr>
           <p:cNvPr id="7" name="TextBox 6">
@@ -4807,8 +5050,8 @@
         </p:nvSpPr>
         <p:spPr>
           <a:xfrm>
-            <a:off x="7786688" y="5403450"/>
-            <a:ext cx="3676650" cy="369332"/>
+            <a:off x="8855825" y="5403450"/>
+            <a:ext cx="3117100" cy="369332"/>
           </a:xfrm>
           <a:prstGeom prst="rect">
             <a:avLst/>
@@ -4869,6 +5112,54 @@
           </a:p>
         </p:txBody>
       </p:sp>
+      <p:pic>
+        <p:nvPicPr>
+          <p:cNvPr id="3" name="Picture 2"/>
+          <p:cNvPicPr>
+            <a:picLocks noChangeAspect="1"/>
+          </p:cNvPicPr>
+          <p:nvPr/>
+        </p:nvPicPr>
+        <p:blipFill>
+          <a:blip r:embed="rId3"/>
+          <a:stretch>
+            <a:fillRect/>
+          </a:stretch>
+        </p:blipFill>
+        <p:spPr>
+          <a:xfrm>
+            <a:off x="3193488" y="4705004"/>
+            <a:ext cx="5723731" cy="2115127"/>
+          </a:xfrm>
+          <a:prstGeom prst="rect">
+            <a:avLst/>
+          </a:prstGeom>
+        </p:spPr>
+      </p:pic>
+      <p:pic>
+        <p:nvPicPr>
+          <p:cNvPr id="5" name="Picture 4"/>
+          <p:cNvPicPr>
+            <a:picLocks noChangeAspect="1"/>
+          </p:cNvPicPr>
+          <p:nvPr/>
+        </p:nvPicPr>
+        <p:blipFill>
+          <a:blip r:embed="rId4"/>
+          <a:stretch>
+            <a:fillRect/>
+          </a:stretch>
+        </p:blipFill>
+        <p:spPr>
+          <a:xfrm>
+            <a:off x="5845285" y="680221"/>
+            <a:ext cx="6143868" cy="3960065"/>
+          </a:xfrm>
+          <a:prstGeom prst="rect">
+            <a:avLst/>
+          </a:prstGeom>
+        </p:spPr>
+      </p:pic>
     </p:spTree>
     <p:extLst>
       <p:ext uri="{BB962C8B-B14F-4D97-AF65-F5344CB8AC3E}">
@@ -4879,6 +5170,13 @@
   <p:clrMapOvr>
     <a:masterClrMapping/>
   </p:clrMapOvr>
+  <p:timing>
+    <p:tnLst>
+      <p:par>
+        <p:cTn id="1" dur="indefinite" restart="never" nodeType="tmRoot"/>
+      </p:par>
+    </p:tnLst>
+  </p:timing>
 </p:sld>
 </file>
 
@@ -4914,7 +5212,7 @@
         <p:spPr>
           <a:xfrm>
             <a:off x="49306" y="225041"/>
-            <a:ext cx="12023632" cy="2308324"/>
+            <a:ext cx="12023632" cy="1200329"/>
           </a:xfrm>
           <a:prstGeom prst="rect">
             <a:avLst/>
@@ -4934,34 +5232,12 @@
               <a:buChar char="•"/>
             </a:pPr>
             <a:r>
+              <a:rPr lang="en-US" sz="2400" dirty="0" smtClean="0"/>
+              <a:t>Export </a:t>
+            </a:r>
+            <a:r>
               <a:rPr lang="en-US" sz="2400" dirty="0"/>
-              <a:t>Record in Outlook and send the meeting to recipient</a:t>
-            </a:r>
-          </a:p>
-          <a:p>
-            <a:pPr marL="742950" lvl="1" indent="-285750">
-              <a:lnSpc>
-                <a:spcPct val="150000"/>
-              </a:lnSpc>
-              <a:buFont typeface="Arial" panose="020B0604020202020204" pitchFamily="34" charset="0"/>
-              <a:buChar char="•"/>
-            </a:pPr>
-            <a:r>
-              <a:rPr lang="en-US" sz="2400" dirty="0"/>
-              <a:t>Send Email using Outlook (Using Microsoft.Office.Interop.Outlook)</a:t>
-            </a:r>
-          </a:p>
-          <a:p>
-            <a:pPr marL="742950" lvl="1" indent="-285750">
-              <a:lnSpc>
-                <a:spcPct val="150000"/>
-              </a:lnSpc>
-              <a:buFont typeface="Arial" panose="020B0604020202020204" pitchFamily="34" charset="0"/>
-              <a:buChar char="•"/>
-            </a:pPr>
-            <a:r>
-              <a:rPr lang="en-US" sz="2400" dirty="0"/>
-              <a:t>Export to Excel and Print to PDF (Using DocumentFormatOpenXml and ITextSharp)</a:t>
+              <a:t>to Excel and Print to PDF (Using DocumentFormatOpenXml and ITextSharp)</a:t>
             </a:r>
           </a:p>
           <a:p>
@@ -5000,7 +5276,7 @@
         </p:blipFill>
         <p:spPr>
           <a:xfrm>
-            <a:off x="6610138" y="2216731"/>
+            <a:off x="6096000" y="825205"/>
             <a:ext cx="5462800" cy="2912481"/>
           </a:xfrm>
           <a:prstGeom prst="rect">
@@ -5010,7 +5286,7 @@
       </p:pic>
       <p:pic>
         <p:nvPicPr>
-          <p:cNvPr id="4" name="Picture 3"/>
+          <p:cNvPr id="5" name="Picture 4"/>
           <p:cNvPicPr>
             <a:picLocks noChangeAspect="1"/>
           </p:cNvPicPr>
@@ -5024,8 +5300,32 @@
         </p:blipFill>
         <p:spPr>
           <a:xfrm>
-            <a:off x="49306" y="3400425"/>
-            <a:ext cx="6448425" cy="3457575"/>
+            <a:off x="225483" y="1425370"/>
+            <a:ext cx="4896587" cy="4114713"/>
+          </a:xfrm>
+          <a:prstGeom prst="rect">
+            <a:avLst/>
+          </a:prstGeom>
+        </p:spPr>
+      </p:pic>
+      <p:pic>
+        <p:nvPicPr>
+          <p:cNvPr id="6" name="Picture 5"/>
+          <p:cNvPicPr>
+            <a:picLocks noChangeAspect="1"/>
+          </p:cNvPicPr>
+          <p:nvPr/>
+        </p:nvPicPr>
+        <p:blipFill>
+          <a:blip r:embed="rId4"/>
+          <a:stretch>
+            <a:fillRect/>
+          </a:stretch>
+        </p:blipFill>
+        <p:spPr>
+          <a:xfrm>
+            <a:off x="6061122" y="3796403"/>
+            <a:ext cx="5410442" cy="2989553"/>
           </a:xfrm>
           <a:prstGeom prst="rect">
             <a:avLst/>
@@ -5042,6 +5342,13 @@
   <p:clrMapOvr>
     <a:masterClrMapping/>
   </p:clrMapOvr>
+  <p:timing>
+    <p:tnLst>
+      <p:par>
+        <p:cTn id="1" dur="indefinite" restart="never" nodeType="tmRoot"/>
+      </p:par>
+    </p:tnLst>
+  </p:timing>
 </p:sld>
 </file>
 
@@ -5206,6 +5513,13 @@
   <p:clrMapOvr>
     <a:masterClrMapping/>
   </p:clrMapOvr>
+  <p:timing>
+    <p:tnLst>
+      <p:par>
+        <p:cTn id="1" dur="indefinite" restart="never" nodeType="tmRoot"/>
+      </p:par>
+    </p:tnLst>
+  </p:timing>
 </p:sld>
 </file>
 
@@ -5347,6 +5661,13 @@
   <p:clrMapOvr>
     <a:masterClrMapping/>
   </p:clrMapOvr>
+  <p:timing>
+    <p:tnLst>
+      <p:par>
+        <p:cTn id="1" dur="indefinite" restart="never" nodeType="tmRoot"/>
+      </p:par>
+    </p:tnLst>
+  </p:timing>
 </p:sld>
 </file>
 
